--- a/docs/presentations/OBI workshop Oct 2011 Philly/Phenotype.pptx
+++ b/docs/presentations/OBI workshop Oct 2011 Philly/Phenotype.pptx
@@ -11,9 +11,12 @@
   </p:sldMasterIdLst>
   <p:sldIdLst>
     <p:sldId id="256" r:id="rId7"/>
-    <p:sldId id="257" r:id="rId8"/>
-    <p:sldId id="259" r:id="rId9"/>
-    <p:sldId id="258" r:id="rId10"/>
+    <p:sldId id="260" r:id="rId8"/>
+    <p:sldId id="257" r:id="rId9"/>
+    <p:sldId id="261" r:id="rId10"/>
+    <p:sldId id="262" r:id="rId11"/>
+    <p:sldId id="258" r:id="rId12"/>
+    <p:sldId id="259" r:id="rId13"/>
   </p:sldIdLst>
   <p:sldSz cx="9144000" cy="6858000" type="screen4x3"/>
   <p:notesSz cx="6858000" cy="9144000"/>
@@ -963,7 +966,8 @@
           <a:p>
             <a:fld id="{FC4E1F84-22AE-408B-8AEE-B5F39E910140}" type="datetimeFigureOut">
               <a:rPr lang="en-US" smtClean="0"/>
-              <a:t>10/3/2011</a:t>
+              <a:pPr/>
+              <a:t>10/4/2011</a:t>
             </a:fld>
             <a:endParaRPr lang="en-US"/>
           </a:p>
@@ -988,6 +992,7 @@
           <a:p>
             <a:fld id="{700068D3-86B4-4F8E-B6AD-2596F9145F76}" type="slidenum">
               <a:rPr lang="en-US" smtClean="0"/>
+              <a:pPr/>
               <a:t>‹#›</a:t>
             </a:fld>
             <a:endParaRPr lang="en-US"/>
@@ -1165,7 +1170,8 @@
           <a:p>
             <a:fld id="{FC4E1F84-22AE-408B-8AEE-B5F39E910140}" type="datetimeFigureOut">
               <a:rPr lang="en-US" smtClean="0"/>
-              <a:t>10/3/2011</a:t>
+              <a:pPr/>
+              <a:t>10/4/2011</a:t>
             </a:fld>
             <a:endParaRPr lang="en-US"/>
           </a:p>
@@ -1207,6 +1213,7 @@
           <a:p>
             <a:fld id="{700068D3-86B4-4F8E-B6AD-2596F9145F76}" type="slidenum">
               <a:rPr lang="en-US" smtClean="0"/>
+              <a:pPr/>
               <a:t>‹#›</a:t>
             </a:fld>
             <a:endParaRPr lang="en-US"/>
@@ -1371,7 +1378,7 @@
             <a:fld id="{39C41B7C-DC17-4ECC-A2D3-90661E3E8418}" type="datetimeFigureOut">
               <a:rPr lang="en-US" smtClean="0"/>
               <a:pPr/>
-              <a:t>10/3/2011</a:t>
+              <a:t>10/4/2011</a:t>
             </a:fld>
             <a:endParaRPr lang="en-US"/>
           </a:p>
@@ -2254,7 +2261,7 @@
             <a:fld id="{39C41B7C-DC17-4ECC-A2D3-90661E3E8418}" type="datetimeFigureOut">
               <a:rPr lang="en-US" smtClean="0"/>
               <a:pPr/>
-              <a:t>10/3/2011</a:t>
+              <a:t>10/4/2011</a:t>
             </a:fld>
             <a:endParaRPr lang="en-US"/>
           </a:p>
@@ -2473,7 +2480,7 @@
             <a:fld id="{39C41B7C-DC17-4ECC-A2D3-90661E3E8418}" type="datetimeFigureOut">
               <a:rPr lang="en-US" smtClean="0"/>
               <a:pPr/>
-              <a:t>10/3/2011</a:t>
+              <a:t>10/4/2011</a:t>
             </a:fld>
             <a:endParaRPr lang="en-US"/>
           </a:p>
@@ -3296,7 +3303,7 @@
             <a:fld id="{39C41B7C-DC17-4ECC-A2D3-90661E3E8418}" type="datetimeFigureOut">
               <a:rPr lang="en-US" smtClean="0"/>
               <a:pPr/>
-              <a:t>10/3/2011</a:t>
+              <a:t>10/4/2011</a:t>
             </a:fld>
             <a:endParaRPr lang="en-US"/>
           </a:p>
@@ -3541,7 +3548,7 @@
             <a:fld id="{39C41B7C-DC17-4ECC-A2D3-90661E3E8418}" type="datetimeFigureOut">
               <a:rPr lang="en-US" smtClean="0"/>
               <a:pPr/>
-              <a:t>10/3/2011</a:t>
+              <a:t>10/4/2011</a:t>
             </a:fld>
             <a:endParaRPr lang="en-US"/>
           </a:p>
@@ -3873,7 +3880,7 @@
             <a:fld id="{39C41B7C-DC17-4ECC-A2D3-90661E3E8418}" type="datetimeFigureOut">
               <a:rPr lang="en-US" smtClean="0"/>
               <a:pPr/>
-              <a:t>10/3/2011</a:t>
+              <a:t>10/4/2011</a:t>
             </a:fld>
             <a:endParaRPr lang="en-US"/>
           </a:p>
@@ -3972,7 +3979,7 @@
             <a:fld id="{39C41B7C-DC17-4ECC-A2D3-90661E3E8418}" type="datetimeFigureOut">
               <a:rPr lang="en-US" smtClean="0"/>
               <a:pPr/>
-              <a:t>10/3/2011</a:t>
+              <a:t>10/4/2011</a:t>
             </a:fld>
             <a:endParaRPr lang="en-US"/>
           </a:p>
@@ -4498,7 +4505,7 @@
             <a:fld id="{39C41B7C-DC17-4ECC-A2D3-90661E3E8418}" type="datetimeFigureOut">
               <a:rPr lang="en-US" smtClean="0"/>
               <a:pPr/>
-              <a:t>10/3/2011</a:t>
+              <a:t>10/4/2011</a:t>
             </a:fld>
             <a:endParaRPr lang="en-US"/>
           </a:p>
@@ -5018,7 +5025,7 @@
             <a:fld id="{39C41B7C-DC17-4ECC-A2D3-90661E3E8418}" type="datetimeFigureOut">
               <a:rPr lang="en-US" smtClean="0"/>
               <a:pPr/>
-              <a:t>10/3/2011</a:t>
+              <a:t>10/4/2011</a:t>
             </a:fld>
             <a:endParaRPr lang="en-US"/>
           </a:p>
@@ -5172,7 +5179,8 @@
           <a:p>
             <a:fld id="{FC4E1F84-22AE-408B-8AEE-B5F39E910140}" type="datetimeFigureOut">
               <a:rPr lang="en-US" smtClean="0"/>
-              <a:t>10/3/2011</a:t>
+              <a:pPr/>
+              <a:t>10/4/2011</a:t>
             </a:fld>
             <a:endParaRPr lang="en-US"/>
           </a:p>
@@ -5197,6 +5205,7 @@
           <a:p>
             <a:fld id="{700068D3-86B4-4F8E-B6AD-2596F9145F76}" type="slidenum">
               <a:rPr lang="en-US" smtClean="0"/>
+              <a:pPr/>
               <a:t>‹#›</a:t>
             </a:fld>
             <a:endParaRPr lang="en-US"/>
@@ -5374,7 +5383,7 @@
             <a:fld id="{39C41B7C-DC17-4ECC-A2D3-90661E3E8418}" type="datetimeFigureOut">
               <a:rPr lang="en-US" smtClean="0"/>
               <a:pPr/>
-              <a:t>10/3/2011</a:t>
+              <a:t>10/4/2011</a:t>
             </a:fld>
             <a:endParaRPr lang="en-US"/>
           </a:p>
@@ -5558,7 +5567,7 @@
             <a:fld id="{39C41B7C-DC17-4ECC-A2D3-90661E3E8418}" type="datetimeFigureOut">
               <a:rPr lang="en-US" smtClean="0"/>
               <a:pPr/>
-              <a:t>10/3/2011</a:t>
+              <a:t>10/4/2011</a:t>
             </a:fld>
             <a:endParaRPr lang="en-US"/>
           </a:p>
@@ -5765,7 +5774,7 @@
             <a:fld id="{39C41B7C-DC17-4ECC-A2D3-90661E3E8418}" type="datetimeFigureOut">
               <a:rPr lang="en-US" smtClean="0"/>
               <a:pPr/>
-              <a:t>10/3/2011</a:t>
+              <a:t>10/4/2011</a:t>
             </a:fld>
             <a:endParaRPr lang="en-US"/>
           </a:p>
@@ -6648,7 +6657,7 @@
             <a:fld id="{39C41B7C-DC17-4ECC-A2D3-90661E3E8418}" type="datetimeFigureOut">
               <a:rPr lang="en-US" smtClean="0"/>
               <a:pPr/>
-              <a:t>10/3/2011</a:t>
+              <a:t>10/4/2011</a:t>
             </a:fld>
             <a:endParaRPr lang="en-US"/>
           </a:p>
@@ -6867,7 +6876,7 @@
             <a:fld id="{39C41B7C-DC17-4ECC-A2D3-90661E3E8418}" type="datetimeFigureOut">
               <a:rPr lang="en-US" smtClean="0"/>
               <a:pPr/>
-              <a:t>10/3/2011</a:t>
+              <a:t>10/4/2011</a:t>
             </a:fld>
             <a:endParaRPr lang="en-US"/>
           </a:p>
@@ -7690,7 +7699,7 @@
             <a:fld id="{39C41B7C-DC17-4ECC-A2D3-90661E3E8418}" type="datetimeFigureOut">
               <a:rPr lang="en-US" smtClean="0"/>
               <a:pPr/>
-              <a:t>10/3/2011</a:t>
+              <a:t>10/4/2011</a:t>
             </a:fld>
             <a:endParaRPr lang="en-US"/>
           </a:p>
@@ -7935,7 +7944,7 @@
             <a:fld id="{39C41B7C-DC17-4ECC-A2D3-90661E3E8418}" type="datetimeFigureOut">
               <a:rPr lang="en-US" smtClean="0"/>
               <a:pPr/>
-              <a:t>10/3/2011</a:t>
+              <a:t>10/4/2011</a:t>
             </a:fld>
             <a:endParaRPr lang="en-US"/>
           </a:p>
@@ -8267,7 +8276,7 @@
             <a:fld id="{39C41B7C-DC17-4ECC-A2D3-90661E3E8418}" type="datetimeFigureOut">
               <a:rPr lang="en-US" smtClean="0"/>
               <a:pPr/>
-              <a:t>10/3/2011</a:t>
+              <a:t>10/4/2011</a:t>
             </a:fld>
             <a:endParaRPr lang="en-US"/>
           </a:p>
@@ -8366,7 +8375,7 @@
             <a:fld id="{39C41B7C-DC17-4ECC-A2D3-90661E3E8418}" type="datetimeFigureOut">
               <a:rPr lang="en-US" smtClean="0"/>
               <a:pPr/>
-              <a:t>10/3/2011</a:t>
+              <a:t>10/4/2011</a:t>
             </a:fld>
             <a:endParaRPr lang="en-US"/>
           </a:p>
@@ -8892,7 +8901,7 @@
             <a:fld id="{39C41B7C-DC17-4ECC-A2D3-90661E3E8418}" type="datetimeFigureOut">
               <a:rPr lang="en-US" smtClean="0"/>
               <a:pPr/>
-              <a:t>10/3/2011</a:t>
+              <a:t>10/4/2011</a:t>
             </a:fld>
             <a:endParaRPr lang="en-US"/>
           </a:p>
@@ -8992,7 +9001,8 @@
           <a:p>
             <a:fld id="{FC4E1F84-22AE-408B-8AEE-B5F39E910140}" type="datetimeFigureOut">
               <a:rPr lang="en-US" smtClean="0"/>
-              <a:t>10/3/2011</a:t>
+              <a:pPr/>
+              <a:t>10/4/2011</a:t>
             </a:fld>
             <a:endParaRPr lang="en-US"/>
           </a:p>
@@ -9038,6 +9048,7 @@
           <a:p>
             <a:fld id="{700068D3-86B4-4F8E-B6AD-2596F9145F76}" type="slidenum">
               <a:rPr lang="en-US" smtClean="0"/>
+              <a:pPr/>
               <a:t>‹#›</a:t>
             </a:fld>
             <a:endParaRPr lang="en-US"/>
@@ -9585,7 +9596,7 @@
             <a:fld id="{39C41B7C-DC17-4ECC-A2D3-90661E3E8418}" type="datetimeFigureOut">
               <a:rPr lang="en-US" smtClean="0"/>
               <a:pPr/>
-              <a:t>10/3/2011</a:t>
+              <a:t>10/4/2011</a:t>
             </a:fld>
             <a:endParaRPr lang="en-US"/>
           </a:p>
@@ -9759,7 +9770,7 @@
             <a:fld id="{39C41B7C-DC17-4ECC-A2D3-90661E3E8418}" type="datetimeFigureOut">
               <a:rPr lang="en-US" smtClean="0"/>
               <a:pPr/>
-              <a:t>10/3/2011</a:t>
+              <a:t>10/4/2011</a:t>
             </a:fld>
             <a:endParaRPr lang="en-US"/>
           </a:p>
@@ -9943,7 +9954,7 @@
             <a:fld id="{39C41B7C-DC17-4ECC-A2D3-90661E3E8418}" type="datetimeFigureOut">
               <a:rPr lang="en-US" smtClean="0"/>
               <a:pPr/>
-              <a:t>10/3/2011</a:t>
+              <a:t>10/4/2011</a:t>
             </a:fld>
             <a:endParaRPr lang="en-US"/>
           </a:p>
@@ -10150,7 +10161,7 @@
             <a:fld id="{39C41B7C-DC17-4ECC-A2D3-90661E3E8418}" type="datetimeFigureOut">
               <a:rPr lang="en-US" smtClean="0"/>
               <a:pPr/>
-              <a:t>10/3/2011</a:t>
+              <a:t>10/4/2011</a:t>
             </a:fld>
             <a:endParaRPr lang="en-US"/>
           </a:p>
@@ -11033,7 +11044,7 @@
             <a:fld id="{39C41B7C-DC17-4ECC-A2D3-90661E3E8418}" type="datetimeFigureOut">
               <a:rPr lang="en-US" smtClean="0"/>
               <a:pPr/>
-              <a:t>10/3/2011</a:t>
+              <a:t>10/4/2011</a:t>
             </a:fld>
             <a:endParaRPr lang="en-US"/>
           </a:p>
@@ -11252,7 +11263,7 @@
             <a:fld id="{39C41B7C-DC17-4ECC-A2D3-90661E3E8418}" type="datetimeFigureOut">
               <a:rPr lang="en-US" smtClean="0"/>
               <a:pPr/>
-              <a:t>10/3/2011</a:t>
+              <a:t>10/4/2011</a:t>
             </a:fld>
             <a:endParaRPr lang="en-US"/>
           </a:p>
@@ -12075,7 +12086,7 @@
             <a:fld id="{39C41B7C-DC17-4ECC-A2D3-90661E3E8418}" type="datetimeFigureOut">
               <a:rPr lang="en-US" smtClean="0"/>
               <a:pPr/>
-              <a:t>10/3/2011</a:t>
+              <a:t>10/4/2011</a:t>
             </a:fld>
             <a:endParaRPr lang="en-US"/>
           </a:p>
@@ -12320,7 +12331,7 @@
             <a:fld id="{39C41B7C-DC17-4ECC-A2D3-90661E3E8418}" type="datetimeFigureOut">
               <a:rPr lang="en-US" smtClean="0"/>
               <a:pPr/>
-              <a:t>10/3/2011</a:t>
+              <a:t>10/4/2011</a:t>
             </a:fld>
             <a:endParaRPr lang="en-US"/>
           </a:p>
@@ -12652,7 +12663,7 @@
             <a:fld id="{39C41B7C-DC17-4ECC-A2D3-90661E3E8418}" type="datetimeFigureOut">
               <a:rPr lang="en-US" smtClean="0"/>
               <a:pPr/>
-              <a:t>10/3/2011</a:t>
+              <a:t>10/4/2011</a:t>
             </a:fld>
             <a:endParaRPr lang="en-US"/>
           </a:p>
@@ -12751,7 +12762,7 @@
             <a:fld id="{39C41B7C-DC17-4ECC-A2D3-90661E3E8418}" type="datetimeFigureOut">
               <a:rPr lang="en-US" smtClean="0"/>
               <a:pPr/>
-              <a:t>10/3/2011</a:t>
+              <a:t>10/4/2011</a:t>
             </a:fld>
             <a:endParaRPr lang="en-US"/>
           </a:p>
@@ -12854,7 +12865,8 @@
           <a:p>
             <a:fld id="{FC4E1F84-22AE-408B-8AEE-B5F39E910140}" type="datetimeFigureOut">
               <a:rPr lang="en-US" smtClean="0"/>
-              <a:t>10/3/2011</a:t>
+              <a:pPr/>
+              <a:t>10/4/2011</a:t>
             </a:fld>
             <a:endParaRPr lang="en-US"/>
           </a:p>
@@ -12900,6 +12912,7 @@
           <a:p>
             <a:fld id="{700068D3-86B4-4F8E-B6AD-2596F9145F76}" type="slidenum">
               <a:rPr lang="en-US" smtClean="0"/>
+              <a:pPr/>
               <a:t>‹#›</a:t>
             </a:fld>
             <a:endParaRPr lang="en-US"/>
@@ -13761,7 +13774,7 @@
             <a:fld id="{39C41B7C-DC17-4ECC-A2D3-90661E3E8418}" type="datetimeFigureOut">
               <a:rPr lang="en-US" smtClean="0"/>
               <a:pPr/>
-              <a:t>10/3/2011</a:t>
+              <a:t>10/4/2011</a:t>
             </a:fld>
             <a:endParaRPr lang="en-US"/>
           </a:p>
@@ -14281,7 +14294,7 @@
             <a:fld id="{39C41B7C-DC17-4ECC-A2D3-90661E3E8418}" type="datetimeFigureOut">
               <a:rPr lang="en-US" smtClean="0"/>
               <a:pPr/>
-              <a:t>10/3/2011</a:t>
+              <a:t>10/4/2011</a:t>
             </a:fld>
             <a:endParaRPr lang="en-US"/>
           </a:p>
@@ -14455,7 +14468,7 @@
             <a:fld id="{39C41B7C-DC17-4ECC-A2D3-90661E3E8418}" type="datetimeFigureOut">
               <a:rPr lang="en-US" smtClean="0"/>
               <a:pPr/>
-              <a:t>10/3/2011</a:t>
+              <a:t>10/4/2011</a:t>
             </a:fld>
             <a:endParaRPr lang="en-US"/>
           </a:p>
@@ -14639,7 +14652,7 @@
             <a:fld id="{39C41B7C-DC17-4ECC-A2D3-90661E3E8418}" type="datetimeFigureOut">
               <a:rPr lang="en-US" smtClean="0"/>
               <a:pPr/>
-              <a:t>10/3/2011</a:t>
+              <a:t>10/4/2011</a:t>
             </a:fld>
             <a:endParaRPr lang="en-US"/>
           </a:p>
@@ -14846,7 +14859,7 @@
             <a:fld id="{39C41B7C-DC17-4ECC-A2D3-90661E3E8418}" type="datetimeFigureOut">
               <a:rPr lang="en-US" smtClean="0"/>
               <a:pPr/>
-              <a:t>10/3/2011</a:t>
+              <a:t>10/4/2011</a:t>
             </a:fld>
             <a:endParaRPr lang="en-US"/>
           </a:p>
@@ -15729,7 +15742,7 @@
             <a:fld id="{39C41B7C-DC17-4ECC-A2D3-90661E3E8418}" type="datetimeFigureOut">
               <a:rPr lang="en-US" smtClean="0"/>
               <a:pPr/>
-              <a:t>10/3/2011</a:t>
+              <a:t>10/4/2011</a:t>
             </a:fld>
             <a:endParaRPr lang="en-US"/>
           </a:p>
@@ -15948,7 +15961,7 @@
             <a:fld id="{39C41B7C-DC17-4ECC-A2D3-90661E3E8418}" type="datetimeFigureOut">
               <a:rPr lang="en-US" smtClean="0"/>
               <a:pPr/>
-              <a:t>10/3/2011</a:t>
+              <a:t>10/4/2011</a:t>
             </a:fld>
             <a:endParaRPr lang="en-US"/>
           </a:p>
@@ -16771,7 +16784,7 @@
             <a:fld id="{39C41B7C-DC17-4ECC-A2D3-90661E3E8418}" type="datetimeFigureOut">
               <a:rPr lang="en-US" smtClean="0"/>
               <a:pPr/>
-              <a:t>10/3/2011</a:t>
+              <a:t>10/4/2011</a:t>
             </a:fld>
             <a:endParaRPr lang="en-US"/>
           </a:p>
@@ -17016,7 +17029,7 @@
             <a:fld id="{39C41B7C-DC17-4ECC-A2D3-90661E3E8418}" type="datetimeFigureOut">
               <a:rPr lang="en-US" smtClean="0"/>
               <a:pPr/>
-              <a:t>10/3/2011</a:t>
+              <a:t>10/4/2011</a:t>
             </a:fld>
             <a:endParaRPr lang="en-US"/>
           </a:p>
@@ -17348,7 +17361,7 @@
             <a:fld id="{39C41B7C-DC17-4ECC-A2D3-90661E3E8418}" type="datetimeFigureOut">
               <a:rPr lang="en-US" smtClean="0"/>
               <a:pPr/>
-              <a:t>10/3/2011</a:t>
+              <a:t>10/4/2011</a:t>
             </a:fld>
             <a:endParaRPr lang="en-US"/>
           </a:p>
@@ -17451,7 +17464,8 @@
           <a:p>
             <a:fld id="{FC4E1F84-22AE-408B-8AEE-B5F39E910140}" type="datetimeFigureOut">
               <a:rPr lang="en-US" smtClean="0"/>
-              <a:t>10/3/2011</a:t>
+              <a:pPr/>
+              <a:t>10/4/2011</a:t>
             </a:fld>
             <a:endParaRPr lang="en-US"/>
           </a:p>
@@ -17497,6 +17511,7 @@
           <a:p>
             <a:fld id="{700068D3-86B4-4F8E-B6AD-2596F9145F76}" type="slidenum">
               <a:rPr lang="en-US" smtClean="0"/>
+              <a:pPr/>
               <a:t>‹#›</a:t>
             </a:fld>
             <a:endParaRPr lang="en-US"/>
@@ -18062,7 +18077,7 @@
             <a:fld id="{39C41B7C-DC17-4ECC-A2D3-90661E3E8418}" type="datetimeFigureOut">
               <a:rPr lang="en-US" smtClean="0"/>
               <a:pPr/>
-              <a:t>10/3/2011</a:t>
+              <a:t>10/4/2011</a:t>
             </a:fld>
             <a:endParaRPr lang="en-US"/>
           </a:p>
@@ -18588,7 +18603,7 @@
             <a:fld id="{39C41B7C-DC17-4ECC-A2D3-90661E3E8418}" type="datetimeFigureOut">
               <a:rPr lang="en-US" smtClean="0"/>
               <a:pPr/>
-              <a:t>10/3/2011</a:t>
+              <a:t>10/4/2011</a:t>
             </a:fld>
             <a:endParaRPr lang="en-US"/>
           </a:p>
@@ -19108,7 +19123,7 @@
             <a:fld id="{39C41B7C-DC17-4ECC-A2D3-90661E3E8418}" type="datetimeFigureOut">
               <a:rPr lang="en-US" smtClean="0"/>
               <a:pPr/>
-              <a:t>10/3/2011</a:t>
+              <a:t>10/4/2011</a:t>
             </a:fld>
             <a:endParaRPr lang="en-US"/>
           </a:p>
@@ -19282,7 +19297,7 @@
             <a:fld id="{39C41B7C-DC17-4ECC-A2D3-90661E3E8418}" type="datetimeFigureOut">
               <a:rPr lang="en-US" smtClean="0"/>
               <a:pPr/>
-              <a:t>10/3/2011</a:t>
+              <a:t>10/4/2011</a:t>
             </a:fld>
             <a:endParaRPr lang="en-US"/>
           </a:p>
@@ -19466,7 +19481,7 @@
             <a:fld id="{39C41B7C-DC17-4ECC-A2D3-90661E3E8418}" type="datetimeFigureOut">
               <a:rPr lang="en-US" smtClean="0"/>
               <a:pPr/>
-              <a:t>10/3/2011</a:t>
+              <a:t>10/4/2011</a:t>
             </a:fld>
             <a:endParaRPr lang="en-US"/>
           </a:p>
@@ -20155,7 +20170,8 @@
           <a:p>
             <a:fld id="{FC4E1F84-22AE-408B-8AEE-B5F39E910140}" type="datetimeFigureOut">
               <a:rPr lang="en-US" smtClean="0"/>
-              <a:t>10/3/2011</a:t>
+              <a:pPr/>
+              <a:t>10/4/2011</a:t>
             </a:fld>
             <a:endParaRPr lang="en-US"/>
           </a:p>
@@ -20217,6 +20233,7 @@
           <a:p>
             <a:fld id="{700068D3-86B4-4F8E-B6AD-2596F9145F76}" type="slidenum">
               <a:rPr lang="en-US" smtClean="0"/>
+              <a:pPr/>
               <a:t>‹#›</a:t>
             </a:fld>
             <a:endParaRPr lang="en-US"/>
@@ -20328,7 +20345,8 @@
           <a:p>
             <a:fld id="{FC4E1F84-22AE-408B-8AEE-B5F39E910140}" type="datetimeFigureOut">
               <a:rPr lang="en-US" smtClean="0"/>
-              <a:t>10/3/2011</a:t>
+              <a:pPr/>
+              <a:t>10/4/2011</a:t>
             </a:fld>
             <a:endParaRPr lang="en-US"/>
           </a:p>
@@ -20374,6 +20392,7 @@
           <a:p>
             <a:fld id="{700068D3-86B4-4F8E-B6AD-2596F9145F76}" type="slidenum">
               <a:rPr lang="en-US" smtClean="0"/>
+              <a:pPr/>
               <a:t>‹#›</a:t>
             </a:fld>
             <a:endParaRPr lang="en-US"/>
@@ -20590,7 +20609,8 @@
           <a:p>
             <a:fld id="{FC4E1F84-22AE-408B-8AEE-B5F39E910140}" type="datetimeFigureOut">
               <a:rPr lang="en-US" smtClean="0"/>
-              <a:t>10/3/2011</a:t>
+              <a:pPr/>
+              <a:t>10/4/2011</a:t>
             </a:fld>
             <a:endParaRPr lang="en-US"/>
           </a:p>
@@ -20636,6 +20656,7 @@
           <a:p>
             <a:fld id="{700068D3-86B4-4F8E-B6AD-2596F9145F76}" type="slidenum">
               <a:rPr lang="en-US" smtClean="0"/>
+              <a:pPr/>
               <a:t>‹#›</a:t>
             </a:fld>
             <a:endParaRPr lang="en-US"/>
@@ -21006,7 +21027,8 @@
           <a:p>
             <a:fld id="{FC4E1F84-22AE-408B-8AEE-B5F39E910140}" type="datetimeFigureOut">
               <a:rPr lang="en-US" smtClean="0"/>
-              <a:t>10/3/2011</a:t>
+              <a:pPr/>
+              <a:t>10/4/2011</a:t>
             </a:fld>
             <a:endParaRPr lang="en-US"/>
           </a:p>
@@ -21052,6 +21074,7 @@
           <a:p>
             <a:fld id="{700068D3-86B4-4F8E-B6AD-2596F9145F76}" type="slidenum">
               <a:rPr lang="en-US" smtClean="0"/>
+              <a:pPr/>
               <a:t>‹#›</a:t>
             </a:fld>
             <a:endParaRPr lang="en-US"/>
@@ -21459,7 +21482,8 @@
           <a:p>
             <a:fld id="{FC4E1F84-22AE-408B-8AEE-B5F39E910140}" type="datetimeFigureOut">
               <a:rPr lang="en-US" smtClean="0"/>
-              <a:t>10/3/2011</a:t>
+              <a:pPr/>
+              <a:t>10/4/2011</a:t>
             </a:fld>
             <a:endParaRPr lang="en-US"/>
           </a:p>
@@ -21505,6 +21529,7 @@
           <a:p>
             <a:fld id="{700068D3-86B4-4F8E-B6AD-2596F9145F76}" type="slidenum">
               <a:rPr lang="en-US" smtClean="0"/>
+              <a:pPr/>
               <a:t>‹#›</a:t>
             </a:fld>
             <a:endParaRPr lang="en-US"/>
@@ -21565,7 +21590,8 @@
           <a:p>
             <a:fld id="{FC4E1F84-22AE-408B-8AEE-B5F39E910140}" type="datetimeFigureOut">
               <a:rPr lang="en-US" smtClean="0"/>
-              <a:t>10/3/2011</a:t>
+              <a:pPr/>
+              <a:t>10/4/2011</a:t>
             </a:fld>
             <a:endParaRPr lang="en-US"/>
           </a:p>
@@ -21611,6 +21637,7 @@
           <a:p>
             <a:fld id="{700068D3-86B4-4F8E-B6AD-2596F9145F76}" type="slidenum">
               <a:rPr lang="en-US" smtClean="0"/>
+              <a:pPr/>
               <a:t>‹#›</a:t>
             </a:fld>
             <a:endParaRPr lang="en-US"/>
@@ -21978,7 +22005,8 @@
           <a:p>
             <a:fld id="{FC4E1F84-22AE-408B-8AEE-B5F39E910140}" type="datetimeFigureOut">
               <a:rPr lang="en-US" smtClean="0"/>
-              <a:t>10/3/2011</a:t>
+              <a:pPr/>
+              <a:t>10/4/2011</a:t>
             </a:fld>
             <a:endParaRPr lang="en-US"/>
           </a:p>
@@ -22024,6 +22052,7 @@
           <a:p>
             <a:fld id="{700068D3-86B4-4F8E-B6AD-2596F9145F76}" type="slidenum">
               <a:rPr lang="en-US" smtClean="0"/>
+              <a:pPr/>
               <a:t>‹#›</a:t>
             </a:fld>
             <a:endParaRPr lang="en-US"/>
@@ -22106,7 +22135,8 @@
           <a:p>
             <a:fld id="{FC4E1F84-22AE-408B-8AEE-B5F39E910140}" type="datetimeFigureOut">
               <a:rPr lang="en-US" smtClean="0"/>
-              <a:t>10/3/2011</a:t>
+              <a:pPr/>
+              <a:t>10/4/2011</a:t>
             </a:fld>
             <a:endParaRPr lang="en-US"/>
           </a:p>
@@ -22152,6 +22182,7 @@
           <a:p>
             <a:fld id="{700068D3-86B4-4F8E-B6AD-2596F9145F76}" type="slidenum">
               <a:rPr lang="en-US" smtClean="0"/>
+              <a:pPr/>
               <a:t>‹#›</a:t>
             </a:fld>
             <a:endParaRPr lang="en-US"/>
@@ -22387,7 +22418,8 @@
           <a:p>
             <a:fld id="{FC4E1F84-22AE-408B-8AEE-B5F39E910140}" type="datetimeFigureOut">
               <a:rPr lang="en-US" smtClean="0"/>
-              <a:t>10/3/2011</a:t>
+              <a:pPr/>
+              <a:t>10/4/2011</a:t>
             </a:fld>
             <a:endParaRPr lang="en-US"/>
           </a:p>
@@ -22433,6 +22465,7 @@
           <a:p>
             <a:fld id="{700068D3-86B4-4F8E-B6AD-2596F9145F76}" type="slidenum">
               <a:rPr lang="en-US" smtClean="0"/>
+              <a:pPr/>
               <a:t>‹#›</a:t>
             </a:fld>
             <a:endParaRPr lang="en-US"/>
@@ -22599,7 +22632,8 @@
           <a:p>
             <a:fld id="{FC4E1F84-22AE-408B-8AEE-B5F39E910140}" type="datetimeFigureOut">
               <a:rPr lang="en-US" smtClean="0"/>
-              <a:t>10/3/2011</a:t>
+              <a:pPr/>
+              <a:t>10/4/2011</a:t>
             </a:fld>
             <a:endParaRPr lang="en-US"/>
           </a:p>
@@ -22664,6 +22698,7 @@
           <a:p>
             <a:fld id="{700068D3-86B4-4F8E-B6AD-2596F9145F76}" type="slidenum">
               <a:rPr lang="en-US" smtClean="0"/>
+              <a:pPr/>
               <a:t>‹#›</a:t>
             </a:fld>
             <a:endParaRPr lang="en-US"/>
@@ -23343,7 +23378,8 @@
           <a:p>
             <a:fld id="{FC4E1F84-22AE-408B-8AEE-B5F39E910140}" type="datetimeFigureOut">
               <a:rPr lang="en-US" smtClean="0"/>
-              <a:t>10/3/2011</a:t>
+              <a:pPr/>
+              <a:t>10/4/2011</a:t>
             </a:fld>
             <a:endParaRPr lang="en-US"/>
           </a:p>
@@ -23389,6 +23425,7 @@
           <a:p>
             <a:fld id="{700068D3-86B4-4F8E-B6AD-2596F9145F76}" type="slidenum">
               <a:rPr lang="en-US" smtClean="0"/>
+              <a:pPr/>
               <a:t>‹#›</a:t>
             </a:fld>
             <a:endParaRPr lang="en-US"/>
@@ -23535,7 +23572,8 @@
           <a:p>
             <a:fld id="{FC4E1F84-22AE-408B-8AEE-B5F39E910140}" type="datetimeFigureOut">
               <a:rPr lang="en-US" smtClean="0"/>
-              <a:t>10/3/2011</a:t>
+              <a:pPr/>
+              <a:t>10/4/2011</a:t>
             </a:fld>
             <a:endParaRPr lang="en-US"/>
           </a:p>
@@ -23581,6 +23619,7 @@
           <a:p>
             <a:fld id="{700068D3-86B4-4F8E-B6AD-2596F9145F76}" type="slidenum">
               <a:rPr lang="en-US" smtClean="0"/>
+              <a:pPr/>
               <a:t>‹#›</a:t>
             </a:fld>
             <a:endParaRPr lang="en-US"/>
@@ -23641,7 +23680,8 @@
           <a:p>
             <a:fld id="{FC4E1F84-22AE-408B-8AEE-B5F39E910140}" type="datetimeFigureOut">
               <a:rPr lang="en-US" smtClean="0"/>
-              <a:t>10/3/2011</a:t>
+              <a:pPr/>
+              <a:t>10/4/2011</a:t>
             </a:fld>
             <a:endParaRPr lang="en-US"/>
           </a:p>
@@ -23687,6 +23727,7 @@
           <a:p>
             <a:fld id="{700068D3-86B4-4F8E-B6AD-2596F9145F76}" type="slidenum">
               <a:rPr lang="en-US" smtClean="0"/>
+              <a:pPr/>
               <a:t>‹#›</a:t>
             </a:fld>
             <a:endParaRPr lang="en-US"/>
@@ -24092,7 +24133,8 @@
           <a:p>
             <a:fld id="{FC4E1F84-22AE-408B-8AEE-B5F39E910140}" type="datetimeFigureOut">
               <a:rPr lang="en-US" smtClean="0"/>
-              <a:t>10/3/2011</a:t>
+              <a:pPr/>
+              <a:t>10/4/2011</a:t>
             </a:fld>
             <a:endParaRPr lang="en-US"/>
           </a:p>
@@ -24138,6 +24180,7 @@
           <a:p>
             <a:fld id="{700068D3-86B4-4F8E-B6AD-2596F9145F76}" type="slidenum">
               <a:rPr lang="en-US" smtClean="0"/>
+              <a:pPr/>
               <a:t>‹#›</a:t>
             </a:fld>
             <a:endParaRPr lang="en-US"/>
@@ -25448,7 +25491,8 @@
           <a:p>
             <a:fld id="{FC4E1F84-22AE-408B-8AEE-B5F39E910140}" type="datetimeFigureOut">
               <a:rPr lang="en-US" smtClean="0"/>
-              <a:t>10/3/2011</a:t>
+              <a:pPr/>
+              <a:t>10/4/2011</a:t>
             </a:fld>
             <a:endParaRPr lang="en-US"/>
           </a:p>
@@ -25876,6 +25920,7 @@
           <a:p>
             <a:fld id="{700068D3-86B4-4F8E-B6AD-2596F9145F76}" type="slidenum">
               <a:rPr lang="en-US" smtClean="0"/>
+              <a:pPr/>
               <a:t>‹#›</a:t>
             </a:fld>
             <a:endParaRPr lang="en-US"/>
@@ -26551,7 +26596,8 @@
           <a:p>
             <a:fld id="{FC4E1F84-22AE-408B-8AEE-B5F39E910140}" type="datetimeFigureOut">
               <a:rPr lang="en-US" smtClean="0"/>
-              <a:t>10/3/2011</a:t>
+              <a:pPr/>
+              <a:t>10/4/2011</a:t>
             </a:fld>
             <a:endParaRPr lang="en-US"/>
           </a:p>
@@ -26619,6 +26665,7 @@
           <a:p>
             <a:fld id="{700068D3-86B4-4F8E-B6AD-2596F9145F76}" type="slidenum">
               <a:rPr lang="en-US" smtClean="0"/>
+              <a:pPr/>
               <a:t>‹#›</a:t>
             </a:fld>
             <a:endParaRPr lang="en-US"/>
@@ -27771,7 +27818,7 @@
             <a:fld id="{39C41B7C-DC17-4ECC-A2D3-90661E3E8418}" type="datetimeFigureOut">
               <a:rPr lang="en-US" smtClean="0"/>
               <a:pPr/>
-              <a:t>10/3/2011</a:t>
+              <a:t>10/4/2011</a:t>
             </a:fld>
             <a:endParaRPr lang="en-US"/>
           </a:p>
@@ -28560,7 +28607,7 @@
             <a:fld id="{39C41B7C-DC17-4ECC-A2D3-90661E3E8418}" type="datetimeFigureOut">
               <a:rPr lang="en-US" smtClean="0"/>
               <a:pPr/>
-              <a:t>10/3/2011</a:t>
+              <a:t>10/4/2011</a:t>
             </a:fld>
             <a:endParaRPr lang="en-US"/>
           </a:p>
@@ -29349,7 +29396,7 @@
             <a:fld id="{39C41B7C-DC17-4ECC-A2D3-90661E3E8418}" type="datetimeFigureOut">
               <a:rPr lang="en-US" smtClean="0"/>
               <a:pPr/>
-              <a:t>10/3/2011</a:t>
+              <a:t>10/4/2011</a:t>
             </a:fld>
             <a:endParaRPr lang="en-US"/>
           </a:p>
@@ -30138,7 +30185,7 @@
             <a:fld id="{39C41B7C-DC17-4ECC-A2D3-90661E3E8418}" type="datetimeFigureOut">
               <a:rPr lang="en-US" smtClean="0"/>
               <a:pPr/>
-              <a:t>10/3/2011</a:t>
+              <a:t>10/4/2011</a:t>
             </a:fld>
             <a:endParaRPr lang="en-US"/>
           </a:p>
@@ -31229,7 +31276,8 @@
           <a:p>
             <a:fld id="{FC4E1F84-22AE-408B-8AEE-B5F39E910140}" type="datetimeFigureOut">
               <a:rPr lang="en-US" smtClean="0"/>
-              <a:t>10/3/2011</a:t>
+              <a:pPr/>
+              <a:t>10/4/2011</a:t>
             </a:fld>
             <a:endParaRPr lang="en-US"/>
           </a:p>
@@ -31305,6 +31353,7 @@
           <a:p>
             <a:fld id="{700068D3-86B4-4F8E-B6AD-2596F9145F76}" type="slidenum">
               <a:rPr lang="en-US" smtClean="0"/>
+              <a:pPr/>
               <a:t>‹#›</a:t>
             </a:fld>
             <a:endParaRPr lang="en-US"/>
@@ -31730,61 +31779,70 @@
           <a:p>
             <a:r>
               <a:rPr lang="en-US" dirty="0" smtClean="0"/>
-              <a:t>Textual Definitions</a:t>
-            </a:r>
-          </a:p>
-          <a:p>
-            <a:endParaRPr lang="en-US" dirty="0" smtClean="0"/>
-          </a:p>
-          <a:p>
-            <a:endParaRPr lang="en-US" dirty="0" smtClean="0"/>
-          </a:p>
-          <a:p>
-            <a:pPr>
-              <a:buNone/>
-            </a:pPr>
+              <a:t>Phenotype of protozoon parasite</a:t>
+            </a:r>
+          </a:p>
+          <a:p>
+            <a:pPr lvl="1"/>
             <a:r>
               <a:rPr lang="en-US" dirty="0" smtClean="0"/>
-              <a:t>Refer to:</a:t>
-            </a:r>
-          </a:p>
-          <a:p>
+              <a:t>Growth normal</a:t>
+            </a:r>
+          </a:p>
+          <a:p>
+            <a:pPr lvl="1"/>
             <a:r>
               <a:rPr lang="en-US" dirty="0" smtClean="0"/>
-              <a:t>Organism </a:t>
+              <a:t>Growth decreased</a:t>
             </a:r>
           </a:p>
           <a:p>
             <a:pPr lvl="1"/>
             <a:r>
               <a:rPr lang="en-US" dirty="0" smtClean="0"/>
-              <a:t>Feeding behavior, height</a:t>
-            </a:r>
-          </a:p>
-          <a:p>
+              <a:t>Growth lethal</a:t>
+            </a:r>
+          </a:p>
+          <a:p>
+            <a:pPr lvl="1"/>
             <a:r>
               <a:rPr lang="en-US" dirty="0" smtClean="0"/>
-              <a:t>Organ</a:t>
+              <a:t>Growth drug insensitive</a:t>
             </a:r>
           </a:p>
           <a:p>
             <a:pPr lvl="1"/>
             <a:r>
               <a:rPr lang="en-US" dirty="0" smtClean="0"/>
-              <a:t>Eye color</a:t>
-            </a:r>
-          </a:p>
-          <a:p>
+              <a:t>Cell cycle arrested</a:t>
+            </a:r>
+          </a:p>
+          <a:p>
+            <a:pPr lvl="1"/>
             <a:r>
               <a:rPr lang="en-US" dirty="0" smtClean="0"/>
-              <a:t>Cell</a:t>
+              <a:t>Enzyme activity absent</a:t>
             </a:r>
           </a:p>
           <a:p>
             <a:pPr lvl="1"/>
             <a:r>
               <a:rPr lang="en-US" dirty="0" smtClean="0"/>
-              <a:t>Muscle cell morphology</a:t>
+              <a:t>Enzyme activity increased</a:t>
+            </a:r>
+          </a:p>
+          <a:p>
+            <a:pPr lvl="1"/>
+            <a:r>
+              <a:rPr lang="en-US" dirty="0" smtClean="0"/>
+              <a:t>Chromosome abnormal</a:t>
+            </a:r>
+          </a:p>
+          <a:p>
+            <a:pPr lvl="1"/>
+            <a:r>
+              <a:rPr lang="en-US" dirty="0" smtClean="0"/>
+              <a:t>Mitochondrial DNA decreased</a:t>
             </a:r>
           </a:p>
         </p:txBody>
@@ -31799,21 +31857,14 @@
             <p:ph type="title"/>
           </p:nvPr>
         </p:nvSpPr>
-        <p:spPr>
-          <a:xfrm>
-            <a:off x="0" y="274638"/>
-            <a:ext cx="9144000" cy="1143000"/>
-          </a:xfrm>
-        </p:spPr>
-        <p:txBody>
-          <a:bodyPr>
-            <a:normAutofit fontScale="90000"/>
-          </a:bodyPr>
+        <p:spPr/>
+        <p:txBody>
+          <a:bodyPr/>
           <a:lstStyle/>
           <a:p>
             <a:r>
               <a:rPr lang="en-US" dirty="0" smtClean="0"/>
-              <a:t>What is Phenotype (Textual definition)?</a:t>
+              <a:t>Use Cases</a:t>
             </a:r>
             <a:endParaRPr lang="en-US" dirty="0"/>
           </a:p>
@@ -31854,12 +31905,181 @@
             <p:ph idx="1"/>
           </p:nvPr>
         </p:nvSpPr>
-        <p:spPr/>
-        <p:txBody>
-          <a:bodyPr/>
-          <a:lstStyle/>
-          <a:p>
-            <a:endParaRPr lang="en-US" dirty="0"/>
+        <p:spPr>
+          <a:xfrm>
+            <a:off x="457200" y="1219200"/>
+            <a:ext cx="8229600" cy="5071872"/>
+          </a:xfrm>
+        </p:spPr>
+        <p:txBody>
+          <a:bodyPr>
+            <a:normAutofit fontScale="77500" lnSpcReduction="20000"/>
+          </a:bodyPr>
+          <a:lstStyle/>
+          <a:p>
+            <a:r>
+              <a:rPr lang="en-US" dirty="0" smtClean="0"/>
+              <a:t>Definition in Gene </a:t>
+            </a:r>
+            <a:r>
+              <a:rPr lang="en-US" dirty="0" smtClean="0"/>
+              <a:t>extend ontology (GEO)</a:t>
+            </a:r>
+          </a:p>
+          <a:p>
+            <a:pPr lvl="1"/>
+            <a:r>
+              <a:rPr lang="en-US" dirty="0" smtClean="0"/>
+              <a:t>Any </a:t>
+            </a:r>
+            <a:r>
+              <a:rPr lang="en-US" dirty="0" smtClean="0">
+                <a:solidFill>
+                  <a:schemeClr val="accent2"/>
+                </a:solidFill>
+              </a:rPr>
+              <a:t>observed quality of an organism, </a:t>
+            </a:r>
+            <a:r>
+              <a:rPr lang="en-US" dirty="0" smtClean="0"/>
+              <a:t>such as its morphology, development, or behavior, as opposed to its genotype - the inherited instructions it carries, which may or may not be expressed. [http://</a:t>
+            </a:r>
+            <a:r>
+              <a:rPr lang="en-US" dirty="0" smtClean="0"/>
+              <a:t>en.wikipedia.org/wiki/Phenotype]</a:t>
+            </a:r>
+          </a:p>
+          <a:p>
+            <a:pPr lvl="1"/>
+            <a:r>
+              <a:rPr lang="en-US" dirty="0" smtClean="0"/>
+              <a:t>subclass </a:t>
+            </a:r>
+            <a:r>
+              <a:rPr lang="en-US" dirty="0" smtClean="0"/>
+              <a:t>of a non-physical </a:t>
+            </a:r>
+            <a:r>
+              <a:rPr lang="en-US" dirty="0" smtClean="0"/>
+              <a:t>continuant</a:t>
+            </a:r>
+          </a:p>
+          <a:p>
+            <a:pPr lvl="1"/>
+            <a:r>
+              <a:rPr lang="en-US" dirty="0" smtClean="0"/>
+              <a:t>According </a:t>
+            </a:r>
+            <a:r>
+              <a:rPr lang="en-US" dirty="0" smtClean="0"/>
+              <a:t>to </a:t>
+            </a:r>
+            <a:r>
+              <a:rPr lang="en-US" dirty="0" smtClean="0"/>
+              <a:t>the </a:t>
+            </a:r>
+            <a:r>
+              <a:rPr lang="en-US" dirty="0" smtClean="0"/>
+              <a:t>definition, Phenotype is a </a:t>
+            </a:r>
+            <a:r>
+              <a:rPr lang="en-US" dirty="0" smtClean="0"/>
+              <a:t>Quality</a:t>
+            </a:r>
+          </a:p>
+          <a:p>
+            <a:pPr lvl="1"/>
+            <a:endParaRPr lang="en-US" dirty="0" smtClean="0"/>
+          </a:p>
+          <a:p>
+            <a:r>
+              <a:rPr lang="en-US" dirty="0" smtClean="0"/>
+              <a:t>Definition in Ontology for General Medical Science (OGMS</a:t>
+            </a:r>
+            <a:r>
+              <a:rPr lang="en-US" dirty="0" smtClean="0"/>
+              <a:t>)</a:t>
+            </a:r>
+          </a:p>
+          <a:p>
+            <a:pPr lvl="1"/>
+            <a:r>
+              <a:rPr lang="en-US" dirty="0" smtClean="0"/>
+              <a:t>A (combination of) </a:t>
+            </a:r>
+            <a:r>
+              <a:rPr lang="en-US" dirty="0" smtClean="0">
+                <a:solidFill>
+                  <a:schemeClr val="accent2"/>
+                </a:solidFill>
+              </a:rPr>
+              <a:t>quality(</a:t>
+            </a:r>
+            <a:r>
+              <a:rPr lang="en-US" dirty="0" err="1" smtClean="0">
+                <a:solidFill>
+                  <a:schemeClr val="accent2"/>
+                </a:solidFill>
+              </a:rPr>
+              <a:t>ies</a:t>
+            </a:r>
+            <a:r>
+              <a:rPr lang="en-US" dirty="0" smtClean="0">
+                <a:solidFill>
+                  <a:schemeClr val="accent2"/>
+                </a:solidFill>
+              </a:rPr>
+              <a:t>) of an organism </a:t>
+            </a:r>
+            <a:r>
+              <a:rPr lang="en-US" dirty="0" smtClean="0"/>
+              <a:t>determined by the interaction of its genetic make-up and environment that differentiates specific instances of a species from other instances of the same species</a:t>
+            </a:r>
+            <a:r>
+              <a:rPr lang="en-US" dirty="0" smtClean="0"/>
+              <a:t>.</a:t>
+            </a:r>
+          </a:p>
+          <a:p>
+            <a:pPr lvl="1"/>
+            <a:r>
+              <a:rPr lang="en-US" dirty="0" smtClean="0"/>
+              <a:t>subclass of </a:t>
+            </a:r>
+            <a:r>
+              <a:rPr lang="en-US" dirty="0" smtClean="0"/>
+              <a:t>quality</a:t>
+            </a:r>
+          </a:p>
+          <a:p>
+            <a:pPr lvl="1"/>
+            <a:endParaRPr lang="en-US" dirty="0" smtClean="0"/>
+          </a:p>
+          <a:p>
+            <a:r>
+              <a:rPr lang="en-US" dirty="0" smtClean="0"/>
+              <a:t>Definition discussed at Penn meeting</a:t>
+            </a:r>
+            <a:endParaRPr lang="en-US" dirty="0" smtClean="0"/>
+          </a:p>
+          <a:p>
+            <a:pPr lvl="1"/>
+            <a:r>
+              <a:rPr lang="en-US" dirty="0" smtClean="0"/>
+              <a:t>an independent continuant with a particular quality or disposition is the output of a process that realizes genotype in the environment</a:t>
+            </a:r>
+          </a:p>
+          <a:p>
+            <a:pPr lvl="1"/>
+            <a:r>
+              <a:rPr lang="en-US" dirty="0" smtClean="0"/>
+              <a:t>(based on Marcus provided definition</a:t>
+            </a:r>
+            <a:r>
+              <a:rPr lang="en-US" dirty="0" smtClean="0"/>
+              <a:t>)</a:t>
+            </a:r>
+            <a:endParaRPr lang="en-US" dirty="0" smtClean="0"/>
           </a:p>
         </p:txBody>
       </p:sp>
@@ -31873,14 +32093,21 @@
             <p:ph type="title"/>
           </p:nvPr>
         </p:nvSpPr>
-        <p:spPr/>
-        <p:txBody>
-          <a:bodyPr/>
+        <p:spPr>
+          <a:xfrm>
+            <a:off x="0" y="274638"/>
+            <a:ext cx="9144000" cy="1143000"/>
+          </a:xfrm>
+        </p:spPr>
+        <p:txBody>
+          <a:bodyPr>
+            <a:normAutofit fontScale="90000"/>
+          </a:bodyPr>
           <a:lstStyle/>
           <a:p>
             <a:r>
               <a:rPr lang="en-US" dirty="0" smtClean="0"/>
-              <a:t>Phenotype examples</a:t>
+              <a:t>What is Phenotype (Textual definition)?</a:t>
             </a:r>
             <a:endParaRPr lang="en-US" dirty="0"/>
           </a:p>
@@ -31923,6 +32150,220 @@
         </p:nvSpPr>
         <p:spPr/>
         <p:txBody>
+          <a:bodyPr/>
+          <a:lstStyle/>
+          <a:p>
+            <a:pPr>
+              <a:buNone/>
+            </a:pPr>
+            <a:r>
+              <a:rPr lang="en-US" dirty="0" smtClean="0"/>
+              <a:t>Phenotype Refer </a:t>
+            </a:r>
+            <a:r>
+              <a:rPr lang="en-US" dirty="0" smtClean="0"/>
+              <a:t>to:</a:t>
+            </a:r>
+          </a:p>
+          <a:p>
+            <a:r>
+              <a:rPr lang="en-US" dirty="0" smtClean="0"/>
+              <a:t>Organism </a:t>
+            </a:r>
+          </a:p>
+          <a:p>
+            <a:pPr lvl="1"/>
+            <a:r>
+              <a:rPr lang="en-US" dirty="0" smtClean="0"/>
+              <a:t>Feeding behavior, height</a:t>
+            </a:r>
+          </a:p>
+          <a:p>
+            <a:r>
+              <a:rPr lang="en-US" dirty="0" smtClean="0"/>
+              <a:t>Organ</a:t>
+            </a:r>
+          </a:p>
+          <a:p>
+            <a:pPr lvl="1"/>
+            <a:r>
+              <a:rPr lang="en-US" dirty="0" smtClean="0"/>
+              <a:t>Eye color</a:t>
+            </a:r>
+          </a:p>
+          <a:p>
+            <a:r>
+              <a:rPr lang="en-US" dirty="0" smtClean="0"/>
+              <a:t>Cell</a:t>
+            </a:r>
+          </a:p>
+          <a:p>
+            <a:pPr lvl="1"/>
+            <a:r>
+              <a:rPr lang="en-US" dirty="0" smtClean="0"/>
+              <a:t>Muscle cell morphology</a:t>
+            </a:r>
+          </a:p>
+        </p:txBody>
+      </p:sp>
+      <p:sp>
+        <p:nvSpPr>
+          <p:cNvPr id="3" name="Title 2"/>
+          <p:cNvSpPr>
+            <a:spLocks noGrp="1"/>
+          </p:cNvSpPr>
+          <p:nvPr>
+            <p:ph type="title"/>
+          </p:nvPr>
+        </p:nvSpPr>
+        <p:spPr>
+          <a:xfrm>
+            <a:off x="0" y="274638"/>
+            <a:ext cx="9144000" cy="1143000"/>
+          </a:xfrm>
+        </p:spPr>
+        <p:txBody>
+          <a:bodyPr>
+            <a:normAutofit/>
+          </a:bodyPr>
+          <a:lstStyle/>
+          <a:p>
+            <a:r>
+              <a:rPr lang="en-US" dirty="0" smtClean="0"/>
+              <a:t>Question 1: </a:t>
+            </a:r>
+            <a:endParaRPr lang="en-US" dirty="0"/>
+          </a:p>
+        </p:txBody>
+      </p:sp>
+    </p:spTree>
+  </p:cSld>
+  <p:clrMapOvr>
+    <a:masterClrMapping/>
+  </p:clrMapOvr>
+</p:sld>
+</file>
+
+<file path=ppt/slides/slide5.xml><?xml version="1.0" encoding="utf-8"?>
+<p:sld xmlns:a="http://schemas.openxmlformats.org/drawingml/2006/main" xmlns:r="http://schemas.openxmlformats.org/officeDocument/2006/relationships" xmlns:p="http://schemas.openxmlformats.org/presentationml/2006/main">
+  <p:cSld>
+    <p:spTree>
+      <p:nvGrpSpPr>
+        <p:cNvPr id="1" name=""/>
+        <p:cNvGrpSpPr/>
+        <p:nvPr/>
+      </p:nvGrpSpPr>
+      <p:grpSpPr>
+        <a:xfrm>
+          <a:off x="0" y="0"/>
+          <a:ext cx="0" cy="0"/>
+          <a:chOff x="0" y="0"/>
+          <a:chExt cx="0" cy="0"/>
+        </a:xfrm>
+      </p:grpSpPr>
+      <p:sp>
+        <p:nvSpPr>
+          <p:cNvPr id="2" name="Content Placeholder 1"/>
+          <p:cNvSpPr>
+            <a:spLocks noGrp="1"/>
+          </p:cNvSpPr>
+          <p:nvPr>
+            <p:ph idx="1"/>
+          </p:nvPr>
+        </p:nvSpPr>
+        <p:spPr/>
+        <p:txBody>
+          <a:bodyPr/>
+          <a:lstStyle/>
+          <a:p>
+            <a:r>
+              <a:rPr lang="en-US" dirty="0" smtClean="0"/>
+              <a:t>How to link genotype to phenotype?</a:t>
+            </a:r>
+          </a:p>
+          <a:p>
+            <a:r>
+              <a:rPr lang="en-US" dirty="0" smtClean="0"/>
+              <a:t>Definition of genotype</a:t>
+            </a:r>
+          </a:p>
+          <a:p>
+            <a:pPr lvl="1"/>
+            <a:r>
+              <a:rPr lang="en-US" dirty="0" smtClean="0"/>
+              <a:t>A collection of sequences in SO</a:t>
+            </a:r>
+          </a:p>
+          <a:p>
+            <a:pPr lvl="1"/>
+            <a:r>
+              <a:rPr lang="en-US" dirty="0" smtClean="0"/>
+              <a:t>It is generically dependent continuant based on SO definition</a:t>
+            </a:r>
+            <a:endParaRPr lang="en-US" dirty="0"/>
+          </a:p>
+        </p:txBody>
+      </p:sp>
+      <p:sp>
+        <p:nvSpPr>
+          <p:cNvPr id="3" name="Title 2"/>
+          <p:cNvSpPr>
+            <a:spLocks noGrp="1"/>
+          </p:cNvSpPr>
+          <p:nvPr>
+            <p:ph type="title"/>
+          </p:nvPr>
+        </p:nvSpPr>
+        <p:spPr/>
+        <p:txBody>
+          <a:bodyPr/>
+          <a:lstStyle/>
+          <a:p>
+            <a:r>
+              <a:rPr lang="en-US" dirty="0" smtClean="0"/>
+              <a:t>Question 2</a:t>
+            </a:r>
+            <a:endParaRPr lang="en-US" dirty="0"/>
+          </a:p>
+        </p:txBody>
+      </p:sp>
+    </p:spTree>
+  </p:cSld>
+  <p:clrMapOvr>
+    <a:masterClrMapping/>
+  </p:clrMapOvr>
+</p:sld>
+</file>
+
+<file path=ppt/slides/slide6.xml><?xml version="1.0" encoding="utf-8"?>
+<p:sld xmlns:a="http://schemas.openxmlformats.org/drawingml/2006/main" xmlns:r="http://schemas.openxmlformats.org/officeDocument/2006/relationships" xmlns:p="http://schemas.openxmlformats.org/presentationml/2006/main">
+  <p:cSld>
+    <p:spTree>
+      <p:nvGrpSpPr>
+        <p:cNvPr id="1" name=""/>
+        <p:cNvGrpSpPr/>
+        <p:nvPr/>
+      </p:nvGrpSpPr>
+      <p:grpSpPr>
+        <a:xfrm>
+          <a:off x="0" y="0"/>
+          <a:ext cx="0" cy="0"/>
+          <a:chOff x="0" y="0"/>
+          <a:chExt cx="0" cy="0"/>
+        </a:xfrm>
+      </p:grpSpPr>
+      <p:sp>
+        <p:nvSpPr>
+          <p:cNvPr id="2" name="Content Placeholder 1"/>
+          <p:cNvSpPr>
+            <a:spLocks noGrp="1"/>
+          </p:cNvSpPr>
+          <p:nvPr>
+            <p:ph idx="1"/>
+          </p:nvPr>
+        </p:nvSpPr>
+        <p:spPr/>
+        <p:txBody>
           <a:bodyPr>
             <a:normAutofit lnSpcReduction="10000"/>
           </a:bodyPr>
@@ -31970,7 +32411,6 @@
               <a:rPr lang="en-US" dirty="0" smtClean="0"/>
               <a:t>Output of some biological process:</a:t>
             </a:r>
-            <a:endParaRPr lang="en-US" dirty="0" smtClean="0"/>
           </a:p>
           <a:p>
             <a:pPr lvl="1"/>
@@ -31983,11 +32423,7 @@
             <a:pPr lvl="1"/>
             <a:r>
               <a:rPr lang="en-US" dirty="0" smtClean="0"/>
-              <a:t>Dependent Continuant</a:t>
-            </a:r>
-            <a:r>
-              <a:rPr lang="en-US" dirty="0" smtClean="0"/>
-              <a:t>?</a:t>
+              <a:t>Dependent Continuant?</a:t>
             </a:r>
           </a:p>
           <a:p>
@@ -32047,6 +32483,73 @@
             <a:r>
               <a:rPr lang="en-US" dirty="0" smtClean="0"/>
               <a:t>?</a:t>
+            </a:r>
+            <a:endParaRPr lang="en-US" dirty="0"/>
+          </a:p>
+        </p:txBody>
+      </p:sp>
+    </p:spTree>
+  </p:cSld>
+  <p:clrMapOvr>
+    <a:masterClrMapping/>
+  </p:clrMapOvr>
+</p:sld>
+</file>
+
+<file path=ppt/slides/slide7.xml><?xml version="1.0" encoding="utf-8"?>
+<p:sld xmlns:a="http://schemas.openxmlformats.org/drawingml/2006/main" xmlns:r="http://schemas.openxmlformats.org/officeDocument/2006/relationships" xmlns:p="http://schemas.openxmlformats.org/presentationml/2006/main">
+  <p:cSld>
+    <p:spTree>
+      <p:nvGrpSpPr>
+        <p:cNvPr id="1" name=""/>
+        <p:cNvGrpSpPr/>
+        <p:nvPr/>
+      </p:nvGrpSpPr>
+      <p:grpSpPr>
+        <a:xfrm>
+          <a:off x="0" y="0"/>
+          <a:ext cx="0" cy="0"/>
+          <a:chOff x="0" y="0"/>
+          <a:chExt cx="0" cy="0"/>
+        </a:xfrm>
+      </p:grpSpPr>
+      <p:sp>
+        <p:nvSpPr>
+          <p:cNvPr id="2" name="Content Placeholder 1"/>
+          <p:cNvSpPr>
+            <a:spLocks noGrp="1"/>
+          </p:cNvSpPr>
+          <p:nvPr>
+            <p:ph idx="1"/>
+          </p:nvPr>
+        </p:nvSpPr>
+        <p:spPr/>
+        <p:txBody>
+          <a:bodyPr/>
+          <a:lstStyle/>
+          <a:p>
+            <a:endParaRPr lang="en-US" dirty="0"/>
+          </a:p>
+        </p:txBody>
+      </p:sp>
+      <p:sp>
+        <p:nvSpPr>
+          <p:cNvPr id="3" name="Title 2"/>
+          <p:cNvSpPr>
+            <a:spLocks noGrp="1"/>
+          </p:cNvSpPr>
+          <p:nvPr>
+            <p:ph type="title"/>
+          </p:nvPr>
+        </p:nvSpPr>
+        <p:spPr/>
+        <p:txBody>
+          <a:bodyPr/>
+          <a:lstStyle/>
+          <a:p>
+            <a:r>
+              <a:rPr lang="en-US" dirty="0" smtClean="0"/>
+              <a:t>Phenotype examples</a:t>
             </a:r>
             <a:endParaRPr lang="en-US" dirty="0"/>
           </a:p>

--- a/docs/presentations/OBI workshop Oct 2011 Philly/Phenotype.pptx
+++ b/docs/presentations/OBI workshop Oct 2011 Philly/Phenotype.pptx
@@ -967,7 +967,7 @@
             <a:fld id="{FC4E1F84-22AE-408B-8AEE-B5F39E910140}" type="datetimeFigureOut">
               <a:rPr lang="en-US" smtClean="0"/>
               <a:pPr/>
-              <a:t>10/4/2011</a:t>
+              <a:t>10/5/2011</a:t>
             </a:fld>
             <a:endParaRPr lang="en-US"/>
           </a:p>
@@ -1171,7 +1171,7 @@
             <a:fld id="{FC4E1F84-22AE-408B-8AEE-B5F39E910140}" type="datetimeFigureOut">
               <a:rPr lang="en-US" smtClean="0"/>
               <a:pPr/>
-              <a:t>10/4/2011</a:t>
+              <a:t>10/5/2011</a:t>
             </a:fld>
             <a:endParaRPr lang="en-US"/>
           </a:p>
@@ -1378,7 +1378,7 @@
             <a:fld id="{39C41B7C-DC17-4ECC-A2D3-90661E3E8418}" type="datetimeFigureOut">
               <a:rPr lang="en-US" smtClean="0"/>
               <a:pPr/>
-              <a:t>10/4/2011</a:t>
+              <a:t>10/5/2011</a:t>
             </a:fld>
             <a:endParaRPr lang="en-US"/>
           </a:p>
@@ -2261,7 +2261,7 @@
             <a:fld id="{39C41B7C-DC17-4ECC-A2D3-90661E3E8418}" type="datetimeFigureOut">
               <a:rPr lang="en-US" smtClean="0"/>
               <a:pPr/>
-              <a:t>10/4/2011</a:t>
+              <a:t>10/5/2011</a:t>
             </a:fld>
             <a:endParaRPr lang="en-US"/>
           </a:p>
@@ -2480,7 +2480,7 @@
             <a:fld id="{39C41B7C-DC17-4ECC-A2D3-90661E3E8418}" type="datetimeFigureOut">
               <a:rPr lang="en-US" smtClean="0"/>
               <a:pPr/>
-              <a:t>10/4/2011</a:t>
+              <a:t>10/5/2011</a:t>
             </a:fld>
             <a:endParaRPr lang="en-US"/>
           </a:p>
@@ -3303,7 +3303,7 @@
             <a:fld id="{39C41B7C-DC17-4ECC-A2D3-90661E3E8418}" type="datetimeFigureOut">
               <a:rPr lang="en-US" smtClean="0"/>
               <a:pPr/>
-              <a:t>10/4/2011</a:t>
+              <a:t>10/5/2011</a:t>
             </a:fld>
             <a:endParaRPr lang="en-US"/>
           </a:p>
@@ -3548,7 +3548,7 @@
             <a:fld id="{39C41B7C-DC17-4ECC-A2D3-90661E3E8418}" type="datetimeFigureOut">
               <a:rPr lang="en-US" smtClean="0"/>
               <a:pPr/>
-              <a:t>10/4/2011</a:t>
+              <a:t>10/5/2011</a:t>
             </a:fld>
             <a:endParaRPr lang="en-US"/>
           </a:p>
@@ -3880,7 +3880,7 @@
             <a:fld id="{39C41B7C-DC17-4ECC-A2D3-90661E3E8418}" type="datetimeFigureOut">
               <a:rPr lang="en-US" smtClean="0"/>
               <a:pPr/>
-              <a:t>10/4/2011</a:t>
+              <a:t>10/5/2011</a:t>
             </a:fld>
             <a:endParaRPr lang="en-US"/>
           </a:p>
@@ -3979,7 +3979,7 @@
             <a:fld id="{39C41B7C-DC17-4ECC-A2D3-90661E3E8418}" type="datetimeFigureOut">
               <a:rPr lang="en-US" smtClean="0"/>
               <a:pPr/>
-              <a:t>10/4/2011</a:t>
+              <a:t>10/5/2011</a:t>
             </a:fld>
             <a:endParaRPr lang="en-US"/>
           </a:p>
@@ -4505,7 +4505,7 @@
             <a:fld id="{39C41B7C-DC17-4ECC-A2D3-90661E3E8418}" type="datetimeFigureOut">
               <a:rPr lang="en-US" smtClean="0"/>
               <a:pPr/>
-              <a:t>10/4/2011</a:t>
+              <a:t>10/5/2011</a:t>
             </a:fld>
             <a:endParaRPr lang="en-US"/>
           </a:p>
@@ -5025,7 +5025,7 @@
             <a:fld id="{39C41B7C-DC17-4ECC-A2D3-90661E3E8418}" type="datetimeFigureOut">
               <a:rPr lang="en-US" smtClean="0"/>
               <a:pPr/>
-              <a:t>10/4/2011</a:t>
+              <a:t>10/5/2011</a:t>
             </a:fld>
             <a:endParaRPr lang="en-US"/>
           </a:p>
@@ -5180,7 +5180,7 @@
             <a:fld id="{FC4E1F84-22AE-408B-8AEE-B5F39E910140}" type="datetimeFigureOut">
               <a:rPr lang="en-US" smtClean="0"/>
               <a:pPr/>
-              <a:t>10/4/2011</a:t>
+              <a:t>10/5/2011</a:t>
             </a:fld>
             <a:endParaRPr lang="en-US"/>
           </a:p>
@@ -5383,7 +5383,7 @@
             <a:fld id="{39C41B7C-DC17-4ECC-A2D3-90661E3E8418}" type="datetimeFigureOut">
               <a:rPr lang="en-US" smtClean="0"/>
               <a:pPr/>
-              <a:t>10/4/2011</a:t>
+              <a:t>10/5/2011</a:t>
             </a:fld>
             <a:endParaRPr lang="en-US"/>
           </a:p>
@@ -5567,7 +5567,7 @@
             <a:fld id="{39C41B7C-DC17-4ECC-A2D3-90661E3E8418}" type="datetimeFigureOut">
               <a:rPr lang="en-US" smtClean="0"/>
               <a:pPr/>
-              <a:t>10/4/2011</a:t>
+              <a:t>10/5/2011</a:t>
             </a:fld>
             <a:endParaRPr lang="en-US"/>
           </a:p>
@@ -5774,7 +5774,7 @@
             <a:fld id="{39C41B7C-DC17-4ECC-A2D3-90661E3E8418}" type="datetimeFigureOut">
               <a:rPr lang="en-US" smtClean="0"/>
               <a:pPr/>
-              <a:t>10/4/2011</a:t>
+              <a:t>10/5/2011</a:t>
             </a:fld>
             <a:endParaRPr lang="en-US"/>
           </a:p>
@@ -6657,7 +6657,7 @@
             <a:fld id="{39C41B7C-DC17-4ECC-A2D3-90661E3E8418}" type="datetimeFigureOut">
               <a:rPr lang="en-US" smtClean="0"/>
               <a:pPr/>
-              <a:t>10/4/2011</a:t>
+              <a:t>10/5/2011</a:t>
             </a:fld>
             <a:endParaRPr lang="en-US"/>
           </a:p>
@@ -6876,7 +6876,7 @@
             <a:fld id="{39C41B7C-DC17-4ECC-A2D3-90661E3E8418}" type="datetimeFigureOut">
               <a:rPr lang="en-US" smtClean="0"/>
               <a:pPr/>
-              <a:t>10/4/2011</a:t>
+              <a:t>10/5/2011</a:t>
             </a:fld>
             <a:endParaRPr lang="en-US"/>
           </a:p>
@@ -7699,7 +7699,7 @@
             <a:fld id="{39C41B7C-DC17-4ECC-A2D3-90661E3E8418}" type="datetimeFigureOut">
               <a:rPr lang="en-US" smtClean="0"/>
               <a:pPr/>
-              <a:t>10/4/2011</a:t>
+              <a:t>10/5/2011</a:t>
             </a:fld>
             <a:endParaRPr lang="en-US"/>
           </a:p>
@@ -7944,7 +7944,7 @@
             <a:fld id="{39C41B7C-DC17-4ECC-A2D3-90661E3E8418}" type="datetimeFigureOut">
               <a:rPr lang="en-US" smtClean="0"/>
               <a:pPr/>
-              <a:t>10/4/2011</a:t>
+              <a:t>10/5/2011</a:t>
             </a:fld>
             <a:endParaRPr lang="en-US"/>
           </a:p>
@@ -8276,7 +8276,7 @@
             <a:fld id="{39C41B7C-DC17-4ECC-A2D3-90661E3E8418}" type="datetimeFigureOut">
               <a:rPr lang="en-US" smtClean="0"/>
               <a:pPr/>
-              <a:t>10/4/2011</a:t>
+              <a:t>10/5/2011</a:t>
             </a:fld>
             <a:endParaRPr lang="en-US"/>
           </a:p>
@@ -8375,7 +8375,7 @@
             <a:fld id="{39C41B7C-DC17-4ECC-A2D3-90661E3E8418}" type="datetimeFigureOut">
               <a:rPr lang="en-US" smtClean="0"/>
               <a:pPr/>
-              <a:t>10/4/2011</a:t>
+              <a:t>10/5/2011</a:t>
             </a:fld>
             <a:endParaRPr lang="en-US"/>
           </a:p>
@@ -8901,7 +8901,7 @@
             <a:fld id="{39C41B7C-DC17-4ECC-A2D3-90661E3E8418}" type="datetimeFigureOut">
               <a:rPr lang="en-US" smtClean="0"/>
               <a:pPr/>
-              <a:t>10/4/2011</a:t>
+              <a:t>10/5/2011</a:t>
             </a:fld>
             <a:endParaRPr lang="en-US"/>
           </a:p>
@@ -9002,7 +9002,7 @@
             <a:fld id="{FC4E1F84-22AE-408B-8AEE-B5F39E910140}" type="datetimeFigureOut">
               <a:rPr lang="en-US" smtClean="0"/>
               <a:pPr/>
-              <a:t>10/4/2011</a:t>
+              <a:t>10/5/2011</a:t>
             </a:fld>
             <a:endParaRPr lang="en-US"/>
           </a:p>
@@ -9596,7 +9596,7 @@
             <a:fld id="{39C41B7C-DC17-4ECC-A2D3-90661E3E8418}" type="datetimeFigureOut">
               <a:rPr lang="en-US" smtClean="0"/>
               <a:pPr/>
-              <a:t>10/4/2011</a:t>
+              <a:t>10/5/2011</a:t>
             </a:fld>
             <a:endParaRPr lang="en-US"/>
           </a:p>
@@ -9770,7 +9770,7 @@
             <a:fld id="{39C41B7C-DC17-4ECC-A2D3-90661E3E8418}" type="datetimeFigureOut">
               <a:rPr lang="en-US" smtClean="0"/>
               <a:pPr/>
-              <a:t>10/4/2011</a:t>
+              <a:t>10/5/2011</a:t>
             </a:fld>
             <a:endParaRPr lang="en-US"/>
           </a:p>
@@ -9954,7 +9954,7 @@
             <a:fld id="{39C41B7C-DC17-4ECC-A2D3-90661E3E8418}" type="datetimeFigureOut">
               <a:rPr lang="en-US" smtClean="0"/>
               <a:pPr/>
-              <a:t>10/4/2011</a:t>
+              <a:t>10/5/2011</a:t>
             </a:fld>
             <a:endParaRPr lang="en-US"/>
           </a:p>
@@ -10161,7 +10161,7 @@
             <a:fld id="{39C41B7C-DC17-4ECC-A2D3-90661E3E8418}" type="datetimeFigureOut">
               <a:rPr lang="en-US" smtClean="0"/>
               <a:pPr/>
-              <a:t>10/4/2011</a:t>
+              <a:t>10/5/2011</a:t>
             </a:fld>
             <a:endParaRPr lang="en-US"/>
           </a:p>
@@ -11044,7 +11044,7 @@
             <a:fld id="{39C41B7C-DC17-4ECC-A2D3-90661E3E8418}" type="datetimeFigureOut">
               <a:rPr lang="en-US" smtClean="0"/>
               <a:pPr/>
-              <a:t>10/4/2011</a:t>
+              <a:t>10/5/2011</a:t>
             </a:fld>
             <a:endParaRPr lang="en-US"/>
           </a:p>
@@ -11263,7 +11263,7 @@
             <a:fld id="{39C41B7C-DC17-4ECC-A2D3-90661E3E8418}" type="datetimeFigureOut">
               <a:rPr lang="en-US" smtClean="0"/>
               <a:pPr/>
-              <a:t>10/4/2011</a:t>
+              <a:t>10/5/2011</a:t>
             </a:fld>
             <a:endParaRPr lang="en-US"/>
           </a:p>
@@ -12086,7 +12086,7 @@
             <a:fld id="{39C41B7C-DC17-4ECC-A2D3-90661E3E8418}" type="datetimeFigureOut">
               <a:rPr lang="en-US" smtClean="0"/>
               <a:pPr/>
-              <a:t>10/4/2011</a:t>
+              <a:t>10/5/2011</a:t>
             </a:fld>
             <a:endParaRPr lang="en-US"/>
           </a:p>
@@ -12331,7 +12331,7 @@
             <a:fld id="{39C41B7C-DC17-4ECC-A2D3-90661E3E8418}" type="datetimeFigureOut">
               <a:rPr lang="en-US" smtClean="0"/>
               <a:pPr/>
-              <a:t>10/4/2011</a:t>
+              <a:t>10/5/2011</a:t>
             </a:fld>
             <a:endParaRPr lang="en-US"/>
           </a:p>
@@ -12663,7 +12663,7 @@
             <a:fld id="{39C41B7C-DC17-4ECC-A2D3-90661E3E8418}" type="datetimeFigureOut">
               <a:rPr lang="en-US" smtClean="0"/>
               <a:pPr/>
-              <a:t>10/4/2011</a:t>
+              <a:t>10/5/2011</a:t>
             </a:fld>
             <a:endParaRPr lang="en-US"/>
           </a:p>
@@ -12762,7 +12762,7 @@
             <a:fld id="{39C41B7C-DC17-4ECC-A2D3-90661E3E8418}" type="datetimeFigureOut">
               <a:rPr lang="en-US" smtClean="0"/>
               <a:pPr/>
-              <a:t>10/4/2011</a:t>
+              <a:t>10/5/2011</a:t>
             </a:fld>
             <a:endParaRPr lang="en-US"/>
           </a:p>
@@ -12866,7 +12866,7 @@
             <a:fld id="{FC4E1F84-22AE-408B-8AEE-B5F39E910140}" type="datetimeFigureOut">
               <a:rPr lang="en-US" smtClean="0"/>
               <a:pPr/>
-              <a:t>10/4/2011</a:t>
+              <a:t>10/5/2011</a:t>
             </a:fld>
             <a:endParaRPr lang="en-US"/>
           </a:p>
@@ -13774,7 +13774,7 @@
             <a:fld id="{39C41B7C-DC17-4ECC-A2D3-90661E3E8418}" type="datetimeFigureOut">
               <a:rPr lang="en-US" smtClean="0"/>
               <a:pPr/>
-              <a:t>10/4/2011</a:t>
+              <a:t>10/5/2011</a:t>
             </a:fld>
             <a:endParaRPr lang="en-US"/>
           </a:p>
@@ -14294,7 +14294,7 @@
             <a:fld id="{39C41B7C-DC17-4ECC-A2D3-90661E3E8418}" type="datetimeFigureOut">
               <a:rPr lang="en-US" smtClean="0"/>
               <a:pPr/>
-              <a:t>10/4/2011</a:t>
+              <a:t>10/5/2011</a:t>
             </a:fld>
             <a:endParaRPr lang="en-US"/>
           </a:p>
@@ -14468,7 +14468,7 @@
             <a:fld id="{39C41B7C-DC17-4ECC-A2D3-90661E3E8418}" type="datetimeFigureOut">
               <a:rPr lang="en-US" smtClean="0"/>
               <a:pPr/>
-              <a:t>10/4/2011</a:t>
+              <a:t>10/5/2011</a:t>
             </a:fld>
             <a:endParaRPr lang="en-US"/>
           </a:p>
@@ -14652,7 +14652,7 @@
             <a:fld id="{39C41B7C-DC17-4ECC-A2D3-90661E3E8418}" type="datetimeFigureOut">
               <a:rPr lang="en-US" smtClean="0"/>
               <a:pPr/>
-              <a:t>10/4/2011</a:t>
+              <a:t>10/5/2011</a:t>
             </a:fld>
             <a:endParaRPr lang="en-US"/>
           </a:p>
@@ -14859,7 +14859,7 @@
             <a:fld id="{39C41B7C-DC17-4ECC-A2D3-90661E3E8418}" type="datetimeFigureOut">
               <a:rPr lang="en-US" smtClean="0"/>
               <a:pPr/>
-              <a:t>10/4/2011</a:t>
+              <a:t>10/5/2011</a:t>
             </a:fld>
             <a:endParaRPr lang="en-US"/>
           </a:p>
@@ -15742,7 +15742,7 @@
             <a:fld id="{39C41B7C-DC17-4ECC-A2D3-90661E3E8418}" type="datetimeFigureOut">
               <a:rPr lang="en-US" smtClean="0"/>
               <a:pPr/>
-              <a:t>10/4/2011</a:t>
+              <a:t>10/5/2011</a:t>
             </a:fld>
             <a:endParaRPr lang="en-US"/>
           </a:p>
@@ -15961,7 +15961,7 @@
             <a:fld id="{39C41B7C-DC17-4ECC-A2D3-90661E3E8418}" type="datetimeFigureOut">
               <a:rPr lang="en-US" smtClean="0"/>
               <a:pPr/>
-              <a:t>10/4/2011</a:t>
+              <a:t>10/5/2011</a:t>
             </a:fld>
             <a:endParaRPr lang="en-US"/>
           </a:p>
@@ -16784,7 +16784,7 @@
             <a:fld id="{39C41B7C-DC17-4ECC-A2D3-90661E3E8418}" type="datetimeFigureOut">
               <a:rPr lang="en-US" smtClean="0"/>
               <a:pPr/>
-              <a:t>10/4/2011</a:t>
+              <a:t>10/5/2011</a:t>
             </a:fld>
             <a:endParaRPr lang="en-US"/>
           </a:p>
@@ -17029,7 +17029,7 @@
             <a:fld id="{39C41B7C-DC17-4ECC-A2D3-90661E3E8418}" type="datetimeFigureOut">
               <a:rPr lang="en-US" smtClean="0"/>
               <a:pPr/>
-              <a:t>10/4/2011</a:t>
+              <a:t>10/5/2011</a:t>
             </a:fld>
             <a:endParaRPr lang="en-US"/>
           </a:p>
@@ -17361,7 +17361,7 @@
             <a:fld id="{39C41B7C-DC17-4ECC-A2D3-90661E3E8418}" type="datetimeFigureOut">
               <a:rPr lang="en-US" smtClean="0"/>
               <a:pPr/>
-              <a:t>10/4/2011</a:t>
+              <a:t>10/5/2011</a:t>
             </a:fld>
             <a:endParaRPr lang="en-US"/>
           </a:p>
@@ -17465,7 +17465,7 @@
             <a:fld id="{FC4E1F84-22AE-408B-8AEE-B5F39E910140}" type="datetimeFigureOut">
               <a:rPr lang="en-US" smtClean="0"/>
               <a:pPr/>
-              <a:t>10/4/2011</a:t>
+              <a:t>10/5/2011</a:t>
             </a:fld>
             <a:endParaRPr lang="en-US"/>
           </a:p>
@@ -18077,7 +18077,7 @@
             <a:fld id="{39C41B7C-DC17-4ECC-A2D3-90661E3E8418}" type="datetimeFigureOut">
               <a:rPr lang="en-US" smtClean="0"/>
               <a:pPr/>
-              <a:t>10/4/2011</a:t>
+              <a:t>10/5/2011</a:t>
             </a:fld>
             <a:endParaRPr lang="en-US"/>
           </a:p>
@@ -18603,7 +18603,7 @@
             <a:fld id="{39C41B7C-DC17-4ECC-A2D3-90661E3E8418}" type="datetimeFigureOut">
               <a:rPr lang="en-US" smtClean="0"/>
               <a:pPr/>
-              <a:t>10/4/2011</a:t>
+              <a:t>10/5/2011</a:t>
             </a:fld>
             <a:endParaRPr lang="en-US"/>
           </a:p>
@@ -19123,7 +19123,7 @@
             <a:fld id="{39C41B7C-DC17-4ECC-A2D3-90661E3E8418}" type="datetimeFigureOut">
               <a:rPr lang="en-US" smtClean="0"/>
               <a:pPr/>
-              <a:t>10/4/2011</a:t>
+              <a:t>10/5/2011</a:t>
             </a:fld>
             <a:endParaRPr lang="en-US"/>
           </a:p>
@@ -19297,7 +19297,7 @@
             <a:fld id="{39C41B7C-DC17-4ECC-A2D3-90661E3E8418}" type="datetimeFigureOut">
               <a:rPr lang="en-US" smtClean="0"/>
               <a:pPr/>
-              <a:t>10/4/2011</a:t>
+              <a:t>10/5/2011</a:t>
             </a:fld>
             <a:endParaRPr lang="en-US"/>
           </a:p>
@@ -19481,7 +19481,7 @@
             <a:fld id="{39C41B7C-DC17-4ECC-A2D3-90661E3E8418}" type="datetimeFigureOut">
               <a:rPr lang="en-US" smtClean="0"/>
               <a:pPr/>
-              <a:t>10/4/2011</a:t>
+              <a:t>10/5/2011</a:t>
             </a:fld>
             <a:endParaRPr lang="en-US"/>
           </a:p>
@@ -20171,7 +20171,7 @@
             <a:fld id="{FC4E1F84-22AE-408B-8AEE-B5F39E910140}" type="datetimeFigureOut">
               <a:rPr lang="en-US" smtClean="0"/>
               <a:pPr/>
-              <a:t>10/4/2011</a:t>
+              <a:t>10/5/2011</a:t>
             </a:fld>
             <a:endParaRPr lang="en-US"/>
           </a:p>
@@ -20346,7 +20346,7 @@
             <a:fld id="{FC4E1F84-22AE-408B-8AEE-B5F39E910140}" type="datetimeFigureOut">
               <a:rPr lang="en-US" smtClean="0"/>
               <a:pPr/>
-              <a:t>10/4/2011</a:t>
+              <a:t>10/5/2011</a:t>
             </a:fld>
             <a:endParaRPr lang="en-US"/>
           </a:p>
@@ -20610,7 +20610,7 @@
             <a:fld id="{FC4E1F84-22AE-408B-8AEE-B5F39E910140}" type="datetimeFigureOut">
               <a:rPr lang="en-US" smtClean="0"/>
               <a:pPr/>
-              <a:t>10/4/2011</a:t>
+              <a:t>10/5/2011</a:t>
             </a:fld>
             <a:endParaRPr lang="en-US"/>
           </a:p>
@@ -21028,7 +21028,7 @@
             <a:fld id="{FC4E1F84-22AE-408B-8AEE-B5F39E910140}" type="datetimeFigureOut">
               <a:rPr lang="en-US" smtClean="0"/>
               <a:pPr/>
-              <a:t>10/4/2011</a:t>
+              <a:t>10/5/2011</a:t>
             </a:fld>
             <a:endParaRPr lang="en-US"/>
           </a:p>
@@ -21483,7 +21483,7 @@
             <a:fld id="{FC4E1F84-22AE-408B-8AEE-B5F39E910140}" type="datetimeFigureOut">
               <a:rPr lang="en-US" smtClean="0"/>
               <a:pPr/>
-              <a:t>10/4/2011</a:t>
+              <a:t>10/5/2011</a:t>
             </a:fld>
             <a:endParaRPr lang="en-US"/>
           </a:p>
@@ -21591,7 +21591,7 @@
             <a:fld id="{FC4E1F84-22AE-408B-8AEE-B5F39E910140}" type="datetimeFigureOut">
               <a:rPr lang="en-US" smtClean="0"/>
               <a:pPr/>
-              <a:t>10/4/2011</a:t>
+              <a:t>10/5/2011</a:t>
             </a:fld>
             <a:endParaRPr lang="en-US"/>
           </a:p>
@@ -22006,7 +22006,7 @@
             <a:fld id="{FC4E1F84-22AE-408B-8AEE-B5F39E910140}" type="datetimeFigureOut">
               <a:rPr lang="en-US" smtClean="0"/>
               <a:pPr/>
-              <a:t>10/4/2011</a:t>
+              <a:t>10/5/2011</a:t>
             </a:fld>
             <a:endParaRPr lang="en-US"/>
           </a:p>
@@ -22136,7 +22136,7 @@
             <a:fld id="{FC4E1F84-22AE-408B-8AEE-B5F39E910140}" type="datetimeFigureOut">
               <a:rPr lang="en-US" smtClean="0"/>
               <a:pPr/>
-              <a:t>10/4/2011</a:t>
+              <a:t>10/5/2011</a:t>
             </a:fld>
             <a:endParaRPr lang="en-US"/>
           </a:p>
@@ -22419,7 +22419,7 @@
             <a:fld id="{FC4E1F84-22AE-408B-8AEE-B5F39E910140}" type="datetimeFigureOut">
               <a:rPr lang="en-US" smtClean="0"/>
               <a:pPr/>
-              <a:t>10/4/2011</a:t>
+              <a:t>10/5/2011</a:t>
             </a:fld>
             <a:endParaRPr lang="en-US"/>
           </a:p>
@@ -22633,7 +22633,7 @@
             <a:fld id="{FC4E1F84-22AE-408B-8AEE-B5F39E910140}" type="datetimeFigureOut">
               <a:rPr lang="en-US" smtClean="0"/>
               <a:pPr/>
-              <a:t>10/4/2011</a:t>
+              <a:t>10/5/2011</a:t>
             </a:fld>
             <a:endParaRPr lang="en-US"/>
           </a:p>
@@ -23379,7 +23379,7 @@
             <a:fld id="{FC4E1F84-22AE-408B-8AEE-B5F39E910140}" type="datetimeFigureOut">
               <a:rPr lang="en-US" smtClean="0"/>
               <a:pPr/>
-              <a:t>10/4/2011</a:t>
+              <a:t>10/5/2011</a:t>
             </a:fld>
             <a:endParaRPr lang="en-US"/>
           </a:p>
@@ -23573,7 +23573,7 @@
             <a:fld id="{FC4E1F84-22AE-408B-8AEE-B5F39E910140}" type="datetimeFigureOut">
               <a:rPr lang="en-US" smtClean="0"/>
               <a:pPr/>
-              <a:t>10/4/2011</a:t>
+              <a:t>10/5/2011</a:t>
             </a:fld>
             <a:endParaRPr lang="en-US"/>
           </a:p>
@@ -23681,7 +23681,7 @@
             <a:fld id="{FC4E1F84-22AE-408B-8AEE-B5F39E910140}" type="datetimeFigureOut">
               <a:rPr lang="en-US" smtClean="0"/>
               <a:pPr/>
-              <a:t>10/4/2011</a:t>
+              <a:t>10/5/2011</a:t>
             </a:fld>
             <a:endParaRPr lang="en-US"/>
           </a:p>
@@ -24134,7 +24134,7 @@
             <a:fld id="{FC4E1F84-22AE-408B-8AEE-B5F39E910140}" type="datetimeFigureOut">
               <a:rPr lang="en-US" smtClean="0"/>
               <a:pPr/>
-              <a:t>10/4/2011</a:t>
+              <a:t>10/5/2011</a:t>
             </a:fld>
             <a:endParaRPr lang="en-US"/>
           </a:p>
@@ -25492,7 +25492,7 @@
             <a:fld id="{FC4E1F84-22AE-408B-8AEE-B5F39E910140}" type="datetimeFigureOut">
               <a:rPr lang="en-US" smtClean="0"/>
               <a:pPr/>
-              <a:t>10/4/2011</a:t>
+              <a:t>10/5/2011</a:t>
             </a:fld>
             <a:endParaRPr lang="en-US"/>
           </a:p>
@@ -26597,7 +26597,7 @@
             <a:fld id="{FC4E1F84-22AE-408B-8AEE-B5F39E910140}" type="datetimeFigureOut">
               <a:rPr lang="en-US" smtClean="0"/>
               <a:pPr/>
-              <a:t>10/4/2011</a:t>
+              <a:t>10/5/2011</a:t>
             </a:fld>
             <a:endParaRPr lang="en-US"/>
           </a:p>
@@ -27818,7 +27818,7 @@
             <a:fld id="{39C41B7C-DC17-4ECC-A2D3-90661E3E8418}" type="datetimeFigureOut">
               <a:rPr lang="en-US" smtClean="0"/>
               <a:pPr/>
-              <a:t>10/4/2011</a:t>
+              <a:t>10/5/2011</a:t>
             </a:fld>
             <a:endParaRPr lang="en-US"/>
           </a:p>
@@ -28607,7 +28607,7 @@
             <a:fld id="{39C41B7C-DC17-4ECC-A2D3-90661E3E8418}" type="datetimeFigureOut">
               <a:rPr lang="en-US" smtClean="0"/>
               <a:pPr/>
-              <a:t>10/4/2011</a:t>
+              <a:t>10/5/2011</a:t>
             </a:fld>
             <a:endParaRPr lang="en-US"/>
           </a:p>
@@ -29396,7 +29396,7 @@
             <a:fld id="{39C41B7C-DC17-4ECC-A2D3-90661E3E8418}" type="datetimeFigureOut">
               <a:rPr lang="en-US" smtClean="0"/>
               <a:pPr/>
-              <a:t>10/4/2011</a:t>
+              <a:t>10/5/2011</a:t>
             </a:fld>
             <a:endParaRPr lang="en-US"/>
           </a:p>
@@ -30185,7 +30185,7 @@
             <a:fld id="{39C41B7C-DC17-4ECC-A2D3-90661E3E8418}" type="datetimeFigureOut">
               <a:rPr lang="en-US" smtClean="0"/>
               <a:pPr/>
-              <a:t>10/4/2011</a:t>
+              <a:t>10/5/2011</a:t>
             </a:fld>
             <a:endParaRPr lang="en-US"/>
           </a:p>
@@ -31277,7 +31277,7 @@
             <a:fld id="{FC4E1F84-22AE-408B-8AEE-B5F39E910140}" type="datetimeFigureOut">
               <a:rPr lang="en-US" smtClean="0"/>
               <a:pPr/>
-              <a:t>10/4/2011</a:t>
+              <a:t>10/5/2011</a:t>
             </a:fld>
             <a:endParaRPr lang="en-US"/>
           </a:p>
@@ -31742,6 +31742,13 @@
   <p:clrMapOvr>
     <a:masterClrMapping/>
   </p:clrMapOvr>
+  <p:timing>
+    <p:tnLst>
+      <p:par>
+        <p:cTn id="1" dur="indefinite" restart="never" nodeType="tmRoot"/>
+      </p:par>
+    </p:tnLst>
+  </p:timing>
 </p:sld>
 </file>
 
@@ -31875,6 +31882,13 @@
   <p:clrMapOvr>
     <a:masterClrMapping/>
   </p:clrMapOvr>
+  <p:timing>
+    <p:tnLst>
+      <p:par>
+        <p:cTn id="1" dur="indefinite" restart="never" nodeType="tmRoot"/>
+      </p:par>
+    </p:tnLst>
+  </p:timing>
 </p:sld>
 </file>
 
@@ -31919,11 +31933,7 @@
           <a:p>
             <a:r>
               <a:rPr lang="en-US" dirty="0" smtClean="0"/>
-              <a:t>Definition in Gene </a:t>
-            </a:r>
-            <a:r>
-              <a:rPr lang="en-US" dirty="0" smtClean="0"/>
-              <a:t>extend ontology (GEO)</a:t>
+              <a:t>Definition in Gene extend ontology (GEO)</a:t>
             </a:r>
           </a:p>
           <a:p>
@@ -31942,49 +31952,21 @@
             </a:r>
             <a:r>
               <a:rPr lang="en-US" dirty="0" smtClean="0"/>
-              <a:t>such as its morphology, development, or behavior, as opposed to its genotype - the inherited instructions it carries, which may or may not be expressed. [http://</a:t>
-            </a:r>
+              <a:t>such as its morphology, development, or behavior, as opposed to its genotype - the inherited instructions it carries, which may or may not be expressed. [http://en.wikipedia.org/wiki/Phenotype]</a:t>
+            </a:r>
+          </a:p>
+          <a:p>
+            <a:pPr lvl="1"/>
             <a:r>
               <a:rPr lang="en-US" dirty="0" smtClean="0"/>
-              <a:t>en.wikipedia.org/wiki/Phenotype]</a:t>
+              <a:t>subclass of a non-physical continuant</a:t>
             </a:r>
           </a:p>
           <a:p>
             <a:pPr lvl="1"/>
             <a:r>
               <a:rPr lang="en-US" dirty="0" smtClean="0"/>
-              <a:t>subclass </a:t>
-            </a:r>
-            <a:r>
-              <a:rPr lang="en-US" dirty="0" smtClean="0"/>
-              <a:t>of a non-physical </a:t>
-            </a:r>
-            <a:r>
-              <a:rPr lang="en-US" dirty="0" smtClean="0"/>
-              <a:t>continuant</a:t>
-            </a:r>
-          </a:p>
-          <a:p>
-            <a:pPr lvl="1"/>
-            <a:r>
-              <a:rPr lang="en-US" dirty="0" smtClean="0"/>
-              <a:t>According </a:t>
-            </a:r>
-            <a:r>
-              <a:rPr lang="en-US" dirty="0" smtClean="0"/>
-              <a:t>to </a:t>
-            </a:r>
-            <a:r>
-              <a:rPr lang="en-US" dirty="0" smtClean="0"/>
-              <a:t>the </a:t>
-            </a:r>
-            <a:r>
-              <a:rPr lang="en-US" dirty="0" smtClean="0"/>
-              <a:t>definition, Phenotype is a </a:t>
-            </a:r>
-            <a:r>
-              <a:rPr lang="en-US" dirty="0" smtClean="0"/>
-              <a:t>Quality</a:t>
+              <a:t>According to the definition, Phenotype is a Quality</a:t>
             </a:r>
           </a:p>
           <a:p>
@@ -31994,11 +31976,7 @@
           <a:p>
             <a:r>
               <a:rPr lang="en-US" dirty="0" smtClean="0"/>
-              <a:t>Definition in Ontology for General Medical Science (OGMS</a:t>
-            </a:r>
-            <a:r>
-              <a:rPr lang="en-US" dirty="0" smtClean="0"/>
-              <a:t>)</a:t>
+              <a:t>Definition in Ontology for General Medical Science (OGMS)</a:t>
             </a:r>
           </a:p>
           <a:p>
@@ -32033,22 +32011,14 @@
             </a:r>
             <a:r>
               <a:rPr lang="en-US" dirty="0" smtClean="0"/>
-              <a:t>determined by the interaction of its genetic make-up and environment that differentiates specific instances of a species from other instances of the same species</a:t>
-            </a:r>
+              <a:t>determined by the interaction of its genetic make-up and environment that differentiates specific instances of a species from other instances of the same species.</a:t>
+            </a:r>
+          </a:p>
+          <a:p>
+            <a:pPr lvl="1"/>
             <a:r>
               <a:rPr lang="en-US" dirty="0" smtClean="0"/>
-              <a:t>.</a:t>
-            </a:r>
-          </a:p>
-          <a:p>
-            <a:pPr lvl="1"/>
-            <a:r>
-              <a:rPr lang="en-US" dirty="0" smtClean="0"/>
-              <a:t>subclass of </a:t>
-            </a:r>
-            <a:r>
-              <a:rPr lang="en-US" dirty="0" smtClean="0"/>
-              <a:t>quality</a:t>
+              <a:t>subclass of quality</a:t>
             </a:r>
           </a:p>
           <a:p>
@@ -32060,26 +32030,40 @@
               <a:rPr lang="en-US" dirty="0" smtClean="0"/>
               <a:t>Definition discussed at Penn meeting</a:t>
             </a:r>
-            <a:endParaRPr lang="en-US" dirty="0" smtClean="0"/>
           </a:p>
           <a:p>
             <a:pPr lvl="1"/>
             <a:r>
+              <a:rPr lang="en-US" dirty="0" smtClean="0">
+                <a:solidFill>
+                  <a:srgbClr val="FF0000"/>
+                </a:solidFill>
+              </a:rPr>
+              <a:t>an independent continuant with a particular quality or disposition </a:t>
+            </a:r>
+            <a:r>
               <a:rPr lang="en-US" dirty="0" smtClean="0"/>
-              <a:t>an independent continuant with a particular quality or disposition is the output of a process that realizes genotype in the environment</a:t>
+              <a:t>is the </a:t>
+            </a:r>
+            <a:r>
+              <a:rPr lang="en-US" dirty="0" smtClean="0">
+                <a:solidFill>
+                  <a:srgbClr val="FF0000"/>
+                </a:solidFill>
+              </a:rPr>
+              <a:t>output of a process </a:t>
+            </a:r>
+            <a:r>
+              <a:rPr lang="en-US" dirty="0" smtClean="0"/>
+              <a:t>that realizes genotype in the environment</a:t>
             </a:r>
           </a:p>
           <a:p>
             <a:pPr lvl="1"/>
             <a:r>
               <a:rPr lang="en-US" dirty="0" smtClean="0"/>
-              <a:t>(based on Marcus provided definition</a:t>
-            </a:r>
-            <a:r>
-              <a:rPr lang="en-US" dirty="0" smtClean="0"/>
-              <a:t>)</a:t>
-            </a:r>
-            <a:endParaRPr lang="en-US" dirty="0" smtClean="0"/>
+              <a:t>(based on Marcus provided definition)</a:t>
+            </a:r>
           </a:p>
         </p:txBody>
       </p:sp>
@@ -32118,6 +32102,13 @@
   <p:clrMapOvr>
     <a:masterClrMapping/>
   </p:clrMapOvr>
+  <p:timing>
+    <p:tnLst>
+      <p:par>
+        <p:cTn id="1" dur="indefinite" restart="never" nodeType="tmRoot"/>
+      </p:par>
+    </p:tnLst>
+  </p:timing>
 </p:sld>
 </file>
 
@@ -32158,7 +32149,11 @@
             </a:pPr>
             <a:r>
               <a:rPr lang="en-US" dirty="0" smtClean="0"/>
-              <a:t>Phenotype Refer </a:t>
+              <a:t>Phenotype </a:t>
+            </a:r>
+            <a:r>
+              <a:rPr lang="en-US" dirty="0" smtClean="0"/>
+              <a:t>Refers </a:t>
             </a:r>
             <a:r>
               <a:rPr lang="en-US" dirty="0" smtClean="0"/>
@@ -32201,8 +32196,26 @@
             <a:pPr lvl="1"/>
             <a:r>
               <a:rPr lang="en-US" dirty="0" smtClean="0"/>
-              <a:t>Muscle cell morphology</a:t>
-            </a:r>
+              <a:t>Muscle cell </a:t>
+            </a:r>
+            <a:r>
+              <a:rPr lang="en-US" dirty="0" smtClean="0"/>
+              <a:t>morphology</a:t>
+            </a:r>
+          </a:p>
+          <a:p>
+            <a:r>
+              <a:rPr lang="en-US" dirty="0" smtClean="0"/>
+              <a:t>Molecular</a:t>
+            </a:r>
+          </a:p>
+          <a:p>
+            <a:pPr lvl="1"/>
+            <a:r>
+              <a:rPr lang="en-US" dirty="0" smtClean="0"/>
+              <a:t>Enzymatic activity</a:t>
+            </a:r>
+            <a:endParaRPr lang="en-US" dirty="0" smtClean="0"/>
           </a:p>
         </p:txBody>
       </p:sp>
@@ -32218,8 +32231,8 @@
         </p:nvSpPr>
         <p:spPr>
           <a:xfrm>
-            <a:off x="0" y="274638"/>
-            <a:ext cx="9144000" cy="1143000"/>
+            <a:off x="304800" y="274638"/>
+            <a:ext cx="8610600" cy="1143000"/>
           </a:xfrm>
         </p:spPr>
         <p:txBody>
@@ -32241,6 +32254,13 @@
   <p:clrMapOvr>
     <a:masterClrMapping/>
   </p:clrMapOvr>
+  <p:timing>
+    <p:tnLst>
+      <p:par>
+        <p:cTn id="1" dur="indefinite" restart="never" nodeType="tmRoot"/>
+      </p:par>
+    </p:tnLst>
+  </p:timing>
 </p:sld>
 </file>
 
@@ -32271,7 +32291,12 @@
             <p:ph idx="1"/>
           </p:nvPr>
         </p:nvSpPr>
-        <p:spPr/>
+        <p:spPr>
+          <a:xfrm>
+            <a:off x="457200" y="1481328"/>
+            <a:ext cx="8305800" cy="4525963"/>
+          </a:xfrm>
+        </p:spPr>
         <p:txBody>
           <a:bodyPr/>
           <a:lstStyle/>
@@ -32298,7 +32323,30 @@
             <a:pPr lvl="1"/>
             <a:r>
               <a:rPr lang="en-US" dirty="0" smtClean="0"/>
-              <a:t>It is generically dependent continuant based on SO definition</a:t>
+              <a:t>It is generically dependent continuant based on SO </a:t>
+            </a:r>
+            <a:r>
+              <a:rPr lang="en-US" dirty="0" smtClean="0"/>
+              <a:t>definition</a:t>
+            </a:r>
+          </a:p>
+          <a:p>
+            <a:pPr lvl="1"/>
+            <a:endParaRPr lang="en-US" dirty="0" smtClean="0"/>
+          </a:p>
+          <a:p>
+            <a:pPr lvl="1"/>
+            <a:r>
+              <a:rPr lang="en-US" dirty="0" smtClean="0"/>
+              <a:t>Cannot use ‘realizes / </a:t>
+            </a:r>
+            <a:r>
+              <a:rPr lang="en-US" dirty="0" err="1" smtClean="0"/>
+              <a:t>is_realized_by</a:t>
+            </a:r>
+            <a:r>
+              <a:rPr lang="en-US" dirty="0" smtClean="0"/>
+              <a:t>’ relation, because none is process</a:t>
             </a:r>
             <a:endParaRPr lang="en-US" dirty="0"/>
           </a:p>
@@ -32332,6 +32380,13 @@
   <p:clrMapOvr>
     <a:masterClrMapping/>
   </p:clrMapOvr>
+  <p:timing>
+    <p:tnLst>
+      <p:par>
+        <p:cTn id="1" dur="indefinite" restart="never" nodeType="tmRoot"/>
+      </p:par>
+    </p:tnLst>
+  </p:timing>
 </p:sld>
 </file>
 
@@ -32365,13 +32420,34 @@
         <p:spPr/>
         <p:txBody>
           <a:bodyPr>
-            <a:normAutofit lnSpcReduction="10000"/>
+            <a:normAutofit fontScale="92500" lnSpcReduction="10000"/>
           </a:bodyPr>
           <a:lstStyle/>
           <a:p>
+            <a:pPr>
+              <a:buNone/>
+            </a:pPr>
             <a:r>
               <a:rPr lang="en-US" dirty="0" smtClean="0"/>
-              <a:t>Dependent Continuant:</a:t>
+              <a:t>What is Phenotype in the view of </a:t>
+            </a:r>
+            <a:r>
+              <a:rPr lang="en-US" dirty="0" err="1" smtClean="0"/>
+              <a:t>ontologists</a:t>
+            </a:r>
+            <a:r>
+              <a:rPr lang="en-US" dirty="0" smtClean="0"/>
+              <a:t>?</a:t>
+            </a:r>
+          </a:p>
+          <a:p>
+            <a:r>
+              <a:rPr lang="en-US" dirty="0" smtClean="0"/>
+              <a:t>Dependent </a:t>
+            </a:r>
+            <a:r>
+              <a:rPr lang="en-US" dirty="0" smtClean="0"/>
+              <a:t>Continuant:</a:t>
             </a:r>
           </a:p>
           <a:p>
@@ -32385,8 +32461,13 @@
             <a:pPr lvl="2"/>
             <a:r>
               <a:rPr lang="en-US" dirty="0" smtClean="0"/>
-              <a:t>color, s </a:t>
-            </a:r>
+              <a:t>color, </a:t>
+            </a:r>
+            <a:r>
+              <a:rPr lang="en-US" dirty="0" smtClean="0"/>
+              <a:t>shape, size </a:t>
+            </a:r>
+            <a:endParaRPr lang="en-US" dirty="0" smtClean="0"/>
           </a:p>
           <a:p>
             <a:pPr lvl="1"/>
@@ -32409,7 +32490,15 @@
           <a:p>
             <a:r>
               <a:rPr lang="en-US" dirty="0" smtClean="0"/>
-              <a:t>Output of some biological process:</a:t>
+              <a:t>Output of some </a:t>
+            </a:r>
+            <a:r>
+              <a:rPr lang="en-US" dirty="0" smtClean="0"/>
+              <a:t>process</a:t>
+            </a:r>
+            <a:r>
+              <a:rPr lang="en-US" dirty="0" smtClean="0"/>
+              <a:t>:</a:t>
             </a:r>
           </a:p>
           <a:p>
@@ -32430,21 +32519,23 @@
             <a:pPr lvl="2"/>
             <a:r>
               <a:rPr lang="en-US" dirty="0" smtClean="0"/>
-              <a:t>Feeding behavior</a:t>
-            </a:r>
+              <a:t>Output of feeding behavior -&gt; normal feeding behavior</a:t>
+            </a:r>
+            <a:endParaRPr lang="en-US" dirty="0" smtClean="0"/>
           </a:p>
           <a:p>
             <a:pPr lvl="2"/>
             <a:r>
               <a:rPr lang="en-US" dirty="0" smtClean="0"/>
-              <a:t>Motility</a:t>
-            </a:r>
+              <a:t>Output of motility -&gt; decreased cell motility</a:t>
+            </a:r>
+            <a:endParaRPr lang="en-US" dirty="0" smtClean="0"/>
           </a:p>
           <a:p>
             <a:pPr lvl="2"/>
             <a:r>
               <a:rPr lang="en-US" dirty="0" smtClean="0"/>
-              <a:t>Cell growth</a:t>
+              <a:t>Output of development -&gt; eye color</a:t>
             </a:r>
             <a:endParaRPr lang="en-US" dirty="0"/>
           </a:p>
@@ -32468,21 +32559,13 @@
         </p:spPr>
         <p:txBody>
           <a:bodyPr>
-            <a:normAutofit fontScale="90000"/>
+            <a:normAutofit/>
           </a:bodyPr>
           <a:lstStyle/>
           <a:p>
             <a:r>
               <a:rPr lang="en-US" dirty="0" smtClean="0"/>
-              <a:t>What is Phenotype in the view of </a:t>
-            </a:r>
-            <a:r>
-              <a:rPr lang="en-US" dirty="0" err="1" smtClean="0"/>
-              <a:t>ontologists</a:t>
-            </a:r>
-            <a:r>
-              <a:rPr lang="en-US" dirty="0" smtClean="0"/>
-              <a:t>?</a:t>
+              <a:t>Question 3</a:t>
             </a:r>
             <a:endParaRPr lang="en-US" dirty="0"/>
           </a:p>
@@ -32493,6 +32576,13 @@
   <p:clrMapOvr>
     <a:masterClrMapping/>
   </p:clrMapOvr>
+  <p:timing>
+    <p:tnLst>
+      <p:par>
+        <p:cTn id="1" dur="indefinite" restart="never" nodeType="tmRoot"/>
+      </p:par>
+    </p:tnLst>
+  </p:timing>
 </p:sld>
 </file>
 
@@ -32525,31 +32615,197 @@
         </p:nvSpPr>
         <p:spPr/>
         <p:txBody>
+          <a:bodyPr>
+            <a:normAutofit fontScale="85000" lnSpcReduction="20000"/>
+          </a:bodyPr>
+          <a:lstStyle/>
+          <a:p>
+            <a:pPr>
+              <a:buNone/>
+            </a:pPr>
+            <a:r>
+              <a:rPr lang="en-US" dirty="0" smtClean="0"/>
+              <a:t>How to link phenotype to quality, molecular functions, cell components, biological processes, etc.?</a:t>
+            </a:r>
+          </a:p>
+          <a:p>
+            <a:pPr marL="365760" lvl="1" indent="-256032">
+              <a:spcBef>
+                <a:spcPts val="400"/>
+              </a:spcBef>
+              <a:buSzPct val="68000"/>
+              <a:buFont typeface="Wingdings 3"/>
+              <a:buChar char=""/>
+            </a:pPr>
+            <a:r>
+              <a:rPr lang="en-US" sz="2600" dirty="0" smtClean="0"/>
+              <a:t>Growth normal</a:t>
+            </a:r>
+          </a:p>
+          <a:p>
+            <a:pPr lvl="1"/>
+            <a:r>
+              <a:rPr lang="en-US" sz="1900" dirty="0" smtClean="0"/>
+              <a:t>GO </a:t>
+            </a:r>
+            <a:r>
+              <a:rPr lang="en-US" sz="1900" dirty="0" err="1" smtClean="0"/>
+              <a:t>biological_process</a:t>
+            </a:r>
+            <a:r>
+              <a:rPr lang="en-US" sz="1900" dirty="0" smtClean="0"/>
+              <a:t>: growth</a:t>
+            </a:r>
+          </a:p>
+          <a:p>
+            <a:pPr lvl="1"/>
+            <a:r>
+              <a:rPr lang="en-US" sz="1900" dirty="0" smtClean="0"/>
+              <a:t>PATO quality: normal</a:t>
+            </a:r>
+          </a:p>
+          <a:p>
+            <a:pPr lvl="1"/>
+            <a:r>
+              <a:rPr lang="en-US" sz="1900" dirty="0" smtClean="0"/>
+              <a:t>Phenotype of organism or cell</a:t>
+            </a:r>
+          </a:p>
+          <a:p>
+            <a:r>
+              <a:rPr lang="en-US" sz="2600" dirty="0" smtClean="0"/>
+              <a:t>Enzyme activity absent</a:t>
+            </a:r>
+          </a:p>
+          <a:p>
+            <a:pPr lvl="1"/>
+            <a:r>
+              <a:rPr lang="en-US" sz="1900" dirty="0" smtClean="0"/>
+              <a:t>GO </a:t>
+            </a:r>
+            <a:r>
+              <a:rPr lang="en-US" sz="1900" dirty="0" err="1" smtClean="0"/>
+              <a:t>molecular_function</a:t>
+            </a:r>
+            <a:r>
+              <a:rPr lang="en-US" sz="1900" dirty="0" smtClean="0"/>
+              <a:t>: enzyme activity</a:t>
+            </a:r>
+          </a:p>
+          <a:p>
+            <a:pPr lvl="1"/>
+            <a:r>
+              <a:rPr lang="en-US" sz="1900" dirty="0" smtClean="0"/>
+              <a:t>PATO quality: absent</a:t>
+            </a:r>
+          </a:p>
+          <a:p>
+            <a:pPr lvl="1"/>
+            <a:r>
+              <a:rPr lang="en-US" sz="1900" dirty="0" smtClean="0"/>
+              <a:t>Phenotype of </a:t>
+            </a:r>
+            <a:r>
+              <a:rPr lang="en-US" sz="1900" dirty="0" err="1" smtClean="0"/>
+              <a:t>molecular_entity</a:t>
+            </a:r>
+            <a:r>
+              <a:rPr lang="en-US" sz="1900" dirty="0" smtClean="0"/>
+              <a:t>? </a:t>
+            </a:r>
+            <a:r>
+              <a:rPr lang="en-US" sz="1900" dirty="0" err="1" smtClean="0"/>
+              <a:t>e</a:t>
+            </a:r>
+            <a:r>
+              <a:rPr lang="en-US" sz="1900" dirty="0" err="1" smtClean="0"/>
+              <a:t>g</a:t>
+            </a:r>
+            <a:r>
+              <a:rPr lang="en-US" sz="1900" dirty="0" smtClean="0"/>
+              <a:t>. peptide?</a:t>
+            </a:r>
+          </a:p>
+          <a:p>
+            <a:pPr marL="365760" lvl="1" indent="-256032">
+              <a:spcBef>
+                <a:spcPts val="400"/>
+              </a:spcBef>
+              <a:buSzPct val="68000"/>
+              <a:buFont typeface="Wingdings 3"/>
+              <a:buChar char=""/>
+            </a:pPr>
+            <a:r>
+              <a:rPr lang="en-US" sz="2600" dirty="0" smtClean="0"/>
+              <a:t>Chromosome abnormal</a:t>
+            </a:r>
+          </a:p>
+          <a:p>
+            <a:pPr lvl="1"/>
+            <a:r>
+              <a:rPr lang="en-US" sz="1900" dirty="0" smtClean="0"/>
+              <a:t>GO </a:t>
+            </a:r>
+            <a:r>
+              <a:rPr lang="en-US" sz="1900" dirty="0" err="1" smtClean="0"/>
+              <a:t>cellular_component</a:t>
+            </a:r>
+            <a:r>
+              <a:rPr lang="en-US" sz="1900" dirty="0" smtClean="0"/>
+              <a:t>: chromosome</a:t>
+            </a:r>
+          </a:p>
+          <a:p>
+            <a:pPr lvl="1"/>
+            <a:r>
+              <a:rPr lang="en-US" sz="1900" dirty="0" smtClean="0"/>
+              <a:t>PATO: abnormal</a:t>
+            </a:r>
+          </a:p>
+          <a:p>
+            <a:r>
+              <a:rPr lang="en-US" sz="2600" dirty="0" smtClean="0"/>
+              <a:t>Red eye</a:t>
+            </a:r>
+          </a:p>
+          <a:p>
+            <a:pPr lvl="1"/>
+            <a:r>
+              <a:rPr lang="en-US" sz="2200" dirty="0" smtClean="0"/>
+              <a:t>Anatomical entity: eye</a:t>
+            </a:r>
+          </a:p>
+          <a:p>
+            <a:pPr lvl="1"/>
+            <a:r>
+              <a:rPr lang="en-US" sz="2200" dirty="0" smtClean="0"/>
+              <a:t>PATO: red</a:t>
+            </a:r>
+          </a:p>
+          <a:p>
+            <a:pPr lvl="1"/>
+            <a:endParaRPr lang="en-US" dirty="0"/>
+          </a:p>
+        </p:txBody>
+      </p:sp>
+      <p:sp>
+        <p:nvSpPr>
+          <p:cNvPr id="3" name="Title 2"/>
+          <p:cNvSpPr>
+            <a:spLocks noGrp="1"/>
+          </p:cNvSpPr>
+          <p:nvPr>
+            <p:ph type="title"/>
+          </p:nvPr>
+        </p:nvSpPr>
+        <p:spPr/>
+        <p:txBody>
           <a:bodyPr/>
           <a:lstStyle/>
           <a:p>
-            <a:endParaRPr lang="en-US" dirty="0"/>
-          </a:p>
-        </p:txBody>
-      </p:sp>
-      <p:sp>
-        <p:nvSpPr>
-          <p:cNvPr id="3" name="Title 2"/>
-          <p:cNvSpPr>
-            <a:spLocks noGrp="1"/>
-          </p:cNvSpPr>
-          <p:nvPr>
-            <p:ph type="title"/>
-          </p:nvPr>
-        </p:nvSpPr>
-        <p:spPr/>
-        <p:txBody>
-          <a:bodyPr/>
-          <a:lstStyle/>
-          <a:p>
             <a:r>
               <a:rPr lang="en-US" dirty="0" smtClean="0"/>
-              <a:t>Phenotype examples</a:t>
+              <a:t>Question 4</a:t>
             </a:r>
             <a:endParaRPr lang="en-US" dirty="0"/>
           </a:p>
@@ -32560,6 +32816,13 @@
   <p:clrMapOvr>
     <a:masterClrMapping/>
   </p:clrMapOvr>
+  <p:timing>
+    <p:tnLst>
+      <p:par>
+        <p:cTn id="1" dur="indefinite" restart="never" nodeType="tmRoot"/>
+      </p:par>
+    </p:tnLst>
+  </p:timing>
 </p:sld>
 </file>
 

--- a/docs/presentations/OBI workshop Oct 2011 Philly/Phenotype.pptx
+++ b/docs/presentations/OBI workshop Oct 2011 Philly/Phenotype.pptx
@@ -32149,15 +32149,7 @@
             </a:pPr>
             <a:r>
               <a:rPr lang="en-US" dirty="0" smtClean="0"/>
-              <a:t>Phenotype </a:t>
-            </a:r>
-            <a:r>
-              <a:rPr lang="en-US" dirty="0" smtClean="0"/>
-              <a:t>Refers </a:t>
-            </a:r>
-            <a:r>
-              <a:rPr lang="en-US" dirty="0" smtClean="0"/>
-              <a:t>to:</a:t>
+              <a:t>Phenotype Refers to:</a:t>
             </a:r>
           </a:p>
           <a:p>
@@ -32196,11 +32188,7 @@
             <a:pPr lvl="1"/>
             <a:r>
               <a:rPr lang="en-US" dirty="0" smtClean="0"/>
-              <a:t>Muscle cell </a:t>
-            </a:r>
-            <a:r>
-              <a:rPr lang="en-US" dirty="0" smtClean="0"/>
-              <a:t>morphology</a:t>
+              <a:t>Muscle cell morphology</a:t>
             </a:r>
           </a:p>
           <a:p>
@@ -32215,7 +32203,6 @@
               <a:rPr lang="en-US" dirty="0" smtClean="0"/>
               <a:t>Enzymatic activity</a:t>
             </a:r>
-            <a:endParaRPr lang="en-US" dirty="0" smtClean="0"/>
           </a:p>
         </p:txBody>
       </p:sp>
@@ -32323,11 +32310,7 @@
             <a:pPr lvl="1"/>
             <a:r>
               <a:rPr lang="en-US" dirty="0" smtClean="0"/>
-              <a:t>It is generically dependent continuant based on SO </a:t>
-            </a:r>
-            <a:r>
-              <a:rPr lang="en-US" dirty="0" smtClean="0"/>
-              <a:t>definition</a:t>
+              <a:t>It is generically dependent continuant based on SO definition</a:t>
             </a:r>
           </a:p>
           <a:p>
@@ -32443,11 +32426,7 @@
           <a:p>
             <a:r>
               <a:rPr lang="en-US" dirty="0" smtClean="0"/>
-              <a:t>Dependent </a:t>
-            </a:r>
-            <a:r>
-              <a:rPr lang="en-US" dirty="0" smtClean="0"/>
-              <a:t>Continuant:</a:t>
+              <a:t>Dependent Continuant:</a:t>
             </a:r>
           </a:p>
           <a:p>
@@ -32461,13 +32440,8 @@
             <a:pPr lvl="2"/>
             <a:r>
               <a:rPr lang="en-US" dirty="0" smtClean="0"/>
-              <a:t>color, </a:t>
-            </a:r>
-            <a:r>
-              <a:rPr lang="en-US" dirty="0" smtClean="0"/>
-              <a:t>shape, size </a:t>
-            </a:r>
-            <a:endParaRPr lang="en-US" dirty="0" smtClean="0"/>
+              <a:t>color, shape, size </a:t>
+            </a:r>
           </a:p>
           <a:p>
             <a:pPr lvl="1"/>
@@ -32490,15 +32464,7 @@
           <a:p>
             <a:r>
               <a:rPr lang="en-US" dirty="0" smtClean="0"/>
-              <a:t>Output of some </a:t>
-            </a:r>
-            <a:r>
-              <a:rPr lang="en-US" dirty="0" smtClean="0"/>
-              <a:t>process</a:t>
-            </a:r>
-            <a:r>
-              <a:rPr lang="en-US" dirty="0" smtClean="0"/>
-              <a:t>:</a:t>
+              <a:t>Output of some process:</a:t>
             </a:r>
           </a:p>
           <a:p>
@@ -32521,7 +32487,6 @@
               <a:rPr lang="en-US" dirty="0" smtClean="0"/>
               <a:t>Output of feeding behavior -&gt; normal feeding behavior</a:t>
             </a:r>
-            <a:endParaRPr lang="en-US" dirty="0" smtClean="0"/>
           </a:p>
           <a:p>
             <a:pPr lvl="2"/>
@@ -32529,7 +32494,6 @@
               <a:rPr lang="en-US" dirty="0" smtClean="0"/>
               <a:t>Output of motility -&gt; decreased cell motility</a:t>
             </a:r>
-            <a:endParaRPr lang="en-US" dirty="0" smtClean="0"/>
           </a:p>
           <a:p>
             <a:pPr lvl="2"/>
@@ -32613,10 +32577,15 @@
             <p:ph idx="1"/>
           </p:nvPr>
         </p:nvSpPr>
-        <p:spPr/>
+        <p:spPr>
+          <a:xfrm>
+            <a:off x="457200" y="1481328"/>
+            <a:ext cx="8229600" cy="4919472"/>
+          </a:xfrm>
+        </p:spPr>
         <p:txBody>
           <a:bodyPr>
-            <a:normAutofit fontScale="85000" lnSpcReduction="20000"/>
+            <a:normAutofit fontScale="77500" lnSpcReduction="20000"/>
           </a:bodyPr>
           <a:lstStyle/>
           <a:p>
@@ -32715,11 +32684,7 @@
             </a:r>
             <a:r>
               <a:rPr lang="en-US" sz="1900" dirty="0" err="1" smtClean="0"/>
-              <a:t>e</a:t>
-            </a:r>
-            <a:r>
-              <a:rPr lang="en-US" sz="1900" dirty="0" err="1" smtClean="0"/>
-              <a:t>g</a:t>
+              <a:t>eg</a:t>
             </a:r>
             <a:r>
               <a:rPr lang="en-US" sz="1900" dirty="0" smtClean="0"/>
@@ -32779,11 +32744,42 @@
             <a:pPr lvl="1"/>
             <a:r>
               <a:rPr lang="en-US" sz="2200" dirty="0" smtClean="0"/>
-              <a:t>PATO: red</a:t>
+              <a:t>PATO: </a:t>
+            </a:r>
+            <a:r>
+              <a:rPr lang="en-US" sz="2200" dirty="0" smtClean="0"/>
+              <a:t>red</a:t>
             </a:r>
           </a:p>
           <a:p>
             <a:pPr lvl="1"/>
+            <a:r>
+              <a:rPr lang="en-US" sz="2200" dirty="0" smtClean="0"/>
+              <a:t>Can we define: ‘red eye phenotype’ = red inheres in some eye ? </a:t>
+            </a:r>
+          </a:p>
+          <a:p>
+            <a:pPr lvl="1"/>
+            <a:r>
+              <a:rPr lang="en-US" sz="2200" dirty="0" smtClean="0"/>
+              <a:t>If phenotype </a:t>
+            </a:r>
+            <a:r>
+              <a:rPr lang="en-US" sz="2200" dirty="0" smtClean="0"/>
+              <a:t>is quality, </a:t>
+            </a:r>
+            <a:r>
+              <a:rPr lang="en-US" sz="2200" dirty="0" smtClean="0"/>
+              <a:t>does it mean: </a:t>
+            </a:r>
+            <a:r>
+              <a:rPr lang="en-US" sz="2200" dirty="0" smtClean="0"/>
+              <a:t>‘red eye phenotype’ = </a:t>
+            </a:r>
+            <a:r>
+              <a:rPr lang="en-US" sz="2200" dirty="0" smtClean="0"/>
+              <a:t>intersection of red and ‘eye phenotype’?</a:t>
+            </a:r>
             <a:endParaRPr lang="en-US" dirty="0"/>
           </a:p>
         </p:txBody>

--- a/docs/presentations/OBI workshop Oct 2011 Philly/Phenotype.pptx
+++ b/docs/presentations/OBI workshop Oct 2011 Philly/Phenotype.pptx
@@ -11,12 +11,14 @@
   </p:sldMasterIdLst>
   <p:sldIdLst>
     <p:sldId id="256" r:id="rId7"/>
-    <p:sldId id="260" r:id="rId8"/>
-    <p:sldId id="257" r:id="rId9"/>
-    <p:sldId id="261" r:id="rId10"/>
-    <p:sldId id="262" r:id="rId11"/>
-    <p:sldId id="258" r:id="rId12"/>
-    <p:sldId id="259" r:id="rId13"/>
+    <p:sldId id="263" r:id="rId8"/>
+    <p:sldId id="264" r:id="rId9"/>
+    <p:sldId id="260" r:id="rId10"/>
+    <p:sldId id="257" r:id="rId11"/>
+    <p:sldId id="261" r:id="rId12"/>
+    <p:sldId id="262" r:id="rId13"/>
+    <p:sldId id="258" r:id="rId14"/>
+    <p:sldId id="259" r:id="rId15"/>
   </p:sldIdLst>
   <p:sldSz cx="9144000" cy="6858000" type="screen4x3"/>
   <p:notesSz cx="6858000" cy="9144000"/>
@@ -967,7 +969,7 @@
             <a:fld id="{FC4E1F84-22AE-408B-8AEE-B5F39E910140}" type="datetimeFigureOut">
               <a:rPr lang="en-US" smtClean="0"/>
               <a:pPr/>
-              <a:t>10/5/2011</a:t>
+              <a:t>10/7/2011</a:t>
             </a:fld>
             <a:endParaRPr lang="en-US"/>
           </a:p>
@@ -1171,7 +1173,7 @@
             <a:fld id="{FC4E1F84-22AE-408B-8AEE-B5F39E910140}" type="datetimeFigureOut">
               <a:rPr lang="en-US" smtClean="0"/>
               <a:pPr/>
-              <a:t>10/5/2011</a:t>
+              <a:t>10/7/2011</a:t>
             </a:fld>
             <a:endParaRPr lang="en-US"/>
           </a:p>
@@ -1378,7 +1380,7 @@
             <a:fld id="{39C41B7C-DC17-4ECC-A2D3-90661E3E8418}" type="datetimeFigureOut">
               <a:rPr lang="en-US" smtClean="0"/>
               <a:pPr/>
-              <a:t>10/5/2011</a:t>
+              <a:t>10/7/2011</a:t>
             </a:fld>
             <a:endParaRPr lang="en-US"/>
           </a:p>
@@ -2261,7 +2263,7 @@
             <a:fld id="{39C41B7C-DC17-4ECC-A2D3-90661E3E8418}" type="datetimeFigureOut">
               <a:rPr lang="en-US" smtClean="0"/>
               <a:pPr/>
-              <a:t>10/5/2011</a:t>
+              <a:t>10/7/2011</a:t>
             </a:fld>
             <a:endParaRPr lang="en-US"/>
           </a:p>
@@ -2480,7 +2482,7 @@
             <a:fld id="{39C41B7C-DC17-4ECC-A2D3-90661E3E8418}" type="datetimeFigureOut">
               <a:rPr lang="en-US" smtClean="0"/>
               <a:pPr/>
-              <a:t>10/5/2011</a:t>
+              <a:t>10/7/2011</a:t>
             </a:fld>
             <a:endParaRPr lang="en-US"/>
           </a:p>
@@ -3303,7 +3305,7 @@
             <a:fld id="{39C41B7C-DC17-4ECC-A2D3-90661E3E8418}" type="datetimeFigureOut">
               <a:rPr lang="en-US" smtClean="0"/>
               <a:pPr/>
-              <a:t>10/5/2011</a:t>
+              <a:t>10/7/2011</a:t>
             </a:fld>
             <a:endParaRPr lang="en-US"/>
           </a:p>
@@ -3548,7 +3550,7 @@
             <a:fld id="{39C41B7C-DC17-4ECC-A2D3-90661E3E8418}" type="datetimeFigureOut">
               <a:rPr lang="en-US" smtClean="0"/>
               <a:pPr/>
-              <a:t>10/5/2011</a:t>
+              <a:t>10/7/2011</a:t>
             </a:fld>
             <a:endParaRPr lang="en-US"/>
           </a:p>
@@ -3880,7 +3882,7 @@
             <a:fld id="{39C41B7C-DC17-4ECC-A2D3-90661E3E8418}" type="datetimeFigureOut">
               <a:rPr lang="en-US" smtClean="0"/>
               <a:pPr/>
-              <a:t>10/5/2011</a:t>
+              <a:t>10/7/2011</a:t>
             </a:fld>
             <a:endParaRPr lang="en-US"/>
           </a:p>
@@ -3979,7 +3981,7 @@
             <a:fld id="{39C41B7C-DC17-4ECC-A2D3-90661E3E8418}" type="datetimeFigureOut">
               <a:rPr lang="en-US" smtClean="0"/>
               <a:pPr/>
-              <a:t>10/5/2011</a:t>
+              <a:t>10/7/2011</a:t>
             </a:fld>
             <a:endParaRPr lang="en-US"/>
           </a:p>
@@ -4505,7 +4507,7 @@
             <a:fld id="{39C41B7C-DC17-4ECC-A2D3-90661E3E8418}" type="datetimeFigureOut">
               <a:rPr lang="en-US" smtClean="0"/>
               <a:pPr/>
-              <a:t>10/5/2011</a:t>
+              <a:t>10/7/2011</a:t>
             </a:fld>
             <a:endParaRPr lang="en-US"/>
           </a:p>
@@ -5025,7 +5027,7 @@
             <a:fld id="{39C41B7C-DC17-4ECC-A2D3-90661E3E8418}" type="datetimeFigureOut">
               <a:rPr lang="en-US" smtClean="0"/>
               <a:pPr/>
-              <a:t>10/5/2011</a:t>
+              <a:t>10/7/2011</a:t>
             </a:fld>
             <a:endParaRPr lang="en-US"/>
           </a:p>
@@ -5180,7 +5182,7 @@
             <a:fld id="{FC4E1F84-22AE-408B-8AEE-B5F39E910140}" type="datetimeFigureOut">
               <a:rPr lang="en-US" smtClean="0"/>
               <a:pPr/>
-              <a:t>10/5/2011</a:t>
+              <a:t>10/7/2011</a:t>
             </a:fld>
             <a:endParaRPr lang="en-US"/>
           </a:p>
@@ -5383,7 +5385,7 @@
             <a:fld id="{39C41B7C-DC17-4ECC-A2D3-90661E3E8418}" type="datetimeFigureOut">
               <a:rPr lang="en-US" smtClean="0"/>
               <a:pPr/>
-              <a:t>10/5/2011</a:t>
+              <a:t>10/7/2011</a:t>
             </a:fld>
             <a:endParaRPr lang="en-US"/>
           </a:p>
@@ -5567,7 +5569,7 @@
             <a:fld id="{39C41B7C-DC17-4ECC-A2D3-90661E3E8418}" type="datetimeFigureOut">
               <a:rPr lang="en-US" smtClean="0"/>
               <a:pPr/>
-              <a:t>10/5/2011</a:t>
+              <a:t>10/7/2011</a:t>
             </a:fld>
             <a:endParaRPr lang="en-US"/>
           </a:p>
@@ -5774,7 +5776,7 @@
             <a:fld id="{39C41B7C-DC17-4ECC-A2D3-90661E3E8418}" type="datetimeFigureOut">
               <a:rPr lang="en-US" smtClean="0"/>
               <a:pPr/>
-              <a:t>10/5/2011</a:t>
+              <a:t>10/7/2011</a:t>
             </a:fld>
             <a:endParaRPr lang="en-US"/>
           </a:p>
@@ -6657,7 +6659,7 @@
             <a:fld id="{39C41B7C-DC17-4ECC-A2D3-90661E3E8418}" type="datetimeFigureOut">
               <a:rPr lang="en-US" smtClean="0"/>
               <a:pPr/>
-              <a:t>10/5/2011</a:t>
+              <a:t>10/7/2011</a:t>
             </a:fld>
             <a:endParaRPr lang="en-US"/>
           </a:p>
@@ -6876,7 +6878,7 @@
             <a:fld id="{39C41B7C-DC17-4ECC-A2D3-90661E3E8418}" type="datetimeFigureOut">
               <a:rPr lang="en-US" smtClean="0"/>
               <a:pPr/>
-              <a:t>10/5/2011</a:t>
+              <a:t>10/7/2011</a:t>
             </a:fld>
             <a:endParaRPr lang="en-US"/>
           </a:p>
@@ -7699,7 +7701,7 @@
             <a:fld id="{39C41B7C-DC17-4ECC-A2D3-90661E3E8418}" type="datetimeFigureOut">
               <a:rPr lang="en-US" smtClean="0"/>
               <a:pPr/>
-              <a:t>10/5/2011</a:t>
+              <a:t>10/7/2011</a:t>
             </a:fld>
             <a:endParaRPr lang="en-US"/>
           </a:p>
@@ -7944,7 +7946,7 @@
             <a:fld id="{39C41B7C-DC17-4ECC-A2D3-90661E3E8418}" type="datetimeFigureOut">
               <a:rPr lang="en-US" smtClean="0"/>
               <a:pPr/>
-              <a:t>10/5/2011</a:t>
+              <a:t>10/7/2011</a:t>
             </a:fld>
             <a:endParaRPr lang="en-US"/>
           </a:p>
@@ -8276,7 +8278,7 @@
             <a:fld id="{39C41B7C-DC17-4ECC-A2D3-90661E3E8418}" type="datetimeFigureOut">
               <a:rPr lang="en-US" smtClean="0"/>
               <a:pPr/>
-              <a:t>10/5/2011</a:t>
+              <a:t>10/7/2011</a:t>
             </a:fld>
             <a:endParaRPr lang="en-US"/>
           </a:p>
@@ -8375,7 +8377,7 @@
             <a:fld id="{39C41B7C-DC17-4ECC-A2D3-90661E3E8418}" type="datetimeFigureOut">
               <a:rPr lang="en-US" smtClean="0"/>
               <a:pPr/>
-              <a:t>10/5/2011</a:t>
+              <a:t>10/7/2011</a:t>
             </a:fld>
             <a:endParaRPr lang="en-US"/>
           </a:p>
@@ -8901,7 +8903,7 @@
             <a:fld id="{39C41B7C-DC17-4ECC-A2D3-90661E3E8418}" type="datetimeFigureOut">
               <a:rPr lang="en-US" smtClean="0"/>
               <a:pPr/>
-              <a:t>10/5/2011</a:t>
+              <a:t>10/7/2011</a:t>
             </a:fld>
             <a:endParaRPr lang="en-US"/>
           </a:p>
@@ -9002,7 +9004,7 @@
             <a:fld id="{FC4E1F84-22AE-408B-8AEE-B5F39E910140}" type="datetimeFigureOut">
               <a:rPr lang="en-US" smtClean="0"/>
               <a:pPr/>
-              <a:t>10/5/2011</a:t>
+              <a:t>10/7/2011</a:t>
             </a:fld>
             <a:endParaRPr lang="en-US"/>
           </a:p>
@@ -9596,7 +9598,7 @@
             <a:fld id="{39C41B7C-DC17-4ECC-A2D3-90661E3E8418}" type="datetimeFigureOut">
               <a:rPr lang="en-US" smtClean="0"/>
               <a:pPr/>
-              <a:t>10/5/2011</a:t>
+              <a:t>10/7/2011</a:t>
             </a:fld>
             <a:endParaRPr lang="en-US"/>
           </a:p>
@@ -9770,7 +9772,7 @@
             <a:fld id="{39C41B7C-DC17-4ECC-A2D3-90661E3E8418}" type="datetimeFigureOut">
               <a:rPr lang="en-US" smtClean="0"/>
               <a:pPr/>
-              <a:t>10/5/2011</a:t>
+              <a:t>10/7/2011</a:t>
             </a:fld>
             <a:endParaRPr lang="en-US"/>
           </a:p>
@@ -9954,7 +9956,7 @@
             <a:fld id="{39C41B7C-DC17-4ECC-A2D3-90661E3E8418}" type="datetimeFigureOut">
               <a:rPr lang="en-US" smtClean="0"/>
               <a:pPr/>
-              <a:t>10/5/2011</a:t>
+              <a:t>10/7/2011</a:t>
             </a:fld>
             <a:endParaRPr lang="en-US"/>
           </a:p>
@@ -10161,7 +10163,7 @@
             <a:fld id="{39C41B7C-DC17-4ECC-A2D3-90661E3E8418}" type="datetimeFigureOut">
               <a:rPr lang="en-US" smtClean="0"/>
               <a:pPr/>
-              <a:t>10/5/2011</a:t>
+              <a:t>10/7/2011</a:t>
             </a:fld>
             <a:endParaRPr lang="en-US"/>
           </a:p>
@@ -11044,7 +11046,7 @@
             <a:fld id="{39C41B7C-DC17-4ECC-A2D3-90661E3E8418}" type="datetimeFigureOut">
               <a:rPr lang="en-US" smtClean="0"/>
               <a:pPr/>
-              <a:t>10/5/2011</a:t>
+              <a:t>10/7/2011</a:t>
             </a:fld>
             <a:endParaRPr lang="en-US"/>
           </a:p>
@@ -11263,7 +11265,7 @@
             <a:fld id="{39C41B7C-DC17-4ECC-A2D3-90661E3E8418}" type="datetimeFigureOut">
               <a:rPr lang="en-US" smtClean="0"/>
               <a:pPr/>
-              <a:t>10/5/2011</a:t>
+              <a:t>10/7/2011</a:t>
             </a:fld>
             <a:endParaRPr lang="en-US"/>
           </a:p>
@@ -12086,7 +12088,7 @@
             <a:fld id="{39C41B7C-DC17-4ECC-A2D3-90661E3E8418}" type="datetimeFigureOut">
               <a:rPr lang="en-US" smtClean="0"/>
               <a:pPr/>
-              <a:t>10/5/2011</a:t>
+              <a:t>10/7/2011</a:t>
             </a:fld>
             <a:endParaRPr lang="en-US"/>
           </a:p>
@@ -12331,7 +12333,7 @@
             <a:fld id="{39C41B7C-DC17-4ECC-A2D3-90661E3E8418}" type="datetimeFigureOut">
               <a:rPr lang="en-US" smtClean="0"/>
               <a:pPr/>
-              <a:t>10/5/2011</a:t>
+              <a:t>10/7/2011</a:t>
             </a:fld>
             <a:endParaRPr lang="en-US"/>
           </a:p>
@@ -12663,7 +12665,7 @@
             <a:fld id="{39C41B7C-DC17-4ECC-A2D3-90661E3E8418}" type="datetimeFigureOut">
               <a:rPr lang="en-US" smtClean="0"/>
               <a:pPr/>
-              <a:t>10/5/2011</a:t>
+              <a:t>10/7/2011</a:t>
             </a:fld>
             <a:endParaRPr lang="en-US"/>
           </a:p>
@@ -12762,7 +12764,7 @@
             <a:fld id="{39C41B7C-DC17-4ECC-A2D3-90661E3E8418}" type="datetimeFigureOut">
               <a:rPr lang="en-US" smtClean="0"/>
               <a:pPr/>
-              <a:t>10/5/2011</a:t>
+              <a:t>10/7/2011</a:t>
             </a:fld>
             <a:endParaRPr lang="en-US"/>
           </a:p>
@@ -12866,7 +12868,7 @@
             <a:fld id="{FC4E1F84-22AE-408B-8AEE-B5F39E910140}" type="datetimeFigureOut">
               <a:rPr lang="en-US" smtClean="0"/>
               <a:pPr/>
-              <a:t>10/5/2011</a:t>
+              <a:t>10/7/2011</a:t>
             </a:fld>
             <a:endParaRPr lang="en-US"/>
           </a:p>
@@ -13774,7 +13776,7 @@
             <a:fld id="{39C41B7C-DC17-4ECC-A2D3-90661E3E8418}" type="datetimeFigureOut">
               <a:rPr lang="en-US" smtClean="0"/>
               <a:pPr/>
-              <a:t>10/5/2011</a:t>
+              <a:t>10/7/2011</a:t>
             </a:fld>
             <a:endParaRPr lang="en-US"/>
           </a:p>
@@ -14294,7 +14296,7 @@
             <a:fld id="{39C41B7C-DC17-4ECC-A2D3-90661E3E8418}" type="datetimeFigureOut">
               <a:rPr lang="en-US" smtClean="0"/>
               <a:pPr/>
-              <a:t>10/5/2011</a:t>
+              <a:t>10/7/2011</a:t>
             </a:fld>
             <a:endParaRPr lang="en-US"/>
           </a:p>
@@ -14468,7 +14470,7 @@
             <a:fld id="{39C41B7C-DC17-4ECC-A2D3-90661E3E8418}" type="datetimeFigureOut">
               <a:rPr lang="en-US" smtClean="0"/>
               <a:pPr/>
-              <a:t>10/5/2011</a:t>
+              <a:t>10/7/2011</a:t>
             </a:fld>
             <a:endParaRPr lang="en-US"/>
           </a:p>
@@ -14652,7 +14654,7 @@
             <a:fld id="{39C41B7C-DC17-4ECC-A2D3-90661E3E8418}" type="datetimeFigureOut">
               <a:rPr lang="en-US" smtClean="0"/>
               <a:pPr/>
-              <a:t>10/5/2011</a:t>
+              <a:t>10/7/2011</a:t>
             </a:fld>
             <a:endParaRPr lang="en-US"/>
           </a:p>
@@ -14859,7 +14861,7 @@
             <a:fld id="{39C41B7C-DC17-4ECC-A2D3-90661E3E8418}" type="datetimeFigureOut">
               <a:rPr lang="en-US" smtClean="0"/>
               <a:pPr/>
-              <a:t>10/5/2011</a:t>
+              <a:t>10/7/2011</a:t>
             </a:fld>
             <a:endParaRPr lang="en-US"/>
           </a:p>
@@ -15742,7 +15744,7 @@
             <a:fld id="{39C41B7C-DC17-4ECC-A2D3-90661E3E8418}" type="datetimeFigureOut">
               <a:rPr lang="en-US" smtClean="0"/>
               <a:pPr/>
-              <a:t>10/5/2011</a:t>
+              <a:t>10/7/2011</a:t>
             </a:fld>
             <a:endParaRPr lang="en-US"/>
           </a:p>
@@ -15961,7 +15963,7 @@
             <a:fld id="{39C41B7C-DC17-4ECC-A2D3-90661E3E8418}" type="datetimeFigureOut">
               <a:rPr lang="en-US" smtClean="0"/>
               <a:pPr/>
-              <a:t>10/5/2011</a:t>
+              <a:t>10/7/2011</a:t>
             </a:fld>
             <a:endParaRPr lang="en-US"/>
           </a:p>
@@ -16784,7 +16786,7 @@
             <a:fld id="{39C41B7C-DC17-4ECC-A2D3-90661E3E8418}" type="datetimeFigureOut">
               <a:rPr lang="en-US" smtClean="0"/>
               <a:pPr/>
-              <a:t>10/5/2011</a:t>
+              <a:t>10/7/2011</a:t>
             </a:fld>
             <a:endParaRPr lang="en-US"/>
           </a:p>
@@ -17029,7 +17031,7 @@
             <a:fld id="{39C41B7C-DC17-4ECC-A2D3-90661E3E8418}" type="datetimeFigureOut">
               <a:rPr lang="en-US" smtClean="0"/>
               <a:pPr/>
-              <a:t>10/5/2011</a:t>
+              <a:t>10/7/2011</a:t>
             </a:fld>
             <a:endParaRPr lang="en-US"/>
           </a:p>
@@ -17361,7 +17363,7 @@
             <a:fld id="{39C41B7C-DC17-4ECC-A2D3-90661E3E8418}" type="datetimeFigureOut">
               <a:rPr lang="en-US" smtClean="0"/>
               <a:pPr/>
-              <a:t>10/5/2011</a:t>
+              <a:t>10/7/2011</a:t>
             </a:fld>
             <a:endParaRPr lang="en-US"/>
           </a:p>
@@ -17465,7 +17467,7 @@
             <a:fld id="{FC4E1F84-22AE-408B-8AEE-B5F39E910140}" type="datetimeFigureOut">
               <a:rPr lang="en-US" smtClean="0"/>
               <a:pPr/>
-              <a:t>10/5/2011</a:t>
+              <a:t>10/7/2011</a:t>
             </a:fld>
             <a:endParaRPr lang="en-US"/>
           </a:p>
@@ -18077,7 +18079,7 @@
             <a:fld id="{39C41B7C-DC17-4ECC-A2D3-90661E3E8418}" type="datetimeFigureOut">
               <a:rPr lang="en-US" smtClean="0"/>
               <a:pPr/>
-              <a:t>10/5/2011</a:t>
+              <a:t>10/7/2011</a:t>
             </a:fld>
             <a:endParaRPr lang="en-US"/>
           </a:p>
@@ -18603,7 +18605,7 @@
             <a:fld id="{39C41B7C-DC17-4ECC-A2D3-90661E3E8418}" type="datetimeFigureOut">
               <a:rPr lang="en-US" smtClean="0"/>
               <a:pPr/>
-              <a:t>10/5/2011</a:t>
+              <a:t>10/7/2011</a:t>
             </a:fld>
             <a:endParaRPr lang="en-US"/>
           </a:p>
@@ -19123,7 +19125,7 @@
             <a:fld id="{39C41B7C-DC17-4ECC-A2D3-90661E3E8418}" type="datetimeFigureOut">
               <a:rPr lang="en-US" smtClean="0"/>
               <a:pPr/>
-              <a:t>10/5/2011</a:t>
+              <a:t>10/7/2011</a:t>
             </a:fld>
             <a:endParaRPr lang="en-US"/>
           </a:p>
@@ -19297,7 +19299,7 @@
             <a:fld id="{39C41B7C-DC17-4ECC-A2D3-90661E3E8418}" type="datetimeFigureOut">
               <a:rPr lang="en-US" smtClean="0"/>
               <a:pPr/>
-              <a:t>10/5/2011</a:t>
+              <a:t>10/7/2011</a:t>
             </a:fld>
             <a:endParaRPr lang="en-US"/>
           </a:p>
@@ -19481,7 +19483,7 @@
             <a:fld id="{39C41B7C-DC17-4ECC-A2D3-90661E3E8418}" type="datetimeFigureOut">
               <a:rPr lang="en-US" smtClean="0"/>
               <a:pPr/>
-              <a:t>10/5/2011</a:t>
+              <a:t>10/7/2011</a:t>
             </a:fld>
             <a:endParaRPr lang="en-US"/>
           </a:p>
@@ -20171,7 +20173,7 @@
             <a:fld id="{FC4E1F84-22AE-408B-8AEE-B5F39E910140}" type="datetimeFigureOut">
               <a:rPr lang="en-US" smtClean="0"/>
               <a:pPr/>
-              <a:t>10/5/2011</a:t>
+              <a:t>10/7/2011</a:t>
             </a:fld>
             <a:endParaRPr lang="en-US"/>
           </a:p>
@@ -20346,7 +20348,7 @@
             <a:fld id="{FC4E1F84-22AE-408B-8AEE-B5F39E910140}" type="datetimeFigureOut">
               <a:rPr lang="en-US" smtClean="0"/>
               <a:pPr/>
-              <a:t>10/5/2011</a:t>
+              <a:t>10/7/2011</a:t>
             </a:fld>
             <a:endParaRPr lang="en-US"/>
           </a:p>
@@ -20610,7 +20612,7 @@
             <a:fld id="{FC4E1F84-22AE-408B-8AEE-B5F39E910140}" type="datetimeFigureOut">
               <a:rPr lang="en-US" smtClean="0"/>
               <a:pPr/>
-              <a:t>10/5/2011</a:t>
+              <a:t>10/7/2011</a:t>
             </a:fld>
             <a:endParaRPr lang="en-US"/>
           </a:p>
@@ -21028,7 +21030,7 @@
             <a:fld id="{FC4E1F84-22AE-408B-8AEE-B5F39E910140}" type="datetimeFigureOut">
               <a:rPr lang="en-US" smtClean="0"/>
               <a:pPr/>
-              <a:t>10/5/2011</a:t>
+              <a:t>10/7/2011</a:t>
             </a:fld>
             <a:endParaRPr lang="en-US"/>
           </a:p>
@@ -21483,7 +21485,7 @@
             <a:fld id="{FC4E1F84-22AE-408B-8AEE-B5F39E910140}" type="datetimeFigureOut">
               <a:rPr lang="en-US" smtClean="0"/>
               <a:pPr/>
-              <a:t>10/5/2011</a:t>
+              <a:t>10/7/2011</a:t>
             </a:fld>
             <a:endParaRPr lang="en-US"/>
           </a:p>
@@ -21591,7 +21593,7 @@
             <a:fld id="{FC4E1F84-22AE-408B-8AEE-B5F39E910140}" type="datetimeFigureOut">
               <a:rPr lang="en-US" smtClean="0"/>
               <a:pPr/>
-              <a:t>10/5/2011</a:t>
+              <a:t>10/7/2011</a:t>
             </a:fld>
             <a:endParaRPr lang="en-US"/>
           </a:p>
@@ -22006,7 +22008,7 @@
             <a:fld id="{FC4E1F84-22AE-408B-8AEE-B5F39E910140}" type="datetimeFigureOut">
               <a:rPr lang="en-US" smtClean="0"/>
               <a:pPr/>
-              <a:t>10/5/2011</a:t>
+              <a:t>10/7/2011</a:t>
             </a:fld>
             <a:endParaRPr lang="en-US"/>
           </a:p>
@@ -22136,7 +22138,7 @@
             <a:fld id="{FC4E1F84-22AE-408B-8AEE-B5F39E910140}" type="datetimeFigureOut">
               <a:rPr lang="en-US" smtClean="0"/>
               <a:pPr/>
-              <a:t>10/5/2011</a:t>
+              <a:t>10/7/2011</a:t>
             </a:fld>
             <a:endParaRPr lang="en-US"/>
           </a:p>
@@ -22419,7 +22421,7 @@
             <a:fld id="{FC4E1F84-22AE-408B-8AEE-B5F39E910140}" type="datetimeFigureOut">
               <a:rPr lang="en-US" smtClean="0"/>
               <a:pPr/>
-              <a:t>10/5/2011</a:t>
+              <a:t>10/7/2011</a:t>
             </a:fld>
             <a:endParaRPr lang="en-US"/>
           </a:p>
@@ -22633,7 +22635,7 @@
             <a:fld id="{FC4E1F84-22AE-408B-8AEE-B5F39E910140}" type="datetimeFigureOut">
               <a:rPr lang="en-US" smtClean="0"/>
               <a:pPr/>
-              <a:t>10/5/2011</a:t>
+              <a:t>10/7/2011</a:t>
             </a:fld>
             <a:endParaRPr lang="en-US"/>
           </a:p>
@@ -23379,7 +23381,7 @@
             <a:fld id="{FC4E1F84-22AE-408B-8AEE-B5F39E910140}" type="datetimeFigureOut">
               <a:rPr lang="en-US" smtClean="0"/>
               <a:pPr/>
-              <a:t>10/5/2011</a:t>
+              <a:t>10/7/2011</a:t>
             </a:fld>
             <a:endParaRPr lang="en-US"/>
           </a:p>
@@ -23573,7 +23575,7 @@
             <a:fld id="{FC4E1F84-22AE-408B-8AEE-B5F39E910140}" type="datetimeFigureOut">
               <a:rPr lang="en-US" smtClean="0"/>
               <a:pPr/>
-              <a:t>10/5/2011</a:t>
+              <a:t>10/7/2011</a:t>
             </a:fld>
             <a:endParaRPr lang="en-US"/>
           </a:p>
@@ -23681,7 +23683,7 @@
             <a:fld id="{FC4E1F84-22AE-408B-8AEE-B5F39E910140}" type="datetimeFigureOut">
               <a:rPr lang="en-US" smtClean="0"/>
               <a:pPr/>
-              <a:t>10/5/2011</a:t>
+              <a:t>10/7/2011</a:t>
             </a:fld>
             <a:endParaRPr lang="en-US"/>
           </a:p>
@@ -24134,7 +24136,7 @@
             <a:fld id="{FC4E1F84-22AE-408B-8AEE-B5F39E910140}" type="datetimeFigureOut">
               <a:rPr lang="en-US" smtClean="0"/>
               <a:pPr/>
-              <a:t>10/5/2011</a:t>
+              <a:t>10/7/2011</a:t>
             </a:fld>
             <a:endParaRPr lang="en-US"/>
           </a:p>
@@ -25492,7 +25494,7 @@
             <a:fld id="{FC4E1F84-22AE-408B-8AEE-B5F39E910140}" type="datetimeFigureOut">
               <a:rPr lang="en-US" smtClean="0"/>
               <a:pPr/>
-              <a:t>10/5/2011</a:t>
+              <a:t>10/7/2011</a:t>
             </a:fld>
             <a:endParaRPr lang="en-US"/>
           </a:p>
@@ -26597,7 +26599,7 @@
             <a:fld id="{FC4E1F84-22AE-408B-8AEE-B5F39E910140}" type="datetimeFigureOut">
               <a:rPr lang="en-US" smtClean="0"/>
               <a:pPr/>
-              <a:t>10/5/2011</a:t>
+              <a:t>10/7/2011</a:t>
             </a:fld>
             <a:endParaRPr lang="en-US"/>
           </a:p>
@@ -27818,7 +27820,7 @@
             <a:fld id="{39C41B7C-DC17-4ECC-A2D3-90661E3E8418}" type="datetimeFigureOut">
               <a:rPr lang="en-US" smtClean="0"/>
               <a:pPr/>
-              <a:t>10/5/2011</a:t>
+              <a:t>10/7/2011</a:t>
             </a:fld>
             <a:endParaRPr lang="en-US"/>
           </a:p>
@@ -28607,7 +28609,7 @@
             <a:fld id="{39C41B7C-DC17-4ECC-A2D3-90661E3E8418}" type="datetimeFigureOut">
               <a:rPr lang="en-US" smtClean="0"/>
               <a:pPr/>
-              <a:t>10/5/2011</a:t>
+              <a:t>10/7/2011</a:t>
             </a:fld>
             <a:endParaRPr lang="en-US"/>
           </a:p>
@@ -29396,7 +29398,7 @@
             <a:fld id="{39C41B7C-DC17-4ECC-A2D3-90661E3E8418}" type="datetimeFigureOut">
               <a:rPr lang="en-US" smtClean="0"/>
               <a:pPr/>
-              <a:t>10/5/2011</a:t>
+              <a:t>10/7/2011</a:t>
             </a:fld>
             <a:endParaRPr lang="en-US"/>
           </a:p>
@@ -30185,7 +30187,7 @@
             <a:fld id="{39C41B7C-DC17-4ECC-A2D3-90661E3E8418}" type="datetimeFigureOut">
               <a:rPr lang="en-US" smtClean="0"/>
               <a:pPr/>
-              <a:t>10/5/2011</a:t>
+              <a:t>10/7/2011</a:t>
             </a:fld>
             <a:endParaRPr lang="en-US"/>
           </a:p>
@@ -31277,7 +31279,7 @@
             <a:fld id="{FC4E1F84-22AE-408B-8AEE-B5F39E910140}" type="datetimeFigureOut">
               <a:rPr lang="en-US" smtClean="0"/>
               <a:pPr/>
-              <a:t>10/5/2011</a:t>
+              <a:t>10/7/2011</a:t>
             </a:fld>
             <a:endParaRPr lang="en-US"/>
           </a:p>
@@ -31712,6 +31714,17 @@
           <a:p>
             <a:r>
               <a:rPr lang="en-US" dirty="0" smtClean="0"/>
+              <a:t>Using OBI Links</a:t>
+            </a:r>
+            <a:br>
+              <a:rPr lang="en-US" dirty="0" smtClean="0"/>
+            </a:br>
+            <a:r>
+              <a:rPr lang="en-US" dirty="0" smtClean="0"/>
+              <a:t>Genotype to </a:t>
+            </a:r>
+            <a:r>
+              <a:rPr lang="en-US" dirty="0" smtClean="0"/>
               <a:t>Phenotype</a:t>
             </a:r>
             <a:endParaRPr lang="en-US" dirty="0"/>
@@ -31733,7 +31746,27 @@
           <a:bodyPr/>
           <a:lstStyle/>
           <a:p>
-            <a:endParaRPr lang="en-US"/>
+            <a:r>
+              <a:rPr lang="en-US" dirty="0" err="1" smtClean="0"/>
+              <a:t>Jie</a:t>
+            </a:r>
+            <a:r>
+              <a:rPr lang="en-US" dirty="0" smtClean="0"/>
+              <a:t> </a:t>
+            </a:r>
+            <a:r>
+              <a:rPr lang="en-US" dirty="0" err="1" smtClean="0"/>
+              <a:t>Zheng</a:t>
+            </a:r>
+            <a:r>
+              <a:rPr lang="en-US" dirty="0" smtClean="0"/>
+              <a:t>, Chris </a:t>
+            </a:r>
+            <a:r>
+              <a:rPr lang="en-US" dirty="0" err="1" smtClean="0"/>
+              <a:t>Stoeckert</a:t>
+            </a:r>
+            <a:endParaRPr lang="en-US" dirty="0"/>
           </a:p>
         </p:txBody>
       </p:sp>
@@ -31771,12 +31804,12 @@
       </p:grpSpPr>
       <p:sp>
         <p:nvSpPr>
-          <p:cNvPr id="2" name="Content Placeholder 1"/>
-          <p:cNvSpPr>
-            <a:spLocks noGrp="1"/>
-          </p:cNvSpPr>
-          <p:nvPr>
-            <p:ph idx="1"/>
+          <p:cNvPr id="3" name="Title 2"/>
+          <p:cNvSpPr>
+            <a:spLocks noGrp="1"/>
+          </p:cNvSpPr>
+          <p:nvPr>
+            <p:ph type="title"/>
           </p:nvPr>
         </p:nvSpPr>
         <p:spPr/>
@@ -31786,109 +31819,732 @@
           <a:p>
             <a:r>
               <a:rPr lang="en-US" dirty="0" smtClean="0"/>
-              <a:t>Phenotype of protozoon parasite</a:t>
-            </a:r>
-          </a:p>
-          <a:p>
-            <a:pPr lvl="1"/>
-            <a:r>
-              <a:rPr lang="en-US" dirty="0" smtClean="0"/>
-              <a:t>Growth normal</a:t>
-            </a:r>
-          </a:p>
-          <a:p>
-            <a:pPr lvl="1"/>
-            <a:r>
-              <a:rPr lang="en-US" dirty="0" smtClean="0"/>
-              <a:t>Growth decreased</a:t>
-            </a:r>
-          </a:p>
-          <a:p>
-            <a:pPr lvl="1"/>
-            <a:r>
-              <a:rPr lang="en-US" dirty="0" smtClean="0"/>
-              <a:t>Growth lethal</a:t>
-            </a:r>
-          </a:p>
-          <a:p>
-            <a:pPr lvl="1"/>
-            <a:r>
-              <a:rPr lang="en-US" dirty="0" smtClean="0"/>
-              <a:t>Growth drug insensitive</a:t>
-            </a:r>
-          </a:p>
-          <a:p>
-            <a:pPr lvl="1"/>
-            <a:r>
-              <a:rPr lang="en-US" dirty="0" smtClean="0"/>
-              <a:t>Cell cycle arrested</a:t>
-            </a:r>
-          </a:p>
-          <a:p>
-            <a:pPr lvl="1"/>
-            <a:r>
-              <a:rPr lang="en-US" dirty="0" smtClean="0"/>
-              <a:t>Enzyme activity absent</a:t>
-            </a:r>
-          </a:p>
-          <a:p>
-            <a:pPr lvl="1"/>
-            <a:r>
-              <a:rPr lang="en-US" dirty="0" smtClean="0"/>
-              <a:t>Enzyme activity increased</a:t>
-            </a:r>
-          </a:p>
-          <a:p>
-            <a:pPr lvl="1"/>
-            <a:r>
-              <a:rPr lang="en-US" dirty="0" smtClean="0"/>
-              <a:t>Chromosome abnormal</a:t>
-            </a:r>
-          </a:p>
-          <a:p>
-            <a:pPr lvl="1"/>
-            <a:r>
-              <a:rPr lang="en-US" dirty="0" smtClean="0"/>
-              <a:t>Mitochondrial DNA decreased</a:t>
-            </a:r>
-          </a:p>
-        </p:txBody>
-      </p:sp>
-      <p:sp>
-        <p:nvSpPr>
-          <p:cNvPr id="3" name="Title 2"/>
-          <p:cNvSpPr>
-            <a:spLocks noGrp="1"/>
-          </p:cNvSpPr>
-          <p:nvPr>
-            <p:ph type="title"/>
-          </p:nvPr>
-        </p:nvSpPr>
-        <p:spPr/>
-        <p:txBody>
-          <a:bodyPr/>
-          <a:lstStyle/>
-          <a:p>
-            <a:r>
-              <a:rPr lang="en-US" dirty="0" smtClean="0"/>
-              <a:t>Use Cases</a:t>
+              <a:t>Genotype -&gt; Phenotype</a:t>
             </a:r>
             <a:endParaRPr lang="en-US" dirty="0"/>
           </a:p>
         </p:txBody>
       </p:sp>
+      <p:grpSp>
+        <p:nvGrpSpPr>
+          <p:cNvPr id="35" name="Group 34"/>
+          <p:cNvGrpSpPr/>
+          <p:nvPr/>
+        </p:nvGrpSpPr>
+        <p:grpSpPr>
+          <a:xfrm>
+            <a:off x="914400" y="1676400"/>
+            <a:ext cx="7239000" cy="4267200"/>
+            <a:chOff x="914400" y="1676400"/>
+            <a:chExt cx="7239000" cy="4267200"/>
+          </a:xfrm>
+        </p:grpSpPr>
+        <p:sp>
+          <p:nvSpPr>
+            <p:cNvPr id="4" name="TextBox 3"/>
+            <p:cNvSpPr txBox="1"/>
+            <p:nvPr/>
+          </p:nvSpPr>
+          <p:spPr>
+            <a:xfrm>
+              <a:off x="6705600" y="1885265"/>
+              <a:ext cx="1447800" cy="381000"/>
+            </a:xfrm>
+            <a:prstGeom prst="rect">
+              <a:avLst/>
+            </a:prstGeom>
+            <a:noFill/>
+            <a:ln>
+              <a:solidFill>
+                <a:srgbClr val="00B0F0"/>
+              </a:solidFill>
+            </a:ln>
+            <a:effectLst>
+              <a:glow rad="63500">
+                <a:schemeClr val="accent4">
+                  <a:satMod val="175000"/>
+                  <a:alpha val="40000"/>
+                </a:schemeClr>
+              </a:glow>
+            </a:effectLst>
+          </p:spPr>
+          <p:txBody>
+            <a:bodyPr wrap="square" rtlCol="0">
+              <a:spAutoFit/>
+            </a:bodyPr>
+            <a:lstStyle/>
+            <a:p>
+              <a:pPr algn="ctr"/>
+              <a:r>
+                <a:rPr lang="en-US" dirty="0" smtClean="0"/>
+                <a:t>Genotype</a:t>
+              </a:r>
+              <a:endParaRPr lang="en-US" dirty="0"/>
+            </a:p>
+          </p:txBody>
+        </p:sp>
+        <p:sp>
+          <p:nvSpPr>
+            <p:cNvPr id="5" name="TextBox 4"/>
+            <p:cNvSpPr txBox="1"/>
+            <p:nvPr/>
+          </p:nvSpPr>
+          <p:spPr>
+            <a:xfrm>
+              <a:off x="3733800" y="1752600"/>
+              <a:ext cx="1447800" cy="646331"/>
+            </a:xfrm>
+            <a:prstGeom prst="rect">
+              <a:avLst/>
+            </a:prstGeom>
+            <a:noFill/>
+            <a:ln>
+              <a:solidFill>
+                <a:srgbClr val="00B0F0"/>
+              </a:solidFill>
+            </a:ln>
+            <a:effectLst>
+              <a:glow rad="63500">
+                <a:schemeClr val="accent4">
+                  <a:satMod val="175000"/>
+                  <a:alpha val="40000"/>
+                </a:schemeClr>
+              </a:glow>
+            </a:effectLst>
+          </p:spPr>
+          <p:txBody>
+            <a:bodyPr wrap="square" rtlCol="0">
+              <a:spAutoFit/>
+            </a:bodyPr>
+            <a:lstStyle/>
+            <a:p>
+              <a:pPr algn="ctr"/>
+              <a:r>
+                <a:rPr lang="en-US" dirty="0" smtClean="0"/>
+                <a:t>Organism</a:t>
+              </a:r>
+            </a:p>
+            <a:p>
+              <a:pPr algn="ctr"/>
+              <a:r>
+                <a:rPr lang="en-US" dirty="0" smtClean="0"/>
+                <a:t>or Cell</a:t>
+              </a:r>
+              <a:endParaRPr lang="en-US" dirty="0"/>
+            </a:p>
+          </p:txBody>
+        </p:sp>
+        <p:cxnSp>
+          <p:nvCxnSpPr>
+            <p:cNvPr id="7" name="Straight Arrow Connector 6"/>
+            <p:cNvCxnSpPr>
+              <a:stCxn id="4" idx="1"/>
+              <a:endCxn id="5" idx="3"/>
+            </p:cNvCxnSpPr>
+            <p:nvPr/>
+          </p:nvCxnSpPr>
+          <p:spPr>
+            <a:xfrm rot="10800000" flipV="1">
+              <a:off x="5181600" y="2075764"/>
+              <a:ext cx="1524000" cy="1"/>
+            </a:xfrm>
+            <a:prstGeom prst="straightConnector1">
+              <a:avLst/>
+            </a:prstGeom>
+            <a:ln w="19050">
+              <a:solidFill>
+                <a:schemeClr val="tx1"/>
+              </a:solidFill>
+              <a:headEnd type="arrow" w="med" len="med"/>
+              <a:tailEnd type="none" w="med" len="med"/>
+            </a:ln>
+          </p:spPr>
+          <p:style>
+            <a:lnRef idx="1">
+              <a:schemeClr val="accent1"/>
+            </a:lnRef>
+            <a:fillRef idx="0">
+              <a:schemeClr val="accent1"/>
+            </a:fillRef>
+            <a:effectRef idx="0">
+              <a:schemeClr val="accent1"/>
+            </a:effectRef>
+            <a:fontRef idx="minor">
+              <a:schemeClr val="tx1"/>
+            </a:fontRef>
+          </p:style>
+        </p:cxnSp>
+        <p:sp>
+          <p:nvSpPr>
+            <p:cNvPr id="8" name="TextBox 7"/>
+            <p:cNvSpPr txBox="1"/>
+            <p:nvPr/>
+          </p:nvSpPr>
+          <p:spPr>
+            <a:xfrm>
+              <a:off x="5334000" y="1730887"/>
+              <a:ext cx="1127232" cy="338554"/>
+            </a:xfrm>
+            <a:prstGeom prst="rect">
+              <a:avLst/>
+            </a:prstGeom>
+            <a:noFill/>
+          </p:spPr>
+          <p:txBody>
+            <a:bodyPr wrap="none" rtlCol="0">
+              <a:spAutoFit/>
+            </a:bodyPr>
+            <a:lstStyle/>
+            <a:p>
+              <a:r>
+                <a:rPr lang="en-US" sz="1600" i="1" dirty="0" err="1" smtClean="0"/>
+                <a:t>bearer_of</a:t>
+              </a:r>
+              <a:endParaRPr lang="en-US" sz="1600" i="1" dirty="0"/>
+            </a:p>
+          </p:txBody>
+        </p:sp>
+        <p:sp>
+          <p:nvSpPr>
+            <p:cNvPr id="10" name="TextBox 9"/>
+            <p:cNvSpPr txBox="1"/>
+            <p:nvPr/>
+          </p:nvSpPr>
+          <p:spPr>
+            <a:xfrm>
+              <a:off x="914400" y="1885265"/>
+              <a:ext cx="1447800" cy="381000"/>
+            </a:xfrm>
+            <a:prstGeom prst="rect">
+              <a:avLst/>
+            </a:prstGeom>
+            <a:noFill/>
+            <a:ln>
+              <a:solidFill>
+                <a:srgbClr val="00B0F0"/>
+              </a:solidFill>
+            </a:ln>
+            <a:effectLst>
+              <a:glow rad="63500">
+                <a:schemeClr val="accent4">
+                  <a:satMod val="175000"/>
+                  <a:alpha val="40000"/>
+                </a:schemeClr>
+              </a:glow>
+            </a:effectLst>
+          </p:spPr>
+          <p:txBody>
+            <a:bodyPr wrap="square" rtlCol="0">
+              <a:spAutoFit/>
+            </a:bodyPr>
+            <a:lstStyle/>
+            <a:p>
+              <a:pPr algn="ctr"/>
+              <a:r>
+                <a:rPr lang="en-US" dirty="0" smtClean="0"/>
+                <a:t>Specimen</a:t>
+              </a:r>
+              <a:endParaRPr lang="en-US" dirty="0"/>
+            </a:p>
+          </p:txBody>
+        </p:sp>
+        <p:cxnSp>
+          <p:nvCxnSpPr>
+            <p:cNvPr id="12" name="Straight Arrow Connector 11"/>
+            <p:cNvCxnSpPr>
+              <a:stCxn id="10" idx="3"/>
+              <a:endCxn id="5" idx="1"/>
+            </p:cNvCxnSpPr>
+            <p:nvPr/>
+          </p:nvCxnSpPr>
+          <p:spPr>
+            <a:xfrm>
+              <a:off x="2362200" y="2075765"/>
+              <a:ext cx="1371600" cy="1"/>
+            </a:xfrm>
+            <a:prstGeom prst="straightConnector1">
+              <a:avLst/>
+            </a:prstGeom>
+            <a:ln w="19050">
+              <a:solidFill>
+                <a:schemeClr val="tx1"/>
+              </a:solidFill>
+              <a:tailEnd type="arrow"/>
+            </a:ln>
+          </p:spPr>
+          <p:style>
+            <a:lnRef idx="1">
+              <a:schemeClr val="accent1"/>
+            </a:lnRef>
+            <a:fillRef idx="0">
+              <a:schemeClr val="accent1"/>
+            </a:fillRef>
+            <a:effectRef idx="0">
+              <a:schemeClr val="accent1"/>
+            </a:effectRef>
+            <a:fontRef idx="minor">
+              <a:schemeClr val="tx1"/>
+            </a:fontRef>
+          </p:style>
+        </p:cxnSp>
+        <p:sp>
+          <p:nvSpPr>
+            <p:cNvPr id="13" name="TextBox 12"/>
+            <p:cNvSpPr txBox="1"/>
+            <p:nvPr/>
+          </p:nvSpPr>
+          <p:spPr>
+            <a:xfrm>
+              <a:off x="2438400" y="1676400"/>
+              <a:ext cx="1035861" cy="338554"/>
+            </a:xfrm>
+            <a:prstGeom prst="rect">
+              <a:avLst/>
+            </a:prstGeom>
+            <a:noFill/>
+          </p:spPr>
+          <p:txBody>
+            <a:bodyPr wrap="none" rtlCol="0">
+              <a:spAutoFit/>
+            </a:bodyPr>
+            <a:lstStyle/>
+            <a:p>
+              <a:r>
+                <a:rPr lang="en-US" sz="1600" i="1" dirty="0" err="1" smtClean="0"/>
+                <a:t>has_part</a:t>
+              </a:r>
+              <a:endParaRPr lang="en-US" sz="1600" i="1" dirty="0"/>
+            </a:p>
+          </p:txBody>
+        </p:sp>
+        <p:sp>
+          <p:nvSpPr>
+            <p:cNvPr id="15" name="TextBox 14"/>
+            <p:cNvSpPr txBox="1"/>
+            <p:nvPr/>
+          </p:nvSpPr>
+          <p:spPr>
+            <a:xfrm>
+              <a:off x="3733800" y="3669268"/>
+              <a:ext cx="1447800" cy="369332"/>
+            </a:xfrm>
+            <a:prstGeom prst="rect">
+              <a:avLst/>
+            </a:prstGeom>
+            <a:noFill/>
+            <a:ln>
+              <a:solidFill>
+                <a:srgbClr val="C00000"/>
+              </a:solidFill>
+            </a:ln>
+            <a:effectLst>
+              <a:glow rad="63500">
+                <a:schemeClr val="accent2">
+                  <a:satMod val="175000"/>
+                  <a:alpha val="40000"/>
+                </a:schemeClr>
+              </a:glow>
+            </a:effectLst>
+          </p:spPr>
+          <p:txBody>
+            <a:bodyPr wrap="square" rtlCol="0">
+              <a:spAutoFit/>
+            </a:bodyPr>
+            <a:lstStyle/>
+            <a:p>
+              <a:pPr algn="ctr"/>
+              <a:r>
+                <a:rPr lang="en-US" dirty="0" smtClean="0"/>
+                <a:t>OBI: Assay</a:t>
+              </a:r>
+              <a:endParaRPr lang="en-US" dirty="0"/>
+            </a:p>
+          </p:txBody>
+        </p:sp>
+        <p:sp>
+          <p:nvSpPr>
+            <p:cNvPr id="16" name="TextBox 15"/>
+            <p:cNvSpPr txBox="1"/>
+            <p:nvPr/>
+          </p:nvSpPr>
+          <p:spPr>
+            <a:xfrm>
+              <a:off x="6705600" y="5562600"/>
+              <a:ext cx="1447800" cy="381000"/>
+            </a:xfrm>
+            <a:prstGeom prst="rect">
+              <a:avLst/>
+            </a:prstGeom>
+            <a:noFill/>
+            <a:ln>
+              <a:solidFill>
+                <a:srgbClr val="00B0F0"/>
+              </a:solidFill>
+            </a:ln>
+            <a:effectLst>
+              <a:glow rad="63500">
+                <a:schemeClr val="accent4">
+                  <a:satMod val="175000"/>
+                  <a:alpha val="40000"/>
+                </a:schemeClr>
+              </a:glow>
+            </a:effectLst>
+          </p:spPr>
+          <p:txBody>
+            <a:bodyPr wrap="square" rtlCol="0">
+              <a:spAutoFit/>
+            </a:bodyPr>
+            <a:lstStyle/>
+            <a:p>
+              <a:pPr algn="ctr"/>
+              <a:r>
+                <a:rPr lang="en-US" dirty="0" smtClean="0"/>
+                <a:t>Phenotype</a:t>
+              </a:r>
+              <a:endParaRPr lang="en-US" dirty="0"/>
+            </a:p>
+          </p:txBody>
+        </p:sp>
+        <p:sp>
+          <p:nvSpPr>
+            <p:cNvPr id="17" name="TextBox 16"/>
+            <p:cNvSpPr txBox="1"/>
+            <p:nvPr/>
+          </p:nvSpPr>
+          <p:spPr>
+            <a:xfrm>
+              <a:off x="3733800" y="5562600"/>
+              <a:ext cx="1447800" cy="381000"/>
+            </a:xfrm>
+            <a:prstGeom prst="rect">
+              <a:avLst/>
+            </a:prstGeom>
+            <a:noFill/>
+            <a:ln>
+              <a:solidFill>
+                <a:srgbClr val="00B0F0"/>
+              </a:solidFill>
+            </a:ln>
+            <a:effectLst>
+              <a:glow rad="63500">
+                <a:schemeClr val="accent4">
+                  <a:satMod val="175000"/>
+                  <a:alpha val="40000"/>
+                </a:schemeClr>
+              </a:glow>
+            </a:effectLst>
+          </p:spPr>
+          <p:txBody>
+            <a:bodyPr wrap="square" rtlCol="0">
+              <a:spAutoFit/>
+            </a:bodyPr>
+            <a:lstStyle/>
+            <a:p>
+              <a:pPr algn="ctr"/>
+              <a:r>
+                <a:rPr lang="en-US" dirty="0" smtClean="0"/>
+                <a:t>Data</a:t>
+              </a:r>
+              <a:endParaRPr lang="en-US" dirty="0"/>
+            </a:p>
+          </p:txBody>
+        </p:sp>
+        <p:cxnSp>
+          <p:nvCxnSpPr>
+            <p:cNvPr id="19" name="Straight Arrow Connector 18"/>
+            <p:cNvCxnSpPr>
+              <a:stCxn id="10" idx="2"/>
+              <a:endCxn id="15" idx="1"/>
+            </p:cNvCxnSpPr>
+            <p:nvPr/>
+          </p:nvCxnSpPr>
+          <p:spPr>
+            <a:xfrm rot="16200000" flipH="1">
+              <a:off x="1892216" y="2012349"/>
+              <a:ext cx="1587669" cy="2095500"/>
+            </a:xfrm>
+            <a:prstGeom prst="straightConnector1">
+              <a:avLst/>
+            </a:prstGeom>
+            <a:ln w="19050">
+              <a:solidFill>
+                <a:schemeClr val="tx1"/>
+              </a:solidFill>
+              <a:headEnd type="arrow" w="med" len="med"/>
+              <a:tailEnd type="none" w="med" len="med"/>
+            </a:ln>
+          </p:spPr>
+          <p:style>
+            <a:lnRef idx="1">
+              <a:schemeClr val="accent1"/>
+            </a:lnRef>
+            <a:fillRef idx="0">
+              <a:schemeClr val="accent1"/>
+            </a:fillRef>
+            <a:effectRef idx="0">
+              <a:schemeClr val="accent1"/>
+            </a:effectRef>
+            <a:fontRef idx="minor">
+              <a:schemeClr val="tx1"/>
+            </a:fontRef>
+          </p:style>
+        </p:cxnSp>
+        <p:sp>
+          <p:nvSpPr>
+            <p:cNvPr id="20" name="TextBox 19"/>
+            <p:cNvSpPr txBox="1"/>
+            <p:nvPr/>
+          </p:nvSpPr>
+          <p:spPr>
+            <a:xfrm>
+              <a:off x="2608230" y="2785646"/>
+              <a:ext cx="2145139" cy="338554"/>
+            </a:xfrm>
+            <a:prstGeom prst="rect">
+              <a:avLst/>
+            </a:prstGeom>
+            <a:noFill/>
+          </p:spPr>
+          <p:txBody>
+            <a:bodyPr wrap="none" rtlCol="0">
+              <a:spAutoFit/>
+            </a:bodyPr>
+            <a:lstStyle/>
+            <a:p>
+              <a:r>
+                <a:rPr lang="en-US" sz="1600" i="1" dirty="0" err="1" smtClean="0"/>
+                <a:t>has_specified_input</a:t>
+              </a:r>
+              <a:endParaRPr lang="en-US" sz="1600" i="1" dirty="0"/>
+            </a:p>
+          </p:txBody>
+        </p:sp>
+        <p:cxnSp>
+          <p:nvCxnSpPr>
+            <p:cNvPr id="21" name="Straight Arrow Connector 20"/>
+            <p:cNvCxnSpPr>
+              <a:stCxn id="17" idx="3"/>
+              <a:endCxn id="16" idx="1"/>
+            </p:cNvCxnSpPr>
+            <p:nvPr/>
+          </p:nvCxnSpPr>
+          <p:spPr>
+            <a:xfrm>
+              <a:off x="5181600" y="5753100"/>
+              <a:ext cx="1524000" cy="1588"/>
+            </a:xfrm>
+            <a:prstGeom prst="straightConnector1">
+              <a:avLst/>
+            </a:prstGeom>
+            <a:ln w="19050">
+              <a:solidFill>
+                <a:schemeClr val="tx1"/>
+              </a:solidFill>
+              <a:tailEnd type="arrow"/>
+            </a:ln>
+          </p:spPr>
+          <p:style>
+            <a:lnRef idx="1">
+              <a:schemeClr val="accent1"/>
+            </a:lnRef>
+            <a:fillRef idx="0">
+              <a:schemeClr val="accent1"/>
+            </a:fillRef>
+            <a:effectRef idx="0">
+              <a:schemeClr val="accent1"/>
+            </a:effectRef>
+            <a:fontRef idx="minor">
+              <a:schemeClr val="tx1"/>
+            </a:fontRef>
+          </p:style>
+        </p:cxnSp>
+        <p:sp>
+          <p:nvSpPr>
+            <p:cNvPr id="26" name="TextBox 25"/>
+            <p:cNvSpPr txBox="1"/>
+            <p:nvPr/>
+          </p:nvSpPr>
+          <p:spPr>
+            <a:xfrm>
+              <a:off x="5360634" y="5443768"/>
+              <a:ext cx="987771" cy="338554"/>
+            </a:xfrm>
+            <a:prstGeom prst="rect">
+              <a:avLst/>
+            </a:prstGeom>
+            <a:noFill/>
+          </p:spPr>
+          <p:txBody>
+            <a:bodyPr wrap="none" rtlCol="0">
+              <a:spAutoFit/>
+            </a:bodyPr>
+            <a:lstStyle/>
+            <a:p>
+              <a:r>
+                <a:rPr lang="en-US" sz="1600" i="1" dirty="0" smtClean="0"/>
+                <a:t>i</a:t>
+              </a:r>
+              <a:r>
+                <a:rPr lang="en-US" sz="1600" i="1" dirty="0" smtClean="0"/>
+                <a:t>s about</a:t>
+              </a:r>
+              <a:endParaRPr lang="en-US" sz="1600" i="1" dirty="0"/>
+            </a:p>
+          </p:txBody>
+        </p:sp>
+        <p:cxnSp>
+          <p:nvCxnSpPr>
+            <p:cNvPr id="28" name="Straight Arrow Connector 27"/>
+            <p:cNvCxnSpPr>
+              <a:stCxn id="15" idx="2"/>
+              <a:endCxn id="17" idx="0"/>
+            </p:cNvCxnSpPr>
+            <p:nvPr/>
+          </p:nvCxnSpPr>
+          <p:spPr>
+            <a:xfrm rot="5400000">
+              <a:off x="3695700" y="4800600"/>
+              <a:ext cx="1524000" cy="1588"/>
+            </a:xfrm>
+            <a:prstGeom prst="straightConnector1">
+              <a:avLst/>
+            </a:prstGeom>
+            <a:ln w="19050">
+              <a:solidFill>
+                <a:schemeClr val="tx1"/>
+              </a:solidFill>
+              <a:headEnd type="none" w="med" len="med"/>
+              <a:tailEnd type="arrow" w="med" len="med"/>
+            </a:ln>
+          </p:spPr>
+          <p:style>
+            <a:lnRef idx="1">
+              <a:schemeClr val="accent1"/>
+            </a:lnRef>
+            <a:fillRef idx="0">
+              <a:schemeClr val="accent1"/>
+            </a:fillRef>
+            <a:effectRef idx="0">
+              <a:schemeClr val="accent1"/>
+            </a:effectRef>
+            <a:fontRef idx="minor">
+              <a:schemeClr val="tx1"/>
+            </a:fontRef>
+          </p:style>
+        </p:cxnSp>
+        <p:sp>
+          <p:nvSpPr>
+            <p:cNvPr id="29" name="TextBox 28"/>
+            <p:cNvSpPr txBox="1"/>
+            <p:nvPr/>
+          </p:nvSpPr>
+          <p:spPr>
+            <a:xfrm>
+              <a:off x="4444931" y="4614446"/>
+              <a:ext cx="2289409" cy="338554"/>
+            </a:xfrm>
+            <a:prstGeom prst="rect">
+              <a:avLst/>
+            </a:prstGeom>
+            <a:noFill/>
+          </p:spPr>
+          <p:txBody>
+            <a:bodyPr wrap="none" rtlCol="0">
+              <a:spAutoFit/>
+            </a:bodyPr>
+            <a:lstStyle/>
+            <a:p>
+              <a:r>
+                <a:rPr lang="en-US" sz="1600" i="1" dirty="0" err="1" smtClean="0"/>
+                <a:t>has_specified_output</a:t>
+              </a:r>
+              <a:endParaRPr lang="en-US" sz="1600" i="1" dirty="0"/>
+            </a:p>
+          </p:txBody>
+        </p:sp>
+        <p:cxnSp>
+          <p:nvCxnSpPr>
+            <p:cNvPr id="33" name="Straight Arrow Connector 32"/>
+            <p:cNvCxnSpPr>
+              <a:stCxn id="16" idx="0"/>
+            </p:cNvCxnSpPr>
+            <p:nvPr/>
+          </p:nvCxnSpPr>
+          <p:spPr>
+            <a:xfrm rot="16200000" flipV="1">
+              <a:off x="4705350" y="2838450"/>
+              <a:ext cx="3200400" cy="2247900"/>
+            </a:xfrm>
+            <a:prstGeom prst="straightConnector1">
+              <a:avLst/>
+            </a:prstGeom>
+            <a:ln w="19050">
+              <a:solidFill>
+                <a:schemeClr val="tx1"/>
+              </a:solidFill>
+              <a:headEnd type="arrow" w="med" len="med"/>
+              <a:tailEnd type="none" w="med" len="med"/>
+            </a:ln>
+          </p:spPr>
+          <p:style>
+            <a:lnRef idx="1">
+              <a:schemeClr val="accent1"/>
+            </a:lnRef>
+            <a:fillRef idx="0">
+              <a:schemeClr val="accent1"/>
+            </a:fillRef>
+            <a:effectRef idx="0">
+              <a:schemeClr val="accent1"/>
+            </a:effectRef>
+            <a:fontRef idx="minor">
+              <a:schemeClr val="tx1"/>
+            </a:fontRef>
+          </p:style>
+        </p:cxnSp>
+        <p:sp>
+          <p:nvSpPr>
+            <p:cNvPr id="34" name="TextBox 33"/>
+            <p:cNvSpPr txBox="1"/>
+            <p:nvPr/>
+          </p:nvSpPr>
+          <p:spPr>
+            <a:xfrm>
+              <a:off x="6477000" y="3962400"/>
+              <a:ext cx="1213794" cy="338554"/>
+            </a:xfrm>
+            <a:prstGeom prst="rect">
+              <a:avLst/>
+            </a:prstGeom>
+            <a:noFill/>
+          </p:spPr>
+          <p:txBody>
+            <a:bodyPr wrap="none" rtlCol="0">
+              <a:spAutoFit/>
+            </a:bodyPr>
+            <a:lstStyle/>
+            <a:p>
+              <a:r>
+                <a:rPr lang="en-US" sz="1600" i="1" dirty="0" err="1" smtClean="0"/>
+                <a:t>b</a:t>
+              </a:r>
+              <a:r>
+                <a:rPr lang="en-US" sz="1600" i="1" dirty="0" err="1" smtClean="0"/>
+                <a:t>earer_of</a:t>
+              </a:r>
+              <a:r>
+                <a:rPr lang="en-US" sz="1600" i="1" dirty="0" smtClean="0"/>
+                <a:t>?</a:t>
+              </a:r>
+              <a:endParaRPr lang="en-US" sz="1600" i="1" dirty="0"/>
+            </a:p>
+          </p:txBody>
+        </p:sp>
+      </p:grpSp>
     </p:spTree>
   </p:cSld>
   <p:clrMapOvr>
     <a:masterClrMapping/>
   </p:clrMapOvr>
-  <p:timing>
-    <p:tnLst>
-      <p:par>
-        <p:cTn id="1" dur="indefinite" restart="never" nodeType="tmRoot"/>
-      </p:par>
-    </p:tnLst>
-  </p:timing>
 </p:sld>
 </file>
 
@@ -31911,204 +32567,830 @@
       </p:grpSpPr>
       <p:sp>
         <p:nvSpPr>
-          <p:cNvPr id="2" name="Content Placeholder 1"/>
-          <p:cNvSpPr>
-            <a:spLocks noGrp="1"/>
-          </p:cNvSpPr>
-          <p:nvPr>
-            <p:ph idx="1"/>
-          </p:nvPr>
-        </p:nvSpPr>
-        <p:spPr>
-          <a:xfrm>
-            <a:off x="457200" y="1219200"/>
-            <a:ext cx="8229600" cy="5071872"/>
-          </a:xfrm>
-        </p:spPr>
-        <p:txBody>
-          <a:bodyPr>
-            <a:normAutofit fontScale="77500" lnSpcReduction="20000"/>
-          </a:bodyPr>
+          <p:cNvPr id="3" name="Title 2"/>
+          <p:cNvSpPr>
+            <a:spLocks noGrp="1"/>
+          </p:cNvSpPr>
+          <p:nvPr>
+            <p:ph type="title"/>
+          </p:nvPr>
+        </p:nvSpPr>
+        <p:spPr/>
+        <p:txBody>
+          <a:bodyPr/>
           <a:lstStyle/>
           <a:p>
             <a:r>
               <a:rPr lang="en-US" dirty="0" smtClean="0"/>
-              <a:t>Definition in Gene extend ontology (GEO)</a:t>
-            </a:r>
-          </a:p>
-          <a:p>
-            <a:pPr lvl="1"/>
-            <a:r>
-              <a:rPr lang="en-US" dirty="0" smtClean="0"/>
-              <a:t>Any </a:t>
-            </a:r>
-            <a:r>
-              <a:rPr lang="en-US" dirty="0" smtClean="0">
-                <a:solidFill>
-                  <a:schemeClr val="accent2"/>
-                </a:solidFill>
-              </a:rPr>
-              <a:t>observed quality of an organism, </a:t>
-            </a:r>
-            <a:r>
-              <a:rPr lang="en-US" dirty="0" smtClean="0"/>
-              <a:t>such as its morphology, development, or behavior, as opposed to its genotype - the inherited instructions it carries, which may or may not be expressed. [http://en.wikipedia.org/wiki/Phenotype]</a:t>
-            </a:r>
-          </a:p>
-          <a:p>
-            <a:pPr lvl="1"/>
-            <a:r>
-              <a:rPr lang="en-US" dirty="0" smtClean="0"/>
-              <a:t>subclass of a non-physical continuant</a:t>
-            </a:r>
-          </a:p>
-          <a:p>
-            <a:pPr lvl="1"/>
-            <a:r>
-              <a:rPr lang="en-US" dirty="0" smtClean="0"/>
-              <a:t>According to the definition, Phenotype is a Quality</a:t>
-            </a:r>
-          </a:p>
-          <a:p>
-            <a:pPr lvl="1"/>
-            <a:endParaRPr lang="en-US" dirty="0" smtClean="0"/>
-          </a:p>
-          <a:p>
-            <a:r>
-              <a:rPr lang="en-US" dirty="0" smtClean="0"/>
-              <a:t>Definition in Ontology for General Medical Science (OGMS)</a:t>
-            </a:r>
-          </a:p>
-          <a:p>
-            <a:pPr lvl="1"/>
-            <a:r>
-              <a:rPr lang="en-US" dirty="0" smtClean="0"/>
-              <a:t>A (combination of) </a:t>
-            </a:r>
-            <a:r>
-              <a:rPr lang="en-US" dirty="0" smtClean="0">
-                <a:solidFill>
-                  <a:schemeClr val="accent2"/>
-                </a:solidFill>
-              </a:rPr>
-              <a:t>quality(</a:t>
-            </a:r>
-            <a:r>
-              <a:rPr lang="en-US" dirty="0" err="1" smtClean="0">
-                <a:solidFill>
-                  <a:schemeClr val="accent2"/>
-                </a:solidFill>
-              </a:rPr>
-              <a:t>ies</a:t>
-            </a:r>
-            <a:r>
-              <a:rPr lang="en-US" dirty="0" smtClean="0">
-                <a:solidFill>
-                  <a:schemeClr val="accent2"/>
-                </a:solidFill>
-              </a:rPr>
-              <a:t>) of an organism </a:t>
-            </a:r>
-            <a:r>
-              <a:rPr lang="en-US" dirty="0" smtClean="0"/>
-              <a:t>determined by the interaction of its genetic make-up and environment that differentiates specific instances of a species from other instances of the same species.</a:t>
-            </a:r>
-          </a:p>
-          <a:p>
-            <a:pPr lvl="1"/>
-            <a:r>
-              <a:rPr lang="en-US" dirty="0" smtClean="0"/>
-              <a:t>subclass of quality</a:t>
-            </a:r>
-          </a:p>
-          <a:p>
-            <a:pPr lvl="1"/>
-            <a:endParaRPr lang="en-US" dirty="0" smtClean="0"/>
-          </a:p>
-          <a:p>
-            <a:r>
-              <a:rPr lang="en-US" dirty="0" smtClean="0"/>
-              <a:t>Definition discussed at Penn meeting</a:t>
-            </a:r>
-          </a:p>
-          <a:p>
-            <a:pPr lvl="1"/>
-            <a:r>
-              <a:rPr lang="en-US" dirty="0" smtClean="0">
-                <a:solidFill>
-                  <a:srgbClr val="FF0000"/>
-                </a:solidFill>
-              </a:rPr>
-              <a:t>an independent continuant with a particular quality or disposition </a:t>
-            </a:r>
-            <a:r>
-              <a:rPr lang="en-US" dirty="0" smtClean="0"/>
-              <a:t>is the </a:t>
-            </a:r>
-            <a:r>
-              <a:rPr lang="en-US" dirty="0" smtClean="0">
-                <a:solidFill>
-                  <a:srgbClr val="FF0000"/>
-                </a:solidFill>
-              </a:rPr>
-              <a:t>output of a process </a:t>
-            </a:r>
-            <a:r>
-              <a:rPr lang="en-US" dirty="0" smtClean="0"/>
-              <a:t>that realizes genotype in the environment</a:t>
-            </a:r>
-          </a:p>
-          <a:p>
-            <a:pPr lvl="1"/>
-            <a:r>
-              <a:rPr lang="en-US" dirty="0" smtClean="0"/>
-              <a:t>(based on Marcus provided definition)</a:t>
-            </a:r>
-          </a:p>
-        </p:txBody>
-      </p:sp>
-      <p:sp>
-        <p:nvSpPr>
-          <p:cNvPr id="3" name="Title 2"/>
-          <p:cNvSpPr>
-            <a:spLocks noGrp="1"/>
-          </p:cNvSpPr>
-          <p:nvPr>
-            <p:ph type="title"/>
-          </p:nvPr>
-        </p:nvSpPr>
-        <p:spPr>
-          <a:xfrm>
-            <a:off x="0" y="274638"/>
-            <a:ext cx="9144000" cy="1143000"/>
-          </a:xfrm>
-        </p:spPr>
-        <p:txBody>
-          <a:bodyPr>
-            <a:normAutofit fontScale="90000"/>
-          </a:bodyPr>
-          <a:lstStyle/>
-          <a:p>
-            <a:r>
-              <a:rPr lang="en-US" dirty="0" smtClean="0"/>
-              <a:t>What is Phenotype (Textual definition)?</a:t>
+              <a:t>Example</a:t>
             </a:r>
             <a:endParaRPr lang="en-US" dirty="0"/>
           </a:p>
         </p:txBody>
       </p:sp>
+      <p:grpSp>
+        <p:nvGrpSpPr>
+          <p:cNvPr id="35" name="Group 34"/>
+          <p:cNvGrpSpPr/>
+          <p:nvPr/>
+        </p:nvGrpSpPr>
+        <p:grpSpPr>
+          <a:xfrm>
+            <a:off x="914400" y="1295400"/>
+            <a:ext cx="7696200" cy="5142131"/>
+            <a:chOff x="914400" y="1676400"/>
+            <a:chExt cx="7696200" cy="5142131"/>
+          </a:xfrm>
+        </p:grpSpPr>
+        <p:sp>
+          <p:nvSpPr>
+            <p:cNvPr id="5" name="TextBox 4"/>
+            <p:cNvSpPr txBox="1"/>
+            <p:nvPr/>
+          </p:nvSpPr>
+          <p:spPr>
+            <a:xfrm>
+              <a:off x="6705600" y="1885265"/>
+              <a:ext cx="1447800" cy="381000"/>
+            </a:xfrm>
+            <a:prstGeom prst="rect">
+              <a:avLst/>
+            </a:prstGeom>
+            <a:noFill/>
+            <a:ln>
+              <a:solidFill>
+                <a:srgbClr val="00B0F0"/>
+              </a:solidFill>
+            </a:ln>
+            <a:effectLst>
+              <a:glow rad="63500">
+                <a:schemeClr val="accent4">
+                  <a:satMod val="175000"/>
+                  <a:alpha val="40000"/>
+                </a:schemeClr>
+              </a:glow>
+            </a:effectLst>
+          </p:spPr>
+          <p:txBody>
+            <a:bodyPr wrap="square" rtlCol="0">
+              <a:spAutoFit/>
+            </a:bodyPr>
+            <a:lstStyle/>
+            <a:p>
+              <a:pPr algn="ctr"/>
+              <a:r>
+                <a:rPr lang="en-US" dirty="0" smtClean="0"/>
+                <a:t>Genotype</a:t>
+              </a:r>
+              <a:endParaRPr lang="en-US" dirty="0"/>
+            </a:p>
+          </p:txBody>
+        </p:sp>
+        <p:sp>
+          <p:nvSpPr>
+            <p:cNvPr id="6" name="TextBox 5"/>
+            <p:cNvSpPr txBox="1"/>
+            <p:nvPr/>
+          </p:nvSpPr>
+          <p:spPr>
+            <a:xfrm>
+              <a:off x="3200400" y="1752600"/>
+              <a:ext cx="2438400" cy="646331"/>
+            </a:xfrm>
+            <a:prstGeom prst="rect">
+              <a:avLst/>
+            </a:prstGeom>
+            <a:noFill/>
+            <a:ln>
+              <a:solidFill>
+                <a:srgbClr val="00B0F0"/>
+              </a:solidFill>
+            </a:ln>
+            <a:effectLst>
+              <a:glow rad="63500">
+                <a:schemeClr val="accent4">
+                  <a:satMod val="175000"/>
+                  <a:alpha val="40000"/>
+                </a:schemeClr>
+              </a:glow>
+            </a:effectLst>
+          </p:spPr>
+          <p:txBody>
+            <a:bodyPr wrap="square" rtlCol="0">
+              <a:spAutoFit/>
+            </a:bodyPr>
+            <a:lstStyle/>
+            <a:p>
+              <a:pPr algn="ctr"/>
+              <a:r>
+                <a:rPr lang="en-US" dirty="0" smtClean="0"/>
+                <a:t>Genetically</a:t>
+              </a:r>
+            </a:p>
+            <a:p>
+              <a:pPr algn="ctr"/>
+              <a:r>
+                <a:rPr lang="en-US" dirty="0" smtClean="0"/>
+                <a:t>Modified organism</a:t>
+              </a:r>
+              <a:endParaRPr lang="en-US" dirty="0"/>
+            </a:p>
+          </p:txBody>
+        </p:sp>
+        <p:cxnSp>
+          <p:nvCxnSpPr>
+            <p:cNvPr id="7" name="Straight Arrow Connector 6"/>
+            <p:cNvCxnSpPr>
+              <a:stCxn id="5" idx="1"/>
+              <a:endCxn id="6" idx="3"/>
+            </p:cNvCxnSpPr>
+            <p:nvPr/>
+          </p:nvCxnSpPr>
+          <p:spPr>
+            <a:xfrm rot="10800000" flipV="1">
+              <a:off x="5638800" y="2075764"/>
+              <a:ext cx="1066800" cy="1"/>
+            </a:xfrm>
+            <a:prstGeom prst="straightConnector1">
+              <a:avLst/>
+            </a:prstGeom>
+            <a:ln w="19050">
+              <a:solidFill>
+                <a:schemeClr val="tx1"/>
+              </a:solidFill>
+              <a:headEnd type="arrow" w="med" len="med"/>
+              <a:tailEnd type="none" w="med" len="med"/>
+            </a:ln>
+          </p:spPr>
+          <p:style>
+            <a:lnRef idx="1">
+              <a:schemeClr val="accent1"/>
+            </a:lnRef>
+            <a:fillRef idx="0">
+              <a:schemeClr val="accent1"/>
+            </a:fillRef>
+            <a:effectRef idx="0">
+              <a:schemeClr val="accent1"/>
+            </a:effectRef>
+            <a:fontRef idx="minor">
+              <a:schemeClr val="tx1"/>
+            </a:fontRef>
+          </p:style>
+        </p:cxnSp>
+        <p:sp>
+          <p:nvSpPr>
+            <p:cNvPr id="8" name="TextBox 7"/>
+            <p:cNvSpPr txBox="1"/>
+            <p:nvPr/>
+          </p:nvSpPr>
+          <p:spPr>
+            <a:xfrm>
+              <a:off x="5580830" y="1730887"/>
+              <a:ext cx="1127232" cy="338554"/>
+            </a:xfrm>
+            <a:prstGeom prst="rect">
+              <a:avLst/>
+            </a:prstGeom>
+            <a:noFill/>
+          </p:spPr>
+          <p:txBody>
+            <a:bodyPr wrap="none" rtlCol="0">
+              <a:spAutoFit/>
+            </a:bodyPr>
+            <a:lstStyle/>
+            <a:p>
+              <a:r>
+                <a:rPr lang="en-US" sz="1600" i="1" dirty="0" err="1" smtClean="0"/>
+                <a:t>bearer_of</a:t>
+              </a:r>
+              <a:endParaRPr lang="en-US" sz="1600" i="1" dirty="0" smtClean="0"/>
+            </a:p>
+          </p:txBody>
+        </p:sp>
+        <p:sp>
+          <p:nvSpPr>
+            <p:cNvPr id="9" name="TextBox 8"/>
+            <p:cNvSpPr txBox="1"/>
+            <p:nvPr/>
+          </p:nvSpPr>
+          <p:spPr>
+            <a:xfrm>
+              <a:off x="914400" y="1885265"/>
+              <a:ext cx="1447800" cy="381000"/>
+            </a:xfrm>
+            <a:prstGeom prst="rect">
+              <a:avLst/>
+            </a:prstGeom>
+            <a:noFill/>
+            <a:ln>
+              <a:solidFill>
+                <a:srgbClr val="00B0F0"/>
+              </a:solidFill>
+            </a:ln>
+            <a:effectLst>
+              <a:glow rad="63500">
+                <a:schemeClr val="accent4">
+                  <a:satMod val="175000"/>
+                  <a:alpha val="40000"/>
+                </a:schemeClr>
+              </a:glow>
+            </a:effectLst>
+          </p:spPr>
+          <p:txBody>
+            <a:bodyPr wrap="square" rtlCol="0">
+              <a:spAutoFit/>
+            </a:bodyPr>
+            <a:lstStyle/>
+            <a:p>
+              <a:pPr algn="ctr"/>
+              <a:r>
+                <a:rPr lang="en-US" dirty="0" smtClean="0"/>
+                <a:t>Specimen</a:t>
+              </a:r>
+              <a:endParaRPr lang="en-US" dirty="0"/>
+            </a:p>
+          </p:txBody>
+        </p:sp>
+        <p:cxnSp>
+          <p:nvCxnSpPr>
+            <p:cNvPr id="10" name="Straight Arrow Connector 9"/>
+            <p:cNvCxnSpPr>
+              <a:stCxn id="9" idx="3"/>
+              <a:endCxn id="6" idx="1"/>
+            </p:cNvCxnSpPr>
+            <p:nvPr/>
+          </p:nvCxnSpPr>
+          <p:spPr>
+            <a:xfrm>
+              <a:off x="2362200" y="2075765"/>
+              <a:ext cx="838200" cy="1"/>
+            </a:xfrm>
+            <a:prstGeom prst="straightConnector1">
+              <a:avLst/>
+            </a:prstGeom>
+            <a:ln w="19050">
+              <a:solidFill>
+                <a:schemeClr val="tx1"/>
+              </a:solidFill>
+              <a:tailEnd type="arrow"/>
+            </a:ln>
+          </p:spPr>
+          <p:style>
+            <a:lnRef idx="1">
+              <a:schemeClr val="accent1"/>
+            </a:lnRef>
+            <a:fillRef idx="0">
+              <a:schemeClr val="accent1"/>
+            </a:fillRef>
+            <a:effectRef idx="0">
+              <a:schemeClr val="accent1"/>
+            </a:effectRef>
+            <a:fontRef idx="minor">
+              <a:schemeClr val="tx1"/>
+            </a:fontRef>
+          </p:style>
+        </p:cxnSp>
+        <p:sp>
+          <p:nvSpPr>
+            <p:cNvPr id="11" name="TextBox 10"/>
+            <p:cNvSpPr txBox="1"/>
+            <p:nvPr/>
+          </p:nvSpPr>
+          <p:spPr>
+            <a:xfrm>
+              <a:off x="2286000" y="1676400"/>
+              <a:ext cx="1035861" cy="338554"/>
+            </a:xfrm>
+            <a:prstGeom prst="rect">
+              <a:avLst/>
+            </a:prstGeom>
+            <a:noFill/>
+          </p:spPr>
+          <p:txBody>
+            <a:bodyPr wrap="none" rtlCol="0">
+              <a:spAutoFit/>
+            </a:bodyPr>
+            <a:lstStyle/>
+            <a:p>
+              <a:r>
+                <a:rPr lang="en-US" sz="1600" i="1" dirty="0" err="1" smtClean="0"/>
+                <a:t>has_part</a:t>
+              </a:r>
+              <a:endParaRPr lang="en-US" sz="1600" i="1" dirty="0"/>
+            </a:p>
+          </p:txBody>
+        </p:sp>
+        <p:sp>
+          <p:nvSpPr>
+            <p:cNvPr id="12" name="TextBox 11"/>
+            <p:cNvSpPr txBox="1"/>
+            <p:nvPr/>
+          </p:nvSpPr>
+          <p:spPr>
+            <a:xfrm>
+              <a:off x="3733800" y="3669268"/>
+              <a:ext cx="1447800" cy="369332"/>
+            </a:xfrm>
+            <a:prstGeom prst="rect">
+              <a:avLst/>
+            </a:prstGeom>
+            <a:noFill/>
+            <a:ln>
+              <a:solidFill>
+                <a:srgbClr val="C00000"/>
+              </a:solidFill>
+            </a:ln>
+            <a:effectLst>
+              <a:glow rad="63500">
+                <a:schemeClr val="accent2">
+                  <a:satMod val="175000"/>
+                  <a:alpha val="40000"/>
+                </a:schemeClr>
+              </a:glow>
+            </a:effectLst>
+          </p:spPr>
+          <p:txBody>
+            <a:bodyPr wrap="square" rtlCol="0">
+              <a:spAutoFit/>
+            </a:bodyPr>
+            <a:lstStyle/>
+            <a:p>
+              <a:pPr algn="ctr"/>
+              <a:r>
+                <a:rPr lang="en-US" dirty="0" smtClean="0"/>
+                <a:t>OBI: Assay</a:t>
+              </a:r>
+              <a:endParaRPr lang="en-US" dirty="0"/>
+            </a:p>
+          </p:txBody>
+        </p:sp>
+        <p:sp>
+          <p:nvSpPr>
+            <p:cNvPr id="13" name="TextBox 12"/>
+            <p:cNvSpPr txBox="1"/>
+            <p:nvPr/>
+          </p:nvSpPr>
+          <p:spPr>
+            <a:xfrm>
+              <a:off x="6705600" y="5562600"/>
+              <a:ext cx="1447800" cy="381000"/>
+            </a:xfrm>
+            <a:prstGeom prst="rect">
+              <a:avLst/>
+            </a:prstGeom>
+            <a:noFill/>
+            <a:ln>
+              <a:solidFill>
+                <a:srgbClr val="00B0F0"/>
+              </a:solidFill>
+            </a:ln>
+            <a:effectLst>
+              <a:glow rad="63500">
+                <a:schemeClr val="accent4">
+                  <a:satMod val="175000"/>
+                  <a:alpha val="40000"/>
+                </a:schemeClr>
+              </a:glow>
+            </a:effectLst>
+          </p:spPr>
+          <p:txBody>
+            <a:bodyPr wrap="square" rtlCol="0">
+              <a:spAutoFit/>
+            </a:bodyPr>
+            <a:lstStyle/>
+            <a:p>
+              <a:pPr algn="ctr"/>
+              <a:r>
+                <a:rPr lang="en-US" dirty="0" smtClean="0"/>
+                <a:t>Phenotype</a:t>
+              </a:r>
+              <a:endParaRPr lang="en-US" dirty="0"/>
+            </a:p>
+          </p:txBody>
+        </p:sp>
+        <p:sp>
+          <p:nvSpPr>
+            <p:cNvPr id="14" name="TextBox 13"/>
+            <p:cNvSpPr txBox="1"/>
+            <p:nvPr/>
+          </p:nvSpPr>
+          <p:spPr>
+            <a:xfrm>
+              <a:off x="3733800" y="5562600"/>
+              <a:ext cx="1447800" cy="381000"/>
+            </a:xfrm>
+            <a:prstGeom prst="rect">
+              <a:avLst/>
+            </a:prstGeom>
+            <a:noFill/>
+            <a:ln>
+              <a:solidFill>
+                <a:srgbClr val="00B0F0"/>
+              </a:solidFill>
+            </a:ln>
+            <a:effectLst>
+              <a:glow rad="63500">
+                <a:schemeClr val="accent4">
+                  <a:satMod val="175000"/>
+                  <a:alpha val="40000"/>
+                </a:schemeClr>
+              </a:glow>
+            </a:effectLst>
+          </p:spPr>
+          <p:txBody>
+            <a:bodyPr wrap="square" rtlCol="0">
+              <a:spAutoFit/>
+            </a:bodyPr>
+            <a:lstStyle/>
+            <a:p>
+              <a:pPr algn="ctr"/>
+              <a:r>
+                <a:rPr lang="en-US" dirty="0" smtClean="0"/>
+                <a:t>Data</a:t>
+              </a:r>
+              <a:endParaRPr lang="en-US" dirty="0"/>
+            </a:p>
+          </p:txBody>
+        </p:sp>
+        <p:cxnSp>
+          <p:nvCxnSpPr>
+            <p:cNvPr id="15" name="Straight Arrow Connector 14"/>
+            <p:cNvCxnSpPr>
+              <a:stCxn id="9" idx="2"/>
+              <a:endCxn id="12" idx="1"/>
+            </p:cNvCxnSpPr>
+            <p:nvPr/>
+          </p:nvCxnSpPr>
+          <p:spPr>
+            <a:xfrm rot="16200000" flipH="1">
+              <a:off x="1892216" y="2012349"/>
+              <a:ext cx="1587669" cy="2095500"/>
+            </a:xfrm>
+            <a:prstGeom prst="straightConnector1">
+              <a:avLst/>
+            </a:prstGeom>
+            <a:ln w="19050">
+              <a:solidFill>
+                <a:schemeClr val="tx1"/>
+              </a:solidFill>
+              <a:headEnd type="arrow" w="med" len="med"/>
+              <a:tailEnd type="none" w="med" len="med"/>
+            </a:ln>
+          </p:spPr>
+          <p:style>
+            <a:lnRef idx="1">
+              <a:schemeClr val="accent1"/>
+            </a:lnRef>
+            <a:fillRef idx="0">
+              <a:schemeClr val="accent1"/>
+            </a:fillRef>
+            <a:effectRef idx="0">
+              <a:schemeClr val="accent1"/>
+            </a:effectRef>
+            <a:fontRef idx="minor">
+              <a:schemeClr val="tx1"/>
+            </a:fontRef>
+          </p:style>
+        </p:cxnSp>
+        <p:sp>
+          <p:nvSpPr>
+            <p:cNvPr id="16" name="TextBox 15"/>
+            <p:cNvSpPr txBox="1"/>
+            <p:nvPr/>
+          </p:nvSpPr>
+          <p:spPr>
+            <a:xfrm>
+              <a:off x="2608230" y="2785646"/>
+              <a:ext cx="2145139" cy="338554"/>
+            </a:xfrm>
+            <a:prstGeom prst="rect">
+              <a:avLst/>
+            </a:prstGeom>
+            <a:noFill/>
+          </p:spPr>
+          <p:txBody>
+            <a:bodyPr wrap="none" rtlCol="0">
+              <a:spAutoFit/>
+            </a:bodyPr>
+            <a:lstStyle/>
+            <a:p>
+              <a:r>
+                <a:rPr lang="en-US" sz="1600" i="1" dirty="0" err="1" smtClean="0"/>
+                <a:t>has_specified_input</a:t>
+              </a:r>
+              <a:endParaRPr lang="en-US" sz="1600" i="1" dirty="0"/>
+            </a:p>
+          </p:txBody>
+        </p:sp>
+        <p:cxnSp>
+          <p:nvCxnSpPr>
+            <p:cNvPr id="17" name="Straight Arrow Connector 16"/>
+            <p:cNvCxnSpPr>
+              <a:stCxn id="14" idx="3"/>
+              <a:endCxn id="13" idx="1"/>
+            </p:cNvCxnSpPr>
+            <p:nvPr/>
+          </p:nvCxnSpPr>
+          <p:spPr>
+            <a:xfrm>
+              <a:off x="5181600" y="5753100"/>
+              <a:ext cx="1524000" cy="1588"/>
+            </a:xfrm>
+            <a:prstGeom prst="straightConnector1">
+              <a:avLst/>
+            </a:prstGeom>
+            <a:ln w="19050">
+              <a:solidFill>
+                <a:schemeClr val="tx1"/>
+              </a:solidFill>
+              <a:tailEnd type="arrow"/>
+            </a:ln>
+          </p:spPr>
+          <p:style>
+            <a:lnRef idx="1">
+              <a:schemeClr val="accent1"/>
+            </a:lnRef>
+            <a:fillRef idx="0">
+              <a:schemeClr val="accent1"/>
+            </a:fillRef>
+            <a:effectRef idx="0">
+              <a:schemeClr val="accent1"/>
+            </a:effectRef>
+            <a:fontRef idx="minor">
+              <a:schemeClr val="tx1"/>
+            </a:fontRef>
+          </p:style>
+        </p:cxnSp>
+        <p:sp>
+          <p:nvSpPr>
+            <p:cNvPr id="18" name="TextBox 17"/>
+            <p:cNvSpPr txBox="1"/>
+            <p:nvPr/>
+          </p:nvSpPr>
+          <p:spPr>
+            <a:xfrm>
+              <a:off x="5360634" y="5443768"/>
+              <a:ext cx="987771" cy="338554"/>
+            </a:xfrm>
+            <a:prstGeom prst="rect">
+              <a:avLst/>
+            </a:prstGeom>
+            <a:noFill/>
+          </p:spPr>
+          <p:txBody>
+            <a:bodyPr wrap="none" rtlCol="0">
+              <a:spAutoFit/>
+            </a:bodyPr>
+            <a:lstStyle/>
+            <a:p>
+              <a:r>
+                <a:rPr lang="en-US" sz="1600" i="1" dirty="0" smtClean="0"/>
+                <a:t>i</a:t>
+              </a:r>
+              <a:r>
+                <a:rPr lang="en-US" sz="1600" i="1" dirty="0" smtClean="0"/>
+                <a:t>s about</a:t>
+              </a:r>
+              <a:endParaRPr lang="en-US" sz="1600" i="1" dirty="0"/>
+            </a:p>
+          </p:txBody>
+        </p:sp>
+        <p:cxnSp>
+          <p:nvCxnSpPr>
+            <p:cNvPr id="19" name="Straight Arrow Connector 18"/>
+            <p:cNvCxnSpPr>
+              <a:stCxn id="12" idx="2"/>
+              <a:endCxn id="14" idx="0"/>
+            </p:cNvCxnSpPr>
+            <p:nvPr/>
+          </p:nvCxnSpPr>
+          <p:spPr>
+            <a:xfrm rot="5400000">
+              <a:off x="3695700" y="4800600"/>
+              <a:ext cx="1524000" cy="1588"/>
+            </a:xfrm>
+            <a:prstGeom prst="straightConnector1">
+              <a:avLst/>
+            </a:prstGeom>
+            <a:ln w="19050">
+              <a:solidFill>
+                <a:schemeClr val="tx1"/>
+              </a:solidFill>
+              <a:headEnd type="none" w="med" len="med"/>
+              <a:tailEnd type="arrow" w="med" len="med"/>
+            </a:ln>
+          </p:spPr>
+          <p:style>
+            <a:lnRef idx="1">
+              <a:schemeClr val="accent1"/>
+            </a:lnRef>
+            <a:fillRef idx="0">
+              <a:schemeClr val="accent1"/>
+            </a:fillRef>
+            <a:effectRef idx="0">
+              <a:schemeClr val="accent1"/>
+            </a:effectRef>
+            <a:fontRef idx="minor">
+              <a:schemeClr val="tx1"/>
+            </a:fontRef>
+          </p:style>
+        </p:cxnSp>
+        <p:sp>
+          <p:nvSpPr>
+            <p:cNvPr id="20" name="TextBox 19"/>
+            <p:cNvSpPr txBox="1"/>
+            <p:nvPr/>
+          </p:nvSpPr>
+          <p:spPr>
+            <a:xfrm>
+              <a:off x="4444931" y="4614446"/>
+              <a:ext cx="2289409" cy="338554"/>
+            </a:xfrm>
+            <a:prstGeom prst="rect">
+              <a:avLst/>
+            </a:prstGeom>
+            <a:noFill/>
+          </p:spPr>
+          <p:txBody>
+            <a:bodyPr wrap="none" rtlCol="0">
+              <a:spAutoFit/>
+            </a:bodyPr>
+            <a:lstStyle/>
+            <a:p>
+              <a:r>
+                <a:rPr lang="en-US" sz="1600" i="1" dirty="0" err="1" smtClean="0"/>
+                <a:t>has_specified_output</a:t>
+              </a:r>
+              <a:endParaRPr lang="en-US" sz="1600" i="1" dirty="0"/>
+            </a:p>
+          </p:txBody>
+        </p:sp>
+        <p:sp>
+          <p:nvSpPr>
+            <p:cNvPr id="29" name="TextBox 28"/>
+            <p:cNvSpPr txBox="1"/>
+            <p:nvPr/>
+          </p:nvSpPr>
+          <p:spPr>
+            <a:xfrm>
+              <a:off x="6248400" y="6172200"/>
+              <a:ext cx="2362200" cy="646331"/>
+            </a:xfrm>
+            <a:prstGeom prst="rect">
+              <a:avLst/>
+            </a:prstGeom>
+            <a:noFill/>
+            <a:ln>
+              <a:solidFill>
+                <a:srgbClr val="00B0F0"/>
+              </a:solidFill>
+            </a:ln>
+            <a:effectLst>
+              <a:glow rad="63500">
+                <a:schemeClr val="accent4">
+                  <a:satMod val="175000"/>
+                  <a:alpha val="40000"/>
+                </a:schemeClr>
+              </a:glow>
+            </a:effectLst>
+          </p:spPr>
+          <p:txBody>
+            <a:bodyPr wrap="square" rtlCol="0">
+              <a:spAutoFit/>
+            </a:bodyPr>
+            <a:lstStyle/>
+            <a:p>
+              <a:pPr algn="ctr"/>
+              <a:r>
+                <a:rPr lang="en-US" dirty="0" smtClean="0"/>
+                <a:t>Assertion of gene function</a:t>
+              </a:r>
+              <a:endParaRPr lang="en-US" dirty="0"/>
+            </a:p>
+          </p:txBody>
+        </p:sp>
+        <p:cxnSp>
+          <p:nvCxnSpPr>
+            <p:cNvPr id="31" name="Straight Arrow Connector 30"/>
+            <p:cNvCxnSpPr>
+              <a:stCxn id="13" idx="2"/>
+              <a:endCxn id="29" idx="0"/>
+            </p:cNvCxnSpPr>
+            <p:nvPr/>
+          </p:nvCxnSpPr>
+          <p:spPr>
+            <a:xfrm rot="5400000">
+              <a:off x="7315200" y="6057900"/>
+              <a:ext cx="228600" cy="1588"/>
+            </a:xfrm>
+            <a:prstGeom prst="straightConnector1">
+              <a:avLst/>
+            </a:prstGeom>
+            <a:ln w="19050">
+              <a:solidFill>
+                <a:schemeClr val="tx1"/>
+              </a:solidFill>
+              <a:tailEnd type="arrow"/>
+            </a:ln>
+          </p:spPr>
+          <p:style>
+            <a:lnRef idx="1">
+              <a:schemeClr val="accent1"/>
+            </a:lnRef>
+            <a:fillRef idx="0">
+              <a:schemeClr val="accent1"/>
+            </a:fillRef>
+            <a:effectRef idx="0">
+              <a:schemeClr val="accent1"/>
+            </a:effectRef>
+            <a:fontRef idx="minor">
+              <a:schemeClr val="tx1"/>
+            </a:fontRef>
+          </p:style>
+        </p:cxnSp>
+        <p:cxnSp>
+          <p:nvCxnSpPr>
+            <p:cNvPr id="33" name="Straight Arrow Connector 32"/>
+            <p:cNvCxnSpPr>
+              <a:stCxn id="13" idx="0"/>
+            </p:cNvCxnSpPr>
+            <p:nvPr/>
+          </p:nvCxnSpPr>
+          <p:spPr>
+            <a:xfrm rot="16200000" flipV="1">
+              <a:off x="4933950" y="3067050"/>
+              <a:ext cx="3200400" cy="1790700"/>
+            </a:xfrm>
+            <a:prstGeom prst="straightConnector1">
+              <a:avLst/>
+            </a:prstGeom>
+            <a:ln w="19050">
+              <a:solidFill>
+                <a:schemeClr val="tx1"/>
+              </a:solidFill>
+              <a:headEnd type="arrow" w="med" len="med"/>
+              <a:tailEnd type="none" w="med" len="med"/>
+            </a:ln>
+          </p:spPr>
+          <p:style>
+            <a:lnRef idx="1">
+              <a:schemeClr val="accent1"/>
+            </a:lnRef>
+            <a:fillRef idx="0">
+              <a:schemeClr val="accent1"/>
+            </a:fillRef>
+            <a:effectRef idx="0">
+              <a:schemeClr val="accent1"/>
+            </a:effectRef>
+            <a:fontRef idx="minor">
+              <a:schemeClr val="tx1"/>
+            </a:fontRef>
+          </p:style>
+        </p:cxnSp>
+        <p:sp>
+          <p:nvSpPr>
+            <p:cNvPr id="34" name="TextBox 33"/>
+            <p:cNvSpPr txBox="1"/>
+            <p:nvPr/>
+          </p:nvSpPr>
+          <p:spPr>
+            <a:xfrm>
+              <a:off x="6553200" y="3810000"/>
+              <a:ext cx="1213794" cy="338554"/>
+            </a:xfrm>
+            <a:prstGeom prst="rect">
+              <a:avLst/>
+            </a:prstGeom>
+            <a:noFill/>
+          </p:spPr>
+          <p:txBody>
+            <a:bodyPr wrap="none" rtlCol="0">
+              <a:spAutoFit/>
+            </a:bodyPr>
+            <a:lstStyle/>
+            <a:p>
+              <a:r>
+                <a:rPr lang="en-US" sz="1600" i="1" dirty="0" err="1" smtClean="0"/>
+                <a:t>b</a:t>
+              </a:r>
+              <a:r>
+                <a:rPr lang="en-US" sz="1600" i="1" dirty="0" err="1" smtClean="0"/>
+                <a:t>earer_of</a:t>
+              </a:r>
+              <a:r>
+                <a:rPr lang="en-US" sz="1600" i="1" dirty="0" smtClean="0"/>
+                <a:t>?</a:t>
+              </a:r>
+              <a:endParaRPr lang="en-US" sz="1600" i="1" dirty="0" smtClean="0"/>
+            </a:p>
+          </p:txBody>
+        </p:sp>
+      </p:grpSp>
     </p:spTree>
   </p:cSld>
   <p:clrMapOvr>
     <a:masterClrMapping/>
   </p:clrMapOvr>
-  <p:timing>
-    <p:tnLst>
-      <p:par>
-        <p:cTn id="1" dur="indefinite" restart="never" nodeType="tmRoot"/>
-      </p:par>
-    </p:tnLst>
-  </p:timing>
 </p:sld>
 </file>
 
@@ -32144,64 +33426,88 @@
           <a:bodyPr/>
           <a:lstStyle/>
           <a:p>
-            <a:pPr>
-              <a:buNone/>
-            </a:pPr>
             <a:r>
               <a:rPr lang="en-US" dirty="0" smtClean="0"/>
-              <a:t>Phenotype Refers to:</a:t>
-            </a:r>
-          </a:p>
-          <a:p>
+              <a:t>Phenotype of </a:t>
+            </a:r>
             <a:r>
               <a:rPr lang="en-US" dirty="0" smtClean="0"/>
-              <a:t>Organism </a:t>
+              <a:t>geneticall</a:t>
+            </a:r>
+            <a:r>
+              <a:rPr lang="en-US" dirty="0" smtClean="0"/>
+              <a:t>y modified </a:t>
+            </a:r>
+            <a:r>
+              <a:rPr lang="en-US" dirty="0" smtClean="0"/>
+              <a:t>protozoon </a:t>
+            </a:r>
+            <a:r>
+              <a:rPr lang="en-US" dirty="0" smtClean="0"/>
+              <a:t>parasite</a:t>
             </a:r>
           </a:p>
           <a:p>
             <a:pPr lvl="1"/>
             <a:r>
               <a:rPr lang="en-US" dirty="0" smtClean="0"/>
-              <a:t>Feeding behavior, height</a:t>
-            </a:r>
-          </a:p>
-          <a:p>
+              <a:t>Growth normal</a:t>
+            </a:r>
+          </a:p>
+          <a:p>
+            <a:pPr lvl="1"/>
             <a:r>
               <a:rPr lang="en-US" dirty="0" smtClean="0"/>
-              <a:t>Organ</a:t>
+              <a:t>Growth decreased</a:t>
             </a:r>
           </a:p>
           <a:p>
             <a:pPr lvl="1"/>
             <a:r>
               <a:rPr lang="en-US" dirty="0" smtClean="0"/>
-              <a:t>Eye color</a:t>
-            </a:r>
-          </a:p>
-          <a:p>
+              <a:t>Growth lethal</a:t>
+            </a:r>
+          </a:p>
+          <a:p>
+            <a:pPr lvl="1"/>
             <a:r>
               <a:rPr lang="en-US" dirty="0" smtClean="0"/>
-              <a:t>Cell</a:t>
+              <a:t>Growth drug insensitive</a:t>
             </a:r>
           </a:p>
           <a:p>
             <a:pPr lvl="1"/>
             <a:r>
               <a:rPr lang="en-US" dirty="0" smtClean="0"/>
-              <a:t>Muscle cell morphology</a:t>
-            </a:r>
-          </a:p>
-          <a:p>
+              <a:t>Cell cycle arrested</a:t>
+            </a:r>
+          </a:p>
+          <a:p>
+            <a:pPr lvl="1"/>
             <a:r>
               <a:rPr lang="en-US" dirty="0" smtClean="0"/>
-              <a:t>Molecular</a:t>
+              <a:t>Enzyme activity absent</a:t>
             </a:r>
           </a:p>
           <a:p>
             <a:pPr lvl="1"/>
             <a:r>
               <a:rPr lang="en-US" dirty="0" smtClean="0"/>
-              <a:t>Enzymatic activity</a:t>
+              <a:t>Enzyme activity increased</a:t>
+            </a:r>
+          </a:p>
+          <a:p>
+            <a:pPr lvl="1"/>
+            <a:r>
+              <a:rPr lang="en-US" dirty="0" smtClean="0"/>
+              <a:t>Chromosome abnormal</a:t>
+            </a:r>
+          </a:p>
+          <a:p>
+            <a:pPr lvl="1"/>
+            <a:r>
+              <a:rPr lang="en-US" dirty="0" smtClean="0"/>
+              <a:t>Mitochondrial DNA decreased</a:t>
             </a:r>
           </a:p>
         </p:txBody>
@@ -32216,21 +33522,14 @@
             <p:ph type="title"/>
           </p:nvPr>
         </p:nvSpPr>
-        <p:spPr>
-          <a:xfrm>
-            <a:off x="304800" y="274638"/>
-            <a:ext cx="8610600" cy="1143000"/>
-          </a:xfrm>
-        </p:spPr>
-        <p:txBody>
-          <a:bodyPr>
-            <a:normAutofit/>
-          </a:bodyPr>
+        <p:spPr/>
+        <p:txBody>
+          <a:bodyPr/>
           <a:lstStyle/>
           <a:p>
             <a:r>
               <a:rPr lang="en-US" dirty="0" smtClean="0"/>
-              <a:t>Question 1: </a:t>
+              <a:t>Use Cases</a:t>
             </a:r>
             <a:endParaRPr lang="en-US" dirty="0"/>
           </a:p>
@@ -32280,37 +33579,52 @@
         </p:nvSpPr>
         <p:spPr>
           <a:xfrm>
-            <a:off x="457200" y="1481328"/>
-            <a:ext cx="8305800" cy="4525963"/>
-          </a:xfrm>
-        </p:spPr>
-        <p:txBody>
-          <a:bodyPr/>
+            <a:off x="457200" y="1219200"/>
+            <a:ext cx="8229600" cy="5071872"/>
+          </a:xfrm>
+        </p:spPr>
+        <p:txBody>
+          <a:bodyPr>
+            <a:normAutofit fontScale="77500" lnSpcReduction="20000"/>
+          </a:bodyPr>
           <a:lstStyle/>
           <a:p>
             <a:r>
               <a:rPr lang="en-US" dirty="0" smtClean="0"/>
-              <a:t>How to link genotype to phenotype?</a:t>
-            </a:r>
-          </a:p>
-          <a:p>
+              <a:t>Definition in Gene extend ontology (GEO)</a:t>
+            </a:r>
+          </a:p>
+          <a:p>
+            <a:pPr lvl="1"/>
             <a:r>
               <a:rPr lang="en-US" dirty="0" smtClean="0"/>
-              <a:t>Definition of genotype</a:t>
+              <a:t>Any </a:t>
+            </a:r>
+            <a:r>
+              <a:rPr lang="en-US" dirty="0" smtClean="0">
+                <a:solidFill>
+                  <a:schemeClr val="accent2"/>
+                </a:solidFill>
+              </a:rPr>
+              <a:t>observed quality of an organism, </a:t>
+            </a:r>
+            <a:r>
+              <a:rPr lang="en-US" dirty="0" smtClean="0"/>
+              <a:t>such as its morphology, development, or behavior, as opposed to its genotype - the inherited instructions it carries, which may or may not be expressed. [http://en.wikipedia.org/wiki/Phenotype]</a:t>
             </a:r>
           </a:p>
           <a:p>
             <a:pPr lvl="1"/>
             <a:r>
               <a:rPr lang="en-US" dirty="0" smtClean="0"/>
-              <a:t>A collection of sequences in SO</a:t>
+              <a:t>subclass of a non-physical continuant</a:t>
             </a:r>
           </a:p>
           <a:p>
             <a:pPr lvl="1"/>
             <a:r>
               <a:rPr lang="en-US" dirty="0" smtClean="0"/>
-              <a:t>It is generically dependent continuant based on SO definition</a:t>
+              <a:t>According to the definition, Phenotype is a Quality</a:t>
             </a:r>
           </a:p>
           <a:p>
@@ -32318,20 +33632,96 @@
             <a:endParaRPr lang="en-US" dirty="0" smtClean="0"/>
           </a:p>
           <a:p>
+            <a:r>
+              <a:rPr lang="en-US" dirty="0" smtClean="0"/>
+              <a:t>Definition in Ontology for General Medical Science (OGMS)</a:t>
+            </a:r>
+          </a:p>
+          <a:p>
             <a:pPr lvl="1"/>
             <a:r>
               <a:rPr lang="en-US" dirty="0" smtClean="0"/>
-              <a:t>Cannot use ‘realizes / </a:t>
-            </a:r>
-            <a:r>
-              <a:rPr lang="en-US" dirty="0" err="1" smtClean="0"/>
-              <a:t>is_realized_by</a:t>
+              <a:t>A (combination of) </a:t>
+            </a:r>
+            <a:r>
+              <a:rPr lang="en-US" dirty="0" smtClean="0">
+                <a:solidFill>
+                  <a:schemeClr val="accent2"/>
+                </a:solidFill>
+              </a:rPr>
+              <a:t>quality(</a:t>
+            </a:r>
+            <a:r>
+              <a:rPr lang="en-US" dirty="0" err="1" smtClean="0">
+                <a:solidFill>
+                  <a:schemeClr val="accent2"/>
+                </a:solidFill>
+              </a:rPr>
+              <a:t>ies</a:t>
+            </a:r>
+            <a:r>
+              <a:rPr lang="en-US" dirty="0" smtClean="0">
+                <a:solidFill>
+                  <a:schemeClr val="accent2"/>
+                </a:solidFill>
+              </a:rPr>
+              <a:t>) of an organism </a:t>
             </a:r>
             <a:r>
               <a:rPr lang="en-US" dirty="0" smtClean="0"/>
-              <a:t>’ relation, because none is process</a:t>
-            </a:r>
-            <a:endParaRPr lang="en-US" dirty="0"/>
+              <a:t>determined by the interaction of its genetic make-up and environment that differentiates specific instances of a species from other instances of the same species.</a:t>
+            </a:r>
+          </a:p>
+          <a:p>
+            <a:pPr lvl="1"/>
+            <a:r>
+              <a:rPr lang="en-US" dirty="0" smtClean="0"/>
+              <a:t>subclass of quality</a:t>
+            </a:r>
+          </a:p>
+          <a:p>
+            <a:pPr lvl="1"/>
+            <a:endParaRPr lang="en-US" dirty="0" smtClean="0"/>
+          </a:p>
+          <a:p>
+            <a:r>
+              <a:rPr lang="en-US" dirty="0" smtClean="0"/>
+              <a:t>Definition discussed at Penn meeting</a:t>
+            </a:r>
+          </a:p>
+          <a:p>
+            <a:pPr lvl="1"/>
+            <a:r>
+              <a:rPr lang="en-US" dirty="0" smtClean="0">
+                <a:solidFill>
+                  <a:srgbClr val="FF0000"/>
+                </a:solidFill>
+              </a:rPr>
+              <a:t>an independent continuant with a particular quality or disposition </a:t>
+            </a:r>
+            <a:r>
+              <a:rPr lang="en-US" dirty="0" smtClean="0"/>
+              <a:t>is the </a:t>
+            </a:r>
+            <a:r>
+              <a:rPr lang="en-US" dirty="0" smtClean="0">
+                <a:solidFill>
+                  <a:srgbClr val="FF0000"/>
+                </a:solidFill>
+              </a:rPr>
+              <a:t>output of a process </a:t>
+            </a:r>
+            <a:r>
+              <a:rPr lang="en-US" dirty="0" smtClean="0"/>
+              <a:t>that realizes genotype in the environment</a:t>
+            </a:r>
+          </a:p>
+          <a:p>
+            <a:pPr lvl="1"/>
+            <a:r>
+              <a:rPr lang="en-US" dirty="0" smtClean="0"/>
+              <a:t>(based on Marcus provided definition)</a:t>
+            </a:r>
           </a:p>
         </p:txBody>
       </p:sp>
@@ -32345,14 +33735,21 @@
             <p:ph type="title"/>
           </p:nvPr>
         </p:nvSpPr>
-        <p:spPr/>
-        <p:txBody>
-          <a:bodyPr/>
+        <p:spPr>
+          <a:xfrm>
+            <a:off x="0" y="274638"/>
+            <a:ext cx="9144000" cy="1143000"/>
+          </a:xfrm>
+        </p:spPr>
+        <p:txBody>
+          <a:bodyPr>
+            <a:normAutofit fontScale="90000"/>
+          </a:bodyPr>
           <a:lstStyle/>
           <a:p>
             <a:r>
               <a:rPr lang="en-US" dirty="0" smtClean="0"/>
-              <a:t>Question 2</a:t>
+              <a:t>What is Phenotype (Textual definition)?</a:t>
             </a:r>
             <a:endParaRPr lang="en-US" dirty="0"/>
           </a:p>
@@ -32402,9 +33799,7 @@
         </p:nvSpPr>
         <p:spPr/>
         <p:txBody>
-          <a:bodyPr>
-            <a:normAutofit fontScale="92500" lnSpcReduction="10000"/>
-          </a:bodyPr>
+          <a:bodyPr/>
           <a:lstStyle/>
           <a:p>
             <a:pPr>
@@ -32412,96 +33807,60 @@
             </a:pPr>
             <a:r>
               <a:rPr lang="en-US" dirty="0" smtClean="0"/>
-              <a:t>What is Phenotype in the view of </a:t>
-            </a:r>
-            <a:r>
-              <a:rPr lang="en-US" dirty="0" err="1" smtClean="0"/>
-              <a:t>ontologists</a:t>
-            </a:r>
+              <a:t>Phenotype Refers to:</a:t>
+            </a:r>
+          </a:p>
+          <a:p>
             <a:r>
               <a:rPr lang="en-US" dirty="0" smtClean="0"/>
-              <a:t>?</a:t>
-            </a:r>
-          </a:p>
-          <a:p>
+              <a:t>Organism </a:t>
+            </a:r>
+          </a:p>
+          <a:p>
+            <a:pPr lvl="1"/>
             <a:r>
               <a:rPr lang="en-US" dirty="0" smtClean="0"/>
-              <a:t>Dependent Continuant:</a:t>
+              <a:t>Feeding behavior, height</a:t>
+            </a:r>
+          </a:p>
+          <a:p>
+            <a:r>
+              <a:rPr lang="en-US" dirty="0" smtClean="0"/>
+              <a:t>Organ</a:t>
             </a:r>
           </a:p>
           <a:p>
             <a:pPr lvl="1"/>
             <a:r>
               <a:rPr lang="en-US" dirty="0" smtClean="0"/>
-              <a:t>Quality? </a:t>
-            </a:r>
-          </a:p>
-          <a:p>
-            <a:pPr lvl="2"/>
+              <a:t>Eye color</a:t>
+            </a:r>
+          </a:p>
+          <a:p>
             <a:r>
               <a:rPr lang="en-US" dirty="0" smtClean="0"/>
-              <a:t>color, shape, size </a:t>
+              <a:t>Cell</a:t>
             </a:r>
           </a:p>
           <a:p>
             <a:pPr lvl="1"/>
             <a:r>
               <a:rPr lang="en-US" dirty="0" smtClean="0"/>
-              <a:t>Realizable entity, like Deposition? </a:t>
-            </a:r>
-          </a:p>
-          <a:p>
-            <a:pPr lvl="2"/>
+              <a:t>Muscle cell morphology</a:t>
+            </a:r>
+          </a:p>
+          <a:p>
             <a:r>
               <a:rPr lang="en-US" dirty="0" smtClean="0"/>
-              <a:t>Cell: no mobility</a:t>
-            </a:r>
-          </a:p>
-          <a:p>
-            <a:pPr lvl="2"/>
-            <a:endParaRPr lang="en-US" dirty="0" smtClean="0"/>
-          </a:p>
-          <a:p>
+              <a:t>Molecular</a:t>
+            </a:r>
+          </a:p>
+          <a:p>
+            <a:pPr lvl="1"/>
             <a:r>
               <a:rPr lang="en-US" dirty="0" smtClean="0"/>
-              <a:t>Output of some process:</a:t>
-            </a:r>
-          </a:p>
-          <a:p>
-            <a:pPr lvl="1"/>
-            <a:r>
-              <a:rPr lang="en-US" dirty="0" smtClean="0"/>
-              <a:t>Independent Continuant?</a:t>
-            </a:r>
-          </a:p>
-          <a:p>
-            <a:pPr lvl="1"/>
-            <a:r>
-              <a:rPr lang="en-US" dirty="0" smtClean="0"/>
-              <a:t>Dependent Continuant?</a:t>
-            </a:r>
-          </a:p>
-          <a:p>
-            <a:pPr lvl="2"/>
-            <a:r>
-              <a:rPr lang="en-US" dirty="0" smtClean="0"/>
-              <a:t>Output of feeding behavior -&gt; normal feeding behavior</a:t>
-            </a:r>
-          </a:p>
-          <a:p>
-            <a:pPr lvl="2"/>
-            <a:r>
-              <a:rPr lang="en-US" dirty="0" smtClean="0"/>
-              <a:t>Output of motility -&gt; decreased cell motility</a:t>
-            </a:r>
-          </a:p>
-          <a:p>
-            <a:pPr lvl="2"/>
-            <a:r>
-              <a:rPr lang="en-US" dirty="0" smtClean="0"/>
-              <a:t>Output of development -&gt; eye color</a:t>
-            </a:r>
-            <a:endParaRPr lang="en-US" dirty="0"/>
+              <a:t>Enzymatic activity</a:t>
+            </a:r>
           </a:p>
         </p:txBody>
       </p:sp>
@@ -32517,8 +33876,8 @@
         </p:nvSpPr>
         <p:spPr>
           <a:xfrm>
-            <a:off x="457200" y="274638"/>
-            <a:ext cx="8534400" cy="1143000"/>
+            <a:off x="304800" y="274638"/>
+            <a:ext cx="8610600" cy="1143000"/>
           </a:xfrm>
         </p:spPr>
         <p:txBody>
@@ -32529,7 +33888,7 @@
           <a:p>
             <a:r>
               <a:rPr lang="en-US" dirty="0" smtClean="0"/>
-              <a:t>Question 3</a:t>
+              <a:t>Question 1: </a:t>
             </a:r>
             <a:endParaRPr lang="en-US" dirty="0"/>
           </a:p>
@@ -32580,6 +33939,305 @@
         <p:spPr>
           <a:xfrm>
             <a:off x="457200" y="1481328"/>
+            <a:ext cx="8305800" cy="4525963"/>
+          </a:xfrm>
+        </p:spPr>
+        <p:txBody>
+          <a:bodyPr/>
+          <a:lstStyle/>
+          <a:p>
+            <a:r>
+              <a:rPr lang="en-US" dirty="0" smtClean="0"/>
+              <a:t>How to link genotype to phenotype?</a:t>
+            </a:r>
+          </a:p>
+          <a:p>
+            <a:r>
+              <a:rPr lang="en-US" dirty="0" smtClean="0"/>
+              <a:t>Definition of genotype</a:t>
+            </a:r>
+          </a:p>
+          <a:p>
+            <a:pPr lvl="1"/>
+            <a:r>
+              <a:rPr lang="en-US" dirty="0" smtClean="0"/>
+              <a:t>A collection of sequences in SO</a:t>
+            </a:r>
+          </a:p>
+          <a:p>
+            <a:pPr lvl="1"/>
+            <a:r>
+              <a:rPr lang="en-US" dirty="0" smtClean="0"/>
+              <a:t>It is generically dependent continuant based on SO definition</a:t>
+            </a:r>
+          </a:p>
+          <a:p>
+            <a:pPr lvl="1"/>
+            <a:endParaRPr lang="en-US" dirty="0" smtClean="0"/>
+          </a:p>
+          <a:p>
+            <a:pPr lvl="1"/>
+            <a:r>
+              <a:rPr lang="en-US" dirty="0" smtClean="0"/>
+              <a:t>Cannot use ‘realizes / </a:t>
+            </a:r>
+            <a:r>
+              <a:rPr lang="en-US" dirty="0" err="1" smtClean="0"/>
+              <a:t>is_realized_by</a:t>
+            </a:r>
+            <a:r>
+              <a:rPr lang="en-US" dirty="0" smtClean="0"/>
+              <a:t>’ relation, because none is process</a:t>
+            </a:r>
+            <a:endParaRPr lang="en-US" dirty="0"/>
+          </a:p>
+        </p:txBody>
+      </p:sp>
+      <p:sp>
+        <p:nvSpPr>
+          <p:cNvPr id="3" name="Title 2"/>
+          <p:cNvSpPr>
+            <a:spLocks noGrp="1"/>
+          </p:cNvSpPr>
+          <p:nvPr>
+            <p:ph type="title"/>
+          </p:nvPr>
+        </p:nvSpPr>
+        <p:spPr/>
+        <p:txBody>
+          <a:bodyPr/>
+          <a:lstStyle/>
+          <a:p>
+            <a:r>
+              <a:rPr lang="en-US" dirty="0" smtClean="0"/>
+              <a:t>Question 2</a:t>
+            </a:r>
+            <a:endParaRPr lang="en-US" dirty="0"/>
+          </a:p>
+        </p:txBody>
+      </p:sp>
+    </p:spTree>
+  </p:cSld>
+  <p:clrMapOvr>
+    <a:masterClrMapping/>
+  </p:clrMapOvr>
+  <p:timing>
+    <p:tnLst>
+      <p:par>
+        <p:cTn id="1" dur="indefinite" restart="never" nodeType="tmRoot"/>
+      </p:par>
+    </p:tnLst>
+  </p:timing>
+</p:sld>
+</file>
+
+<file path=ppt/slides/slide8.xml><?xml version="1.0" encoding="utf-8"?>
+<p:sld xmlns:a="http://schemas.openxmlformats.org/drawingml/2006/main" xmlns:r="http://schemas.openxmlformats.org/officeDocument/2006/relationships" xmlns:p="http://schemas.openxmlformats.org/presentationml/2006/main">
+  <p:cSld>
+    <p:spTree>
+      <p:nvGrpSpPr>
+        <p:cNvPr id="1" name=""/>
+        <p:cNvGrpSpPr/>
+        <p:nvPr/>
+      </p:nvGrpSpPr>
+      <p:grpSpPr>
+        <a:xfrm>
+          <a:off x="0" y="0"/>
+          <a:ext cx="0" cy="0"/>
+          <a:chOff x="0" y="0"/>
+          <a:chExt cx="0" cy="0"/>
+        </a:xfrm>
+      </p:grpSpPr>
+      <p:sp>
+        <p:nvSpPr>
+          <p:cNvPr id="2" name="Content Placeholder 1"/>
+          <p:cNvSpPr>
+            <a:spLocks noGrp="1"/>
+          </p:cNvSpPr>
+          <p:nvPr>
+            <p:ph idx="1"/>
+          </p:nvPr>
+        </p:nvSpPr>
+        <p:spPr/>
+        <p:txBody>
+          <a:bodyPr>
+            <a:normAutofit fontScale="92500" lnSpcReduction="10000"/>
+          </a:bodyPr>
+          <a:lstStyle/>
+          <a:p>
+            <a:pPr>
+              <a:buNone/>
+            </a:pPr>
+            <a:r>
+              <a:rPr lang="en-US" dirty="0" smtClean="0"/>
+              <a:t>What is Phenotype in the view of </a:t>
+            </a:r>
+            <a:r>
+              <a:rPr lang="en-US" dirty="0" err="1" smtClean="0"/>
+              <a:t>ontologists</a:t>
+            </a:r>
+            <a:r>
+              <a:rPr lang="en-US" dirty="0" smtClean="0"/>
+              <a:t>?</a:t>
+            </a:r>
+          </a:p>
+          <a:p>
+            <a:r>
+              <a:rPr lang="en-US" dirty="0" smtClean="0"/>
+              <a:t>Dependent Continuant:</a:t>
+            </a:r>
+          </a:p>
+          <a:p>
+            <a:pPr lvl="1"/>
+            <a:r>
+              <a:rPr lang="en-US" dirty="0" smtClean="0"/>
+              <a:t>Quality? </a:t>
+            </a:r>
+          </a:p>
+          <a:p>
+            <a:pPr lvl="2"/>
+            <a:r>
+              <a:rPr lang="en-US" dirty="0" smtClean="0"/>
+              <a:t>color, shape, size </a:t>
+            </a:r>
+          </a:p>
+          <a:p>
+            <a:pPr lvl="1"/>
+            <a:r>
+              <a:rPr lang="en-US" dirty="0" smtClean="0"/>
+              <a:t>Realizable entity, like Deposition? </a:t>
+            </a:r>
+          </a:p>
+          <a:p>
+            <a:pPr lvl="2"/>
+            <a:r>
+              <a:rPr lang="en-US" dirty="0" smtClean="0"/>
+              <a:t>Cell: no mobility</a:t>
+            </a:r>
+          </a:p>
+          <a:p>
+            <a:pPr lvl="2"/>
+            <a:endParaRPr lang="en-US" dirty="0" smtClean="0"/>
+          </a:p>
+          <a:p>
+            <a:r>
+              <a:rPr lang="en-US" dirty="0" smtClean="0"/>
+              <a:t>Output of some process:</a:t>
+            </a:r>
+          </a:p>
+          <a:p>
+            <a:pPr lvl="1"/>
+            <a:r>
+              <a:rPr lang="en-US" dirty="0" smtClean="0"/>
+              <a:t>Independent Continuant?</a:t>
+            </a:r>
+          </a:p>
+          <a:p>
+            <a:pPr lvl="1"/>
+            <a:r>
+              <a:rPr lang="en-US" dirty="0" smtClean="0"/>
+              <a:t>Dependent Continuant?</a:t>
+            </a:r>
+          </a:p>
+          <a:p>
+            <a:pPr lvl="2"/>
+            <a:r>
+              <a:rPr lang="en-US" dirty="0" smtClean="0"/>
+              <a:t>Output of feeding behavior -&gt; normal feeding behavior</a:t>
+            </a:r>
+          </a:p>
+          <a:p>
+            <a:pPr lvl="2"/>
+            <a:r>
+              <a:rPr lang="en-US" dirty="0" smtClean="0"/>
+              <a:t>Output of motility -&gt; decreased cell motility</a:t>
+            </a:r>
+          </a:p>
+          <a:p>
+            <a:pPr lvl="2"/>
+            <a:r>
+              <a:rPr lang="en-US" dirty="0" smtClean="0"/>
+              <a:t>Output of development -&gt; eye color</a:t>
+            </a:r>
+            <a:endParaRPr lang="en-US" dirty="0"/>
+          </a:p>
+        </p:txBody>
+      </p:sp>
+      <p:sp>
+        <p:nvSpPr>
+          <p:cNvPr id="3" name="Title 2"/>
+          <p:cNvSpPr>
+            <a:spLocks noGrp="1"/>
+          </p:cNvSpPr>
+          <p:nvPr>
+            <p:ph type="title"/>
+          </p:nvPr>
+        </p:nvSpPr>
+        <p:spPr>
+          <a:xfrm>
+            <a:off x="457200" y="274638"/>
+            <a:ext cx="8534400" cy="1143000"/>
+          </a:xfrm>
+        </p:spPr>
+        <p:txBody>
+          <a:bodyPr>
+            <a:normAutofit/>
+          </a:bodyPr>
+          <a:lstStyle/>
+          <a:p>
+            <a:r>
+              <a:rPr lang="en-US" dirty="0" smtClean="0"/>
+              <a:t>Question 3</a:t>
+            </a:r>
+            <a:endParaRPr lang="en-US" dirty="0"/>
+          </a:p>
+        </p:txBody>
+      </p:sp>
+    </p:spTree>
+  </p:cSld>
+  <p:clrMapOvr>
+    <a:masterClrMapping/>
+  </p:clrMapOvr>
+  <p:timing>
+    <p:tnLst>
+      <p:par>
+        <p:cTn id="1" dur="indefinite" restart="never" nodeType="tmRoot"/>
+      </p:par>
+    </p:tnLst>
+  </p:timing>
+</p:sld>
+</file>
+
+<file path=ppt/slides/slide9.xml><?xml version="1.0" encoding="utf-8"?>
+<p:sld xmlns:a="http://schemas.openxmlformats.org/drawingml/2006/main" xmlns:r="http://schemas.openxmlformats.org/officeDocument/2006/relationships" xmlns:p="http://schemas.openxmlformats.org/presentationml/2006/main">
+  <p:cSld>
+    <p:spTree>
+      <p:nvGrpSpPr>
+        <p:cNvPr id="1" name=""/>
+        <p:cNvGrpSpPr/>
+        <p:nvPr/>
+      </p:nvGrpSpPr>
+      <p:grpSpPr>
+        <a:xfrm>
+          <a:off x="0" y="0"/>
+          <a:ext cx="0" cy="0"/>
+          <a:chOff x="0" y="0"/>
+          <a:chExt cx="0" cy="0"/>
+        </a:xfrm>
+      </p:grpSpPr>
+      <p:sp>
+        <p:nvSpPr>
+          <p:cNvPr id="2" name="Content Placeholder 1"/>
+          <p:cNvSpPr>
+            <a:spLocks noGrp="1"/>
+          </p:cNvSpPr>
+          <p:nvPr>
+            <p:ph idx="1"/>
+          </p:nvPr>
+        </p:nvSpPr>
+        <p:spPr>
+          <a:xfrm>
+            <a:off x="457200" y="1481328"/>
             <a:ext cx="8229600" cy="4919472"/>
           </a:xfrm>
         </p:spPr>
@@ -32744,11 +34402,7 @@
             <a:pPr lvl="1"/>
             <a:r>
               <a:rPr lang="en-US" sz="2200" dirty="0" smtClean="0"/>
-              <a:t>PATO: </a:t>
-            </a:r>
-            <a:r>
-              <a:rPr lang="en-US" sz="2200" dirty="0" smtClean="0"/>
-              <a:t>red</a:t>
+              <a:t>PATO: red</a:t>
             </a:r>
           </a:p>
           <a:p>
@@ -32762,23 +34416,7 @@
             <a:pPr lvl="1"/>
             <a:r>
               <a:rPr lang="en-US" sz="2200" dirty="0" smtClean="0"/>
-              <a:t>If phenotype </a:t>
-            </a:r>
-            <a:r>
-              <a:rPr lang="en-US" sz="2200" dirty="0" smtClean="0"/>
-              <a:t>is quality, </a:t>
-            </a:r>
-            <a:r>
-              <a:rPr lang="en-US" sz="2200" dirty="0" smtClean="0"/>
-              <a:t>does it mean: </a:t>
-            </a:r>
-            <a:r>
-              <a:rPr lang="en-US" sz="2200" dirty="0" smtClean="0"/>
-              <a:t>‘red eye phenotype’ = </a:t>
-            </a:r>
-            <a:r>
-              <a:rPr lang="en-US" sz="2200" dirty="0" smtClean="0"/>
-              <a:t>intersection of red and ‘eye phenotype’?</a:t>
+              <a:t>If phenotype is quality, does it mean: ‘red eye phenotype’ = intersection of red and ‘eye phenotype’?</a:t>
             </a:r>
             <a:endParaRPr lang="en-US" dirty="0"/>
           </a:p>

--- a/docs/presentations/OBI workshop Oct 2011 Philly/Phenotype.pptx
+++ b/docs/presentations/OBI workshop Oct 2011 Philly/Phenotype.pptx
@@ -1,6 +1,6 @@
 
 <file path=ppt/presentation.xml><?xml version="1.0" encoding="utf-8"?>
-<p:presentation xmlns:a="http://schemas.openxmlformats.org/drawingml/2006/main" xmlns:r="http://schemas.openxmlformats.org/officeDocument/2006/relationships" xmlns:p="http://schemas.openxmlformats.org/presentationml/2006/main" saveSubsetFonts="1">
+<p:presentation xmlns:a="http://schemas.openxmlformats.org/drawingml/2006/main" xmlns:r="http://schemas.openxmlformats.org/officeDocument/2006/relationships" xmlns:mc="http://schemas.openxmlformats.org/markup-compatibility/2006" xmlns:mv="urn:schemas-microsoft-com:mac:vml" xmlns:p="http://schemas.openxmlformats.org/presentationml/2006/main" mc:Ignorable="mv" mc:PreserveAttributes="mv:*" saveSubsetFonts="1">
   <p:sldMasterIdLst>
     <p:sldMasterId id="2147483660" r:id="rId1"/>
     <p:sldMasterId id="2147483671" r:id="rId2"/>
@@ -19,6 +19,14 @@
     <p:sldId id="262" r:id="rId13"/>
     <p:sldId id="258" r:id="rId14"/>
     <p:sldId id="259" r:id="rId15"/>
+    <p:sldId id="272" r:id="rId16"/>
+    <p:sldId id="268" r:id="rId17"/>
+    <p:sldId id="270" r:id="rId18"/>
+    <p:sldId id="269" r:id="rId19"/>
+    <p:sldId id="267" r:id="rId20"/>
+    <p:sldId id="271" r:id="rId21"/>
+    <p:sldId id="265" r:id="rId22"/>
+    <p:sldId id="266" r:id="rId23"/>
   </p:sldIdLst>
   <p:sldSz cx="9144000" cy="6858000" type="screen4x3"/>
   <p:notesSz cx="6858000" cy="9144000"/>
@@ -121,7 +129,7 @@
 </file>
 
 <file path=ppt/slideLayouts/slideLayout1.xml><?xml version="1.0" encoding="utf-8"?>
-<p:sldLayout xmlns:a="http://schemas.openxmlformats.org/drawingml/2006/main" xmlns:r="http://schemas.openxmlformats.org/officeDocument/2006/relationships" xmlns:p="http://schemas.openxmlformats.org/presentationml/2006/main" showMasterSp="0" preserve="1">
+<p:sldLayout xmlns:a="http://schemas.openxmlformats.org/drawingml/2006/main" xmlns:r="http://schemas.openxmlformats.org/officeDocument/2006/relationships" xmlns:mc="http://schemas.openxmlformats.org/markup-compatibility/2006" xmlns:mv="urn:schemas-microsoft-com:mac:vml" xmlns:p="http://schemas.openxmlformats.org/presentationml/2006/main" mc:Ignorable="mv" mc:PreserveAttributes="mv:*" showMasterSp="0" preserve="1">
   <p:cSld name="Title Slide">
     <p:spTree>
       <p:nvGrpSpPr>
@@ -184,7 +192,6 @@
             <a:lvl9pPr marL="3657600" indent="0" algn="ctr">
               <a:buNone/>
             </a:lvl9pPr>
-            <a:extLst/>
           </a:lstStyle>
           <a:p>
             <a:r>
@@ -240,9 +247,7 @@
           </p:style>
           <p:txBody>
             <a:bodyPr anchor="ctr"/>
-            <a:lstStyle>
-              <a:extLst/>
-            </a:lstStyle>
+            <a:lstStyle/>
             <a:p>
               <a:pPr algn="ctr"/>
               <a:endParaRPr lang="en-US"/>
@@ -280,9 +285,7 @@
           </p:style>
           <p:txBody>
             <a:bodyPr anchor="ctr"/>
-            <a:lstStyle>
-              <a:extLst/>
-            </a:lstStyle>
+            <a:lstStyle/>
             <a:p>
               <a:pPr algn="ctr"/>
               <a:endParaRPr lang="en-US"/>
@@ -320,9 +323,7 @@
           </p:style>
           <p:txBody>
             <a:bodyPr anchor="ctr"/>
-            <a:lstStyle>
-              <a:extLst/>
-            </a:lstStyle>
+            <a:lstStyle/>
             <a:p>
               <a:pPr algn="ctr"/>
               <a:endParaRPr lang="en-US"/>
@@ -360,9 +361,7 @@
           </p:style>
           <p:txBody>
             <a:bodyPr anchor="ctr"/>
-            <a:lstStyle>
-              <a:extLst/>
-            </a:lstStyle>
+            <a:lstStyle/>
             <a:p>
               <a:pPr algn="ctr"/>
               <a:endParaRPr lang="en-US"/>
@@ -400,9 +399,7 @@
           </p:style>
           <p:txBody>
             <a:bodyPr anchor="ctr"/>
-            <a:lstStyle>
-              <a:extLst/>
-            </a:lstStyle>
+            <a:lstStyle/>
             <a:p>
               <a:pPr algn="ctr"/>
               <a:endParaRPr lang="en-US"/>
@@ -440,9 +437,7 @@
           </p:style>
           <p:txBody>
             <a:bodyPr anchor="ctr"/>
-            <a:lstStyle>
-              <a:extLst/>
-            </a:lstStyle>
+            <a:lstStyle/>
             <a:p>
               <a:pPr algn="ctr"/>
               <a:endParaRPr lang="en-US"/>
@@ -480,9 +475,7 @@
           </p:style>
           <p:txBody>
             <a:bodyPr anchor="ctr"/>
-            <a:lstStyle>
-              <a:extLst/>
-            </a:lstStyle>
+            <a:lstStyle/>
             <a:p>
               <a:pPr algn="ctr"/>
               <a:endParaRPr lang="en-US"/>
@@ -535,9 +528,7 @@
           </p:style>
           <p:txBody>
             <a:bodyPr anchor="ctr"/>
-            <a:lstStyle>
-              <a:extLst/>
-            </a:lstStyle>
+            <a:lstStyle/>
             <a:p>
               <a:pPr algn="ctr"/>
               <a:endParaRPr lang="en-US"/>
@@ -575,9 +566,7 @@
           </p:style>
           <p:txBody>
             <a:bodyPr anchor="ctr"/>
-            <a:lstStyle>
-              <a:extLst/>
-            </a:lstStyle>
+            <a:lstStyle/>
             <a:p>
               <a:pPr algn="ctr"/>
               <a:endParaRPr lang="en-US"/>
@@ -615,9 +604,7 @@
           </p:style>
           <p:txBody>
             <a:bodyPr anchor="ctr"/>
-            <a:lstStyle>
-              <a:extLst/>
-            </a:lstStyle>
+            <a:lstStyle/>
             <a:p>
               <a:pPr algn="ctr"/>
               <a:endParaRPr lang="en-US"/>
@@ -655,9 +642,7 @@
           </p:style>
           <p:txBody>
             <a:bodyPr anchor="ctr"/>
-            <a:lstStyle>
-              <a:extLst/>
-            </a:lstStyle>
+            <a:lstStyle/>
             <a:p>
               <a:pPr algn="ctr"/>
               <a:endParaRPr lang="en-US" dirty="0"/>
@@ -695,9 +680,7 @@
           </p:style>
           <p:txBody>
             <a:bodyPr anchor="ctr"/>
-            <a:lstStyle>
-              <a:extLst/>
-            </a:lstStyle>
+            <a:lstStyle/>
             <a:p>
               <a:pPr algn="ctr"/>
               <a:endParaRPr lang="en-US"/>
@@ -735,9 +718,7 @@
           </p:style>
           <p:txBody>
             <a:bodyPr anchor="ctr"/>
-            <a:lstStyle>
-              <a:extLst/>
-            </a:lstStyle>
+            <a:lstStyle/>
             <a:p>
               <a:pPr algn="ctr"/>
               <a:endParaRPr lang="en-US"/>
@@ -775,9 +756,7 @@
           </p:style>
           <p:txBody>
             <a:bodyPr anchor="ctr"/>
-            <a:lstStyle>
-              <a:extLst/>
-            </a:lstStyle>
+            <a:lstStyle/>
             <a:p>
               <a:pPr algn="ctr"/>
               <a:endParaRPr lang="en-US"/>
@@ -817,9 +796,7 @@
         </p:style>
         <p:txBody>
           <a:bodyPr anchor="ctr"/>
-          <a:lstStyle>
-            <a:extLst/>
-          </a:lstStyle>
+          <a:lstStyle/>
           <a:p>
             <a:pPr algn="ctr"/>
             <a:endParaRPr lang="en-US" dirty="0"/>
@@ -858,9 +835,7 @@
         </p:style>
         <p:txBody>
           <a:bodyPr anchor="ctr"/>
-          <a:lstStyle>
-            <a:extLst/>
-          </a:lstStyle>
+          <a:lstStyle/>
           <a:p>
             <a:pPr algn="ctr"/>
             <a:endParaRPr lang="en-US"/>
@@ -899,9 +874,7 @@
         </p:style>
         <p:txBody>
           <a:bodyPr anchor="ctr"/>
-          <a:lstStyle>
-            <a:extLst/>
-          </a:lstStyle>
+          <a:lstStyle/>
           <a:p>
             <a:pPr algn="ctr"/>
             <a:endParaRPr lang="en-US"/>
@@ -940,9 +913,7 @@
         </p:style>
         <p:txBody>
           <a:bodyPr anchor="ctr"/>
-          <a:lstStyle>
-            <a:extLst/>
-          </a:lstStyle>
+          <a:lstStyle/>
           <a:p>
             <a:pPr algn="ctr"/>
             <a:endParaRPr lang="en-US"/>
@@ -962,14 +933,12 @@
         <p:spPr/>
         <p:txBody>
           <a:bodyPr rtlCol="0"/>
-          <a:lstStyle>
-            <a:extLst/>
-          </a:lstStyle>
+          <a:lstStyle/>
           <a:p>
             <a:fld id="{FC4E1F84-22AE-408B-8AEE-B5F39E910140}" type="datetimeFigureOut">
               <a:rPr lang="en-US" smtClean="0"/>
               <a:pPr/>
-              <a:t>10/7/2011</a:t>
+              <a:t>10/12/11</a:t>
             </a:fld>
             <a:endParaRPr lang="en-US"/>
           </a:p>
@@ -988,9 +957,7 @@
         <p:spPr/>
         <p:txBody>
           <a:bodyPr rtlCol="0"/>
-          <a:lstStyle>
-            <a:extLst/>
-          </a:lstStyle>
+          <a:lstStyle/>
           <a:p>
             <a:fld id="{700068D3-86B4-4F8E-B6AD-2596F9145F76}" type="slidenum">
               <a:rPr lang="en-US" smtClean="0"/>
@@ -1014,9 +981,7 @@
         <p:spPr/>
         <p:txBody>
           <a:bodyPr rtlCol="0"/>
-          <a:lstStyle>
-            <a:extLst/>
-          </a:lstStyle>
+          <a:lstStyle/>
           <a:p>
             <a:endParaRPr lang="en-US"/>
           </a:p>
@@ -1089,7 +1054,6 @@
                 <a:cs typeface="+mj-cs"/>
               </a:defRPr>
             </a:lvl1pPr>
-            <a:extLst/>
           </a:lstStyle>
           <a:p>
             <a:r>
@@ -1116,7 +1080,7 @@
 </file>
 
 <file path=ppt/slideLayouts/slideLayout10.xml><?xml version="1.0" encoding="utf-8"?>
-<p:sldLayout xmlns:a="http://schemas.openxmlformats.org/drawingml/2006/main" xmlns:r="http://schemas.openxmlformats.org/officeDocument/2006/relationships" xmlns:p="http://schemas.openxmlformats.org/presentationml/2006/main" type="titleOnly">
+<p:sldLayout xmlns:a="http://schemas.openxmlformats.org/drawingml/2006/main" xmlns:r="http://schemas.openxmlformats.org/officeDocument/2006/relationships" xmlns:mc="http://schemas.openxmlformats.org/markup-compatibility/2006" xmlns:mv="urn:schemas-microsoft-com:mac:vml" xmlns:p="http://schemas.openxmlformats.org/presentationml/2006/main" mc:Ignorable="mv" mc:PreserveAttributes="mv:*" type="titleOnly">
   <p:cSld name="Title Only">
     <p:spTree>
       <p:nvGrpSpPr>
@@ -1173,7 +1137,7 @@
             <a:fld id="{FC4E1F84-22AE-408B-8AEE-B5F39E910140}" type="datetimeFigureOut">
               <a:rPr lang="en-US" smtClean="0"/>
               <a:pPr/>
-              <a:t>10/7/2011</a:t>
+              <a:t>10/12/11</a:t>
             </a:fld>
             <a:endParaRPr lang="en-US"/>
           </a:p>
@@ -1238,7 +1202,7 @@
 </file>
 
 <file path=ppt/slideLayouts/slideLayout11.xml><?xml version="1.0" encoding="utf-8"?>
-<p:sldLayout xmlns:a="http://schemas.openxmlformats.org/drawingml/2006/main" xmlns:r="http://schemas.openxmlformats.org/officeDocument/2006/relationships" xmlns:p="http://schemas.openxmlformats.org/presentationml/2006/main" showMasterSp="0" type="title" preserve="1">
+<p:sldLayout xmlns:a="http://schemas.openxmlformats.org/drawingml/2006/main" xmlns:r="http://schemas.openxmlformats.org/officeDocument/2006/relationships" xmlns:mc="http://schemas.openxmlformats.org/markup-compatibility/2006" xmlns:mv="urn:schemas-microsoft-com:mac:vml" xmlns:p="http://schemas.openxmlformats.org/presentationml/2006/main" mc:Ignorable="mv" mc:PreserveAttributes="mv:*" showMasterSp="0" type="title" preserve="1">
   <p:cSld name="Title Slide">
     <p:bg>
       <p:bgRef idx="1001">
@@ -1380,7 +1344,7 @@
             <a:fld id="{39C41B7C-DC17-4ECC-A2D3-90661E3E8418}" type="datetimeFigureOut">
               <a:rPr lang="en-US" smtClean="0"/>
               <a:pPr/>
-              <a:t>10/7/2011</a:t>
+              <a:t>10/12/11</a:t>
             </a:fld>
             <a:endParaRPr lang="en-US"/>
           </a:p>
@@ -2149,7 +2113,7 @@
 </file>
 
 <file path=ppt/slideLayouts/slideLayout12.xml><?xml version="1.0" encoding="utf-8"?>
-<p:sldLayout xmlns:a="http://schemas.openxmlformats.org/drawingml/2006/main" xmlns:r="http://schemas.openxmlformats.org/officeDocument/2006/relationships" xmlns:p="http://schemas.openxmlformats.org/presentationml/2006/main" type="obj" preserve="1">
+<p:sldLayout xmlns:a="http://schemas.openxmlformats.org/drawingml/2006/main" xmlns:r="http://schemas.openxmlformats.org/officeDocument/2006/relationships" xmlns:mc="http://schemas.openxmlformats.org/markup-compatibility/2006" xmlns:mv="urn:schemas-microsoft-com:mac:vml" xmlns:p="http://schemas.openxmlformats.org/presentationml/2006/main" mc:Ignorable="mv" mc:PreserveAttributes="mv:*" type="obj" preserve="1">
   <p:cSld name="Title and Content">
     <p:spTree>
       <p:nvGrpSpPr>
@@ -2263,7 +2227,7 @@
             <a:fld id="{39C41B7C-DC17-4ECC-A2D3-90661E3E8418}" type="datetimeFigureOut">
               <a:rPr lang="en-US" smtClean="0"/>
               <a:pPr/>
-              <a:t>10/7/2011</a:t>
+              <a:t>10/12/11</a:t>
             </a:fld>
             <a:endParaRPr lang="en-US"/>
           </a:p>
@@ -2328,7 +2292,7 @@
 </file>
 
 <file path=ppt/slideLayouts/slideLayout13.xml><?xml version="1.0" encoding="utf-8"?>
-<p:sldLayout xmlns:a="http://schemas.openxmlformats.org/drawingml/2006/main" xmlns:r="http://schemas.openxmlformats.org/officeDocument/2006/relationships" xmlns:p="http://schemas.openxmlformats.org/presentationml/2006/main" showMasterSp="0" type="secHead" preserve="1">
+<p:sldLayout xmlns:a="http://schemas.openxmlformats.org/drawingml/2006/main" xmlns:r="http://schemas.openxmlformats.org/officeDocument/2006/relationships" xmlns:mc="http://schemas.openxmlformats.org/markup-compatibility/2006" xmlns:mv="urn:schemas-microsoft-com:mac:vml" xmlns:p="http://schemas.openxmlformats.org/presentationml/2006/main" mc:Ignorable="mv" mc:PreserveAttributes="mv:*" showMasterSp="0" type="secHead" preserve="1">
   <p:cSld name="Section Header">
     <p:bg>
       <p:bgRef idx="1001">
@@ -2482,7 +2446,7 @@
             <a:fld id="{39C41B7C-DC17-4ECC-A2D3-90661E3E8418}" type="datetimeFigureOut">
               <a:rPr lang="en-US" smtClean="0"/>
               <a:pPr/>
-              <a:t>10/7/2011</a:t>
+              <a:t>10/12/11</a:t>
             </a:fld>
             <a:endParaRPr lang="en-US"/>
           </a:p>
@@ -3248,7 +3212,7 @@
 </file>
 
 <file path=ppt/slideLayouts/slideLayout14.xml><?xml version="1.0" encoding="utf-8"?>
-<p:sldLayout xmlns:a="http://schemas.openxmlformats.org/drawingml/2006/main" xmlns:r="http://schemas.openxmlformats.org/officeDocument/2006/relationships" xmlns:p="http://schemas.openxmlformats.org/presentationml/2006/main" type="twoObj" preserve="1">
+<p:sldLayout xmlns:a="http://schemas.openxmlformats.org/drawingml/2006/main" xmlns:r="http://schemas.openxmlformats.org/officeDocument/2006/relationships" xmlns:mc="http://schemas.openxmlformats.org/markup-compatibility/2006" xmlns:mv="urn:schemas-microsoft-com:mac:vml" xmlns:p="http://schemas.openxmlformats.org/presentationml/2006/main" mc:Ignorable="mv" mc:PreserveAttributes="mv:*" type="twoObj" preserve="1">
   <p:cSld name="Two Content">
     <p:spTree>
       <p:nvGrpSpPr>
@@ -3305,7 +3269,7 @@
             <a:fld id="{39C41B7C-DC17-4ECC-A2D3-90661E3E8418}" type="datetimeFigureOut">
               <a:rPr lang="en-US" smtClean="0"/>
               <a:pPr/>
-              <a:t>10/7/2011</a:t>
+              <a:t>10/12/11</a:t>
             </a:fld>
             <a:endParaRPr lang="en-US"/>
           </a:p>
@@ -3484,7 +3448,7 @@
 </file>
 
 <file path=ppt/slideLayouts/slideLayout15.xml><?xml version="1.0" encoding="utf-8"?>
-<p:sldLayout xmlns:a="http://schemas.openxmlformats.org/drawingml/2006/main" xmlns:r="http://schemas.openxmlformats.org/officeDocument/2006/relationships" xmlns:p="http://schemas.openxmlformats.org/presentationml/2006/main" type="twoTxTwoObj" preserve="1">
+<p:sldLayout xmlns:a="http://schemas.openxmlformats.org/drawingml/2006/main" xmlns:r="http://schemas.openxmlformats.org/officeDocument/2006/relationships" xmlns:mc="http://schemas.openxmlformats.org/markup-compatibility/2006" xmlns:mv="urn:schemas-microsoft-com:mac:vml" xmlns:p="http://schemas.openxmlformats.org/presentationml/2006/main" mc:Ignorable="mv" mc:PreserveAttributes="mv:*" type="twoTxTwoObj" preserve="1">
   <p:cSld name="Comparison">
     <p:spTree>
       <p:nvGrpSpPr>
@@ -3550,7 +3514,7 @@
             <a:fld id="{39C41B7C-DC17-4ECC-A2D3-90661E3E8418}" type="datetimeFigureOut">
               <a:rPr lang="en-US" smtClean="0"/>
               <a:pPr/>
-              <a:t>10/7/2011</a:t>
+              <a:t>10/12/11</a:t>
             </a:fld>
             <a:endParaRPr lang="en-US"/>
           </a:p>
@@ -3825,7 +3789,7 @@
 </file>
 
 <file path=ppt/slideLayouts/slideLayout16.xml><?xml version="1.0" encoding="utf-8"?>
-<p:sldLayout xmlns:a="http://schemas.openxmlformats.org/drawingml/2006/main" xmlns:r="http://schemas.openxmlformats.org/officeDocument/2006/relationships" xmlns:p="http://schemas.openxmlformats.org/presentationml/2006/main" type="titleOnly" preserve="1">
+<p:sldLayout xmlns:a="http://schemas.openxmlformats.org/drawingml/2006/main" xmlns:r="http://schemas.openxmlformats.org/officeDocument/2006/relationships" xmlns:mc="http://schemas.openxmlformats.org/markup-compatibility/2006" xmlns:mv="urn:schemas-microsoft-com:mac:vml" xmlns:p="http://schemas.openxmlformats.org/presentationml/2006/main" mc:Ignorable="mv" mc:PreserveAttributes="mv:*" type="titleOnly" preserve="1">
   <p:cSld name="Title Only">
     <p:spTree>
       <p:nvGrpSpPr>
@@ -3882,7 +3846,7 @@
             <a:fld id="{39C41B7C-DC17-4ECC-A2D3-90661E3E8418}" type="datetimeFigureOut">
               <a:rPr lang="en-US" smtClean="0"/>
               <a:pPr/>
-              <a:t>10/7/2011</a:t>
+              <a:t>10/12/11</a:t>
             </a:fld>
             <a:endParaRPr lang="en-US"/>
           </a:p>
@@ -3947,7 +3911,7 @@
 </file>
 
 <file path=ppt/slideLayouts/slideLayout17.xml><?xml version="1.0" encoding="utf-8"?>
-<p:sldLayout xmlns:a="http://schemas.openxmlformats.org/drawingml/2006/main" xmlns:r="http://schemas.openxmlformats.org/officeDocument/2006/relationships" xmlns:p="http://schemas.openxmlformats.org/presentationml/2006/main" type="blank" preserve="1">
+<p:sldLayout xmlns:a="http://schemas.openxmlformats.org/drawingml/2006/main" xmlns:r="http://schemas.openxmlformats.org/officeDocument/2006/relationships" xmlns:mc="http://schemas.openxmlformats.org/markup-compatibility/2006" xmlns:mv="urn:schemas-microsoft-com:mac:vml" xmlns:p="http://schemas.openxmlformats.org/presentationml/2006/main" mc:Ignorable="mv" mc:PreserveAttributes="mv:*" type="blank" preserve="1">
   <p:cSld name="Blank">
     <p:spTree>
       <p:nvGrpSpPr>
@@ -3981,7 +3945,7 @@
             <a:fld id="{39C41B7C-DC17-4ECC-A2D3-90661E3E8418}" type="datetimeFigureOut">
               <a:rPr lang="en-US" smtClean="0"/>
               <a:pPr/>
-              <a:t>10/7/2011</a:t>
+              <a:t>10/12/11</a:t>
             </a:fld>
             <a:endParaRPr lang="en-US"/>
           </a:p>
@@ -4046,7 +4010,7 @@
 </file>
 
 <file path=ppt/slideLayouts/slideLayout18.xml><?xml version="1.0" encoding="utf-8"?>
-<p:sldLayout xmlns:a="http://schemas.openxmlformats.org/drawingml/2006/main" xmlns:r="http://schemas.openxmlformats.org/officeDocument/2006/relationships" xmlns:p="http://schemas.openxmlformats.org/presentationml/2006/main" showMasterSp="0" type="objTx" preserve="1">
+<p:sldLayout xmlns:a="http://schemas.openxmlformats.org/drawingml/2006/main" xmlns:r="http://schemas.openxmlformats.org/officeDocument/2006/relationships" xmlns:mc="http://schemas.openxmlformats.org/markup-compatibility/2006" xmlns:mv="urn:schemas-microsoft-com:mac:vml" xmlns:p="http://schemas.openxmlformats.org/presentationml/2006/main" mc:Ignorable="mv" mc:PreserveAttributes="mv:*" showMasterSp="0" type="objTx" preserve="1">
   <p:cSld name="Content with Caption">
     <p:bg>
       <p:bgRef idx="1001">
@@ -4507,7 +4471,7 @@
             <a:fld id="{39C41B7C-DC17-4ECC-A2D3-90661E3E8418}" type="datetimeFigureOut">
               <a:rPr lang="en-US" smtClean="0"/>
               <a:pPr/>
-              <a:t>10/7/2011</a:t>
+              <a:t>10/12/11</a:t>
             </a:fld>
             <a:endParaRPr lang="en-US"/>
           </a:p>
@@ -4572,7 +4536,7 @@
 </file>
 
 <file path=ppt/slideLayouts/slideLayout19.xml><?xml version="1.0" encoding="utf-8"?>
-<p:sldLayout xmlns:a="http://schemas.openxmlformats.org/drawingml/2006/main" xmlns:r="http://schemas.openxmlformats.org/officeDocument/2006/relationships" xmlns:p="http://schemas.openxmlformats.org/presentationml/2006/main" showMasterSp="0" type="picTx" preserve="1">
+<p:sldLayout xmlns:a="http://schemas.openxmlformats.org/drawingml/2006/main" xmlns:r="http://schemas.openxmlformats.org/officeDocument/2006/relationships" xmlns:mc="http://schemas.openxmlformats.org/markup-compatibility/2006" xmlns:mv="urn:schemas-microsoft-com:mac:vml" xmlns:p="http://schemas.openxmlformats.org/presentationml/2006/main" mc:Ignorable="mv" mc:PreserveAttributes="mv:*" showMasterSp="0" type="picTx" preserve="1">
   <p:cSld name="Picture with Caption">
     <p:spTree>
       <p:nvGrpSpPr>
@@ -5027,7 +4991,7 @@
             <a:fld id="{39C41B7C-DC17-4ECC-A2D3-90661E3E8418}" type="datetimeFigureOut">
               <a:rPr lang="en-US" smtClean="0"/>
               <a:pPr/>
-              <a:t>10/7/2011</a:t>
+              <a:t>10/12/11</a:t>
             </a:fld>
             <a:endParaRPr lang="en-US"/>
           </a:p>
@@ -5092,7 +5056,7 @@
 </file>
 
 <file path=ppt/slideLayouts/slideLayout2.xml><?xml version="1.0" encoding="utf-8"?>
-<p:sldLayout xmlns:a="http://schemas.openxmlformats.org/drawingml/2006/main" xmlns:r="http://schemas.openxmlformats.org/officeDocument/2006/relationships" xmlns:p="http://schemas.openxmlformats.org/presentationml/2006/main" preserve="1">
+<p:sldLayout xmlns:a="http://schemas.openxmlformats.org/drawingml/2006/main" xmlns:r="http://schemas.openxmlformats.org/officeDocument/2006/relationships" xmlns:mc="http://schemas.openxmlformats.org/markup-compatibility/2006" xmlns:mv="urn:schemas-microsoft-com:mac:vml" xmlns:p="http://schemas.openxmlformats.org/presentationml/2006/main" mc:Ignorable="mv" mc:PreserveAttributes="mv:*" preserve="1">
   <p:cSld name="Title and Content">
     <p:spTree>
       <p:nvGrpSpPr>
@@ -5121,9 +5085,7 @@
         <p:spPr/>
         <p:txBody>
           <a:bodyPr/>
-          <a:lstStyle>
-            <a:extLst/>
-          </a:lstStyle>
+          <a:lstStyle/>
           <a:p>
             <a:pPr lvl="0"/>
             <a:r>
@@ -5175,14 +5137,12 @@
         <p:spPr/>
         <p:txBody>
           <a:bodyPr rtlCol="0"/>
-          <a:lstStyle>
-            <a:extLst/>
-          </a:lstStyle>
+          <a:lstStyle/>
           <a:p>
             <a:fld id="{FC4E1F84-22AE-408B-8AEE-B5F39E910140}" type="datetimeFigureOut">
               <a:rPr lang="en-US" smtClean="0"/>
               <a:pPr/>
-              <a:t>10/7/2011</a:t>
+              <a:t>10/12/11</a:t>
             </a:fld>
             <a:endParaRPr lang="en-US"/>
           </a:p>
@@ -5201,9 +5161,7 @@
         <p:spPr/>
         <p:txBody>
           <a:bodyPr rtlCol="0"/>
-          <a:lstStyle>
-            <a:extLst/>
-          </a:lstStyle>
+          <a:lstStyle/>
           <a:p>
             <a:fld id="{700068D3-86B4-4F8E-B6AD-2596F9145F76}" type="slidenum">
               <a:rPr lang="en-US" smtClean="0"/>
@@ -5227,9 +5185,7 @@
         <p:spPr/>
         <p:txBody>
           <a:bodyPr rtlCol="0"/>
-          <a:lstStyle>
-            <a:extLst/>
-          </a:lstStyle>
+          <a:lstStyle/>
           <a:p>
             <a:endParaRPr lang="en-US"/>
           </a:p>
@@ -5248,9 +5204,7 @@
         <p:spPr/>
         <p:txBody>
           <a:bodyPr rtlCol="0" anchor="b"/>
-          <a:lstStyle>
-            <a:extLst/>
-          </a:lstStyle>
+          <a:lstStyle/>
           <a:p>
             <a:r>
               <a:rPr lang="en-US" smtClean="0"/>
@@ -5276,7 +5230,7 @@
 </file>
 
 <file path=ppt/slideLayouts/slideLayout20.xml><?xml version="1.0" encoding="utf-8"?>
-<p:sldLayout xmlns:a="http://schemas.openxmlformats.org/drawingml/2006/main" xmlns:r="http://schemas.openxmlformats.org/officeDocument/2006/relationships" xmlns:p="http://schemas.openxmlformats.org/presentationml/2006/main" type="vertTx" preserve="1">
+<p:sldLayout xmlns:a="http://schemas.openxmlformats.org/drawingml/2006/main" xmlns:r="http://schemas.openxmlformats.org/officeDocument/2006/relationships" xmlns:mc="http://schemas.openxmlformats.org/markup-compatibility/2006" xmlns:mv="urn:schemas-microsoft-com:mac:vml" xmlns:p="http://schemas.openxmlformats.org/presentationml/2006/main" mc:Ignorable="mv" mc:PreserveAttributes="mv:*" type="vertTx" preserve="1">
   <p:cSld name="Title and Vertical Text">
     <p:spTree>
       <p:nvGrpSpPr>
@@ -5385,7 +5339,7 @@
             <a:fld id="{39C41B7C-DC17-4ECC-A2D3-90661E3E8418}" type="datetimeFigureOut">
               <a:rPr lang="en-US" smtClean="0"/>
               <a:pPr/>
-              <a:t>10/7/2011</a:t>
+              <a:t>10/12/11</a:t>
             </a:fld>
             <a:endParaRPr lang="en-US"/>
           </a:p>
@@ -5450,7 +5404,7 @@
 </file>
 
 <file path=ppt/slideLayouts/slideLayout21.xml><?xml version="1.0" encoding="utf-8"?>
-<p:sldLayout xmlns:a="http://schemas.openxmlformats.org/drawingml/2006/main" xmlns:r="http://schemas.openxmlformats.org/officeDocument/2006/relationships" xmlns:p="http://schemas.openxmlformats.org/presentationml/2006/main" type="vertTitleAndTx" preserve="1">
+<p:sldLayout xmlns:a="http://schemas.openxmlformats.org/drawingml/2006/main" xmlns:r="http://schemas.openxmlformats.org/officeDocument/2006/relationships" xmlns:mc="http://schemas.openxmlformats.org/markup-compatibility/2006" xmlns:mv="urn:schemas-microsoft-com:mac:vml" xmlns:p="http://schemas.openxmlformats.org/presentationml/2006/main" mc:Ignorable="mv" mc:PreserveAttributes="mv:*" type="vertTitleAndTx" preserve="1">
   <p:cSld name="Vertical Title and Text">
     <p:spTree>
       <p:nvGrpSpPr>
@@ -5569,7 +5523,7 @@
             <a:fld id="{39C41B7C-DC17-4ECC-A2D3-90661E3E8418}" type="datetimeFigureOut">
               <a:rPr lang="en-US" smtClean="0"/>
               <a:pPr/>
-              <a:t>10/7/2011</a:t>
+              <a:t>10/12/11</a:t>
             </a:fld>
             <a:endParaRPr lang="en-US"/>
           </a:p>
@@ -5634,7 +5588,7 @@
 </file>
 
 <file path=ppt/slideLayouts/slideLayout22.xml><?xml version="1.0" encoding="utf-8"?>
-<p:sldLayout xmlns:a="http://schemas.openxmlformats.org/drawingml/2006/main" xmlns:r="http://schemas.openxmlformats.org/officeDocument/2006/relationships" xmlns:p="http://schemas.openxmlformats.org/presentationml/2006/main" showMasterSp="0" type="title" preserve="1">
+<p:sldLayout xmlns:a="http://schemas.openxmlformats.org/drawingml/2006/main" xmlns:r="http://schemas.openxmlformats.org/officeDocument/2006/relationships" xmlns:mc="http://schemas.openxmlformats.org/markup-compatibility/2006" xmlns:mv="urn:schemas-microsoft-com:mac:vml" xmlns:p="http://schemas.openxmlformats.org/presentationml/2006/main" mc:Ignorable="mv" mc:PreserveAttributes="mv:*" showMasterSp="0" type="title" preserve="1">
   <p:cSld name="Title Slide">
     <p:bg>
       <p:bgRef idx="1001">
@@ -5776,7 +5730,7 @@
             <a:fld id="{39C41B7C-DC17-4ECC-A2D3-90661E3E8418}" type="datetimeFigureOut">
               <a:rPr lang="en-US" smtClean="0"/>
               <a:pPr/>
-              <a:t>10/7/2011</a:t>
+              <a:t>10/12/11</a:t>
             </a:fld>
             <a:endParaRPr lang="en-US"/>
           </a:p>
@@ -6545,7 +6499,7 @@
 </file>
 
 <file path=ppt/slideLayouts/slideLayout23.xml><?xml version="1.0" encoding="utf-8"?>
-<p:sldLayout xmlns:a="http://schemas.openxmlformats.org/drawingml/2006/main" xmlns:r="http://schemas.openxmlformats.org/officeDocument/2006/relationships" xmlns:p="http://schemas.openxmlformats.org/presentationml/2006/main" type="obj" preserve="1">
+<p:sldLayout xmlns:a="http://schemas.openxmlformats.org/drawingml/2006/main" xmlns:r="http://schemas.openxmlformats.org/officeDocument/2006/relationships" xmlns:mc="http://schemas.openxmlformats.org/markup-compatibility/2006" xmlns:mv="urn:schemas-microsoft-com:mac:vml" xmlns:p="http://schemas.openxmlformats.org/presentationml/2006/main" mc:Ignorable="mv" mc:PreserveAttributes="mv:*" type="obj" preserve="1">
   <p:cSld name="Title and Content">
     <p:spTree>
       <p:nvGrpSpPr>
@@ -6659,7 +6613,7 @@
             <a:fld id="{39C41B7C-DC17-4ECC-A2D3-90661E3E8418}" type="datetimeFigureOut">
               <a:rPr lang="en-US" smtClean="0"/>
               <a:pPr/>
-              <a:t>10/7/2011</a:t>
+              <a:t>10/12/11</a:t>
             </a:fld>
             <a:endParaRPr lang="en-US"/>
           </a:p>
@@ -6724,7 +6678,7 @@
 </file>
 
 <file path=ppt/slideLayouts/slideLayout24.xml><?xml version="1.0" encoding="utf-8"?>
-<p:sldLayout xmlns:a="http://schemas.openxmlformats.org/drawingml/2006/main" xmlns:r="http://schemas.openxmlformats.org/officeDocument/2006/relationships" xmlns:p="http://schemas.openxmlformats.org/presentationml/2006/main" showMasterSp="0" type="secHead" preserve="1">
+<p:sldLayout xmlns:a="http://schemas.openxmlformats.org/drawingml/2006/main" xmlns:r="http://schemas.openxmlformats.org/officeDocument/2006/relationships" xmlns:mc="http://schemas.openxmlformats.org/markup-compatibility/2006" xmlns:mv="urn:schemas-microsoft-com:mac:vml" xmlns:p="http://schemas.openxmlformats.org/presentationml/2006/main" mc:Ignorable="mv" mc:PreserveAttributes="mv:*" showMasterSp="0" type="secHead" preserve="1">
   <p:cSld name="Section Header">
     <p:bg>
       <p:bgRef idx="1001">
@@ -6878,7 +6832,7 @@
             <a:fld id="{39C41B7C-DC17-4ECC-A2D3-90661E3E8418}" type="datetimeFigureOut">
               <a:rPr lang="en-US" smtClean="0"/>
               <a:pPr/>
-              <a:t>10/7/2011</a:t>
+              <a:t>10/12/11</a:t>
             </a:fld>
             <a:endParaRPr lang="en-US"/>
           </a:p>
@@ -7644,7 +7598,7 @@
 </file>
 
 <file path=ppt/slideLayouts/slideLayout25.xml><?xml version="1.0" encoding="utf-8"?>
-<p:sldLayout xmlns:a="http://schemas.openxmlformats.org/drawingml/2006/main" xmlns:r="http://schemas.openxmlformats.org/officeDocument/2006/relationships" xmlns:p="http://schemas.openxmlformats.org/presentationml/2006/main" type="twoObj" preserve="1">
+<p:sldLayout xmlns:a="http://schemas.openxmlformats.org/drawingml/2006/main" xmlns:r="http://schemas.openxmlformats.org/officeDocument/2006/relationships" xmlns:mc="http://schemas.openxmlformats.org/markup-compatibility/2006" xmlns:mv="urn:schemas-microsoft-com:mac:vml" xmlns:p="http://schemas.openxmlformats.org/presentationml/2006/main" mc:Ignorable="mv" mc:PreserveAttributes="mv:*" type="twoObj" preserve="1">
   <p:cSld name="Two Content">
     <p:spTree>
       <p:nvGrpSpPr>
@@ -7701,7 +7655,7 @@
             <a:fld id="{39C41B7C-DC17-4ECC-A2D3-90661E3E8418}" type="datetimeFigureOut">
               <a:rPr lang="en-US" smtClean="0"/>
               <a:pPr/>
-              <a:t>10/7/2011</a:t>
+              <a:t>10/12/11</a:t>
             </a:fld>
             <a:endParaRPr lang="en-US"/>
           </a:p>
@@ -7880,7 +7834,7 @@
 </file>
 
 <file path=ppt/slideLayouts/slideLayout26.xml><?xml version="1.0" encoding="utf-8"?>
-<p:sldLayout xmlns:a="http://schemas.openxmlformats.org/drawingml/2006/main" xmlns:r="http://schemas.openxmlformats.org/officeDocument/2006/relationships" xmlns:p="http://schemas.openxmlformats.org/presentationml/2006/main" type="twoTxTwoObj" preserve="1">
+<p:sldLayout xmlns:a="http://schemas.openxmlformats.org/drawingml/2006/main" xmlns:r="http://schemas.openxmlformats.org/officeDocument/2006/relationships" xmlns:mc="http://schemas.openxmlformats.org/markup-compatibility/2006" xmlns:mv="urn:schemas-microsoft-com:mac:vml" xmlns:p="http://schemas.openxmlformats.org/presentationml/2006/main" mc:Ignorable="mv" mc:PreserveAttributes="mv:*" type="twoTxTwoObj" preserve="1">
   <p:cSld name="Comparison">
     <p:spTree>
       <p:nvGrpSpPr>
@@ -7946,7 +7900,7 @@
             <a:fld id="{39C41B7C-DC17-4ECC-A2D3-90661E3E8418}" type="datetimeFigureOut">
               <a:rPr lang="en-US" smtClean="0"/>
               <a:pPr/>
-              <a:t>10/7/2011</a:t>
+              <a:t>10/12/11</a:t>
             </a:fld>
             <a:endParaRPr lang="en-US"/>
           </a:p>
@@ -8221,7 +8175,7 @@
 </file>
 
 <file path=ppt/slideLayouts/slideLayout27.xml><?xml version="1.0" encoding="utf-8"?>
-<p:sldLayout xmlns:a="http://schemas.openxmlformats.org/drawingml/2006/main" xmlns:r="http://schemas.openxmlformats.org/officeDocument/2006/relationships" xmlns:p="http://schemas.openxmlformats.org/presentationml/2006/main" type="titleOnly" preserve="1">
+<p:sldLayout xmlns:a="http://schemas.openxmlformats.org/drawingml/2006/main" xmlns:r="http://schemas.openxmlformats.org/officeDocument/2006/relationships" xmlns:mc="http://schemas.openxmlformats.org/markup-compatibility/2006" xmlns:mv="urn:schemas-microsoft-com:mac:vml" xmlns:p="http://schemas.openxmlformats.org/presentationml/2006/main" mc:Ignorable="mv" mc:PreserveAttributes="mv:*" type="titleOnly" preserve="1">
   <p:cSld name="Title Only">
     <p:spTree>
       <p:nvGrpSpPr>
@@ -8278,7 +8232,7 @@
             <a:fld id="{39C41B7C-DC17-4ECC-A2D3-90661E3E8418}" type="datetimeFigureOut">
               <a:rPr lang="en-US" smtClean="0"/>
               <a:pPr/>
-              <a:t>10/7/2011</a:t>
+              <a:t>10/12/11</a:t>
             </a:fld>
             <a:endParaRPr lang="en-US"/>
           </a:p>
@@ -8343,7 +8297,7 @@
 </file>
 
 <file path=ppt/slideLayouts/slideLayout28.xml><?xml version="1.0" encoding="utf-8"?>
-<p:sldLayout xmlns:a="http://schemas.openxmlformats.org/drawingml/2006/main" xmlns:r="http://schemas.openxmlformats.org/officeDocument/2006/relationships" xmlns:p="http://schemas.openxmlformats.org/presentationml/2006/main" type="blank" preserve="1">
+<p:sldLayout xmlns:a="http://schemas.openxmlformats.org/drawingml/2006/main" xmlns:r="http://schemas.openxmlformats.org/officeDocument/2006/relationships" xmlns:mc="http://schemas.openxmlformats.org/markup-compatibility/2006" xmlns:mv="urn:schemas-microsoft-com:mac:vml" xmlns:p="http://schemas.openxmlformats.org/presentationml/2006/main" mc:Ignorable="mv" mc:PreserveAttributes="mv:*" type="blank" preserve="1">
   <p:cSld name="Blank">
     <p:spTree>
       <p:nvGrpSpPr>
@@ -8377,7 +8331,7 @@
             <a:fld id="{39C41B7C-DC17-4ECC-A2D3-90661E3E8418}" type="datetimeFigureOut">
               <a:rPr lang="en-US" smtClean="0"/>
               <a:pPr/>
-              <a:t>10/7/2011</a:t>
+              <a:t>10/12/11</a:t>
             </a:fld>
             <a:endParaRPr lang="en-US"/>
           </a:p>
@@ -8442,7 +8396,7 @@
 </file>
 
 <file path=ppt/slideLayouts/slideLayout29.xml><?xml version="1.0" encoding="utf-8"?>
-<p:sldLayout xmlns:a="http://schemas.openxmlformats.org/drawingml/2006/main" xmlns:r="http://schemas.openxmlformats.org/officeDocument/2006/relationships" xmlns:p="http://schemas.openxmlformats.org/presentationml/2006/main" showMasterSp="0" type="objTx" preserve="1">
+<p:sldLayout xmlns:a="http://schemas.openxmlformats.org/drawingml/2006/main" xmlns:r="http://schemas.openxmlformats.org/officeDocument/2006/relationships" xmlns:mc="http://schemas.openxmlformats.org/markup-compatibility/2006" xmlns:mv="urn:schemas-microsoft-com:mac:vml" xmlns:p="http://schemas.openxmlformats.org/presentationml/2006/main" mc:Ignorable="mv" mc:PreserveAttributes="mv:*" showMasterSp="0" type="objTx" preserve="1">
   <p:cSld name="Content with Caption">
     <p:bg>
       <p:bgRef idx="1001">
@@ -8903,7 +8857,7 @@
             <a:fld id="{39C41B7C-DC17-4ECC-A2D3-90661E3E8418}" type="datetimeFigureOut">
               <a:rPr lang="en-US" smtClean="0"/>
               <a:pPr/>
-              <a:t>10/7/2011</a:t>
+              <a:t>10/12/11</a:t>
             </a:fld>
             <a:endParaRPr lang="en-US"/>
           </a:p>
@@ -8968,7 +8922,7 @@
 </file>
 
 <file path=ppt/slideLayouts/slideLayout3.xml><?xml version="1.0" encoding="utf-8"?>
-<p:sldLayout xmlns:a="http://schemas.openxmlformats.org/drawingml/2006/main" xmlns:r="http://schemas.openxmlformats.org/officeDocument/2006/relationships" xmlns:p="http://schemas.openxmlformats.org/presentationml/2006/main" preserve="1">
+<p:sldLayout xmlns:a="http://schemas.openxmlformats.org/drawingml/2006/main" xmlns:r="http://schemas.openxmlformats.org/officeDocument/2006/relationships" xmlns:mc="http://schemas.openxmlformats.org/markup-compatibility/2006" xmlns:mv="urn:schemas-microsoft-com:mac:vml" xmlns:p="http://schemas.openxmlformats.org/presentationml/2006/main" mc:Ignorable="mv" mc:PreserveAttributes="mv:*" preserve="1">
   <p:cSld name="Section Header">
     <p:spTree>
       <p:nvGrpSpPr>
@@ -8997,14 +8951,12 @@
         <p:spPr/>
         <p:txBody>
           <a:bodyPr rtlCol="0"/>
-          <a:lstStyle>
-            <a:extLst/>
-          </a:lstStyle>
+          <a:lstStyle/>
           <a:p>
             <a:fld id="{FC4E1F84-22AE-408B-8AEE-B5F39E910140}" type="datetimeFigureOut">
               <a:rPr lang="en-US" smtClean="0"/>
               <a:pPr/>
-              <a:t>10/7/2011</a:t>
+              <a:t>10/12/11</a:t>
             </a:fld>
             <a:endParaRPr lang="en-US"/>
           </a:p>
@@ -9023,9 +8975,7 @@
         <p:spPr/>
         <p:txBody>
           <a:bodyPr rtlCol="0"/>
-          <a:lstStyle>
-            <a:extLst/>
-          </a:lstStyle>
+          <a:lstStyle/>
           <a:p>
             <a:endParaRPr lang="en-US"/>
           </a:p>
@@ -9044,9 +8994,7 @@
         <p:spPr/>
         <p:txBody>
           <a:bodyPr rtlCol="0"/>
-          <a:lstStyle>
-            <a:extLst/>
-          </a:lstStyle>
+          <a:lstStyle/>
           <a:p>
             <a:fld id="{700068D3-86B4-4F8E-B6AD-2596F9145F76}" type="slidenum">
               <a:rPr lang="en-US" smtClean="0"/>
@@ -9116,7 +9064,6 @@
                 <a:cs typeface="+mj-cs"/>
               </a:defRPr>
             </a:lvl1pPr>
-            <a:extLst/>
           </a:lstStyle>
           <a:p>
             <a:r>
@@ -9143,7 +9090,7 @@
 </file>
 
 <file path=ppt/slideLayouts/slideLayout30.xml><?xml version="1.0" encoding="utf-8"?>
-<p:sldLayout xmlns:a="http://schemas.openxmlformats.org/drawingml/2006/main" xmlns:r="http://schemas.openxmlformats.org/officeDocument/2006/relationships" xmlns:p="http://schemas.openxmlformats.org/presentationml/2006/main" showMasterSp="0" type="picTx" preserve="1">
+<p:sldLayout xmlns:a="http://schemas.openxmlformats.org/drawingml/2006/main" xmlns:r="http://schemas.openxmlformats.org/officeDocument/2006/relationships" xmlns:mc="http://schemas.openxmlformats.org/markup-compatibility/2006" xmlns:mv="urn:schemas-microsoft-com:mac:vml" xmlns:p="http://schemas.openxmlformats.org/presentationml/2006/main" mc:Ignorable="mv" mc:PreserveAttributes="mv:*" showMasterSp="0" type="picTx" preserve="1">
   <p:cSld name="Picture with Caption">
     <p:spTree>
       <p:nvGrpSpPr>
@@ -9598,7 +9545,7 @@
             <a:fld id="{39C41B7C-DC17-4ECC-A2D3-90661E3E8418}" type="datetimeFigureOut">
               <a:rPr lang="en-US" smtClean="0"/>
               <a:pPr/>
-              <a:t>10/7/2011</a:t>
+              <a:t>10/12/11</a:t>
             </a:fld>
             <a:endParaRPr lang="en-US"/>
           </a:p>
@@ -9663,7 +9610,7 @@
 </file>
 
 <file path=ppt/slideLayouts/slideLayout31.xml><?xml version="1.0" encoding="utf-8"?>
-<p:sldLayout xmlns:a="http://schemas.openxmlformats.org/drawingml/2006/main" xmlns:r="http://schemas.openxmlformats.org/officeDocument/2006/relationships" xmlns:p="http://schemas.openxmlformats.org/presentationml/2006/main" type="vertTx" preserve="1">
+<p:sldLayout xmlns:a="http://schemas.openxmlformats.org/drawingml/2006/main" xmlns:r="http://schemas.openxmlformats.org/officeDocument/2006/relationships" xmlns:mc="http://schemas.openxmlformats.org/markup-compatibility/2006" xmlns:mv="urn:schemas-microsoft-com:mac:vml" xmlns:p="http://schemas.openxmlformats.org/presentationml/2006/main" mc:Ignorable="mv" mc:PreserveAttributes="mv:*" type="vertTx" preserve="1">
   <p:cSld name="Title and Vertical Text">
     <p:spTree>
       <p:nvGrpSpPr>
@@ -9772,7 +9719,7 @@
             <a:fld id="{39C41B7C-DC17-4ECC-A2D3-90661E3E8418}" type="datetimeFigureOut">
               <a:rPr lang="en-US" smtClean="0"/>
               <a:pPr/>
-              <a:t>10/7/2011</a:t>
+              <a:t>10/12/11</a:t>
             </a:fld>
             <a:endParaRPr lang="en-US"/>
           </a:p>
@@ -9837,7 +9784,7 @@
 </file>
 
 <file path=ppt/slideLayouts/slideLayout32.xml><?xml version="1.0" encoding="utf-8"?>
-<p:sldLayout xmlns:a="http://schemas.openxmlformats.org/drawingml/2006/main" xmlns:r="http://schemas.openxmlformats.org/officeDocument/2006/relationships" xmlns:p="http://schemas.openxmlformats.org/presentationml/2006/main" type="vertTitleAndTx" preserve="1">
+<p:sldLayout xmlns:a="http://schemas.openxmlformats.org/drawingml/2006/main" xmlns:r="http://schemas.openxmlformats.org/officeDocument/2006/relationships" xmlns:mc="http://schemas.openxmlformats.org/markup-compatibility/2006" xmlns:mv="urn:schemas-microsoft-com:mac:vml" xmlns:p="http://schemas.openxmlformats.org/presentationml/2006/main" mc:Ignorable="mv" mc:PreserveAttributes="mv:*" type="vertTitleAndTx" preserve="1">
   <p:cSld name="Vertical Title and Text">
     <p:spTree>
       <p:nvGrpSpPr>
@@ -9956,7 +9903,7 @@
             <a:fld id="{39C41B7C-DC17-4ECC-A2D3-90661E3E8418}" type="datetimeFigureOut">
               <a:rPr lang="en-US" smtClean="0"/>
               <a:pPr/>
-              <a:t>10/7/2011</a:t>
+              <a:t>10/12/11</a:t>
             </a:fld>
             <a:endParaRPr lang="en-US"/>
           </a:p>
@@ -10021,7 +9968,7 @@
 </file>
 
 <file path=ppt/slideLayouts/slideLayout33.xml><?xml version="1.0" encoding="utf-8"?>
-<p:sldLayout xmlns:a="http://schemas.openxmlformats.org/drawingml/2006/main" xmlns:r="http://schemas.openxmlformats.org/officeDocument/2006/relationships" xmlns:p="http://schemas.openxmlformats.org/presentationml/2006/main" showMasterSp="0" type="title" preserve="1">
+<p:sldLayout xmlns:a="http://schemas.openxmlformats.org/drawingml/2006/main" xmlns:r="http://schemas.openxmlformats.org/officeDocument/2006/relationships" xmlns:mc="http://schemas.openxmlformats.org/markup-compatibility/2006" xmlns:mv="urn:schemas-microsoft-com:mac:vml" xmlns:p="http://schemas.openxmlformats.org/presentationml/2006/main" mc:Ignorable="mv" mc:PreserveAttributes="mv:*" showMasterSp="0" type="title" preserve="1">
   <p:cSld name="Title Slide">
     <p:bg>
       <p:bgRef idx="1001">
@@ -10163,7 +10110,7 @@
             <a:fld id="{39C41B7C-DC17-4ECC-A2D3-90661E3E8418}" type="datetimeFigureOut">
               <a:rPr lang="en-US" smtClean="0"/>
               <a:pPr/>
-              <a:t>10/7/2011</a:t>
+              <a:t>10/12/11</a:t>
             </a:fld>
             <a:endParaRPr lang="en-US"/>
           </a:p>
@@ -10932,7 +10879,7 @@
 </file>
 
 <file path=ppt/slideLayouts/slideLayout34.xml><?xml version="1.0" encoding="utf-8"?>
-<p:sldLayout xmlns:a="http://schemas.openxmlformats.org/drawingml/2006/main" xmlns:r="http://schemas.openxmlformats.org/officeDocument/2006/relationships" xmlns:p="http://schemas.openxmlformats.org/presentationml/2006/main" type="obj" preserve="1">
+<p:sldLayout xmlns:a="http://schemas.openxmlformats.org/drawingml/2006/main" xmlns:r="http://schemas.openxmlformats.org/officeDocument/2006/relationships" xmlns:mc="http://schemas.openxmlformats.org/markup-compatibility/2006" xmlns:mv="urn:schemas-microsoft-com:mac:vml" xmlns:p="http://schemas.openxmlformats.org/presentationml/2006/main" mc:Ignorable="mv" mc:PreserveAttributes="mv:*" type="obj" preserve="1">
   <p:cSld name="Title and Content">
     <p:spTree>
       <p:nvGrpSpPr>
@@ -11046,7 +10993,7 @@
             <a:fld id="{39C41B7C-DC17-4ECC-A2D3-90661E3E8418}" type="datetimeFigureOut">
               <a:rPr lang="en-US" smtClean="0"/>
               <a:pPr/>
-              <a:t>10/7/2011</a:t>
+              <a:t>10/12/11</a:t>
             </a:fld>
             <a:endParaRPr lang="en-US"/>
           </a:p>
@@ -11111,7 +11058,7 @@
 </file>
 
 <file path=ppt/slideLayouts/slideLayout35.xml><?xml version="1.0" encoding="utf-8"?>
-<p:sldLayout xmlns:a="http://schemas.openxmlformats.org/drawingml/2006/main" xmlns:r="http://schemas.openxmlformats.org/officeDocument/2006/relationships" xmlns:p="http://schemas.openxmlformats.org/presentationml/2006/main" showMasterSp="0" type="secHead" preserve="1">
+<p:sldLayout xmlns:a="http://schemas.openxmlformats.org/drawingml/2006/main" xmlns:r="http://schemas.openxmlformats.org/officeDocument/2006/relationships" xmlns:mc="http://schemas.openxmlformats.org/markup-compatibility/2006" xmlns:mv="urn:schemas-microsoft-com:mac:vml" xmlns:p="http://schemas.openxmlformats.org/presentationml/2006/main" mc:Ignorable="mv" mc:PreserveAttributes="mv:*" showMasterSp="0" type="secHead" preserve="1">
   <p:cSld name="Section Header">
     <p:bg>
       <p:bgRef idx="1001">
@@ -11265,7 +11212,7 @@
             <a:fld id="{39C41B7C-DC17-4ECC-A2D3-90661E3E8418}" type="datetimeFigureOut">
               <a:rPr lang="en-US" smtClean="0"/>
               <a:pPr/>
-              <a:t>10/7/2011</a:t>
+              <a:t>10/12/11</a:t>
             </a:fld>
             <a:endParaRPr lang="en-US"/>
           </a:p>
@@ -12031,7 +11978,7 @@
 </file>
 
 <file path=ppt/slideLayouts/slideLayout36.xml><?xml version="1.0" encoding="utf-8"?>
-<p:sldLayout xmlns:a="http://schemas.openxmlformats.org/drawingml/2006/main" xmlns:r="http://schemas.openxmlformats.org/officeDocument/2006/relationships" xmlns:p="http://schemas.openxmlformats.org/presentationml/2006/main" type="twoObj" preserve="1">
+<p:sldLayout xmlns:a="http://schemas.openxmlformats.org/drawingml/2006/main" xmlns:r="http://schemas.openxmlformats.org/officeDocument/2006/relationships" xmlns:mc="http://schemas.openxmlformats.org/markup-compatibility/2006" xmlns:mv="urn:schemas-microsoft-com:mac:vml" xmlns:p="http://schemas.openxmlformats.org/presentationml/2006/main" mc:Ignorable="mv" mc:PreserveAttributes="mv:*" type="twoObj" preserve="1">
   <p:cSld name="Two Content">
     <p:spTree>
       <p:nvGrpSpPr>
@@ -12088,7 +12035,7 @@
             <a:fld id="{39C41B7C-DC17-4ECC-A2D3-90661E3E8418}" type="datetimeFigureOut">
               <a:rPr lang="en-US" smtClean="0"/>
               <a:pPr/>
-              <a:t>10/7/2011</a:t>
+              <a:t>10/12/11</a:t>
             </a:fld>
             <a:endParaRPr lang="en-US"/>
           </a:p>
@@ -12267,7 +12214,7 @@
 </file>
 
 <file path=ppt/slideLayouts/slideLayout37.xml><?xml version="1.0" encoding="utf-8"?>
-<p:sldLayout xmlns:a="http://schemas.openxmlformats.org/drawingml/2006/main" xmlns:r="http://schemas.openxmlformats.org/officeDocument/2006/relationships" xmlns:p="http://schemas.openxmlformats.org/presentationml/2006/main" type="twoTxTwoObj" preserve="1">
+<p:sldLayout xmlns:a="http://schemas.openxmlformats.org/drawingml/2006/main" xmlns:r="http://schemas.openxmlformats.org/officeDocument/2006/relationships" xmlns:mc="http://schemas.openxmlformats.org/markup-compatibility/2006" xmlns:mv="urn:schemas-microsoft-com:mac:vml" xmlns:p="http://schemas.openxmlformats.org/presentationml/2006/main" mc:Ignorable="mv" mc:PreserveAttributes="mv:*" type="twoTxTwoObj" preserve="1">
   <p:cSld name="Comparison">
     <p:spTree>
       <p:nvGrpSpPr>
@@ -12333,7 +12280,7 @@
             <a:fld id="{39C41B7C-DC17-4ECC-A2D3-90661E3E8418}" type="datetimeFigureOut">
               <a:rPr lang="en-US" smtClean="0"/>
               <a:pPr/>
-              <a:t>10/7/2011</a:t>
+              <a:t>10/12/11</a:t>
             </a:fld>
             <a:endParaRPr lang="en-US"/>
           </a:p>
@@ -12608,7 +12555,7 @@
 </file>
 
 <file path=ppt/slideLayouts/slideLayout38.xml><?xml version="1.0" encoding="utf-8"?>
-<p:sldLayout xmlns:a="http://schemas.openxmlformats.org/drawingml/2006/main" xmlns:r="http://schemas.openxmlformats.org/officeDocument/2006/relationships" xmlns:p="http://schemas.openxmlformats.org/presentationml/2006/main" type="titleOnly" preserve="1">
+<p:sldLayout xmlns:a="http://schemas.openxmlformats.org/drawingml/2006/main" xmlns:r="http://schemas.openxmlformats.org/officeDocument/2006/relationships" xmlns:mc="http://schemas.openxmlformats.org/markup-compatibility/2006" xmlns:mv="urn:schemas-microsoft-com:mac:vml" xmlns:p="http://schemas.openxmlformats.org/presentationml/2006/main" mc:Ignorable="mv" mc:PreserveAttributes="mv:*" type="titleOnly" preserve="1">
   <p:cSld name="Title Only">
     <p:spTree>
       <p:nvGrpSpPr>
@@ -12665,7 +12612,7 @@
             <a:fld id="{39C41B7C-DC17-4ECC-A2D3-90661E3E8418}" type="datetimeFigureOut">
               <a:rPr lang="en-US" smtClean="0"/>
               <a:pPr/>
-              <a:t>10/7/2011</a:t>
+              <a:t>10/12/11</a:t>
             </a:fld>
             <a:endParaRPr lang="en-US"/>
           </a:p>
@@ -12730,7 +12677,7 @@
 </file>
 
 <file path=ppt/slideLayouts/slideLayout39.xml><?xml version="1.0" encoding="utf-8"?>
-<p:sldLayout xmlns:a="http://schemas.openxmlformats.org/drawingml/2006/main" xmlns:r="http://schemas.openxmlformats.org/officeDocument/2006/relationships" xmlns:p="http://schemas.openxmlformats.org/presentationml/2006/main" type="blank" preserve="1">
+<p:sldLayout xmlns:a="http://schemas.openxmlformats.org/drawingml/2006/main" xmlns:r="http://schemas.openxmlformats.org/officeDocument/2006/relationships" xmlns:mc="http://schemas.openxmlformats.org/markup-compatibility/2006" xmlns:mv="urn:schemas-microsoft-com:mac:vml" xmlns:p="http://schemas.openxmlformats.org/presentationml/2006/main" mc:Ignorable="mv" mc:PreserveAttributes="mv:*" type="blank" preserve="1">
   <p:cSld name="Blank">
     <p:spTree>
       <p:nvGrpSpPr>
@@ -12764,7 +12711,7 @@
             <a:fld id="{39C41B7C-DC17-4ECC-A2D3-90661E3E8418}" type="datetimeFigureOut">
               <a:rPr lang="en-US" smtClean="0"/>
               <a:pPr/>
-              <a:t>10/7/2011</a:t>
+              <a:t>10/12/11</a:t>
             </a:fld>
             <a:endParaRPr lang="en-US"/>
           </a:p>
@@ -12829,7 +12776,7 @@
 </file>
 
 <file path=ppt/slideLayouts/slideLayout4.xml><?xml version="1.0" encoding="utf-8"?>
-<p:sldLayout xmlns:a="http://schemas.openxmlformats.org/drawingml/2006/main" xmlns:r="http://schemas.openxmlformats.org/officeDocument/2006/relationships" xmlns:p="http://schemas.openxmlformats.org/presentationml/2006/main" preserve="1">
+<p:sldLayout xmlns:a="http://schemas.openxmlformats.org/drawingml/2006/main" xmlns:r="http://schemas.openxmlformats.org/officeDocument/2006/relationships" xmlns:mc="http://schemas.openxmlformats.org/markup-compatibility/2006" xmlns:mv="urn:schemas-microsoft-com:mac:vml" xmlns:p="http://schemas.openxmlformats.org/presentationml/2006/main" mc:Ignorable="mv" mc:PreserveAttributes="mv:*" preserve="1">
   <p:cSld name="Simple Question &amp; Answer">
     <p:spTree>
       <p:nvGrpSpPr>
@@ -12862,13 +12809,12 @@
             <a:lvl1pPr algn="r">
               <a:defRPr/>
             </a:lvl1pPr>
-            <a:extLst/>
           </a:lstStyle>
           <a:p>
             <a:fld id="{FC4E1F84-22AE-408B-8AEE-B5F39E910140}" type="datetimeFigureOut">
               <a:rPr lang="en-US" smtClean="0"/>
               <a:pPr/>
-              <a:t>10/7/2011</a:t>
+              <a:t>10/12/11</a:t>
             </a:fld>
             <a:endParaRPr lang="en-US"/>
           </a:p>
@@ -12887,9 +12833,7 @@
         <p:spPr/>
         <p:txBody>
           <a:bodyPr vert="horz"/>
-          <a:lstStyle>
-            <a:extLst/>
-          </a:lstStyle>
+          <a:lstStyle/>
           <a:p>
             <a:endParaRPr lang="en-US"/>
           </a:p>
@@ -12908,9 +12852,7 @@
         <p:spPr/>
         <p:txBody>
           <a:bodyPr vert="horz"/>
-          <a:lstStyle>
-            <a:extLst/>
-          </a:lstStyle>
+          <a:lstStyle/>
           <a:p>
             <a:fld id="{700068D3-86B4-4F8E-B6AD-2596F9145F76}" type="slidenum">
               <a:rPr lang="en-US" smtClean="0"/>
@@ -12949,7 +12891,6 @@
                 </a:solidFill>
               </a:defRPr>
             </a:lvl1pPr>
-            <a:extLst/>
           </a:lstStyle>
           <a:p>
             <a:r>
@@ -13019,7 +12960,6 @@
                 <a:cs typeface="+mj-cs"/>
               </a:defRPr>
             </a:lvl1pPr>
-            <a:extLst/>
           </a:lstStyle>
           <a:p>
             <a:pPr lvl="0"/>
@@ -13315,7 +13255,7 @@
 </file>
 
 <file path=ppt/slideLayouts/slideLayout40.xml><?xml version="1.0" encoding="utf-8"?>
-<p:sldLayout xmlns:a="http://schemas.openxmlformats.org/drawingml/2006/main" xmlns:r="http://schemas.openxmlformats.org/officeDocument/2006/relationships" xmlns:p="http://schemas.openxmlformats.org/presentationml/2006/main" showMasterSp="0" type="objTx" preserve="1">
+<p:sldLayout xmlns:a="http://schemas.openxmlformats.org/drawingml/2006/main" xmlns:r="http://schemas.openxmlformats.org/officeDocument/2006/relationships" xmlns:mc="http://schemas.openxmlformats.org/markup-compatibility/2006" xmlns:mv="urn:schemas-microsoft-com:mac:vml" xmlns:p="http://schemas.openxmlformats.org/presentationml/2006/main" mc:Ignorable="mv" mc:PreserveAttributes="mv:*" showMasterSp="0" type="objTx" preserve="1">
   <p:cSld name="Content with Caption">
     <p:bg>
       <p:bgRef idx="1001">
@@ -13776,7 +13716,7 @@
             <a:fld id="{39C41B7C-DC17-4ECC-A2D3-90661E3E8418}" type="datetimeFigureOut">
               <a:rPr lang="en-US" smtClean="0"/>
               <a:pPr/>
-              <a:t>10/7/2011</a:t>
+              <a:t>10/12/11</a:t>
             </a:fld>
             <a:endParaRPr lang="en-US"/>
           </a:p>
@@ -13841,7 +13781,7 @@
 </file>
 
 <file path=ppt/slideLayouts/slideLayout41.xml><?xml version="1.0" encoding="utf-8"?>
-<p:sldLayout xmlns:a="http://schemas.openxmlformats.org/drawingml/2006/main" xmlns:r="http://schemas.openxmlformats.org/officeDocument/2006/relationships" xmlns:p="http://schemas.openxmlformats.org/presentationml/2006/main" showMasterSp="0" type="picTx" preserve="1">
+<p:sldLayout xmlns:a="http://schemas.openxmlformats.org/drawingml/2006/main" xmlns:r="http://schemas.openxmlformats.org/officeDocument/2006/relationships" xmlns:mc="http://schemas.openxmlformats.org/markup-compatibility/2006" xmlns:mv="urn:schemas-microsoft-com:mac:vml" xmlns:p="http://schemas.openxmlformats.org/presentationml/2006/main" mc:Ignorable="mv" mc:PreserveAttributes="mv:*" showMasterSp="0" type="picTx" preserve="1">
   <p:cSld name="Picture with Caption">
     <p:spTree>
       <p:nvGrpSpPr>
@@ -14296,7 +14236,7 @@
             <a:fld id="{39C41B7C-DC17-4ECC-A2D3-90661E3E8418}" type="datetimeFigureOut">
               <a:rPr lang="en-US" smtClean="0"/>
               <a:pPr/>
-              <a:t>10/7/2011</a:t>
+              <a:t>10/12/11</a:t>
             </a:fld>
             <a:endParaRPr lang="en-US"/>
           </a:p>
@@ -14361,7 +14301,7 @@
 </file>
 
 <file path=ppt/slideLayouts/slideLayout42.xml><?xml version="1.0" encoding="utf-8"?>
-<p:sldLayout xmlns:a="http://schemas.openxmlformats.org/drawingml/2006/main" xmlns:r="http://schemas.openxmlformats.org/officeDocument/2006/relationships" xmlns:p="http://schemas.openxmlformats.org/presentationml/2006/main" type="vertTx" preserve="1">
+<p:sldLayout xmlns:a="http://schemas.openxmlformats.org/drawingml/2006/main" xmlns:r="http://schemas.openxmlformats.org/officeDocument/2006/relationships" xmlns:mc="http://schemas.openxmlformats.org/markup-compatibility/2006" xmlns:mv="urn:schemas-microsoft-com:mac:vml" xmlns:p="http://schemas.openxmlformats.org/presentationml/2006/main" mc:Ignorable="mv" mc:PreserveAttributes="mv:*" type="vertTx" preserve="1">
   <p:cSld name="Title and Vertical Text">
     <p:spTree>
       <p:nvGrpSpPr>
@@ -14470,7 +14410,7 @@
             <a:fld id="{39C41B7C-DC17-4ECC-A2D3-90661E3E8418}" type="datetimeFigureOut">
               <a:rPr lang="en-US" smtClean="0"/>
               <a:pPr/>
-              <a:t>10/7/2011</a:t>
+              <a:t>10/12/11</a:t>
             </a:fld>
             <a:endParaRPr lang="en-US"/>
           </a:p>
@@ -14535,7 +14475,7 @@
 </file>
 
 <file path=ppt/slideLayouts/slideLayout43.xml><?xml version="1.0" encoding="utf-8"?>
-<p:sldLayout xmlns:a="http://schemas.openxmlformats.org/drawingml/2006/main" xmlns:r="http://schemas.openxmlformats.org/officeDocument/2006/relationships" xmlns:p="http://schemas.openxmlformats.org/presentationml/2006/main" type="vertTitleAndTx" preserve="1">
+<p:sldLayout xmlns:a="http://schemas.openxmlformats.org/drawingml/2006/main" xmlns:r="http://schemas.openxmlformats.org/officeDocument/2006/relationships" xmlns:mc="http://schemas.openxmlformats.org/markup-compatibility/2006" xmlns:mv="urn:schemas-microsoft-com:mac:vml" xmlns:p="http://schemas.openxmlformats.org/presentationml/2006/main" mc:Ignorable="mv" mc:PreserveAttributes="mv:*" type="vertTitleAndTx" preserve="1">
   <p:cSld name="Vertical Title and Text">
     <p:spTree>
       <p:nvGrpSpPr>
@@ -14654,7 +14594,7 @@
             <a:fld id="{39C41B7C-DC17-4ECC-A2D3-90661E3E8418}" type="datetimeFigureOut">
               <a:rPr lang="en-US" smtClean="0"/>
               <a:pPr/>
-              <a:t>10/7/2011</a:t>
+              <a:t>10/12/11</a:t>
             </a:fld>
             <a:endParaRPr lang="en-US"/>
           </a:p>
@@ -14719,7 +14659,7 @@
 </file>
 
 <file path=ppt/slideLayouts/slideLayout44.xml><?xml version="1.0" encoding="utf-8"?>
-<p:sldLayout xmlns:a="http://schemas.openxmlformats.org/drawingml/2006/main" xmlns:r="http://schemas.openxmlformats.org/officeDocument/2006/relationships" xmlns:p="http://schemas.openxmlformats.org/presentationml/2006/main" showMasterSp="0" type="title" preserve="1">
+<p:sldLayout xmlns:a="http://schemas.openxmlformats.org/drawingml/2006/main" xmlns:r="http://schemas.openxmlformats.org/officeDocument/2006/relationships" xmlns:mc="http://schemas.openxmlformats.org/markup-compatibility/2006" xmlns:mv="urn:schemas-microsoft-com:mac:vml" xmlns:p="http://schemas.openxmlformats.org/presentationml/2006/main" mc:Ignorable="mv" mc:PreserveAttributes="mv:*" showMasterSp="0" type="title" preserve="1">
   <p:cSld name="Title Slide">
     <p:bg>
       <p:bgRef idx="1001">
@@ -14861,7 +14801,7 @@
             <a:fld id="{39C41B7C-DC17-4ECC-A2D3-90661E3E8418}" type="datetimeFigureOut">
               <a:rPr lang="en-US" smtClean="0"/>
               <a:pPr/>
-              <a:t>10/7/2011</a:t>
+              <a:t>10/12/11</a:t>
             </a:fld>
             <a:endParaRPr lang="en-US"/>
           </a:p>
@@ -15630,7 +15570,7 @@
 </file>
 
 <file path=ppt/slideLayouts/slideLayout45.xml><?xml version="1.0" encoding="utf-8"?>
-<p:sldLayout xmlns:a="http://schemas.openxmlformats.org/drawingml/2006/main" xmlns:r="http://schemas.openxmlformats.org/officeDocument/2006/relationships" xmlns:p="http://schemas.openxmlformats.org/presentationml/2006/main" type="obj" preserve="1">
+<p:sldLayout xmlns:a="http://schemas.openxmlformats.org/drawingml/2006/main" xmlns:r="http://schemas.openxmlformats.org/officeDocument/2006/relationships" xmlns:mc="http://schemas.openxmlformats.org/markup-compatibility/2006" xmlns:mv="urn:schemas-microsoft-com:mac:vml" xmlns:p="http://schemas.openxmlformats.org/presentationml/2006/main" mc:Ignorable="mv" mc:PreserveAttributes="mv:*" type="obj" preserve="1">
   <p:cSld name="Title and Content">
     <p:spTree>
       <p:nvGrpSpPr>
@@ -15744,7 +15684,7 @@
             <a:fld id="{39C41B7C-DC17-4ECC-A2D3-90661E3E8418}" type="datetimeFigureOut">
               <a:rPr lang="en-US" smtClean="0"/>
               <a:pPr/>
-              <a:t>10/7/2011</a:t>
+              <a:t>10/12/11</a:t>
             </a:fld>
             <a:endParaRPr lang="en-US"/>
           </a:p>
@@ -15809,7 +15749,7 @@
 </file>
 
 <file path=ppt/slideLayouts/slideLayout46.xml><?xml version="1.0" encoding="utf-8"?>
-<p:sldLayout xmlns:a="http://schemas.openxmlformats.org/drawingml/2006/main" xmlns:r="http://schemas.openxmlformats.org/officeDocument/2006/relationships" xmlns:p="http://schemas.openxmlformats.org/presentationml/2006/main" showMasterSp="0" type="secHead" preserve="1">
+<p:sldLayout xmlns:a="http://schemas.openxmlformats.org/drawingml/2006/main" xmlns:r="http://schemas.openxmlformats.org/officeDocument/2006/relationships" xmlns:mc="http://schemas.openxmlformats.org/markup-compatibility/2006" xmlns:mv="urn:schemas-microsoft-com:mac:vml" xmlns:p="http://schemas.openxmlformats.org/presentationml/2006/main" mc:Ignorable="mv" mc:PreserveAttributes="mv:*" showMasterSp="0" type="secHead" preserve="1">
   <p:cSld name="Section Header">
     <p:bg>
       <p:bgRef idx="1001">
@@ -15963,7 +15903,7 @@
             <a:fld id="{39C41B7C-DC17-4ECC-A2D3-90661E3E8418}" type="datetimeFigureOut">
               <a:rPr lang="en-US" smtClean="0"/>
               <a:pPr/>
-              <a:t>10/7/2011</a:t>
+              <a:t>10/12/11</a:t>
             </a:fld>
             <a:endParaRPr lang="en-US"/>
           </a:p>
@@ -16729,7 +16669,7 @@
 </file>
 
 <file path=ppt/slideLayouts/slideLayout47.xml><?xml version="1.0" encoding="utf-8"?>
-<p:sldLayout xmlns:a="http://schemas.openxmlformats.org/drawingml/2006/main" xmlns:r="http://schemas.openxmlformats.org/officeDocument/2006/relationships" xmlns:p="http://schemas.openxmlformats.org/presentationml/2006/main" type="twoObj" preserve="1">
+<p:sldLayout xmlns:a="http://schemas.openxmlformats.org/drawingml/2006/main" xmlns:r="http://schemas.openxmlformats.org/officeDocument/2006/relationships" xmlns:mc="http://schemas.openxmlformats.org/markup-compatibility/2006" xmlns:mv="urn:schemas-microsoft-com:mac:vml" xmlns:p="http://schemas.openxmlformats.org/presentationml/2006/main" mc:Ignorable="mv" mc:PreserveAttributes="mv:*" type="twoObj" preserve="1">
   <p:cSld name="Two Content">
     <p:spTree>
       <p:nvGrpSpPr>
@@ -16786,7 +16726,7 @@
             <a:fld id="{39C41B7C-DC17-4ECC-A2D3-90661E3E8418}" type="datetimeFigureOut">
               <a:rPr lang="en-US" smtClean="0"/>
               <a:pPr/>
-              <a:t>10/7/2011</a:t>
+              <a:t>10/12/11</a:t>
             </a:fld>
             <a:endParaRPr lang="en-US"/>
           </a:p>
@@ -16965,7 +16905,7 @@
 </file>
 
 <file path=ppt/slideLayouts/slideLayout48.xml><?xml version="1.0" encoding="utf-8"?>
-<p:sldLayout xmlns:a="http://schemas.openxmlformats.org/drawingml/2006/main" xmlns:r="http://schemas.openxmlformats.org/officeDocument/2006/relationships" xmlns:p="http://schemas.openxmlformats.org/presentationml/2006/main" type="twoTxTwoObj" preserve="1">
+<p:sldLayout xmlns:a="http://schemas.openxmlformats.org/drawingml/2006/main" xmlns:r="http://schemas.openxmlformats.org/officeDocument/2006/relationships" xmlns:mc="http://schemas.openxmlformats.org/markup-compatibility/2006" xmlns:mv="urn:schemas-microsoft-com:mac:vml" xmlns:p="http://schemas.openxmlformats.org/presentationml/2006/main" mc:Ignorable="mv" mc:PreserveAttributes="mv:*" type="twoTxTwoObj" preserve="1">
   <p:cSld name="Comparison">
     <p:spTree>
       <p:nvGrpSpPr>
@@ -17031,7 +16971,7 @@
             <a:fld id="{39C41B7C-DC17-4ECC-A2D3-90661E3E8418}" type="datetimeFigureOut">
               <a:rPr lang="en-US" smtClean="0"/>
               <a:pPr/>
-              <a:t>10/7/2011</a:t>
+              <a:t>10/12/11</a:t>
             </a:fld>
             <a:endParaRPr lang="en-US"/>
           </a:p>
@@ -17306,7 +17246,7 @@
 </file>
 
 <file path=ppt/slideLayouts/slideLayout49.xml><?xml version="1.0" encoding="utf-8"?>
-<p:sldLayout xmlns:a="http://schemas.openxmlformats.org/drawingml/2006/main" xmlns:r="http://schemas.openxmlformats.org/officeDocument/2006/relationships" xmlns:p="http://schemas.openxmlformats.org/presentationml/2006/main" type="titleOnly" preserve="1">
+<p:sldLayout xmlns:a="http://schemas.openxmlformats.org/drawingml/2006/main" xmlns:r="http://schemas.openxmlformats.org/officeDocument/2006/relationships" xmlns:mc="http://schemas.openxmlformats.org/markup-compatibility/2006" xmlns:mv="urn:schemas-microsoft-com:mac:vml" xmlns:p="http://schemas.openxmlformats.org/presentationml/2006/main" mc:Ignorable="mv" mc:PreserveAttributes="mv:*" type="titleOnly" preserve="1">
   <p:cSld name="Title Only">
     <p:spTree>
       <p:nvGrpSpPr>
@@ -17363,7 +17303,7 @@
             <a:fld id="{39C41B7C-DC17-4ECC-A2D3-90661E3E8418}" type="datetimeFigureOut">
               <a:rPr lang="en-US" smtClean="0"/>
               <a:pPr/>
-              <a:t>10/7/2011</a:t>
+              <a:t>10/12/11</a:t>
             </a:fld>
             <a:endParaRPr lang="en-US"/>
           </a:p>
@@ -17428,7 +17368,7 @@
 </file>
 
 <file path=ppt/slideLayouts/slideLayout5.xml><?xml version="1.0" encoding="utf-8"?>
-<p:sldLayout xmlns:a="http://schemas.openxmlformats.org/drawingml/2006/main" xmlns:r="http://schemas.openxmlformats.org/officeDocument/2006/relationships" xmlns:p="http://schemas.openxmlformats.org/presentationml/2006/main" preserve="1">
+<p:sldLayout xmlns:a="http://schemas.openxmlformats.org/drawingml/2006/main" xmlns:r="http://schemas.openxmlformats.org/officeDocument/2006/relationships" xmlns:mc="http://schemas.openxmlformats.org/markup-compatibility/2006" xmlns:mv="urn:schemas-microsoft-com:mac:vml" xmlns:p="http://schemas.openxmlformats.org/presentationml/2006/main" mc:Ignorable="mv" mc:PreserveAttributes="mv:*" preserve="1">
   <p:cSld name="Detailed Question &amp; Answer">
     <p:spTree>
       <p:nvGrpSpPr>
@@ -17461,13 +17401,12 @@
             <a:lvl1pPr algn="r">
               <a:defRPr/>
             </a:lvl1pPr>
-            <a:extLst/>
           </a:lstStyle>
           <a:p>
             <a:fld id="{FC4E1F84-22AE-408B-8AEE-B5F39E910140}" type="datetimeFigureOut">
               <a:rPr lang="en-US" smtClean="0"/>
               <a:pPr/>
-              <a:t>10/7/2011</a:t>
+              <a:t>10/12/11</a:t>
             </a:fld>
             <a:endParaRPr lang="en-US"/>
           </a:p>
@@ -17486,9 +17425,7 @@
         <p:spPr/>
         <p:txBody>
           <a:bodyPr vert="horz"/>
-          <a:lstStyle>
-            <a:extLst/>
-          </a:lstStyle>
+          <a:lstStyle/>
           <a:p>
             <a:endParaRPr lang="en-US"/>
           </a:p>
@@ -17507,9 +17444,7 @@
         <p:spPr/>
         <p:txBody>
           <a:bodyPr vert="horz"/>
-          <a:lstStyle>
-            <a:extLst/>
-          </a:lstStyle>
+          <a:lstStyle/>
           <a:p>
             <a:fld id="{700068D3-86B4-4F8E-B6AD-2596F9145F76}" type="slidenum">
               <a:rPr lang="en-US" smtClean="0"/>
@@ -17548,7 +17483,6 @@
                 </a:solidFill>
               </a:defRPr>
             </a:lvl1pPr>
-            <a:extLst/>
           </a:lstStyle>
           <a:p>
             <a:r>
@@ -17618,7 +17552,6 @@
                 <a:cs typeface="+mj-cs"/>
               </a:defRPr>
             </a:lvl1pPr>
-            <a:extLst/>
           </a:lstStyle>
           <a:p>
             <a:pPr lvl="0"/>
@@ -17654,7 +17587,6 @@
               <a:buNone/>
               <a:defRPr i="1" baseline="0"/>
             </a:lvl1pPr>
-            <a:extLst/>
           </a:lstStyle>
           <a:p>
             <a:pPr lvl="0"/>
@@ -18045,7 +17977,7 @@
 </file>
 
 <file path=ppt/slideLayouts/slideLayout50.xml><?xml version="1.0" encoding="utf-8"?>
-<p:sldLayout xmlns:a="http://schemas.openxmlformats.org/drawingml/2006/main" xmlns:r="http://schemas.openxmlformats.org/officeDocument/2006/relationships" xmlns:p="http://schemas.openxmlformats.org/presentationml/2006/main" type="blank" preserve="1">
+<p:sldLayout xmlns:a="http://schemas.openxmlformats.org/drawingml/2006/main" xmlns:r="http://schemas.openxmlformats.org/officeDocument/2006/relationships" xmlns:mc="http://schemas.openxmlformats.org/markup-compatibility/2006" xmlns:mv="urn:schemas-microsoft-com:mac:vml" xmlns:p="http://schemas.openxmlformats.org/presentationml/2006/main" mc:Ignorable="mv" mc:PreserveAttributes="mv:*" type="blank" preserve="1">
   <p:cSld name="Blank">
     <p:spTree>
       <p:nvGrpSpPr>
@@ -18079,7 +18011,7 @@
             <a:fld id="{39C41B7C-DC17-4ECC-A2D3-90661E3E8418}" type="datetimeFigureOut">
               <a:rPr lang="en-US" smtClean="0"/>
               <a:pPr/>
-              <a:t>10/7/2011</a:t>
+              <a:t>10/12/11</a:t>
             </a:fld>
             <a:endParaRPr lang="en-US"/>
           </a:p>
@@ -18144,7 +18076,7 @@
 </file>
 
 <file path=ppt/slideLayouts/slideLayout51.xml><?xml version="1.0" encoding="utf-8"?>
-<p:sldLayout xmlns:a="http://schemas.openxmlformats.org/drawingml/2006/main" xmlns:r="http://schemas.openxmlformats.org/officeDocument/2006/relationships" xmlns:p="http://schemas.openxmlformats.org/presentationml/2006/main" showMasterSp="0" type="objTx" preserve="1">
+<p:sldLayout xmlns:a="http://schemas.openxmlformats.org/drawingml/2006/main" xmlns:r="http://schemas.openxmlformats.org/officeDocument/2006/relationships" xmlns:mc="http://schemas.openxmlformats.org/markup-compatibility/2006" xmlns:mv="urn:schemas-microsoft-com:mac:vml" xmlns:p="http://schemas.openxmlformats.org/presentationml/2006/main" mc:Ignorable="mv" mc:PreserveAttributes="mv:*" showMasterSp="0" type="objTx" preserve="1">
   <p:cSld name="Content with Caption">
     <p:bg>
       <p:bgRef idx="1001">
@@ -18605,7 +18537,7 @@
             <a:fld id="{39C41B7C-DC17-4ECC-A2D3-90661E3E8418}" type="datetimeFigureOut">
               <a:rPr lang="en-US" smtClean="0"/>
               <a:pPr/>
-              <a:t>10/7/2011</a:t>
+              <a:t>10/12/11</a:t>
             </a:fld>
             <a:endParaRPr lang="en-US"/>
           </a:p>
@@ -18670,7 +18602,7 @@
 </file>
 
 <file path=ppt/slideLayouts/slideLayout52.xml><?xml version="1.0" encoding="utf-8"?>
-<p:sldLayout xmlns:a="http://schemas.openxmlformats.org/drawingml/2006/main" xmlns:r="http://schemas.openxmlformats.org/officeDocument/2006/relationships" xmlns:p="http://schemas.openxmlformats.org/presentationml/2006/main" showMasterSp="0" type="picTx" preserve="1">
+<p:sldLayout xmlns:a="http://schemas.openxmlformats.org/drawingml/2006/main" xmlns:r="http://schemas.openxmlformats.org/officeDocument/2006/relationships" xmlns:mc="http://schemas.openxmlformats.org/markup-compatibility/2006" xmlns:mv="urn:schemas-microsoft-com:mac:vml" xmlns:p="http://schemas.openxmlformats.org/presentationml/2006/main" mc:Ignorable="mv" mc:PreserveAttributes="mv:*" showMasterSp="0" type="picTx" preserve="1">
   <p:cSld name="Picture with Caption">
     <p:spTree>
       <p:nvGrpSpPr>
@@ -19125,7 +19057,7 @@
             <a:fld id="{39C41B7C-DC17-4ECC-A2D3-90661E3E8418}" type="datetimeFigureOut">
               <a:rPr lang="en-US" smtClean="0"/>
               <a:pPr/>
-              <a:t>10/7/2011</a:t>
+              <a:t>10/12/11</a:t>
             </a:fld>
             <a:endParaRPr lang="en-US"/>
           </a:p>
@@ -19190,7 +19122,7 @@
 </file>
 
 <file path=ppt/slideLayouts/slideLayout53.xml><?xml version="1.0" encoding="utf-8"?>
-<p:sldLayout xmlns:a="http://schemas.openxmlformats.org/drawingml/2006/main" xmlns:r="http://schemas.openxmlformats.org/officeDocument/2006/relationships" xmlns:p="http://schemas.openxmlformats.org/presentationml/2006/main" type="vertTx" preserve="1">
+<p:sldLayout xmlns:a="http://schemas.openxmlformats.org/drawingml/2006/main" xmlns:r="http://schemas.openxmlformats.org/officeDocument/2006/relationships" xmlns:mc="http://schemas.openxmlformats.org/markup-compatibility/2006" xmlns:mv="urn:schemas-microsoft-com:mac:vml" xmlns:p="http://schemas.openxmlformats.org/presentationml/2006/main" mc:Ignorable="mv" mc:PreserveAttributes="mv:*" type="vertTx" preserve="1">
   <p:cSld name="Title and Vertical Text">
     <p:spTree>
       <p:nvGrpSpPr>
@@ -19299,7 +19231,7 @@
             <a:fld id="{39C41B7C-DC17-4ECC-A2D3-90661E3E8418}" type="datetimeFigureOut">
               <a:rPr lang="en-US" smtClean="0"/>
               <a:pPr/>
-              <a:t>10/7/2011</a:t>
+              <a:t>10/12/11</a:t>
             </a:fld>
             <a:endParaRPr lang="en-US"/>
           </a:p>
@@ -19364,7 +19296,7 @@
 </file>
 
 <file path=ppt/slideLayouts/slideLayout54.xml><?xml version="1.0" encoding="utf-8"?>
-<p:sldLayout xmlns:a="http://schemas.openxmlformats.org/drawingml/2006/main" xmlns:r="http://schemas.openxmlformats.org/officeDocument/2006/relationships" xmlns:p="http://schemas.openxmlformats.org/presentationml/2006/main" type="vertTitleAndTx" preserve="1">
+<p:sldLayout xmlns:a="http://schemas.openxmlformats.org/drawingml/2006/main" xmlns:r="http://schemas.openxmlformats.org/officeDocument/2006/relationships" xmlns:mc="http://schemas.openxmlformats.org/markup-compatibility/2006" xmlns:mv="urn:schemas-microsoft-com:mac:vml" xmlns:p="http://schemas.openxmlformats.org/presentationml/2006/main" mc:Ignorable="mv" mc:PreserveAttributes="mv:*" type="vertTitleAndTx" preserve="1">
   <p:cSld name="Vertical Title and Text">
     <p:spTree>
       <p:nvGrpSpPr>
@@ -19483,7 +19415,7 @@
             <a:fld id="{39C41B7C-DC17-4ECC-A2D3-90661E3E8418}" type="datetimeFigureOut">
               <a:rPr lang="en-US" smtClean="0"/>
               <a:pPr/>
-              <a:t>10/7/2011</a:t>
+              <a:t>10/12/11</a:t>
             </a:fld>
             <a:endParaRPr lang="en-US"/>
           </a:p>
@@ -19548,7 +19480,7 @@
 </file>
 
 <file path=ppt/slideLayouts/slideLayout55.xml><?xml version="1.0" encoding="utf-8"?>
-<p:sldLayout xmlns:a="http://schemas.openxmlformats.org/drawingml/2006/main" xmlns:r="http://schemas.openxmlformats.org/officeDocument/2006/relationships" xmlns:p="http://schemas.openxmlformats.org/presentationml/2006/main" showMasterSp="0" type="title" preserve="1">
+<p:sldLayout xmlns:a="http://schemas.openxmlformats.org/drawingml/2006/main" xmlns:r="http://schemas.openxmlformats.org/officeDocument/2006/relationships" xmlns:mc="http://schemas.openxmlformats.org/markup-compatibility/2006" xmlns:mv="urn:schemas-microsoft-com:mac:vml" xmlns:p="http://schemas.openxmlformats.org/presentationml/2006/main" mc:Ignorable="mv" mc:PreserveAttributes="mv:*" showMasterSp="0" type="title" preserve="1">
   <p:cSld name="Title Slide">
     <p:spTree>
       <p:nvGrpSpPr>
@@ -19627,9 +19559,7 @@
         </p:style>
         <p:txBody>
           <a:bodyPr anchor="ctr"/>
-          <a:lstStyle>
-            <a:extLst/>
-          </a:lstStyle>
+          <a:lstStyle/>
           <a:p>
             <a:pPr algn="ctr" eaLnBrk="1" latinLnBrk="0" hangingPunct="1"/>
             <a:endParaRPr kumimoji="0" lang="en-US"/>
@@ -19678,7 +19608,6 @@
                 </a:effectLst>
               </a:defRPr>
             </a:lvl1pPr>
-            <a:extLst/>
           </a:lstStyle>
           <a:p>
             <a:r>
@@ -19740,7 +19669,6 @@
             <a:lvl9pPr marL="3657600" indent="0" algn="ctr">
               <a:buNone/>
             </a:lvl9pPr>
-            <a:extLst/>
           </a:lstStyle>
           <a:p>
             <a:r>
@@ -19842,9 +19770,7 @@
           </p:spPr>
           <p:txBody>
             <a:bodyPr vert="horz" wrap="square" lIns="91440" tIns="45720" rIns="91440" bIns="45720" anchor="t" compatLnSpc="1"/>
-            <a:lstStyle>
-              <a:extLst/>
-            </a:lstStyle>
+            <a:lstStyle/>
             <a:p>
               <a:endParaRPr kumimoji="0" lang="en-US"/>
             </a:p>
@@ -19924,9 +19850,7 @@
           </p:spPr>
           <p:txBody>
             <a:bodyPr vert="horz" wrap="square" lIns="91440" tIns="45720" rIns="91440" bIns="45720" anchor="t" compatLnSpc="1"/>
-            <a:lstStyle>
-              <a:extLst/>
-            </a:lstStyle>
+            <a:lstStyle/>
             <a:p>
               <a:endParaRPr kumimoji="0" lang="en-US"/>
             </a:p>
@@ -20083,9 +20007,7 @@
           </p:style>
           <p:txBody>
             <a:bodyPr vert="horz" wrap="square" lIns="91440" tIns="45720" rIns="91440" bIns="45720" anchor="ctr" compatLnSpc="1"/>
-            <a:lstStyle>
-              <a:extLst/>
-            </a:lstStyle>
+            <a:lstStyle/>
             <a:p>
               <a:pPr algn="ctr" eaLnBrk="1" latinLnBrk="0" hangingPunct="1"/>
               <a:endParaRPr kumimoji="0" lang="en-US"/>
@@ -20167,13 +20089,12 @@
                 </a:solidFill>
               </a:defRPr>
             </a:lvl1pPr>
-            <a:extLst/>
           </a:lstStyle>
           <a:p>
             <a:fld id="{FC4E1F84-22AE-408B-8AEE-B5F39E910140}" type="datetimeFigureOut">
               <a:rPr lang="en-US" smtClean="0"/>
               <a:pPr/>
-              <a:t>10/7/2011</a:t>
+              <a:t>10/12/11</a:t>
             </a:fld>
             <a:endParaRPr lang="en-US"/>
           </a:p>
@@ -20202,7 +20123,6 @@
                 </a:solidFill>
               </a:defRPr>
             </a:lvl1pPr>
-            <a:extLst/>
           </a:lstStyle>
           <a:p>
             <a:endParaRPr lang="en-US"/>
@@ -20230,7 +20150,6 @@
                 </a:solidFill>
               </a:defRPr>
             </a:lvl1pPr>
-            <a:extLst/>
           </a:lstStyle>
           <a:p>
             <a:fld id="{700068D3-86B4-4F8E-B6AD-2596F9145F76}" type="slidenum">
@@ -20258,7 +20177,7 @@
 </file>
 
 <file path=ppt/slideLayouts/slideLayout56.xml><?xml version="1.0" encoding="utf-8"?>
-<p:sldLayout xmlns:a="http://schemas.openxmlformats.org/drawingml/2006/main" xmlns:r="http://schemas.openxmlformats.org/officeDocument/2006/relationships" xmlns:p="http://schemas.openxmlformats.org/presentationml/2006/main" type="obj" preserve="1">
+<p:sldLayout xmlns:a="http://schemas.openxmlformats.org/drawingml/2006/main" xmlns:r="http://schemas.openxmlformats.org/officeDocument/2006/relationships" xmlns:mc="http://schemas.openxmlformats.org/markup-compatibility/2006" xmlns:mv="urn:schemas-microsoft-com:mac:vml" xmlns:p="http://schemas.openxmlformats.org/presentationml/2006/main" mc:Ignorable="mv" mc:PreserveAttributes="mv:*" type="obj" preserve="1">
   <p:cSld name="Title and Content">
     <p:spTree>
       <p:nvGrpSpPr>
@@ -20287,9 +20206,7 @@
         <p:spPr/>
         <p:txBody>
           <a:bodyPr/>
-          <a:lstStyle>
-            <a:extLst/>
-          </a:lstStyle>
+          <a:lstStyle/>
           <a:p>
             <a:pPr lvl="0" eaLnBrk="1" latinLnBrk="0" hangingPunct="1"/>
             <a:r>
@@ -20341,14 +20258,12 @@
         <p:spPr/>
         <p:txBody>
           <a:bodyPr/>
-          <a:lstStyle>
-            <a:extLst/>
-          </a:lstStyle>
+          <a:lstStyle/>
           <a:p>
             <a:fld id="{FC4E1F84-22AE-408B-8AEE-B5F39E910140}" type="datetimeFigureOut">
               <a:rPr lang="en-US" smtClean="0"/>
               <a:pPr/>
-              <a:t>10/7/2011</a:t>
+              <a:t>10/12/11</a:t>
             </a:fld>
             <a:endParaRPr lang="en-US"/>
           </a:p>
@@ -20367,9 +20282,7 @@
         <p:spPr/>
         <p:txBody>
           <a:bodyPr/>
-          <a:lstStyle>
-            <a:extLst/>
-          </a:lstStyle>
+          <a:lstStyle/>
           <a:p>
             <a:endParaRPr lang="en-US"/>
           </a:p>
@@ -20388,9 +20301,7 @@
         <p:spPr/>
         <p:txBody>
           <a:bodyPr/>
-          <a:lstStyle>
-            <a:extLst/>
-          </a:lstStyle>
+          <a:lstStyle/>
           <a:p>
             <a:fld id="{700068D3-86B4-4F8E-B6AD-2596F9145F76}" type="slidenum">
               <a:rPr lang="en-US" smtClean="0"/>
@@ -20414,9 +20325,7 @@
         <p:spPr/>
         <p:txBody>
           <a:bodyPr rtlCol="0"/>
-          <a:lstStyle>
-            <a:extLst/>
-          </a:lstStyle>
+          <a:lstStyle/>
           <a:p>
             <a:r>
               <a:rPr kumimoji="0" lang="en-US" smtClean="0"/>
@@ -20442,7 +20351,7 @@
 </file>
 
 <file path=ppt/slideLayouts/slideLayout57.xml><?xml version="1.0" encoding="utf-8"?>
-<p:sldLayout xmlns:a="http://schemas.openxmlformats.org/drawingml/2006/main" xmlns:r="http://schemas.openxmlformats.org/officeDocument/2006/relationships" xmlns:p="http://schemas.openxmlformats.org/presentationml/2006/main" type="secHead" preserve="1">
+<p:sldLayout xmlns:a="http://schemas.openxmlformats.org/drawingml/2006/main" xmlns:r="http://schemas.openxmlformats.org/officeDocument/2006/relationships" xmlns:mc="http://schemas.openxmlformats.org/markup-compatibility/2006" xmlns:mv="urn:schemas-microsoft-com:mac:vml" xmlns:p="http://schemas.openxmlformats.org/presentationml/2006/main" mc:Ignorable="mv" mc:PreserveAttributes="mv:*" type="secHead" preserve="1">
   <p:cSld name="Section Header">
     <p:bg>
       <p:bgRef idx="1002">
@@ -20503,7 +20412,6 @@
                 </a:effectLst>
               </a:defRPr>
             </a:lvl1pPr>
-            <a:extLst/>
           </a:lstStyle>
           <a:p>
             <a:r>
@@ -20581,7 +20489,6 @@
                 </a:solidFill>
               </a:defRPr>
             </a:lvl5pPr>
-            <a:extLst/>
           </a:lstStyle>
           <a:p>
             <a:pPr lvl="0" eaLnBrk="1" latinLnBrk="0" hangingPunct="1"/>
@@ -20605,14 +20512,12 @@
         <p:spPr/>
         <p:txBody>
           <a:bodyPr/>
-          <a:lstStyle>
-            <a:extLst/>
-          </a:lstStyle>
+          <a:lstStyle/>
           <a:p>
             <a:fld id="{FC4E1F84-22AE-408B-8AEE-B5F39E910140}" type="datetimeFigureOut">
               <a:rPr lang="en-US" smtClean="0"/>
               <a:pPr/>
-              <a:t>10/7/2011</a:t>
+              <a:t>10/12/11</a:t>
             </a:fld>
             <a:endParaRPr lang="en-US"/>
           </a:p>
@@ -20631,9 +20536,7 @@
         <p:spPr/>
         <p:txBody>
           <a:bodyPr/>
-          <a:lstStyle>
-            <a:extLst/>
-          </a:lstStyle>
+          <a:lstStyle/>
           <a:p>
             <a:endParaRPr lang="en-US"/>
           </a:p>
@@ -20652,9 +20555,7 @@
         <p:spPr/>
         <p:txBody>
           <a:bodyPr/>
-          <a:lstStyle>
-            <a:extLst/>
-          </a:lstStyle>
+          <a:lstStyle/>
           <a:p>
             <a:fld id="{700068D3-86B4-4F8E-B6AD-2596F9145F76}" type="slidenum">
               <a:rPr lang="en-US" smtClean="0"/>
@@ -20736,9 +20637,7 @@
         </p:style>
         <p:txBody>
           <a:bodyPr anchor="ctr"/>
-          <a:lstStyle>
-            <a:extLst/>
-          </a:lstStyle>
+          <a:lstStyle/>
           <a:p>
             <a:pPr algn="l" eaLnBrk="1" latinLnBrk="0" hangingPunct="1"/>
             <a:endParaRPr kumimoji="0" lang="en-US"/>
@@ -20816,9 +20715,7 @@
         </p:style>
         <p:txBody>
           <a:bodyPr anchor="ctr"/>
-          <a:lstStyle>
-            <a:extLst/>
-          </a:lstStyle>
+          <a:lstStyle/>
           <a:p>
             <a:pPr algn="l" eaLnBrk="1" latinLnBrk="0" hangingPunct="1"/>
             <a:endParaRPr kumimoji="0" lang="en-US"/>
@@ -20841,7 +20738,7 @@
 </file>
 
 <file path=ppt/slideLayouts/slideLayout58.xml><?xml version="1.0" encoding="utf-8"?>
-<p:sldLayout xmlns:a="http://schemas.openxmlformats.org/drawingml/2006/main" xmlns:r="http://schemas.openxmlformats.org/officeDocument/2006/relationships" xmlns:p="http://schemas.openxmlformats.org/presentationml/2006/main" type="twoObj" preserve="1">
+<p:sldLayout xmlns:a="http://schemas.openxmlformats.org/drawingml/2006/main" xmlns:r="http://schemas.openxmlformats.org/officeDocument/2006/relationships" xmlns:mc="http://schemas.openxmlformats.org/markup-compatibility/2006" xmlns:mv="urn:schemas-microsoft-com:mac:vml" xmlns:p="http://schemas.openxmlformats.org/presentationml/2006/main" mc:Ignorable="mv" mc:PreserveAttributes="mv:*" type="twoObj" preserve="1">
   <p:cSld name="Two Content">
     <p:bg>
       <p:bgRef idx="1002">
@@ -20896,7 +20793,6 @@
             <a:lvl5pPr>
               <a:defRPr sz="1800"/>
             </a:lvl5pPr>
-            <a:extLst/>
           </a:lstStyle>
           <a:p>
             <a:pPr lvl="0" eaLnBrk="1" latinLnBrk="0" hangingPunct="1"/>
@@ -20970,7 +20866,6 @@
             <a:lvl5pPr>
               <a:defRPr sz="1800"/>
             </a:lvl5pPr>
-            <a:extLst/>
           </a:lstStyle>
           <a:p>
             <a:pPr lvl="0" eaLnBrk="1" latinLnBrk="0" hangingPunct="1"/>
@@ -21023,14 +20918,12 @@
         <p:spPr/>
         <p:txBody>
           <a:bodyPr/>
-          <a:lstStyle>
-            <a:extLst/>
-          </a:lstStyle>
+          <a:lstStyle/>
           <a:p>
             <a:fld id="{FC4E1F84-22AE-408B-8AEE-B5F39E910140}" type="datetimeFigureOut">
               <a:rPr lang="en-US" smtClean="0"/>
               <a:pPr/>
-              <a:t>10/7/2011</a:t>
+              <a:t>10/12/11</a:t>
             </a:fld>
             <a:endParaRPr lang="en-US"/>
           </a:p>
@@ -21049,9 +20942,7 @@
         <p:spPr/>
         <p:txBody>
           <a:bodyPr/>
-          <a:lstStyle>
-            <a:extLst/>
-          </a:lstStyle>
+          <a:lstStyle/>
           <a:p>
             <a:endParaRPr lang="en-US"/>
           </a:p>
@@ -21070,9 +20961,7 @@
         <p:spPr/>
         <p:txBody>
           <a:bodyPr/>
-          <a:lstStyle>
-            <a:extLst/>
-          </a:lstStyle>
+          <a:lstStyle/>
           <a:p>
             <a:fld id="{700068D3-86B4-4F8E-B6AD-2596F9145F76}" type="slidenum">
               <a:rPr lang="en-US" smtClean="0"/>
@@ -21096,9 +20985,7 @@
         <p:spPr/>
         <p:txBody>
           <a:bodyPr rtlCol="0"/>
-          <a:lstStyle>
-            <a:extLst/>
-          </a:lstStyle>
+          <a:lstStyle/>
           <a:p>
             <a:r>
               <a:rPr kumimoji="0" lang="en-US" smtClean="0"/>
@@ -21124,7 +21011,7 @@
 </file>
 
 <file path=ppt/slideLayouts/slideLayout59.xml><?xml version="1.0" encoding="utf-8"?>
-<p:sldLayout xmlns:a="http://schemas.openxmlformats.org/drawingml/2006/main" xmlns:r="http://schemas.openxmlformats.org/officeDocument/2006/relationships" xmlns:p="http://schemas.openxmlformats.org/presentationml/2006/main" showMasterSp="0" type="twoTxTwoObj" preserve="1">
+<p:sldLayout xmlns:a="http://schemas.openxmlformats.org/drawingml/2006/main" xmlns:r="http://schemas.openxmlformats.org/officeDocument/2006/relationships" xmlns:mc="http://schemas.openxmlformats.org/markup-compatibility/2006" xmlns:mv="urn:schemas-microsoft-com:mac:vml" xmlns:p="http://schemas.openxmlformats.org/presentationml/2006/main" mc:Ignorable="mv" mc:PreserveAttributes="mv:*" showMasterSp="0" type="twoTxTwoObj" preserve="1">
   <p:cSld name="Comparison">
     <p:bg>
       <p:bgRef idx="1003">
@@ -21167,7 +21054,6 @@
             <a:lvl1pPr>
               <a:defRPr/>
             </a:lvl1pPr>
-            <a:extLst/>
           </a:lstStyle>
           <a:p>
             <a:r>
@@ -21230,7 +21116,6 @@
               <a:buNone/>
               <a:defRPr sz="1600" b="1"/>
             </a:lvl5pPr>
-            <a:extLst/>
           </a:lstStyle>
           <a:p>
             <a:pPr lvl="0" eaLnBrk="1" latinLnBrk="0" hangingPunct="1"/>
@@ -21293,7 +21178,6 @@
               <a:buNone/>
               <a:defRPr sz="1600" b="1"/>
             </a:lvl5pPr>
-            <a:extLst/>
           </a:lstStyle>
           <a:p>
             <a:pPr lvl="0" eaLnBrk="1" latinLnBrk="0" hangingPunct="1"/>
@@ -21343,7 +21227,6 @@
             <a:lvl5pPr>
               <a:defRPr sz="1600"/>
             </a:lvl5pPr>
-            <a:extLst/>
           </a:lstStyle>
           <a:p>
             <a:pPr lvl="0" eaLnBrk="1" latinLnBrk="0" hangingPunct="1"/>
@@ -21425,7 +21308,6 @@
             <a:lvl5pPr>
               <a:defRPr sz="1600"/>
             </a:lvl5pPr>
-            <a:extLst/>
           </a:lstStyle>
           <a:p>
             <a:pPr lvl="0" eaLnBrk="1" latinLnBrk="0" hangingPunct="1"/>
@@ -21478,14 +21360,12 @@
         <p:spPr/>
         <p:txBody>
           <a:bodyPr/>
-          <a:lstStyle>
-            <a:extLst/>
-          </a:lstStyle>
+          <a:lstStyle/>
           <a:p>
             <a:fld id="{FC4E1F84-22AE-408B-8AEE-B5F39E910140}" type="datetimeFigureOut">
               <a:rPr lang="en-US" smtClean="0"/>
               <a:pPr/>
-              <a:t>10/7/2011</a:t>
+              <a:t>10/12/11</a:t>
             </a:fld>
             <a:endParaRPr lang="en-US"/>
           </a:p>
@@ -21504,9 +21384,7 @@
         <p:spPr/>
         <p:txBody>
           <a:bodyPr/>
-          <a:lstStyle>
-            <a:extLst/>
-          </a:lstStyle>
+          <a:lstStyle/>
           <a:p>
             <a:endParaRPr lang="en-US"/>
           </a:p>
@@ -21525,9 +21403,7 @@
         <p:spPr/>
         <p:txBody>
           <a:bodyPr/>
-          <a:lstStyle>
-            <a:extLst/>
-          </a:lstStyle>
+          <a:lstStyle/>
           <a:p>
             <a:fld id="{700068D3-86B4-4F8E-B6AD-2596F9145F76}" type="slidenum">
               <a:rPr lang="en-US" smtClean="0"/>
@@ -21554,7 +21430,7 @@
 </file>
 
 <file path=ppt/slideLayouts/slideLayout6.xml><?xml version="1.0" encoding="utf-8"?>
-<p:sldLayout xmlns:a="http://schemas.openxmlformats.org/drawingml/2006/main" xmlns:r="http://schemas.openxmlformats.org/officeDocument/2006/relationships" xmlns:p="http://schemas.openxmlformats.org/presentationml/2006/main" preserve="1">
+<p:sldLayout xmlns:a="http://schemas.openxmlformats.org/drawingml/2006/main" xmlns:r="http://schemas.openxmlformats.org/officeDocument/2006/relationships" xmlns:mc="http://schemas.openxmlformats.org/markup-compatibility/2006" xmlns:mv="urn:schemas-microsoft-com:mac:vml" xmlns:p="http://schemas.openxmlformats.org/presentationml/2006/main" mc:Ignorable="mv" mc:PreserveAttributes="mv:*" preserve="1">
   <p:cSld name="True or False Question (Answer: True)">
     <p:spTree>
       <p:nvGrpSpPr>
@@ -21587,13 +21463,12 @@
             <a:lvl1pPr algn="r">
               <a:defRPr/>
             </a:lvl1pPr>
-            <a:extLst/>
           </a:lstStyle>
           <a:p>
             <a:fld id="{FC4E1F84-22AE-408B-8AEE-B5F39E910140}" type="datetimeFigureOut">
               <a:rPr lang="en-US" smtClean="0"/>
               <a:pPr/>
-              <a:t>10/7/2011</a:t>
+              <a:t>10/12/11</a:t>
             </a:fld>
             <a:endParaRPr lang="en-US"/>
           </a:p>
@@ -21612,9 +21487,7 @@
         <p:spPr/>
         <p:txBody>
           <a:bodyPr vert="horz"/>
-          <a:lstStyle>
-            <a:extLst/>
-          </a:lstStyle>
+          <a:lstStyle/>
           <a:p>
             <a:endParaRPr lang="en-US"/>
           </a:p>
@@ -21633,9 +21506,7 @@
         <p:spPr/>
         <p:txBody>
           <a:bodyPr vert="horz"/>
-          <a:lstStyle>
-            <a:extLst/>
-          </a:lstStyle>
+          <a:lstStyle/>
           <a:p>
             <a:fld id="{700068D3-86B4-4F8E-B6AD-2596F9145F76}" type="slidenum">
               <a:rPr lang="en-US" smtClean="0"/>
@@ -21674,7 +21545,6 @@
                 </a:solidFill>
               </a:defRPr>
             </a:lvl1pPr>
-            <a:extLst/>
           </a:lstStyle>
           <a:p>
             <a:r>
@@ -21705,9 +21575,7 @@
           <a:bodyPr wrap="square">
             <a:noAutofit/>
           </a:bodyPr>
-          <a:lstStyle>
-            <a:extLst/>
-          </a:lstStyle>
+          <a:lstStyle/>
           <a:p>
             <a:pPr marL="0" indent="0" algn="ctr" rtl="0" latinLnBrk="0">
               <a:spcBef>
@@ -21774,9 +21642,7 @@
           <a:bodyPr wrap="square">
             <a:spAutoFit/>
           </a:bodyPr>
-          <a:lstStyle>
-            <a:extLst/>
-          </a:lstStyle>
+          <a:lstStyle/>
           <a:p>
             <a:pPr indent="0" algn="ctr" latinLnBrk="0">
               <a:spcBef>
@@ -21967,7 +21833,7 @@
 </file>
 
 <file path=ppt/slideLayouts/slideLayout60.xml><?xml version="1.0" encoding="utf-8"?>
-<p:sldLayout xmlns:a="http://schemas.openxmlformats.org/drawingml/2006/main" xmlns:r="http://schemas.openxmlformats.org/officeDocument/2006/relationships" xmlns:p="http://schemas.openxmlformats.org/presentationml/2006/main" type="titleOnly" preserve="1">
+<p:sldLayout xmlns:a="http://schemas.openxmlformats.org/drawingml/2006/main" xmlns:r="http://schemas.openxmlformats.org/officeDocument/2006/relationships" xmlns:mc="http://schemas.openxmlformats.org/markup-compatibility/2006" xmlns:mv="urn:schemas-microsoft-com:mac:vml" xmlns:p="http://schemas.openxmlformats.org/presentationml/2006/main" mc:Ignorable="mv" mc:PreserveAttributes="mv:*" type="titleOnly" preserve="1">
   <p:cSld name="Title Only">
     <p:bg>
       <p:bgRef idx="1002">
@@ -22001,14 +21867,12 @@
         <p:spPr/>
         <p:txBody>
           <a:bodyPr/>
-          <a:lstStyle>
-            <a:extLst/>
-          </a:lstStyle>
+          <a:lstStyle/>
           <a:p>
             <a:fld id="{FC4E1F84-22AE-408B-8AEE-B5F39E910140}" type="datetimeFigureOut">
               <a:rPr lang="en-US" smtClean="0"/>
               <a:pPr/>
-              <a:t>10/7/2011</a:t>
+              <a:t>10/12/11</a:t>
             </a:fld>
             <a:endParaRPr lang="en-US"/>
           </a:p>
@@ -22027,9 +21891,7 @@
         <p:spPr/>
         <p:txBody>
           <a:bodyPr/>
-          <a:lstStyle>
-            <a:extLst/>
-          </a:lstStyle>
+          <a:lstStyle/>
           <a:p>
             <a:endParaRPr lang="en-US"/>
           </a:p>
@@ -22048,9 +21910,7 @@
         <p:spPr/>
         <p:txBody>
           <a:bodyPr/>
-          <a:lstStyle>
-            <a:extLst/>
-          </a:lstStyle>
+          <a:lstStyle/>
           <a:p>
             <a:fld id="{700068D3-86B4-4F8E-B6AD-2596F9145F76}" type="slidenum">
               <a:rPr lang="en-US" smtClean="0"/>
@@ -22074,9 +21934,7 @@
         <p:spPr/>
         <p:txBody>
           <a:bodyPr rtlCol="0"/>
-          <a:lstStyle>
-            <a:extLst/>
-          </a:lstStyle>
+          <a:lstStyle/>
           <a:p>
             <a:r>
               <a:rPr kumimoji="0" lang="en-US" smtClean="0"/>
@@ -22102,7 +21960,7 @@
 </file>
 
 <file path=ppt/slideLayouts/slideLayout61.xml><?xml version="1.0" encoding="utf-8"?>
-<p:sldLayout xmlns:a="http://schemas.openxmlformats.org/drawingml/2006/main" xmlns:r="http://schemas.openxmlformats.org/officeDocument/2006/relationships" xmlns:p="http://schemas.openxmlformats.org/presentationml/2006/main" type="blank" preserve="1">
+<p:sldLayout xmlns:a="http://schemas.openxmlformats.org/drawingml/2006/main" xmlns:r="http://schemas.openxmlformats.org/officeDocument/2006/relationships" xmlns:mc="http://schemas.openxmlformats.org/markup-compatibility/2006" xmlns:mv="urn:schemas-microsoft-com:mac:vml" xmlns:p="http://schemas.openxmlformats.org/presentationml/2006/main" mc:Ignorable="mv" mc:PreserveAttributes="mv:*" type="blank" preserve="1">
   <p:cSld name="Blank">
     <p:spTree>
       <p:nvGrpSpPr>
@@ -22131,14 +21989,12 @@
         <p:spPr/>
         <p:txBody>
           <a:bodyPr/>
-          <a:lstStyle>
-            <a:extLst/>
-          </a:lstStyle>
+          <a:lstStyle/>
           <a:p>
             <a:fld id="{FC4E1F84-22AE-408B-8AEE-B5F39E910140}" type="datetimeFigureOut">
               <a:rPr lang="en-US" smtClean="0"/>
               <a:pPr/>
-              <a:t>10/7/2011</a:t>
+              <a:t>10/12/11</a:t>
             </a:fld>
             <a:endParaRPr lang="en-US"/>
           </a:p>
@@ -22157,9 +22013,7 @@
         <p:spPr/>
         <p:txBody>
           <a:bodyPr/>
-          <a:lstStyle>
-            <a:extLst/>
-          </a:lstStyle>
+          <a:lstStyle/>
           <a:p>
             <a:endParaRPr lang="en-US"/>
           </a:p>
@@ -22178,9 +22032,7 @@
         <p:spPr/>
         <p:txBody>
           <a:bodyPr/>
-          <a:lstStyle>
-            <a:extLst/>
-          </a:lstStyle>
+          <a:lstStyle/>
           <a:p>
             <a:fld id="{700068D3-86B4-4F8E-B6AD-2596F9145F76}" type="slidenum">
               <a:rPr lang="en-US" smtClean="0"/>
@@ -22207,7 +22059,7 @@
 </file>
 
 <file path=ppt/slideLayouts/slideLayout62.xml><?xml version="1.0" encoding="utf-8"?>
-<p:sldLayout xmlns:a="http://schemas.openxmlformats.org/drawingml/2006/main" xmlns:r="http://schemas.openxmlformats.org/officeDocument/2006/relationships" xmlns:p="http://schemas.openxmlformats.org/presentationml/2006/main" showMasterSp="0" type="objTx" preserve="1">
+<p:sldLayout xmlns:a="http://schemas.openxmlformats.org/drawingml/2006/main" xmlns:r="http://schemas.openxmlformats.org/officeDocument/2006/relationships" xmlns:mc="http://schemas.openxmlformats.org/markup-compatibility/2006" xmlns:mv="urn:schemas-microsoft-com:mac:vml" xmlns:p="http://schemas.openxmlformats.org/presentationml/2006/main" mc:Ignorable="mv" mc:PreserveAttributes="mv:*" showMasterSp="0" type="objTx" preserve="1">
   <p:cSld name="Content with Caption">
     <p:bg>
       <p:bgRef idx="1003">
@@ -22261,7 +22113,6 @@
                 <a:effectLst/>
               </a:defRPr>
             </a:lvl1pPr>
-            <a:extLst/>
           </a:lstStyle>
           <a:p>
             <a:r>
@@ -22311,7 +22162,6 @@
               <a:buNone/>
               <a:defRPr sz="900"/>
             </a:lvl5pPr>
-            <a:extLst/>
           </a:lstStyle>
           <a:p>
             <a:pPr lvl="0" eaLnBrk="1" latinLnBrk="0" hangingPunct="1"/>
@@ -22356,7 +22206,6 @@
             <a:lvl5pPr>
               <a:defRPr sz="2000"/>
             </a:lvl5pPr>
-            <a:extLst/>
           </a:lstStyle>
           <a:p>
             <a:pPr lvl="0" eaLnBrk="1" latinLnBrk="0" hangingPunct="1"/>
@@ -22414,14 +22263,12 @@
         </p:spPr>
         <p:txBody>
           <a:bodyPr/>
-          <a:lstStyle>
-            <a:extLst/>
-          </a:lstStyle>
+          <a:lstStyle/>
           <a:p>
             <a:fld id="{FC4E1F84-22AE-408B-8AEE-B5F39E910140}" type="datetimeFigureOut">
               <a:rPr lang="en-US" smtClean="0"/>
               <a:pPr/>
-              <a:t>10/7/2011</a:t>
+              <a:t>10/12/11</a:t>
             </a:fld>
             <a:endParaRPr lang="en-US"/>
           </a:p>
@@ -22440,9 +22287,7 @@
         <p:spPr/>
         <p:txBody>
           <a:bodyPr/>
-          <a:lstStyle>
-            <a:extLst/>
-          </a:lstStyle>
+          <a:lstStyle/>
           <a:p>
             <a:endParaRPr lang="en-US"/>
           </a:p>
@@ -22461,9 +22306,7 @@
         <p:spPr/>
         <p:txBody>
           <a:bodyPr/>
-          <a:lstStyle>
-            <a:extLst/>
-          </a:lstStyle>
+          <a:lstStyle/>
           <a:p>
             <a:fld id="{700068D3-86B4-4F8E-B6AD-2596F9145F76}" type="slidenum">
               <a:rPr lang="en-US" smtClean="0"/>
@@ -22490,7 +22333,7 @@
 </file>
 
 <file path=ppt/slideLayouts/slideLayout63.xml><?xml version="1.0" encoding="utf-8"?>
-<p:sldLayout xmlns:a="http://schemas.openxmlformats.org/drawingml/2006/main" xmlns:r="http://schemas.openxmlformats.org/officeDocument/2006/relationships" xmlns:p="http://schemas.openxmlformats.org/presentationml/2006/main" showMasterSp="0" type="picTx" preserve="1">
+<p:sldLayout xmlns:a="http://schemas.openxmlformats.org/drawingml/2006/main" xmlns:r="http://schemas.openxmlformats.org/officeDocument/2006/relationships" xmlns:mc="http://schemas.openxmlformats.org/markup-compatibility/2006" xmlns:mv="urn:schemas-microsoft-com:mac:vml" xmlns:p="http://schemas.openxmlformats.org/presentationml/2006/main" mc:Ignorable="mv" mc:PreserveAttributes="mv:*" showMasterSp="0" type="picTx" preserve="1">
   <p:cSld name="Picture with Caption">
     <p:bg>
       <p:bgRef idx="1002">
@@ -22547,7 +22390,6 @@
             <a:lvl5pPr>
               <a:defRPr sz="900"/>
             </a:lvl5pPr>
-            <a:extLst/>
           </a:lstStyle>
           <a:p>
             <a:pPr lvl="0" eaLnBrk="1" latinLnBrk="0" hangingPunct="1"/>
@@ -22597,7 +22439,6 @@
               <a:buNone/>
               <a:defRPr sz="3200"/>
             </a:lvl1pPr>
-            <a:extLst/>
           </a:lstStyle>
           <a:p>
             <a:r>
@@ -22629,13 +22470,12 @@
                 </a:solidFill>
               </a:defRPr>
             </a:lvl1pPr>
-            <a:extLst/>
           </a:lstStyle>
           <a:p>
             <a:fld id="{FC4E1F84-22AE-408B-8AEE-B5F39E910140}" type="datetimeFigureOut">
               <a:rPr lang="en-US" smtClean="0"/>
               <a:pPr/>
-              <a:t>10/7/2011</a:t>
+              <a:t>10/12/11</a:t>
             </a:fld>
             <a:endParaRPr lang="en-US"/>
           </a:p>
@@ -22667,7 +22507,6 @@
                 </a:solidFill>
               </a:defRPr>
             </a:lvl1pPr>
-            <a:extLst/>
           </a:lstStyle>
           <a:p>
             <a:endParaRPr lang="en-US"/>
@@ -22695,7 +22534,6 @@
                 </a:solidFill>
               </a:defRPr>
             </a:lvl1pPr>
-            <a:extLst/>
           </a:lstStyle>
           <a:p>
             <a:fld id="{700068D3-86B4-4F8E-B6AD-2596F9145F76}" type="slidenum">
@@ -22744,7 +22582,6 @@
                 </a:effectLst>
               </a:defRPr>
             </a:lvl1pPr>
-            <a:extLst/>
           </a:lstStyle>
           <a:p>
             <a:r>
@@ -22831,9 +22668,7 @@
         </p:spPr>
         <p:txBody>
           <a:bodyPr vert="horz" wrap="square" lIns="91440" tIns="45720" rIns="91440" bIns="45720" anchor="t" compatLnSpc="1"/>
-          <a:lstStyle>
-            <a:extLst/>
-          </a:lstStyle>
+          <a:lstStyle/>
           <a:p>
             <a:endParaRPr kumimoji="0" lang="en-US"/>
           </a:p>
@@ -22913,9 +22748,7 @@
         </p:spPr>
         <p:txBody>
           <a:bodyPr vert="horz" wrap="square" lIns="91440" tIns="45720" rIns="91440" bIns="45720" anchor="t" compatLnSpc="1"/>
-          <a:lstStyle>
-            <a:extLst/>
-          </a:lstStyle>
+          <a:lstStyle/>
           <a:p>
             <a:endParaRPr kumimoji="0" lang="en-US"/>
           </a:p>
@@ -23023,9 +22856,7 @@
         </p:style>
         <p:txBody>
           <a:bodyPr vert="horz" wrap="square" lIns="91440" tIns="45720" rIns="91440" bIns="45720" anchor="ctr" compatLnSpc="1"/>
-          <a:lstStyle>
-            <a:extLst/>
-          </a:lstStyle>
+          <a:lstStyle/>
           <a:p>
             <a:pPr algn="ctr" eaLnBrk="1" latinLnBrk="0" hangingPunct="1"/>
             <a:endParaRPr kumimoji="0" lang="en-US"/>
@@ -23156,9 +22987,7 @@
         </p:style>
         <p:txBody>
           <a:bodyPr anchor="ctr"/>
-          <a:lstStyle>
-            <a:extLst/>
-          </a:lstStyle>
+          <a:lstStyle/>
           <a:p>
             <a:pPr algn="l" eaLnBrk="1" latinLnBrk="0" hangingPunct="1"/>
             <a:endParaRPr kumimoji="0" lang="en-US"/>
@@ -23236,9 +23065,7 @@
         </p:style>
         <p:txBody>
           <a:bodyPr anchor="ctr"/>
-          <a:lstStyle>
-            <a:extLst/>
-          </a:lstStyle>
+          <a:lstStyle/>
           <a:p>
             <a:pPr algn="l" eaLnBrk="1" latinLnBrk="0" hangingPunct="1"/>
             <a:endParaRPr kumimoji="0" lang="en-US"/>
@@ -23261,7 +23088,7 @@
 </file>
 
 <file path=ppt/slideLayouts/slideLayout64.xml><?xml version="1.0" encoding="utf-8"?>
-<p:sldLayout xmlns:a="http://schemas.openxmlformats.org/drawingml/2006/main" xmlns:r="http://schemas.openxmlformats.org/officeDocument/2006/relationships" xmlns:p="http://schemas.openxmlformats.org/presentationml/2006/main" type="vertTx" preserve="1">
+<p:sldLayout xmlns:a="http://schemas.openxmlformats.org/drawingml/2006/main" xmlns:r="http://schemas.openxmlformats.org/officeDocument/2006/relationships" xmlns:mc="http://schemas.openxmlformats.org/markup-compatibility/2006" xmlns:mv="urn:schemas-microsoft-com:mac:vml" xmlns:p="http://schemas.openxmlformats.org/presentationml/2006/main" mc:Ignorable="mv" mc:PreserveAttributes="mv:*" type="vertTx" preserve="1">
   <p:cSld name="Title and Vertical Text">
     <p:spTree>
       <p:nvGrpSpPr>
@@ -23290,9 +23117,7 @@
         <p:spPr/>
         <p:txBody>
           <a:bodyPr/>
-          <a:lstStyle>
-            <a:extLst/>
-          </a:lstStyle>
+          <a:lstStyle/>
           <a:p>
             <a:r>
               <a:rPr kumimoji="0" lang="en-US" smtClean="0"/>
@@ -23320,9 +23145,7 @@
         </p:spPr>
         <p:txBody>
           <a:bodyPr vert="eaVert"/>
-          <a:lstStyle>
-            <a:extLst/>
-          </a:lstStyle>
+          <a:lstStyle/>
           <a:p>
             <a:pPr lvl="0" eaLnBrk="1" latinLnBrk="0" hangingPunct="1"/>
             <a:r>
@@ -23374,14 +23197,12 @@
         <p:spPr/>
         <p:txBody>
           <a:bodyPr/>
-          <a:lstStyle>
-            <a:extLst/>
-          </a:lstStyle>
+          <a:lstStyle/>
           <a:p>
             <a:fld id="{FC4E1F84-22AE-408B-8AEE-B5F39E910140}" type="datetimeFigureOut">
               <a:rPr lang="en-US" smtClean="0"/>
               <a:pPr/>
-              <a:t>10/7/2011</a:t>
+              <a:t>10/12/11</a:t>
             </a:fld>
             <a:endParaRPr lang="en-US"/>
           </a:p>
@@ -23400,9 +23221,7 @@
         <p:spPr/>
         <p:txBody>
           <a:bodyPr/>
-          <a:lstStyle>
-            <a:extLst/>
-          </a:lstStyle>
+          <a:lstStyle/>
           <a:p>
             <a:endParaRPr lang="en-US"/>
           </a:p>
@@ -23421,9 +23240,7 @@
         <p:spPr/>
         <p:txBody>
           <a:bodyPr/>
-          <a:lstStyle>
-            <a:extLst/>
-          </a:lstStyle>
+          <a:lstStyle/>
           <a:p>
             <a:fld id="{700068D3-86B4-4F8E-B6AD-2596F9145F76}" type="slidenum">
               <a:rPr lang="en-US" smtClean="0"/>
@@ -23450,7 +23267,7 @@
 </file>
 
 <file path=ppt/slideLayouts/slideLayout65.xml><?xml version="1.0" encoding="utf-8"?>
-<p:sldLayout xmlns:a="http://schemas.openxmlformats.org/drawingml/2006/main" xmlns:r="http://schemas.openxmlformats.org/officeDocument/2006/relationships" xmlns:p="http://schemas.openxmlformats.org/presentationml/2006/main" type="vertTitleAndTx" preserve="1">
+<p:sldLayout xmlns:a="http://schemas.openxmlformats.org/drawingml/2006/main" xmlns:r="http://schemas.openxmlformats.org/officeDocument/2006/relationships" xmlns:mc="http://schemas.openxmlformats.org/markup-compatibility/2006" xmlns:mv="urn:schemas-microsoft-com:mac:vml" xmlns:p="http://schemas.openxmlformats.org/presentationml/2006/main" mc:Ignorable="mv" mc:PreserveAttributes="mv:*" type="vertTitleAndTx" preserve="1">
   <p:cSld name="Vertical Title and Text">
     <p:spTree>
       <p:nvGrpSpPr>
@@ -23484,9 +23301,7 @@
         </p:spPr>
         <p:txBody>
           <a:bodyPr vert="eaVert"/>
-          <a:lstStyle>
-            <a:extLst/>
-          </a:lstStyle>
+          <a:lstStyle/>
           <a:p>
             <a:r>
               <a:rPr kumimoji="0" lang="en-US" smtClean="0"/>
@@ -23514,9 +23329,7 @@
         </p:spPr>
         <p:txBody>
           <a:bodyPr vert="eaVert"/>
-          <a:lstStyle>
-            <a:extLst/>
-          </a:lstStyle>
+          <a:lstStyle/>
           <a:p>
             <a:pPr lvl="0" eaLnBrk="1" latinLnBrk="0" hangingPunct="1"/>
             <a:r>
@@ -23568,14 +23381,12 @@
         <p:spPr/>
         <p:txBody>
           <a:bodyPr/>
-          <a:lstStyle>
-            <a:extLst/>
-          </a:lstStyle>
+          <a:lstStyle/>
           <a:p>
             <a:fld id="{FC4E1F84-22AE-408B-8AEE-B5F39E910140}" type="datetimeFigureOut">
               <a:rPr lang="en-US" smtClean="0"/>
               <a:pPr/>
-              <a:t>10/7/2011</a:t>
+              <a:t>10/12/11</a:t>
             </a:fld>
             <a:endParaRPr lang="en-US"/>
           </a:p>
@@ -23594,9 +23405,7 @@
         <p:spPr/>
         <p:txBody>
           <a:bodyPr/>
-          <a:lstStyle>
-            <a:extLst/>
-          </a:lstStyle>
+          <a:lstStyle/>
           <a:p>
             <a:endParaRPr lang="en-US"/>
           </a:p>
@@ -23615,9 +23424,7 @@
         <p:spPr/>
         <p:txBody>
           <a:bodyPr/>
-          <a:lstStyle>
-            <a:extLst/>
-          </a:lstStyle>
+          <a:lstStyle/>
           <a:p>
             <a:fld id="{700068D3-86B4-4F8E-B6AD-2596F9145F76}" type="slidenum">
               <a:rPr lang="en-US" smtClean="0"/>
@@ -23644,7 +23451,7 @@
 </file>
 
 <file path=ppt/slideLayouts/slideLayout7.xml><?xml version="1.0" encoding="utf-8"?>
-<p:sldLayout xmlns:a="http://schemas.openxmlformats.org/drawingml/2006/main" xmlns:r="http://schemas.openxmlformats.org/officeDocument/2006/relationships" xmlns:p="http://schemas.openxmlformats.org/presentationml/2006/main" preserve="1">
+<p:sldLayout xmlns:a="http://schemas.openxmlformats.org/drawingml/2006/main" xmlns:r="http://schemas.openxmlformats.org/officeDocument/2006/relationships" xmlns:mc="http://schemas.openxmlformats.org/markup-compatibility/2006" xmlns:mv="urn:schemas-microsoft-com:mac:vml" xmlns:p="http://schemas.openxmlformats.org/presentationml/2006/main" mc:Ignorable="mv" mc:PreserveAttributes="mv:*" preserve="1">
   <p:cSld name="True or False Question (Answer: False)">
     <p:spTree>
       <p:nvGrpSpPr>
@@ -23677,13 +23484,12 @@
             <a:lvl1pPr algn="r">
               <a:defRPr/>
             </a:lvl1pPr>
-            <a:extLst/>
           </a:lstStyle>
           <a:p>
             <a:fld id="{FC4E1F84-22AE-408B-8AEE-B5F39E910140}" type="datetimeFigureOut">
               <a:rPr lang="en-US" smtClean="0"/>
               <a:pPr/>
-              <a:t>10/7/2011</a:t>
+              <a:t>10/12/11</a:t>
             </a:fld>
             <a:endParaRPr lang="en-US"/>
           </a:p>
@@ -23702,9 +23508,7 @@
         <p:spPr/>
         <p:txBody>
           <a:bodyPr vert="horz"/>
-          <a:lstStyle>
-            <a:extLst/>
-          </a:lstStyle>
+          <a:lstStyle/>
           <a:p>
             <a:endParaRPr lang="en-US"/>
           </a:p>
@@ -23723,9 +23527,7 @@
         <p:spPr/>
         <p:txBody>
           <a:bodyPr vert="horz"/>
-          <a:lstStyle>
-            <a:extLst/>
-          </a:lstStyle>
+          <a:lstStyle/>
           <a:p>
             <a:fld id="{700068D3-86B4-4F8E-B6AD-2596F9145F76}" type="slidenum">
               <a:rPr lang="en-US" smtClean="0"/>
@@ -23764,7 +23566,6 @@
                 </a:solidFill>
               </a:defRPr>
             </a:lvl1pPr>
-            <a:extLst/>
           </a:lstStyle>
           <a:p>
             <a:r>
@@ -23795,9 +23596,7 @@
           <a:bodyPr wrap="square">
             <a:noAutofit/>
           </a:bodyPr>
-          <a:lstStyle>
-            <a:extLst/>
-          </a:lstStyle>
+          <a:lstStyle/>
           <a:p>
             <a:pPr marL="0" indent="0" algn="ctr" rtl="0" latinLnBrk="0">
               <a:spcBef>
@@ -23864,9 +23663,7 @@
           <a:bodyPr wrap="square">
             <a:spAutoFit/>
           </a:bodyPr>
-          <a:lstStyle>
-            <a:extLst/>
-          </a:lstStyle>
+          <a:lstStyle/>
           <a:p>
             <a:pPr algn="ctr"/>
             <a:r>
@@ -24064,7 +23861,7 @@
 </file>
 
 <file path=ppt/slideLayouts/slideLayout8.xml><?xml version="1.0" encoding="utf-8"?>
-<p:sldLayout xmlns:a="http://schemas.openxmlformats.org/drawingml/2006/main" xmlns:r="http://schemas.openxmlformats.org/officeDocument/2006/relationships" xmlns:p="http://schemas.openxmlformats.org/presentationml/2006/main">
+<p:sldLayout xmlns:a="http://schemas.openxmlformats.org/drawingml/2006/main" xmlns:r="http://schemas.openxmlformats.org/officeDocument/2006/relationships" xmlns:mc="http://schemas.openxmlformats.org/markup-compatibility/2006" xmlns:mv="urn:schemas-microsoft-com:mac:vml" xmlns:p="http://schemas.openxmlformats.org/presentationml/2006/main" mc:Ignorable="mv" mc:PreserveAttributes="mv:*">
   <p:cSld name="Multiple Choice">
     <p:spTree>
       <p:nvGrpSpPr>
@@ -24102,7 +23899,6 @@
             <a:lvl1pPr algn="l">
               <a:defRPr i="1" baseline="0"/>
             </a:lvl1pPr>
-            <a:extLst/>
           </a:lstStyle>
           <a:p>
             <a:r>
@@ -24130,13 +23926,12 @@
             <a:lvl1pPr algn="r">
               <a:defRPr/>
             </a:lvl1pPr>
-            <a:extLst/>
           </a:lstStyle>
           <a:p>
             <a:fld id="{FC4E1F84-22AE-408B-8AEE-B5F39E910140}" type="datetimeFigureOut">
               <a:rPr lang="en-US" smtClean="0"/>
               <a:pPr/>
-              <a:t>10/7/2011</a:t>
+              <a:t>10/12/11</a:t>
             </a:fld>
             <a:endParaRPr lang="en-US"/>
           </a:p>
@@ -24155,9 +23950,7 @@
         <p:spPr/>
         <p:txBody>
           <a:bodyPr vert="horz"/>
-          <a:lstStyle>
-            <a:extLst/>
-          </a:lstStyle>
+          <a:lstStyle/>
           <a:p>
             <a:endParaRPr lang="en-US"/>
           </a:p>
@@ -24176,9 +23969,7 @@
         <p:spPr/>
         <p:txBody>
           <a:bodyPr vert="horz"/>
-          <a:lstStyle>
-            <a:extLst/>
-          </a:lstStyle>
+          <a:lstStyle/>
           <a:p>
             <a:fld id="{700068D3-86B4-4F8E-B6AD-2596F9145F76}" type="slidenum">
               <a:rPr lang="en-US" smtClean="0"/>
@@ -24209,9 +24000,7 @@
           <a:bodyPr wrap="square" tIns="91440" bIns="91440" rtlCol="0">
             <a:spAutoFit/>
           </a:bodyPr>
-          <a:lstStyle>
-            <a:extLst/>
-          </a:lstStyle>
+          <a:lstStyle/>
           <a:p>
             <a:pPr algn="r">
               <a:lnSpc>
@@ -24265,7 +24054,6 @@
               <a:buNone/>
               <a:defRPr i="0" baseline="0"/>
             </a:lvl1pPr>
-            <a:extLst/>
           </a:lstStyle>
           <a:p>
             <a:pPr lvl="0"/>
@@ -24301,7 +24089,6 @@
               <a:buNone/>
               <a:defRPr i="0" baseline="0"/>
             </a:lvl1pPr>
-            <a:extLst/>
           </a:lstStyle>
           <a:p>
             <a:pPr lvl="0"/>
@@ -24337,7 +24124,6 @@
               <a:buNone/>
               <a:defRPr i="0" baseline="0"/>
             </a:lvl1pPr>
-            <a:extLst/>
           </a:lstStyle>
           <a:p>
             <a:pPr lvl="0"/>
@@ -24373,7 +24159,6 @@
               <a:buNone/>
               <a:defRPr i="0" baseline="0"/>
             </a:lvl1pPr>
-            <a:extLst/>
           </a:lstStyle>
           <a:p>
             <a:pPr lvl="0"/>
@@ -24409,7 +24194,6 @@
               <a:buNone/>
               <a:defRPr i="0" baseline="0"/>
             </a:lvl1pPr>
-            <a:extLst/>
           </a:lstStyle>
           <a:p>
             <a:pPr lvl="0"/>
@@ -24441,9 +24225,7 @@
           <a:bodyPr wrap="square" tIns="91440" bIns="91440" rtlCol="0">
             <a:spAutoFit/>
           </a:bodyPr>
-          <a:lstStyle>
-            <a:extLst/>
-          </a:lstStyle>
+          <a:lstStyle/>
           <a:p>
             <a:pPr algn="r">
               <a:lnSpc>
@@ -24493,9 +24275,7 @@
           <a:bodyPr wrap="square" tIns="91440" bIns="91440" rtlCol="0">
             <a:spAutoFit/>
           </a:bodyPr>
-          <a:lstStyle>
-            <a:extLst/>
-          </a:lstStyle>
+          <a:lstStyle/>
           <a:p>
             <a:pPr algn="r">
               <a:lnSpc>
@@ -24545,9 +24325,7 @@
           <a:bodyPr wrap="square" tIns="91440" bIns="91440" rtlCol="0">
             <a:spAutoFit/>
           </a:bodyPr>
-          <a:lstStyle>
-            <a:extLst/>
-          </a:lstStyle>
+          <a:lstStyle/>
           <a:p>
             <a:pPr algn="r">
               <a:lnSpc>
@@ -24597,9 +24375,7 @@
           <a:bodyPr wrap="square" tIns="91440" bIns="91440" rtlCol="0">
             <a:spAutoFit/>
           </a:bodyPr>
-          <a:lstStyle>
-            <a:extLst/>
-          </a:lstStyle>
+          <a:lstStyle/>
           <a:p>
             <a:pPr algn="r">
               <a:lnSpc>
@@ -25059,7 +24835,7 @@
 </file>
 
 <file path=ppt/slideLayouts/slideLayout9.xml><?xml version="1.0" encoding="utf-8"?>
-<p:sldLayout xmlns:a="http://schemas.openxmlformats.org/drawingml/2006/main" xmlns:r="http://schemas.openxmlformats.org/officeDocument/2006/relationships" xmlns:p="http://schemas.openxmlformats.org/presentationml/2006/main" preserve="1">
+<p:sldLayout xmlns:a="http://schemas.openxmlformats.org/drawingml/2006/main" xmlns:r="http://schemas.openxmlformats.org/officeDocument/2006/relationships" xmlns:mc="http://schemas.openxmlformats.org/markup-compatibility/2006" xmlns:mv="urn:schemas-microsoft-com:mac:vml" xmlns:p="http://schemas.openxmlformats.org/presentationml/2006/main" mc:Ignorable="mv" mc:PreserveAttributes="mv:*" preserve="1">
   <p:cSld name="Item Match Up">
     <p:spTree>
       <p:nvGrpSpPr>
@@ -25088,9 +24864,7 @@
         <p:spPr/>
         <p:txBody>
           <a:bodyPr vert="horz"/>
-          <a:lstStyle>
-            <a:extLst/>
-          </a:lstStyle>
+          <a:lstStyle/>
           <a:p>
             <a:endParaRPr lang="en-US"/>
           </a:p>
@@ -25159,7 +24933,6 @@
               <a:buChar char="•"/>
               <a:defRPr/>
             </a:lvl5pPr>
-            <a:extLst/>
           </a:lstStyle>
           <a:p>
             <a:pPr lvl="0"/>
@@ -25234,7 +25007,6 @@
               <a:buChar char="•"/>
               <a:defRPr/>
             </a:lvl5pPr>
-            <a:extLst/>
           </a:lstStyle>
           <a:p>
             <a:pPr lvl="0"/>
@@ -25309,7 +25081,6 @@
               <a:buChar char="•"/>
               <a:defRPr/>
             </a:lvl5pPr>
-            <a:extLst/>
           </a:lstStyle>
           <a:p>
             <a:pPr lvl="0"/>
@@ -25384,7 +25155,6 @@
               <a:buChar char="•"/>
               <a:defRPr/>
             </a:lvl5pPr>
-            <a:extLst/>
           </a:lstStyle>
           <a:p>
             <a:pPr lvl="0"/>
@@ -25459,7 +25229,6 @@
               <a:buChar char="•"/>
               <a:defRPr/>
             </a:lvl5pPr>
-            <a:extLst/>
           </a:lstStyle>
           <a:p>
             <a:pPr lvl="0"/>
@@ -25488,13 +25257,12 @@
             <a:lvl1pPr algn="r">
               <a:defRPr/>
             </a:lvl1pPr>
-            <a:extLst/>
           </a:lstStyle>
           <a:p>
             <a:fld id="{FC4E1F84-22AE-408B-8AEE-B5F39E910140}" type="datetimeFigureOut">
               <a:rPr lang="en-US" smtClean="0"/>
               <a:pPr/>
-              <a:t>10/7/2011</a:t>
+              <a:t>10/12/11</a:t>
             </a:fld>
             <a:endParaRPr lang="en-US"/>
           </a:p>
@@ -25563,7 +25331,6 @@
               <a:buChar char="•"/>
               <a:defRPr/>
             </a:lvl5pPr>
-            <a:extLst/>
           </a:lstStyle>
           <a:p>
             <a:pPr lvl="0"/>
@@ -25638,7 +25405,6 @@
               <a:buChar char="•"/>
               <a:defRPr/>
             </a:lvl5pPr>
-            <a:extLst/>
           </a:lstStyle>
           <a:p>
             <a:pPr lvl="0"/>
@@ -25713,7 +25479,6 @@
               <a:buChar char="•"/>
               <a:defRPr/>
             </a:lvl5pPr>
-            <a:extLst/>
           </a:lstStyle>
           <a:p>
             <a:pPr lvl="0"/>
@@ -25788,7 +25553,6 @@
               <a:buChar char="•"/>
               <a:defRPr/>
             </a:lvl5pPr>
-            <a:extLst/>
           </a:lstStyle>
           <a:p>
             <a:pPr lvl="0"/>
@@ -25863,7 +25627,6 @@
               <a:buChar char="•"/>
               <a:defRPr/>
             </a:lvl5pPr>
-            <a:extLst/>
           </a:lstStyle>
           <a:p>
             <a:pPr lvl="0"/>
@@ -25892,7 +25655,6 @@
             <a:lvl1pPr algn="l">
               <a:defRPr i="1" baseline="0"/>
             </a:lvl1pPr>
-            <a:extLst/>
           </a:lstStyle>
           <a:p>
             <a:r>
@@ -25916,9 +25678,7 @@
         <p:spPr/>
         <p:txBody>
           <a:bodyPr vert="horz"/>
-          <a:lstStyle>
-            <a:extLst/>
-          </a:lstStyle>
+          <a:lstStyle/>
           <a:p>
             <a:fld id="{700068D3-86B4-4F8E-B6AD-2596F9145F76}" type="slidenum">
               <a:rPr lang="en-US" smtClean="0"/>
@@ -26448,7 +26208,7 @@
 </file>
 
 <file path=ppt/slideMasters/slideMaster1.xml><?xml version="1.0" encoding="utf-8"?>
-<p:sldMaster xmlns:a="http://schemas.openxmlformats.org/drawingml/2006/main" xmlns:r="http://schemas.openxmlformats.org/officeDocument/2006/relationships" xmlns:p="http://schemas.openxmlformats.org/presentationml/2006/main" preserve="1">
+<p:sldMaster xmlns:a="http://schemas.openxmlformats.org/drawingml/2006/main" xmlns:r="http://schemas.openxmlformats.org/officeDocument/2006/relationships" xmlns:mc="http://schemas.openxmlformats.org/markup-compatibility/2006" xmlns:mv="urn:schemas-microsoft-com:mac:vml" xmlns:p="http://schemas.openxmlformats.org/presentationml/2006/main" mc:Ignorable="mv" mc:PreserveAttributes="mv:*" preserve="1">
   <p:cSld>
     <p:bg>
       <p:bgRef idx="1002">
@@ -26492,9 +26252,7 @@
           <a:bodyPr vert="horz" anchor="b">
             <a:normAutofit/>
           </a:bodyPr>
-          <a:lstStyle>
-            <a:extLst/>
-          </a:lstStyle>
+          <a:lstStyle/>
           <a:p>
             <a:r>
               <a:rPr lang="en-US" smtClean="0"/>
@@ -26527,9 +26285,7 @@
           <a:bodyPr vert="horz">
             <a:normAutofit/>
           </a:bodyPr>
-          <a:lstStyle>
-            <a:extLst/>
-          </a:lstStyle>
+          <a:lstStyle/>
           <a:p>
             <a:pPr lvl="0"/>
             <a:r>
@@ -26593,13 +26349,12 @@
             <a:lvl1pPr>
               <a:defRPr sz="1100"/>
             </a:lvl1pPr>
-            <a:extLst/>
           </a:lstStyle>
           <a:p>
             <a:fld id="{FC4E1F84-22AE-408B-8AEE-B5F39E910140}" type="datetimeFigureOut">
               <a:rPr lang="en-US" smtClean="0"/>
               <a:pPr/>
-              <a:t>10/7/2011</a:t>
+              <a:t>10/12/11</a:t>
             </a:fld>
             <a:endParaRPr lang="en-US"/>
           </a:p>
@@ -26630,7 +26385,6 @@
             <a:lvl1pPr>
               <a:defRPr sz="1200"/>
             </a:lvl1pPr>
-            <a:extLst/>
           </a:lstStyle>
           <a:p>
             <a:endParaRPr lang="en-US"/>
@@ -26662,7 +26416,6 @@
             <a:lvl1pPr>
               <a:defRPr sz="1200"/>
             </a:lvl1pPr>
-            <a:extLst/>
           </a:lstStyle>
           <a:p>
             <a:fld id="{700068D3-86B4-4F8E-B6AD-2596F9145F76}" type="slidenum">
@@ -26719,9 +26472,7 @@
           </p:style>
           <p:txBody>
             <a:bodyPr anchor="ctr"/>
-            <a:lstStyle>
-              <a:extLst/>
-            </a:lstStyle>
+            <a:lstStyle/>
             <a:p>
               <a:pPr algn="ctr"/>
               <a:endParaRPr lang="en-US"/>
@@ -26759,9 +26510,7 @@
           </p:style>
           <p:txBody>
             <a:bodyPr anchor="ctr"/>
-            <a:lstStyle>
-              <a:extLst/>
-            </a:lstStyle>
+            <a:lstStyle/>
             <a:p>
               <a:pPr algn="ctr"/>
               <a:endParaRPr lang="en-US"/>
@@ -26799,9 +26548,7 @@
           </p:style>
           <p:txBody>
             <a:bodyPr anchor="ctr"/>
-            <a:lstStyle>
-              <a:extLst/>
-            </a:lstStyle>
+            <a:lstStyle/>
             <a:p>
               <a:pPr algn="ctr"/>
               <a:endParaRPr lang="en-US"/>
@@ -26839,9 +26586,7 @@
           </p:style>
           <p:txBody>
             <a:bodyPr anchor="ctr"/>
-            <a:lstStyle>
-              <a:extLst/>
-            </a:lstStyle>
+            <a:lstStyle/>
             <a:p>
               <a:pPr algn="ctr"/>
               <a:endParaRPr lang="en-US"/>
@@ -26879,9 +26624,7 @@
           </p:style>
           <p:txBody>
             <a:bodyPr anchor="ctr"/>
-            <a:lstStyle>
-              <a:extLst/>
-            </a:lstStyle>
+            <a:lstStyle/>
             <a:p>
               <a:pPr algn="ctr"/>
               <a:endParaRPr lang="en-US"/>
@@ -26919,9 +26662,7 @@
           </p:style>
           <p:txBody>
             <a:bodyPr anchor="ctr"/>
-            <a:lstStyle>
-              <a:extLst/>
-            </a:lstStyle>
+            <a:lstStyle/>
             <a:p>
               <a:pPr algn="ctr"/>
               <a:endParaRPr lang="en-US"/>
@@ -26959,9 +26700,7 @@
           </p:style>
           <p:txBody>
             <a:bodyPr anchor="ctr"/>
-            <a:lstStyle>
-              <a:extLst/>
-            </a:lstStyle>
+            <a:lstStyle/>
             <a:p>
               <a:pPr algn="ctr"/>
               <a:endParaRPr lang="en-US"/>
@@ -27014,9 +26753,7 @@
           </p:style>
           <p:txBody>
             <a:bodyPr anchor="ctr"/>
-            <a:lstStyle>
-              <a:extLst/>
-            </a:lstStyle>
+            <a:lstStyle/>
             <a:p>
               <a:pPr algn="ctr"/>
               <a:endParaRPr lang="en-US"/>
@@ -27054,9 +26791,7 @@
           </p:style>
           <p:txBody>
             <a:bodyPr anchor="ctr"/>
-            <a:lstStyle>
-              <a:extLst/>
-            </a:lstStyle>
+            <a:lstStyle/>
             <a:p>
               <a:pPr algn="ctr"/>
               <a:endParaRPr lang="en-US"/>
@@ -27094,9 +26829,7 @@
           </p:style>
           <p:txBody>
             <a:bodyPr anchor="ctr"/>
-            <a:lstStyle>
-              <a:extLst/>
-            </a:lstStyle>
+            <a:lstStyle/>
             <a:p>
               <a:pPr algn="ctr"/>
               <a:endParaRPr lang="en-US" dirty="0"/>
@@ -27134,9 +26867,7 @@
           </p:style>
           <p:txBody>
             <a:bodyPr anchor="ctr"/>
-            <a:lstStyle>
-              <a:extLst/>
-            </a:lstStyle>
+            <a:lstStyle/>
             <a:p>
               <a:pPr algn="ctr"/>
               <a:endParaRPr lang="en-US" dirty="0"/>
@@ -27174,9 +26905,7 @@
           </p:style>
           <p:txBody>
             <a:bodyPr anchor="ctr"/>
-            <a:lstStyle>
-              <a:extLst/>
-            </a:lstStyle>
+            <a:lstStyle/>
             <a:p>
               <a:pPr algn="ctr"/>
               <a:endParaRPr lang="en-US"/>
@@ -27214,9 +26943,7 @@
           </p:style>
           <p:txBody>
             <a:bodyPr anchor="ctr"/>
-            <a:lstStyle>
-              <a:extLst/>
-            </a:lstStyle>
+            <a:lstStyle/>
             <a:p>
               <a:pPr algn="ctr"/>
               <a:endParaRPr lang="en-US"/>
@@ -27254,9 +26981,7 @@
           </p:style>
           <p:txBody>
             <a:bodyPr anchor="ctr"/>
-            <a:lstStyle>
-              <a:extLst/>
-            </a:lstStyle>
+            <a:lstStyle/>
             <a:p>
               <a:pPr algn="ctr"/>
               <a:endParaRPr lang="en-US"/>
@@ -27296,9 +27021,7 @@
         </p:style>
         <p:txBody>
           <a:bodyPr anchor="ctr"/>
-          <a:lstStyle>
-            <a:extLst/>
-          </a:lstStyle>
+          <a:lstStyle/>
           <a:p>
             <a:pPr algn="ctr"/>
             <a:endParaRPr lang="en-US"/>
@@ -27402,7 +27125,6 @@
           </a:solidFill>
         </a:defRPr>
       </a:lvl9pPr>
-      <a:extLst/>
     </p:titleStyle>
     <p:bodyStyle>
       <a:lvl1pPr marL="342900" indent="-342900" algn="l" rtl="0" eaLnBrk="1" latinLnBrk="0" hangingPunct="1">
@@ -27531,7 +27253,6 @@
           <a:cs typeface="+mn-cs"/>
         </a:defRPr>
       </a:lvl9pPr>
-      <a:extLst/>
     </p:bodyStyle>
     <p:otherStyle>
       <a:lvl1pPr marL="0" algn="l" rtl="0" eaLnBrk="1" hangingPunct="1">
@@ -27624,14 +27345,13 @@
           <a:cs typeface="+mn-cs"/>
         </a:defRPr>
       </a:lvl9pPr>
-      <a:extLst/>
     </p:otherStyle>
   </p:txStyles>
 </p:sldMaster>
 </file>
 
 <file path=ppt/slideMasters/slideMaster2.xml><?xml version="1.0" encoding="utf-8"?>
-<p:sldMaster xmlns:a="http://schemas.openxmlformats.org/drawingml/2006/main" xmlns:r="http://schemas.openxmlformats.org/officeDocument/2006/relationships" xmlns:p="http://schemas.openxmlformats.org/presentationml/2006/main" preserve="1">
+<p:sldMaster xmlns:a="http://schemas.openxmlformats.org/drawingml/2006/main" xmlns:r="http://schemas.openxmlformats.org/officeDocument/2006/relationships" xmlns:mc="http://schemas.openxmlformats.org/markup-compatibility/2006" xmlns:mv="urn:schemas-microsoft-com:mac:vml" xmlns:p="http://schemas.openxmlformats.org/presentationml/2006/main" mc:Ignorable="mv" mc:PreserveAttributes="mv:*" preserve="1">
   <p:cSld>
     <p:bg>
       <p:bgRef idx="1001">
@@ -27820,7 +27540,7 @@
             <a:fld id="{39C41B7C-DC17-4ECC-A2D3-90661E3E8418}" type="datetimeFigureOut">
               <a:rPr lang="en-US" smtClean="0"/>
               <a:pPr/>
-              <a:t>10/7/2011</a:t>
+              <a:t>10/12/11</a:t>
             </a:fld>
             <a:endParaRPr lang="en-US"/>
           </a:p>
@@ -28420,7 +28140,7 @@
 </file>
 
 <file path=ppt/slideMasters/slideMaster3.xml><?xml version="1.0" encoding="utf-8"?>
-<p:sldMaster xmlns:a="http://schemas.openxmlformats.org/drawingml/2006/main" xmlns:r="http://schemas.openxmlformats.org/officeDocument/2006/relationships" xmlns:p="http://schemas.openxmlformats.org/presentationml/2006/main" preserve="1">
+<p:sldMaster xmlns:a="http://schemas.openxmlformats.org/drawingml/2006/main" xmlns:r="http://schemas.openxmlformats.org/officeDocument/2006/relationships" xmlns:mc="http://schemas.openxmlformats.org/markup-compatibility/2006" xmlns:mv="urn:schemas-microsoft-com:mac:vml" xmlns:p="http://schemas.openxmlformats.org/presentationml/2006/main" mc:Ignorable="mv" mc:PreserveAttributes="mv:*" preserve="1">
   <p:cSld>
     <p:bg>
       <p:bgRef idx="1001">
@@ -28609,7 +28329,7 @@
             <a:fld id="{39C41B7C-DC17-4ECC-A2D3-90661E3E8418}" type="datetimeFigureOut">
               <a:rPr lang="en-US" smtClean="0"/>
               <a:pPr/>
-              <a:t>10/7/2011</a:t>
+              <a:t>10/12/11</a:t>
             </a:fld>
             <a:endParaRPr lang="en-US"/>
           </a:p>
@@ -29209,7 +28929,7 @@
 </file>
 
 <file path=ppt/slideMasters/slideMaster4.xml><?xml version="1.0" encoding="utf-8"?>
-<p:sldMaster xmlns:a="http://schemas.openxmlformats.org/drawingml/2006/main" xmlns:r="http://schemas.openxmlformats.org/officeDocument/2006/relationships" xmlns:p="http://schemas.openxmlformats.org/presentationml/2006/main" preserve="1">
+<p:sldMaster xmlns:a="http://schemas.openxmlformats.org/drawingml/2006/main" xmlns:r="http://schemas.openxmlformats.org/officeDocument/2006/relationships" xmlns:mc="http://schemas.openxmlformats.org/markup-compatibility/2006" xmlns:mv="urn:schemas-microsoft-com:mac:vml" xmlns:p="http://schemas.openxmlformats.org/presentationml/2006/main" mc:Ignorable="mv" mc:PreserveAttributes="mv:*" preserve="1">
   <p:cSld>
     <p:bg>
       <p:bgRef idx="1001">
@@ -29398,7 +29118,7 @@
             <a:fld id="{39C41B7C-DC17-4ECC-A2D3-90661E3E8418}" type="datetimeFigureOut">
               <a:rPr lang="en-US" smtClean="0"/>
               <a:pPr/>
-              <a:t>10/7/2011</a:t>
+              <a:t>10/12/11</a:t>
             </a:fld>
             <a:endParaRPr lang="en-US"/>
           </a:p>
@@ -29998,7 +29718,7 @@
 </file>
 
 <file path=ppt/slideMasters/slideMaster5.xml><?xml version="1.0" encoding="utf-8"?>
-<p:sldMaster xmlns:a="http://schemas.openxmlformats.org/drawingml/2006/main" xmlns:r="http://schemas.openxmlformats.org/officeDocument/2006/relationships" xmlns:p="http://schemas.openxmlformats.org/presentationml/2006/main" preserve="1">
+<p:sldMaster xmlns:a="http://schemas.openxmlformats.org/drawingml/2006/main" xmlns:r="http://schemas.openxmlformats.org/officeDocument/2006/relationships" xmlns:mc="http://schemas.openxmlformats.org/markup-compatibility/2006" xmlns:mv="urn:schemas-microsoft-com:mac:vml" xmlns:p="http://schemas.openxmlformats.org/presentationml/2006/main" mc:Ignorable="mv" mc:PreserveAttributes="mv:*" preserve="1">
   <p:cSld>
     <p:bg>
       <p:bgRef idx="1001">
@@ -30187,7 +29907,7 @@
             <a:fld id="{39C41B7C-DC17-4ECC-A2D3-90661E3E8418}" type="datetimeFigureOut">
               <a:rPr lang="en-US" smtClean="0"/>
               <a:pPr/>
-              <a:t>10/7/2011</a:t>
+              <a:t>10/12/11</a:t>
             </a:fld>
             <a:endParaRPr lang="en-US"/>
           </a:p>
@@ -30787,7 +30507,7 @@
 </file>
 
 <file path=ppt/slideMasters/slideMaster6.xml><?xml version="1.0" encoding="utf-8"?>
-<p:sldMaster xmlns:a="http://schemas.openxmlformats.org/drawingml/2006/main" xmlns:r="http://schemas.openxmlformats.org/officeDocument/2006/relationships" xmlns:p="http://schemas.openxmlformats.org/presentationml/2006/main">
+<p:sldMaster xmlns:a="http://schemas.openxmlformats.org/drawingml/2006/main" xmlns:r="http://schemas.openxmlformats.org/officeDocument/2006/relationships" xmlns:mc="http://schemas.openxmlformats.org/markup-compatibility/2006" xmlns:mv="urn:schemas-microsoft-com:mac:vml" xmlns:p="http://schemas.openxmlformats.org/presentationml/2006/main" mc:Ignorable="mv" mc:PreserveAttributes="mv:*">
   <p:cSld>
     <p:bg>
       <p:bgRef idx="1001">
@@ -30884,9 +30604,7 @@
         </p:spPr>
         <p:txBody>
           <a:bodyPr vert="horz" wrap="square" lIns="91440" tIns="45720" rIns="91440" bIns="45720" anchor="t" compatLnSpc="1"/>
-          <a:lstStyle>
-            <a:extLst/>
-          </a:lstStyle>
+          <a:lstStyle/>
           <a:p>
             <a:endParaRPr kumimoji="0" lang="en-US"/>
           </a:p>
@@ -30966,9 +30684,7 @@
         </p:spPr>
         <p:txBody>
           <a:bodyPr vert="horz" wrap="square" lIns="91440" tIns="45720" rIns="91440" bIns="45720" anchor="t" compatLnSpc="1"/>
-          <a:lstStyle>
-            <a:extLst/>
-          </a:lstStyle>
+          <a:lstStyle/>
           <a:p>
             <a:endParaRPr kumimoji="0" lang="en-US"/>
           </a:p>
@@ -31076,9 +30792,7 @@
         </p:style>
         <p:txBody>
           <a:bodyPr vert="horz" wrap="square" lIns="91440" tIns="45720" rIns="91440" bIns="45720" anchor="ctr" compatLnSpc="1"/>
-          <a:lstStyle>
-            <a:extLst/>
-          </a:lstStyle>
+          <a:lstStyle/>
           <a:p>
             <a:pPr algn="ctr" eaLnBrk="1" latinLnBrk="0" hangingPunct="1"/>
             <a:endParaRPr kumimoji="0" lang="en-US"/>
@@ -31168,9 +30882,7 @@
               <a:bevelT w="25400" h="25400"/>
             </a:sp3d>
           </a:bodyPr>
-          <a:lstStyle>
-            <a:extLst/>
-          </a:lstStyle>
+          <a:lstStyle/>
           <a:p>
             <a:r>
               <a:rPr kumimoji="0" lang="en-US" smtClean="0"/>
@@ -31203,9 +30915,7 @@
           <a:bodyPr vert="horz">
             <a:normAutofit/>
           </a:bodyPr>
-          <a:lstStyle>
-            <a:extLst/>
-          </a:lstStyle>
+          <a:lstStyle/>
           <a:p>
             <a:pPr lvl="0" eaLnBrk="1" latinLnBrk="0" hangingPunct="1"/>
             <a:r>
@@ -31273,13 +30983,12 @@
                 </a:solidFill>
               </a:defRPr>
             </a:lvl1pPr>
-            <a:extLst/>
           </a:lstStyle>
           <a:p>
             <a:fld id="{FC4E1F84-22AE-408B-8AEE-B5F39E910140}" type="datetimeFigureOut">
               <a:rPr lang="en-US" smtClean="0"/>
               <a:pPr/>
-              <a:t>10/7/2011</a:t>
+              <a:t>10/12/11</a:t>
             </a:fld>
             <a:endParaRPr lang="en-US"/>
           </a:p>
@@ -31314,7 +31023,6 @@
                 </a:solidFill>
               </a:defRPr>
             </a:lvl1pPr>
-            <a:extLst/>
           </a:lstStyle>
           <a:p>
             <a:endParaRPr lang="en-US"/>
@@ -31350,7 +31058,6 @@
                 </a:solidFill>
               </a:defRPr>
             </a:lvl1pPr>
-            <a:extLst/>
           </a:lstStyle>
           <a:p>
             <a:fld id="{700068D3-86B4-4F8E-B6AD-2596F9145F76}" type="slidenum">
@@ -31411,7 +31118,6 @@
           <a:cs typeface="+mj-cs"/>
         </a:defRPr>
       </a:lvl1pPr>
-      <a:extLst/>
     </p:titleStyle>
     <p:bodyStyle>
       <a:lvl1pPr marL="365760" indent="-256032" algn="l" rtl="0" eaLnBrk="1" latinLnBrk="0" hangingPunct="1">
@@ -31581,7 +31287,6 @@
           <a:cs typeface="+mn-cs"/>
         </a:defRPr>
       </a:lvl9pPr>
-      <a:extLst/>
     </p:bodyStyle>
     <p:otherStyle>
       <a:lvl1pPr marL="0" algn="l" rtl="0" eaLnBrk="1" latinLnBrk="0" hangingPunct="1">
@@ -31674,14 +31379,13 @@
           <a:cs typeface="+mn-cs"/>
         </a:defRPr>
       </a:lvl9pPr>
-      <a:extLst/>
     </p:otherStyle>
   </p:txStyles>
 </p:sldMaster>
 </file>
 
 <file path=ppt/slides/slide1.xml><?xml version="1.0" encoding="utf-8"?>
-<p:sld xmlns:a="http://schemas.openxmlformats.org/drawingml/2006/main" xmlns:r="http://schemas.openxmlformats.org/officeDocument/2006/relationships" xmlns:p="http://schemas.openxmlformats.org/presentationml/2006/main">
+<p:sld xmlns:a="http://schemas.openxmlformats.org/drawingml/2006/main" xmlns:r="http://schemas.openxmlformats.org/officeDocument/2006/relationships" xmlns:mc="http://schemas.openxmlformats.org/markup-compatibility/2006" xmlns:mv="urn:schemas-microsoft-com:mac:vml" xmlns:p="http://schemas.openxmlformats.org/presentationml/2006/main" mc:Ignorable="mv" mc:PreserveAttributes="mv:*">
   <p:cSld>
     <p:spTree>
       <p:nvGrpSpPr>
@@ -31721,11 +31425,7 @@
             </a:br>
             <a:r>
               <a:rPr lang="en-US" dirty="0" smtClean="0"/>
-              <a:t>Genotype to </a:t>
-            </a:r>
-            <a:r>
-              <a:rPr lang="en-US" dirty="0" smtClean="0"/>
-              <a:t>Phenotype</a:t>
+              <a:t>Genotype to Phenotype</a:t>
             </a:r>
             <a:endParaRPr lang="en-US" dirty="0"/>
           </a:p>
@@ -31785,8 +31485,1204 @@
 </p:sld>
 </file>
 
+<file path=ppt/slides/slide10.xml><?xml version="1.0" encoding="utf-8"?>
+<p:sld xmlns:a="http://schemas.openxmlformats.org/drawingml/2006/main" xmlns:r="http://schemas.openxmlformats.org/officeDocument/2006/relationships" xmlns:mc="http://schemas.openxmlformats.org/markup-compatibility/2006" xmlns:mv="urn:schemas-microsoft-com:mac:vml" xmlns:p="http://schemas.openxmlformats.org/presentationml/2006/main" mc:Ignorable="mv" mc:PreserveAttributes="mv:*">
+  <p:cSld>
+    <p:spTree>
+      <p:nvGrpSpPr>
+        <p:cNvPr id="1" name=""/>
+        <p:cNvGrpSpPr/>
+        <p:nvPr/>
+      </p:nvGrpSpPr>
+      <p:grpSpPr>
+        <a:xfrm>
+          <a:off x="0" y="0"/>
+          <a:ext cx="0" cy="0"/>
+          <a:chOff x="0" y="0"/>
+          <a:chExt cx="0" cy="0"/>
+        </a:xfrm>
+      </p:grpSpPr>
+      <p:sp>
+        <p:nvSpPr>
+          <p:cNvPr id="3" name="Title 2"/>
+          <p:cNvSpPr>
+            <a:spLocks noGrp="1"/>
+          </p:cNvSpPr>
+          <p:nvPr>
+            <p:ph type="title"/>
+          </p:nvPr>
+        </p:nvSpPr>
+        <p:spPr/>
+        <p:txBody>
+          <a:bodyPr>
+            <a:normAutofit fontScale="90000"/>
+          </a:bodyPr>
+          <a:lstStyle/>
+          <a:p>
+            <a:r>
+              <a:rPr lang="en-US" dirty="0" smtClean="0"/>
+              <a:t>Some previous work to consider</a:t>
+            </a:r>
+            <a:endParaRPr lang="en-US" dirty="0"/>
+          </a:p>
+        </p:txBody>
+      </p:sp>
+    </p:spTree>
+  </p:cSld>
+  <p:clrMapOvr>
+    <a:masterClrMapping/>
+  </p:clrMapOvr>
+  <p:transition>
+    <p:fade/>
+  </p:transition>
+</p:sld>
+</file>
+
+<file path=ppt/slides/slide11.xml><?xml version="1.0" encoding="utf-8"?>
+<p:sld xmlns:a="http://schemas.openxmlformats.org/drawingml/2006/main" xmlns:r="http://schemas.openxmlformats.org/officeDocument/2006/relationships" xmlns:mc="http://schemas.openxmlformats.org/markup-compatibility/2006" xmlns:mv="urn:schemas-microsoft-com:mac:vml" xmlns:p="http://schemas.openxmlformats.org/presentationml/2006/main" mc:Ignorable="mv" mc:PreserveAttributes="mv:*">
+  <p:cSld>
+    <p:spTree>
+      <p:nvGrpSpPr>
+        <p:cNvPr id="1" name=""/>
+        <p:cNvGrpSpPr/>
+        <p:nvPr/>
+      </p:nvGrpSpPr>
+      <p:grpSpPr>
+        <a:xfrm>
+          <a:off x="0" y="0"/>
+          <a:ext cx="0" cy="0"/>
+          <a:chOff x="0" y="0"/>
+          <a:chExt cx="0" cy="0"/>
+        </a:xfrm>
+      </p:grpSpPr>
+      <p:sp>
+        <p:nvSpPr>
+          <p:cNvPr id="3" name="Title 2"/>
+          <p:cNvSpPr>
+            <a:spLocks noGrp="1"/>
+          </p:cNvSpPr>
+          <p:nvPr>
+            <p:ph type="title"/>
+          </p:nvPr>
+        </p:nvSpPr>
+        <p:spPr/>
+        <p:txBody>
+          <a:bodyPr>
+            <a:normAutofit fontScale="90000"/>
+          </a:bodyPr>
+          <a:lstStyle/>
+          <a:p>
+            <a:r>
+              <a:rPr lang="en-US" dirty="0" smtClean="0"/>
+              <a:t>Entity-quality model of phenotype representation</a:t>
+            </a:r>
+            <a:endParaRPr lang="en-US" dirty="0"/>
+          </a:p>
+        </p:txBody>
+      </p:sp>
+      <p:pic>
+        <p:nvPicPr>
+          <p:cNvPr id="4" name="Picture 3"/>
+          <p:cNvPicPr>
+            <a:picLocks noChangeAspect="1"/>
+          </p:cNvPicPr>
+          <p:nvPr/>
+        </p:nvPicPr>
+        <p:blipFill>
+          <a:blip r:embed="rId2"/>
+          <a:stretch>
+            <a:fillRect/>
+          </a:stretch>
+        </p:blipFill>
+        <p:spPr>
+          <a:xfrm>
+            <a:off x="2819400" y="2743200"/>
+            <a:ext cx="3556000" cy="2222500"/>
+          </a:xfrm>
+          <a:prstGeom prst="rect">
+            <a:avLst/>
+          </a:prstGeom>
+        </p:spPr>
+      </p:pic>
+      <p:sp>
+        <p:nvSpPr>
+          <p:cNvPr id="5" name="TextBox 4"/>
+          <p:cNvSpPr txBox="1"/>
+          <p:nvPr/>
+        </p:nvSpPr>
+        <p:spPr>
+          <a:xfrm>
+            <a:off x="3195053" y="2192421"/>
+            <a:ext cx="813043" cy="369332"/>
+          </a:xfrm>
+          <a:prstGeom prst="rect">
+            <a:avLst/>
+          </a:prstGeom>
+          <a:noFill/>
+        </p:spPr>
+        <p:txBody>
+          <a:bodyPr wrap="none" rtlCol="0">
+            <a:spAutoFit/>
+          </a:bodyPr>
+          <a:lstStyle/>
+          <a:p>
+            <a:r>
+              <a:rPr lang="en-US" dirty="0" smtClean="0"/>
+              <a:t>Entity</a:t>
+            </a:r>
+            <a:endParaRPr lang="en-US" dirty="0"/>
+          </a:p>
+        </p:txBody>
+      </p:sp>
+      <p:sp>
+        <p:nvSpPr>
+          <p:cNvPr id="6" name="TextBox 5"/>
+          <p:cNvSpPr txBox="1"/>
+          <p:nvPr/>
+        </p:nvSpPr>
+        <p:spPr>
+          <a:xfrm>
+            <a:off x="5181600" y="2209800"/>
+            <a:ext cx="975109" cy="369332"/>
+          </a:xfrm>
+          <a:prstGeom prst="rect">
+            <a:avLst/>
+          </a:prstGeom>
+          <a:noFill/>
+        </p:spPr>
+        <p:txBody>
+          <a:bodyPr wrap="none" rtlCol="0">
+            <a:spAutoFit/>
+          </a:bodyPr>
+          <a:lstStyle/>
+          <a:p>
+            <a:r>
+              <a:rPr lang="en-US" dirty="0" smtClean="0"/>
+              <a:t>Quality</a:t>
+            </a:r>
+            <a:endParaRPr lang="en-US" dirty="0"/>
+          </a:p>
+        </p:txBody>
+      </p:sp>
+      <p:sp>
+        <p:nvSpPr>
+          <p:cNvPr id="7" name="TextBox 6"/>
+          <p:cNvSpPr txBox="1"/>
+          <p:nvPr/>
+        </p:nvSpPr>
+        <p:spPr>
+          <a:xfrm>
+            <a:off x="5962316" y="5735053"/>
+            <a:ext cx="2871324" cy="400110"/>
+          </a:xfrm>
+          <a:prstGeom prst="rect">
+            <a:avLst/>
+          </a:prstGeom>
+          <a:noFill/>
+        </p:spPr>
+        <p:txBody>
+          <a:bodyPr wrap="none" rtlCol="0">
+            <a:spAutoFit/>
+          </a:bodyPr>
+          <a:lstStyle/>
+          <a:p>
+            <a:r>
+              <a:rPr lang="en-US" sz="2000" dirty="0" err="1" smtClean="0"/>
+              <a:t>Mungall</a:t>
+            </a:r>
+            <a:r>
+              <a:rPr lang="en-US" sz="2000" dirty="0" smtClean="0"/>
+              <a:t> OWLED 2007</a:t>
+            </a:r>
+            <a:endParaRPr lang="en-US" sz="2000" dirty="0"/>
+          </a:p>
+        </p:txBody>
+      </p:sp>
+    </p:spTree>
+  </p:cSld>
+  <p:clrMapOvr>
+    <a:masterClrMapping/>
+  </p:clrMapOvr>
+  <p:transition>
+    <p:fade/>
+  </p:transition>
+</p:sld>
+</file>
+
+<file path=ppt/slides/slide12.xml><?xml version="1.0" encoding="utf-8"?>
+<p:sld xmlns:a="http://schemas.openxmlformats.org/drawingml/2006/main" xmlns:r="http://schemas.openxmlformats.org/officeDocument/2006/relationships" xmlns:mc="http://schemas.openxmlformats.org/markup-compatibility/2006" xmlns:mv="urn:schemas-microsoft-com:mac:vml" xmlns:p="http://schemas.openxmlformats.org/presentationml/2006/main" mc:Ignorable="mv" mc:PreserveAttributes="mv:*">
+  <p:cSld>
+    <p:spTree>
+      <p:nvGrpSpPr>
+        <p:cNvPr id="1" name=""/>
+        <p:cNvGrpSpPr/>
+        <p:nvPr/>
+      </p:nvGrpSpPr>
+      <p:grpSpPr>
+        <a:xfrm>
+          <a:off x="0" y="0"/>
+          <a:ext cx="0" cy="0"/>
+          <a:chOff x="0" y="0"/>
+          <a:chExt cx="0" cy="0"/>
+        </a:xfrm>
+      </p:grpSpPr>
+      <p:sp>
+        <p:nvSpPr>
+          <p:cNvPr id="3" name="Title 2"/>
+          <p:cNvSpPr>
+            <a:spLocks noGrp="1"/>
+          </p:cNvSpPr>
+          <p:nvPr>
+            <p:ph type="title"/>
+          </p:nvPr>
+        </p:nvSpPr>
+        <p:spPr/>
+        <p:txBody>
+          <a:bodyPr/>
+          <a:lstStyle/>
+          <a:p>
+            <a:pPr algn="ctr"/>
+            <a:r>
+              <a:rPr lang="en-US" dirty="0" smtClean="0"/>
+              <a:t>EQ examples</a:t>
+            </a:r>
+            <a:endParaRPr lang="en-US" dirty="0"/>
+          </a:p>
+        </p:txBody>
+      </p:sp>
+      <p:pic>
+        <p:nvPicPr>
+          <p:cNvPr id="4" name="Picture 3"/>
+          <p:cNvPicPr>
+            <a:picLocks noChangeAspect="1"/>
+          </p:cNvPicPr>
+          <p:nvPr/>
+        </p:nvPicPr>
+        <p:blipFill>
+          <a:blip r:embed="rId2"/>
+          <a:stretch>
+            <a:fillRect/>
+          </a:stretch>
+        </p:blipFill>
+        <p:spPr>
+          <a:xfrm>
+            <a:off x="1828800" y="1752600"/>
+            <a:ext cx="5347677" cy="4089400"/>
+          </a:xfrm>
+          <a:prstGeom prst="rect">
+            <a:avLst/>
+          </a:prstGeom>
+        </p:spPr>
+      </p:pic>
+    </p:spTree>
+  </p:cSld>
+  <p:clrMapOvr>
+    <a:masterClrMapping/>
+  </p:clrMapOvr>
+  <p:transition>
+    <p:fade/>
+  </p:transition>
+</p:sld>
+</file>
+
+<file path=ppt/slides/slide13.xml><?xml version="1.0" encoding="utf-8"?>
+<p:sld xmlns:a="http://schemas.openxmlformats.org/drawingml/2006/main" xmlns:r="http://schemas.openxmlformats.org/officeDocument/2006/relationships" xmlns:mc="http://schemas.openxmlformats.org/markup-compatibility/2006" xmlns:mv="urn:schemas-microsoft-com:mac:vml" xmlns:p="http://schemas.openxmlformats.org/presentationml/2006/main" mc:Ignorable="mv" mc:PreserveAttributes="mv:*">
+  <p:cSld>
+    <p:spTree>
+      <p:nvGrpSpPr>
+        <p:cNvPr id="1" name=""/>
+        <p:cNvGrpSpPr/>
+        <p:nvPr/>
+      </p:nvGrpSpPr>
+      <p:grpSpPr>
+        <a:xfrm>
+          <a:off x="0" y="0"/>
+          <a:ext cx="0" cy="0"/>
+          <a:chOff x="0" y="0"/>
+          <a:chExt cx="0" cy="0"/>
+        </a:xfrm>
+      </p:grpSpPr>
+      <p:pic>
+        <p:nvPicPr>
+          <p:cNvPr id="45060" name="Picture 5" descr="fig2venn.jpg"/>
+          <p:cNvPicPr>
+            <a:picLocks noChangeAspect="1"/>
+          </p:cNvPicPr>
+          <p:nvPr/>
+        </p:nvPicPr>
+        <p:blipFill>
+          <a:blip r:embed="rId2"/>
+          <a:srcRect/>
+          <a:stretch>
+            <a:fillRect/>
+          </a:stretch>
+        </p:blipFill>
+        <p:spPr bwMode="auto">
+          <a:xfrm>
+            <a:off x="838200" y="914400"/>
+            <a:ext cx="7162800" cy="5957887"/>
+          </a:xfrm>
+          <a:prstGeom prst="rect">
+            <a:avLst/>
+          </a:prstGeom>
+          <a:noFill/>
+          <a:ln w="9525">
+            <a:noFill/>
+            <a:miter lim="800000"/>
+            <a:headEnd/>
+            <a:tailEnd/>
+          </a:ln>
+        </p:spPr>
+      </p:pic>
+      <p:sp>
+        <p:nvSpPr>
+          <p:cNvPr id="4" name="Title 2"/>
+          <p:cNvSpPr txBox="1">
+            <a:spLocks/>
+          </p:cNvSpPr>
+          <p:nvPr/>
+        </p:nvSpPr>
+        <p:spPr>
+          <a:xfrm>
+            <a:off x="457200" y="-152400"/>
+            <a:ext cx="8229600" cy="1143000"/>
+          </a:xfrm>
+          <a:prstGeom prst="rect">
+            <a:avLst/>
+          </a:prstGeom>
+        </p:spPr>
+        <p:txBody>
+          <a:bodyPr vert="horz" rtlCol="0" anchor="ctr">
+            <a:normAutofit/>
+            <a:scene3d>
+              <a:camera prst="orthographicFront"/>
+              <a:lightRig rig="soft" dir="t"/>
+            </a:scene3d>
+            <a:sp3d prstMaterial="softEdge">
+              <a:bevelT w="25400" h="25400"/>
+            </a:sp3d>
+          </a:bodyPr>
+          <a:lstStyle/>
+          <a:p>
+            <a:pPr marL="0" marR="0" lvl="0" indent="0" algn="ctr" defTabSz="914400" rtl="0" eaLnBrk="1" fontAlgn="auto" latinLnBrk="0" hangingPunct="1">
+              <a:lnSpc>
+                <a:spcPct val="100000"/>
+              </a:lnSpc>
+              <a:spcBef>
+                <a:spcPct val="0"/>
+              </a:spcBef>
+              <a:spcAft>
+                <a:spcPts val="0"/>
+              </a:spcAft>
+              <a:buClrTx/>
+              <a:buSzTx/>
+              <a:buFontTx/>
+              <a:buNone/>
+              <a:tabLst/>
+              <a:defRPr/>
+            </a:pPr>
+            <a:r>
+              <a:rPr kumimoji="0" lang="en-US" sz="4100" b="1" i="0" u="none" strike="noStrike" kern="1200" cap="none" spc="0" normalizeH="0" baseline="0" noProof="0" dirty="0" smtClean="0">
+                <a:ln>
+                  <a:noFill/>
+                </a:ln>
+                <a:solidFill>
+                  <a:schemeClr val="tx2"/>
+                </a:solidFill>
+                <a:effectLst>
+                  <a:outerShdw blurRad="31750" dist="25400" dir="5400000" algn="tl" rotWithShape="0">
+                    <a:srgbClr val="000000">
+                      <a:alpha val="25000"/>
+                    </a:srgbClr>
+                  </a:outerShdw>
+                </a:effectLst>
+                <a:uLnTx/>
+                <a:uFillTx/>
+                <a:latin typeface="+mj-lt"/>
+                <a:ea typeface="+mj-ea"/>
+                <a:cs typeface="+mj-cs"/>
+              </a:rPr>
+              <a:t>EQ </a:t>
+            </a:r>
+            <a:r>
+              <a:rPr kumimoji="0" lang="en-US" sz="4100" b="1" i="0" u="none" strike="noStrike" kern="1200" cap="none" spc="0" normalizeH="0" baseline="0" noProof="0" dirty="0" err="1" smtClean="0">
+                <a:ln>
+                  <a:noFill/>
+                </a:ln>
+                <a:solidFill>
+                  <a:schemeClr val="tx2"/>
+                </a:solidFill>
+                <a:effectLst>
+                  <a:outerShdw blurRad="31750" dist="25400" dir="5400000" algn="tl" rotWithShape="0">
+                    <a:srgbClr val="000000">
+                      <a:alpha val="25000"/>
+                    </a:srgbClr>
+                  </a:outerShdw>
+                </a:effectLst>
+                <a:uLnTx/>
+                <a:uFillTx/>
+                <a:latin typeface="+mj-lt"/>
+                <a:ea typeface="+mj-ea"/>
+                <a:cs typeface="+mj-cs"/>
+              </a:rPr>
+              <a:t>subsumption</a:t>
+            </a:r>
+            <a:endParaRPr kumimoji="0" lang="en-US" sz="4100" b="1" i="0" u="none" strike="noStrike" kern="1200" cap="none" spc="0" normalizeH="0" baseline="0" noProof="0" dirty="0">
+              <a:ln>
+                <a:noFill/>
+              </a:ln>
+              <a:solidFill>
+                <a:schemeClr val="tx2"/>
+              </a:solidFill>
+              <a:effectLst>
+                <a:outerShdw blurRad="31750" dist="25400" dir="5400000" algn="tl" rotWithShape="0">
+                  <a:srgbClr val="000000">
+                    <a:alpha val="25000"/>
+                  </a:srgbClr>
+                </a:outerShdw>
+              </a:effectLst>
+              <a:uLnTx/>
+              <a:uFillTx/>
+              <a:latin typeface="+mj-lt"/>
+              <a:ea typeface="+mj-ea"/>
+              <a:cs typeface="+mj-cs"/>
+            </a:endParaRPr>
+          </a:p>
+        </p:txBody>
+      </p:sp>
+    </p:spTree>
+  </p:cSld>
+  <p:clrMapOvr>
+    <a:masterClrMapping/>
+  </p:clrMapOvr>
+</p:sld>
+</file>
+
+<file path=ppt/slides/slide14.xml><?xml version="1.0" encoding="utf-8"?>
+<p:sld xmlns:a="http://schemas.openxmlformats.org/drawingml/2006/main" xmlns:r="http://schemas.openxmlformats.org/officeDocument/2006/relationships" xmlns:mc="http://schemas.openxmlformats.org/markup-compatibility/2006" xmlns:mv="urn:schemas-microsoft-com:mac:vml" xmlns:p="http://schemas.openxmlformats.org/presentationml/2006/main" mc:Ignorable="mv" mc:PreserveAttributes="mv:*">
+  <p:cSld>
+    <p:spTree>
+      <p:nvGrpSpPr>
+        <p:cNvPr id="1" name=""/>
+        <p:cNvGrpSpPr/>
+        <p:nvPr/>
+      </p:nvGrpSpPr>
+      <p:grpSpPr>
+        <a:xfrm>
+          <a:off x="0" y="0"/>
+          <a:ext cx="0" cy="0"/>
+          <a:chOff x="0" y="0"/>
+          <a:chExt cx="0" cy="0"/>
+        </a:xfrm>
+      </p:grpSpPr>
+      <p:sp>
+        <p:nvSpPr>
+          <p:cNvPr id="3" name="Title 2"/>
+          <p:cNvSpPr>
+            <a:spLocks noGrp="1"/>
+          </p:cNvSpPr>
+          <p:nvPr>
+            <p:ph type="title"/>
+          </p:nvPr>
+        </p:nvSpPr>
+        <p:spPr/>
+        <p:txBody>
+          <a:bodyPr>
+            <a:normAutofit fontScale="90000"/>
+          </a:bodyPr>
+          <a:lstStyle/>
+          <a:p>
+            <a:r>
+              <a:rPr lang="en-US" dirty="0" smtClean="0"/>
+              <a:t>Relating </a:t>
+            </a:r>
+            <a:r>
+              <a:rPr lang="en-US" dirty="0" err="1" smtClean="0"/>
+              <a:t>precomposed</a:t>
+            </a:r>
+            <a:r>
+              <a:rPr lang="en-US" dirty="0" smtClean="0"/>
+              <a:t> phenotype ontology classes with EQ model</a:t>
+            </a:r>
+            <a:endParaRPr lang="en-US" dirty="0"/>
+          </a:p>
+        </p:txBody>
+      </p:sp>
+      <p:pic>
+        <p:nvPicPr>
+          <p:cNvPr id="4" name="Picture 3"/>
+          <p:cNvPicPr>
+            <a:picLocks noChangeAspect="1"/>
+          </p:cNvPicPr>
+          <p:nvPr/>
+        </p:nvPicPr>
+        <p:blipFill>
+          <a:blip r:embed="rId2"/>
+          <a:srcRect l="3846" t="4023"/>
+          <a:stretch>
+            <a:fillRect/>
+          </a:stretch>
+        </p:blipFill>
+        <p:spPr>
+          <a:xfrm>
+            <a:off x="914400" y="1447800"/>
+            <a:ext cx="6600958" cy="4267200"/>
+          </a:xfrm>
+          <a:prstGeom prst="rect">
+            <a:avLst/>
+          </a:prstGeom>
+        </p:spPr>
+      </p:pic>
+      <p:sp>
+        <p:nvSpPr>
+          <p:cNvPr id="5" name="TextBox 4"/>
+          <p:cNvSpPr txBox="1"/>
+          <p:nvPr/>
+        </p:nvSpPr>
+        <p:spPr>
+          <a:xfrm>
+            <a:off x="6705600" y="6096000"/>
+            <a:ext cx="2131187" cy="369332"/>
+          </a:xfrm>
+          <a:prstGeom prst="rect">
+            <a:avLst/>
+          </a:prstGeom>
+          <a:noFill/>
+        </p:spPr>
+        <p:txBody>
+          <a:bodyPr wrap="none" rtlCol="0">
+            <a:spAutoFit/>
+          </a:bodyPr>
+          <a:lstStyle/>
+          <a:p>
+            <a:r>
+              <a:rPr lang="en-US" dirty="0" err="1" smtClean="0"/>
+              <a:t>Mungall</a:t>
+            </a:r>
+            <a:r>
+              <a:rPr lang="en-US" dirty="0" smtClean="0"/>
+              <a:t> MP 2010</a:t>
+            </a:r>
+            <a:endParaRPr lang="en-US" dirty="0"/>
+          </a:p>
+        </p:txBody>
+      </p:sp>
+    </p:spTree>
+  </p:cSld>
+  <p:clrMapOvr>
+    <a:masterClrMapping/>
+  </p:clrMapOvr>
+  <p:transition>
+    <p:fade/>
+  </p:transition>
+</p:sld>
+</file>
+
+<file path=ppt/slides/slide15.xml><?xml version="1.0" encoding="utf-8"?>
+<p:sld xmlns:a="http://schemas.openxmlformats.org/drawingml/2006/main" xmlns:r="http://schemas.openxmlformats.org/officeDocument/2006/relationships" xmlns:mc="http://schemas.openxmlformats.org/markup-compatibility/2006" xmlns:mv="urn:schemas-microsoft-com:mac:vml" xmlns:p="http://schemas.openxmlformats.org/presentationml/2006/main" mc:Ignorable="mv" mc:PreserveAttributes="mv:*">
+  <p:cSld>
+    <p:spTree>
+      <p:nvGrpSpPr>
+        <p:cNvPr id="1" name=""/>
+        <p:cNvGrpSpPr/>
+        <p:nvPr/>
+      </p:nvGrpSpPr>
+      <p:grpSpPr>
+        <a:xfrm>
+          <a:off x="0" y="0"/>
+          <a:ext cx="0" cy="0"/>
+          <a:chOff x="0" y="0"/>
+          <a:chExt cx="0" cy="0"/>
+        </a:xfrm>
+      </p:grpSpPr>
+      <p:sp>
+        <p:nvSpPr>
+          <p:cNvPr id="3" name="Title 2"/>
+          <p:cNvSpPr>
+            <a:spLocks noGrp="1"/>
+          </p:cNvSpPr>
+          <p:nvPr>
+            <p:ph type="title"/>
+          </p:nvPr>
+        </p:nvSpPr>
+        <p:spPr/>
+        <p:txBody>
+          <a:bodyPr/>
+          <a:lstStyle/>
+          <a:p>
+            <a:r>
+              <a:rPr lang="en-US" dirty="0" smtClean="0"/>
+              <a:t>The </a:t>
+            </a:r>
+            <a:r>
+              <a:rPr lang="en-US" dirty="0" err="1" smtClean="0"/>
+              <a:t>phene</a:t>
+            </a:r>
+            <a:r>
+              <a:rPr lang="en-US" dirty="0" smtClean="0"/>
+              <a:t> approach</a:t>
+            </a:r>
+            <a:endParaRPr lang="en-US" dirty="0"/>
+          </a:p>
+        </p:txBody>
+      </p:sp>
+      <p:sp>
+        <p:nvSpPr>
+          <p:cNvPr id="4" name="TextBox 3"/>
+          <p:cNvSpPr txBox="1"/>
+          <p:nvPr/>
+        </p:nvSpPr>
+        <p:spPr>
+          <a:xfrm>
+            <a:off x="228600" y="1447800"/>
+            <a:ext cx="8637141" cy="3477875"/>
+          </a:xfrm>
+          <a:prstGeom prst="rect">
+            <a:avLst/>
+          </a:prstGeom>
+          <a:noFill/>
+        </p:spPr>
+        <p:txBody>
+          <a:bodyPr wrap="square" rtlCol="0">
+            <a:spAutoFit/>
+          </a:bodyPr>
+          <a:lstStyle/>
+          <a:p>
+            <a:r>
+              <a:rPr lang="en-US" sz="2000" dirty="0" err="1" smtClean="0"/>
+              <a:t>Phenes</a:t>
+            </a:r>
+            <a:r>
+              <a:rPr lang="en-US" sz="2000" dirty="0" smtClean="0"/>
+              <a:t> are </a:t>
+            </a:r>
+            <a:r>
+              <a:rPr lang="en-US" sz="2000" dirty="0" smtClean="0"/>
+              <a:t>attributive entities which are existentially dependent on a bearer, </a:t>
+            </a:r>
+            <a:r>
+              <a:rPr lang="en-US" sz="2000" dirty="0" smtClean="0"/>
+              <a:t>and </a:t>
+            </a:r>
+            <a:r>
+              <a:rPr lang="en-US" sz="2000" dirty="0" err="1" smtClean="0"/>
+              <a:t>phenes</a:t>
+            </a:r>
+            <a:r>
+              <a:rPr lang="en-US" sz="2000" dirty="0" smtClean="0"/>
+              <a:t> </a:t>
+            </a:r>
+            <a:r>
+              <a:rPr lang="en-US" sz="2000" dirty="0" smtClean="0"/>
+              <a:t>characterize the properties of their bearer.</a:t>
+            </a:r>
+            <a:r>
+              <a:rPr lang="en-US" sz="2000" dirty="0" smtClean="0"/>
+              <a:t> </a:t>
+            </a:r>
+          </a:p>
+          <a:p>
+            <a:endParaRPr lang="en-US" sz="2000" dirty="0" smtClean="0"/>
+          </a:p>
+          <a:p>
+            <a:r>
+              <a:rPr lang="en-US" sz="2000" dirty="0" smtClean="0"/>
+              <a:t>Therefore</a:t>
+            </a:r>
+            <a:r>
+              <a:rPr lang="en-US" sz="2000" dirty="0" smtClean="0"/>
+              <a:t>, we </a:t>
+            </a:r>
+            <a:r>
+              <a:rPr lang="en-US" sz="2000" dirty="0" smtClean="0"/>
+              <a:t>formally define </a:t>
+            </a:r>
+            <a:r>
+              <a:rPr lang="en-US" sz="2000" dirty="0" err="1" smtClean="0"/>
+              <a:t>phenes</a:t>
+            </a:r>
+            <a:r>
+              <a:rPr lang="en-US" sz="2000" dirty="0" smtClean="0"/>
+              <a:t> as the properties that are possessed by ‘entities which </a:t>
+            </a:r>
+            <a:r>
+              <a:rPr lang="en-US" sz="2000" dirty="0" smtClean="0"/>
+              <a:t>are </a:t>
+            </a:r>
+            <a:r>
+              <a:rPr lang="en-US" sz="2000" i="1" dirty="0" smtClean="0"/>
+              <a:t>Y</a:t>
+            </a:r>
+            <a:r>
+              <a:rPr lang="en-US" sz="2000" i="1" dirty="0" smtClean="0"/>
+              <a:t>’, and express Y as class-membership in description logic, or as a </a:t>
+            </a:r>
+            <a:r>
+              <a:rPr lang="en-US" sz="2000" i="1" dirty="0" smtClean="0"/>
+              <a:t>unary </a:t>
+            </a:r>
+            <a:r>
+              <a:rPr lang="en-US" sz="2000" dirty="0" smtClean="0"/>
+              <a:t>predicates </a:t>
+            </a:r>
+            <a:r>
+              <a:rPr lang="en-US" sz="2000" dirty="0" smtClean="0"/>
+              <a:t>in first-order logic. We call </a:t>
+            </a:r>
+            <a:r>
+              <a:rPr lang="en-US" sz="2000" i="1" dirty="0" smtClean="0"/>
+              <a:t>Y the defining property of a </a:t>
+            </a:r>
+            <a:r>
+              <a:rPr lang="en-US" sz="2000" i="1" dirty="0" err="1" smtClean="0"/>
+              <a:t>phene</a:t>
+            </a:r>
+            <a:r>
+              <a:rPr lang="en-US" sz="2000" i="1" dirty="0" smtClean="0"/>
+              <a:t>.</a:t>
+            </a:r>
+            <a:endParaRPr lang="en-US" sz="2000" i="1" dirty="0" smtClean="0"/>
+          </a:p>
+          <a:p>
+            <a:endParaRPr lang="en-US" sz="2000" dirty="0" smtClean="0"/>
+          </a:p>
+          <a:p>
+            <a:r>
+              <a:rPr lang="en-US" sz="2000" dirty="0" smtClean="0"/>
+              <a:t>The </a:t>
+            </a:r>
+            <a:r>
+              <a:rPr lang="en-US" sz="2000" dirty="0" smtClean="0"/>
+              <a:t>defining property of a </a:t>
+            </a:r>
+            <a:r>
+              <a:rPr lang="en-US" sz="2000" dirty="0" err="1" smtClean="0"/>
+              <a:t>phene</a:t>
+            </a:r>
+            <a:r>
+              <a:rPr lang="en-US" sz="2000" dirty="0" smtClean="0"/>
+              <a:t> characterizes the </a:t>
+            </a:r>
+            <a:r>
+              <a:rPr lang="en-US" sz="2000" dirty="0" err="1" smtClean="0"/>
+              <a:t>phene’s</a:t>
+            </a:r>
+            <a:r>
+              <a:rPr lang="en-US" sz="2000" dirty="0" smtClean="0"/>
+              <a:t> bearer, </a:t>
+            </a:r>
+            <a:r>
+              <a:rPr lang="en-US" sz="2000" dirty="0" smtClean="0"/>
+              <a:t>and therefore </a:t>
+            </a:r>
+            <a:r>
+              <a:rPr lang="en-US" sz="2000" dirty="0" smtClean="0"/>
+              <a:t>we can distinguish different kinds of </a:t>
+            </a:r>
+            <a:r>
+              <a:rPr lang="en-US" sz="2000" dirty="0" err="1" smtClean="0"/>
+              <a:t>phenes</a:t>
+            </a:r>
+            <a:r>
+              <a:rPr lang="en-US" sz="2000" dirty="0" smtClean="0"/>
+              <a:t> based on the </a:t>
+            </a:r>
+            <a:r>
+              <a:rPr lang="en-US" sz="2000" dirty="0" smtClean="0"/>
+              <a:t>relations that </a:t>
+            </a:r>
+            <a:r>
+              <a:rPr lang="en-US" sz="2000" dirty="0" smtClean="0"/>
+              <a:t>are necessary to formulate this characteristic.</a:t>
+            </a:r>
+            <a:endParaRPr lang="en-US" sz="2000" dirty="0"/>
+          </a:p>
+        </p:txBody>
+      </p:sp>
+      <p:sp>
+        <p:nvSpPr>
+          <p:cNvPr id="5" name="TextBox 4"/>
+          <p:cNvSpPr txBox="1"/>
+          <p:nvPr/>
+        </p:nvSpPr>
+        <p:spPr>
+          <a:xfrm>
+            <a:off x="6705600" y="6211669"/>
+            <a:ext cx="2034481" cy="646331"/>
+          </a:xfrm>
+          <a:prstGeom prst="rect">
+            <a:avLst/>
+          </a:prstGeom>
+          <a:noFill/>
+        </p:spPr>
+        <p:txBody>
+          <a:bodyPr wrap="none" rtlCol="0">
+            <a:spAutoFit/>
+          </a:bodyPr>
+          <a:lstStyle/>
+          <a:p>
+            <a:r>
+              <a:rPr lang="en-US" dirty="0" err="1" smtClean="0"/>
+              <a:t>Hoehndorf</a:t>
+            </a:r>
+            <a:r>
+              <a:rPr lang="en-US" dirty="0" smtClean="0"/>
+              <a:t> 2010</a:t>
+            </a:r>
+          </a:p>
+          <a:p>
+            <a:endParaRPr lang="en-US" dirty="0"/>
+          </a:p>
+        </p:txBody>
+      </p:sp>
+    </p:spTree>
+  </p:cSld>
+  <p:clrMapOvr>
+    <a:masterClrMapping/>
+  </p:clrMapOvr>
+  <p:transition>
+    <p:fade/>
+  </p:transition>
+</p:sld>
+</file>
+
+<file path=ppt/slides/slide16.xml><?xml version="1.0" encoding="utf-8"?>
+<p:sld xmlns:a="http://schemas.openxmlformats.org/drawingml/2006/main" xmlns:r="http://schemas.openxmlformats.org/officeDocument/2006/relationships" xmlns:mc="http://schemas.openxmlformats.org/markup-compatibility/2006" xmlns:mv="urn:schemas-microsoft-com:mac:vml" xmlns:p="http://schemas.openxmlformats.org/presentationml/2006/main" mc:Ignorable="mv" mc:PreserveAttributes="mv:*">
+  <p:cSld>
+    <p:spTree>
+      <p:nvGrpSpPr>
+        <p:cNvPr id="1" name=""/>
+        <p:cNvGrpSpPr/>
+        <p:nvPr/>
+      </p:nvGrpSpPr>
+      <p:grpSpPr>
+        <a:xfrm>
+          <a:off x="0" y="0"/>
+          <a:ext cx="0" cy="0"/>
+          <a:chOff x="0" y="0"/>
+          <a:chExt cx="0" cy="0"/>
+        </a:xfrm>
+      </p:grpSpPr>
+      <p:sp>
+        <p:nvSpPr>
+          <p:cNvPr id="2" name="Content Placeholder 1"/>
+          <p:cNvSpPr>
+            <a:spLocks noGrp="1"/>
+          </p:cNvSpPr>
+          <p:nvPr>
+            <p:ph idx="1"/>
+          </p:nvPr>
+        </p:nvSpPr>
+        <p:spPr/>
+        <p:txBody>
+          <a:bodyPr>
+            <a:normAutofit/>
+          </a:bodyPr>
+          <a:lstStyle/>
+          <a:p>
+            <a:pPr>
+              <a:buNone/>
+            </a:pPr>
+            <a:r>
+              <a:rPr lang="en-US" sz="1600" b="1" dirty="0" smtClean="0"/>
+              <a:t>Fig</a:t>
+            </a:r>
+            <a:r>
+              <a:rPr lang="en-US" sz="1600" b="1" dirty="0" smtClean="0"/>
+              <a:t>. 1. The first distinction is drawn between </a:t>
+            </a:r>
+            <a:r>
+              <a:rPr lang="en-US" sz="1600" b="1" dirty="0" err="1" smtClean="0"/>
+              <a:t>phenes</a:t>
+            </a:r>
+            <a:r>
+              <a:rPr lang="en-US" sz="1600" b="1" dirty="0" smtClean="0"/>
+              <a:t> of objects and </a:t>
+            </a:r>
+            <a:r>
+              <a:rPr lang="en-US" sz="1600" b="1" dirty="0" err="1" smtClean="0"/>
+              <a:t>phenes</a:t>
+            </a:r>
+            <a:r>
+              <a:rPr lang="en-US" sz="1600" b="1" dirty="0" smtClean="0"/>
+              <a:t> of processes. We primarily classify </a:t>
+            </a:r>
+            <a:r>
+              <a:rPr lang="en-US" sz="1600" b="1" dirty="0" err="1" smtClean="0"/>
+              <a:t>phenes</a:t>
+            </a:r>
+            <a:r>
+              <a:rPr lang="en-US" sz="1600" b="1" dirty="0" smtClean="0"/>
+              <a:t> of objects into four main </a:t>
+            </a:r>
+            <a:r>
+              <a:rPr lang="en-US" sz="1600" b="1" dirty="0" smtClean="0"/>
+              <a:t>categories: structural</a:t>
+            </a:r>
+            <a:r>
+              <a:rPr lang="en-US" sz="1600" b="1" dirty="0" smtClean="0"/>
+              <a:t>, functional, qualitative and participatory </a:t>
+            </a:r>
+            <a:r>
+              <a:rPr lang="en-US" sz="1600" b="1" dirty="0" err="1" smtClean="0"/>
+              <a:t>phenes</a:t>
+            </a:r>
+            <a:r>
+              <a:rPr lang="en-US" sz="1600" b="1" dirty="0" smtClean="0"/>
+              <a:t>. Under </a:t>
+            </a:r>
+            <a:r>
+              <a:rPr lang="en-US" sz="1600" b="1" dirty="0" smtClean="0"/>
+              <a:t>the structural </a:t>
+            </a:r>
+            <a:r>
+              <a:rPr lang="en-US" sz="1600" b="1" dirty="0" err="1" smtClean="0"/>
+              <a:t>phenes</a:t>
+            </a:r>
+            <a:r>
+              <a:rPr lang="en-US" sz="1600" b="1" dirty="0" smtClean="0"/>
+              <a:t>, we show possible further classifications based on </a:t>
+            </a:r>
+            <a:r>
+              <a:rPr lang="en-US" sz="1600" b="1" dirty="0" smtClean="0"/>
+              <a:t>the relations </a:t>
+            </a:r>
+            <a:r>
+              <a:rPr lang="en-US" sz="1600" b="1" dirty="0" smtClean="0"/>
+              <a:t>we </a:t>
+            </a:r>
+            <a:r>
+              <a:rPr lang="en-US" sz="1600" b="1" dirty="0" smtClean="0"/>
+              <a:t>use in </a:t>
+            </a:r>
+            <a:r>
+              <a:rPr lang="en-US" sz="1600" b="1" dirty="0" smtClean="0"/>
+              <a:t>our method. Qualitative </a:t>
+            </a:r>
+            <a:r>
+              <a:rPr lang="en-US" sz="1600" b="1" dirty="0" err="1" smtClean="0"/>
+              <a:t>phenes</a:t>
+            </a:r>
+            <a:r>
+              <a:rPr lang="en-US" sz="1600" b="1" dirty="0" smtClean="0"/>
+              <a:t> can be further distinguished into those where only the quality is relevant and those where the quality’s value is considered</a:t>
+            </a:r>
+            <a:endParaRPr lang="en-US" sz="1600" b="1" dirty="0"/>
+          </a:p>
+        </p:txBody>
+      </p:sp>
+      <p:sp>
+        <p:nvSpPr>
+          <p:cNvPr id="3" name="Title 2"/>
+          <p:cNvSpPr>
+            <a:spLocks noGrp="1"/>
+          </p:cNvSpPr>
+          <p:nvPr>
+            <p:ph type="title"/>
+          </p:nvPr>
+        </p:nvSpPr>
+        <p:spPr/>
+        <p:txBody>
+          <a:bodyPr/>
+          <a:lstStyle/>
+          <a:p>
+            <a:r>
+              <a:rPr lang="en-US" dirty="0" smtClean="0"/>
+              <a:t>The </a:t>
+            </a:r>
+            <a:r>
+              <a:rPr lang="en-US" dirty="0" err="1" smtClean="0"/>
+              <a:t>phene</a:t>
+            </a:r>
+            <a:r>
+              <a:rPr lang="en-US" dirty="0" smtClean="0"/>
+              <a:t> approach</a:t>
+            </a:r>
+            <a:endParaRPr lang="en-US" dirty="0"/>
+          </a:p>
+        </p:txBody>
+      </p:sp>
+      <p:pic>
+        <p:nvPicPr>
+          <p:cNvPr id="4" name="Picture 3"/>
+          <p:cNvPicPr>
+            <a:picLocks noChangeAspect="1"/>
+          </p:cNvPicPr>
+          <p:nvPr/>
+        </p:nvPicPr>
+        <p:blipFill>
+          <a:blip r:embed="rId2"/>
+          <a:stretch>
+            <a:fillRect/>
+          </a:stretch>
+        </p:blipFill>
+        <p:spPr>
+          <a:xfrm>
+            <a:off x="0" y="3733800"/>
+            <a:ext cx="9144000" cy="1749539"/>
+          </a:xfrm>
+          <a:prstGeom prst="rect">
+            <a:avLst/>
+          </a:prstGeom>
+        </p:spPr>
+      </p:pic>
+      <p:sp>
+        <p:nvSpPr>
+          <p:cNvPr id="5" name="TextBox 4"/>
+          <p:cNvSpPr txBox="1"/>
+          <p:nvPr/>
+        </p:nvSpPr>
+        <p:spPr>
+          <a:xfrm>
+            <a:off x="6705600" y="6211669"/>
+            <a:ext cx="2034481" cy="646331"/>
+          </a:xfrm>
+          <a:prstGeom prst="rect">
+            <a:avLst/>
+          </a:prstGeom>
+          <a:noFill/>
+        </p:spPr>
+        <p:txBody>
+          <a:bodyPr wrap="none" rtlCol="0">
+            <a:spAutoFit/>
+          </a:bodyPr>
+          <a:lstStyle/>
+          <a:p>
+            <a:r>
+              <a:rPr lang="en-US" dirty="0" err="1" smtClean="0"/>
+              <a:t>Hoehndorf</a:t>
+            </a:r>
+            <a:r>
+              <a:rPr lang="en-US" dirty="0" smtClean="0"/>
+              <a:t> 2010</a:t>
+            </a:r>
+          </a:p>
+          <a:p>
+            <a:endParaRPr lang="en-US" dirty="0"/>
+          </a:p>
+        </p:txBody>
+      </p:sp>
+    </p:spTree>
+  </p:cSld>
+  <p:clrMapOvr>
+    <a:masterClrMapping/>
+  </p:clrMapOvr>
+  <p:transition>
+    <p:fade/>
+  </p:transition>
+</p:sld>
+</file>
+
+<file path=ppt/slides/slide17.xml><?xml version="1.0" encoding="utf-8"?>
+<p:sld xmlns:a="http://schemas.openxmlformats.org/drawingml/2006/main" xmlns:r="http://schemas.openxmlformats.org/officeDocument/2006/relationships" xmlns:mc="http://schemas.openxmlformats.org/markup-compatibility/2006" xmlns:mv="urn:schemas-microsoft-com:mac:vml" xmlns:p="http://schemas.openxmlformats.org/presentationml/2006/main" mc:Ignorable="mv" mc:PreserveAttributes="mv:*">
+  <p:cSld>
+    <p:spTree>
+      <p:nvGrpSpPr>
+        <p:cNvPr id="1" name=""/>
+        <p:cNvGrpSpPr/>
+        <p:nvPr/>
+      </p:nvGrpSpPr>
+      <p:grpSpPr>
+        <a:xfrm>
+          <a:off x="0" y="0"/>
+          <a:ext cx="0" cy="0"/>
+          <a:chOff x="0" y="0"/>
+          <a:chExt cx="0" cy="0"/>
+        </a:xfrm>
+      </p:grpSpPr>
+      <p:sp>
+        <p:nvSpPr>
+          <p:cNvPr id="3" name="Title 2"/>
+          <p:cNvSpPr>
+            <a:spLocks noGrp="1"/>
+          </p:cNvSpPr>
+          <p:nvPr>
+            <p:ph type="title"/>
+          </p:nvPr>
+        </p:nvSpPr>
+        <p:spPr/>
+        <p:txBody>
+          <a:bodyPr/>
+          <a:lstStyle/>
+          <a:p>
+            <a:r>
+              <a:rPr lang="en-US" dirty="0" smtClean="0"/>
+              <a:t>Phenotype relations</a:t>
+            </a:r>
+            <a:endParaRPr lang="en-US" dirty="0"/>
+          </a:p>
+        </p:txBody>
+      </p:sp>
+      <p:pic>
+        <p:nvPicPr>
+          <p:cNvPr id="6" name="Picture 5"/>
+          <p:cNvPicPr>
+            <a:picLocks noChangeAspect="1"/>
+          </p:cNvPicPr>
+          <p:nvPr/>
+        </p:nvPicPr>
+        <p:blipFill>
+          <a:blip r:embed="rId2"/>
+          <a:srcRect l="8000" t="7576" r="12154" b="18939"/>
+          <a:stretch>
+            <a:fillRect/>
+          </a:stretch>
+        </p:blipFill>
+        <p:spPr>
+          <a:xfrm>
+            <a:off x="0" y="614445"/>
+            <a:ext cx="9144000" cy="5126983"/>
+          </a:xfrm>
+          <a:prstGeom prst="rect">
+            <a:avLst/>
+          </a:prstGeom>
+        </p:spPr>
+      </p:pic>
+      <p:sp>
+        <p:nvSpPr>
+          <p:cNvPr id="7" name="Rectangle 6"/>
+          <p:cNvSpPr/>
+          <p:nvPr/>
+        </p:nvSpPr>
+        <p:spPr>
+          <a:xfrm>
+            <a:off x="6705600" y="6324600"/>
+            <a:ext cx="2034481" cy="369332"/>
+          </a:xfrm>
+          <a:prstGeom prst="rect">
+            <a:avLst/>
+          </a:prstGeom>
+        </p:spPr>
+        <p:txBody>
+          <a:bodyPr wrap="none">
+            <a:spAutoFit/>
+          </a:bodyPr>
+          <a:lstStyle/>
+          <a:p>
+            <a:r>
+              <a:rPr lang="en-US" dirty="0" err="1" smtClean="0"/>
+              <a:t>Hoehndorf</a:t>
+            </a:r>
+            <a:r>
+              <a:rPr lang="en-US" dirty="0" smtClean="0"/>
+              <a:t> 2010</a:t>
+            </a:r>
+          </a:p>
+        </p:txBody>
+      </p:sp>
+    </p:spTree>
+  </p:cSld>
+  <p:clrMapOvr>
+    <a:masterClrMapping/>
+  </p:clrMapOvr>
+  <p:transition>
+    <p:fade/>
+  </p:transition>
+</p:sld>
+</file>
+
 <file path=ppt/slides/slide2.xml><?xml version="1.0" encoding="utf-8"?>
-<p:sld xmlns:a="http://schemas.openxmlformats.org/drawingml/2006/main" xmlns:r="http://schemas.openxmlformats.org/officeDocument/2006/relationships" xmlns:p="http://schemas.openxmlformats.org/presentationml/2006/main">
+<p:sld xmlns:a="http://schemas.openxmlformats.org/drawingml/2006/main" xmlns:r="http://schemas.openxmlformats.org/officeDocument/2006/relationships" xmlns:mc="http://schemas.openxmlformats.org/markup-compatibility/2006" xmlns:mv="urn:schemas-microsoft-com:mac:vml" xmlns:p="http://schemas.openxmlformats.org/presentationml/2006/main" mc:Ignorable="mv" mc:PreserveAttributes="mv:*">
   <p:cSld>
     <p:spTree>
       <p:nvGrpSpPr>
@@ -32382,11 +33278,7 @@
             <a:p>
               <a:r>
                 <a:rPr lang="en-US" sz="1600" i="1" dirty="0" smtClean="0"/>
-                <a:t>i</a:t>
-              </a:r>
-              <a:r>
-                <a:rPr lang="en-US" sz="1600" i="1" dirty="0" smtClean="0"/>
-                <a:t>s about</a:t>
+                <a:t>is about</a:t>
               </a:r>
               <a:endParaRPr lang="en-US" sz="1600" i="1" dirty="0"/>
             </a:p>
@@ -32525,11 +33417,7 @@
             <a:p>
               <a:r>
                 <a:rPr lang="en-US" sz="1600" i="1" dirty="0" err="1" smtClean="0"/>
-                <a:t>b</a:t>
-              </a:r>
-              <a:r>
-                <a:rPr lang="en-US" sz="1600" i="1" dirty="0" err="1" smtClean="0"/>
-                <a:t>earer_of</a:t>
+                <a:t>bearer_of</a:t>
               </a:r>
               <a:r>
                 <a:rPr lang="en-US" sz="1600" i="1" dirty="0" smtClean="0"/>
@@ -32549,7 +33437,7 @@
 </file>
 
 <file path=ppt/slides/slide3.xml><?xml version="1.0" encoding="utf-8"?>
-<p:sld xmlns:a="http://schemas.openxmlformats.org/drawingml/2006/main" xmlns:r="http://schemas.openxmlformats.org/officeDocument/2006/relationships" xmlns:p="http://schemas.openxmlformats.org/presentationml/2006/main">
+<p:sld xmlns:a="http://schemas.openxmlformats.org/drawingml/2006/main" xmlns:r="http://schemas.openxmlformats.org/officeDocument/2006/relationships" xmlns:mc="http://schemas.openxmlformats.org/markup-compatibility/2006" xmlns:mv="urn:schemas-microsoft-com:mac:vml" xmlns:p="http://schemas.openxmlformats.org/presentationml/2006/main" mc:Ignorable="mv" mc:PreserveAttributes="mv:*">
   <p:cSld>
     <p:spTree>
       <p:nvGrpSpPr>
@@ -33145,11 +34033,7 @@
             <a:p>
               <a:r>
                 <a:rPr lang="en-US" sz="1600" i="1" dirty="0" smtClean="0"/>
-                <a:t>i</a:t>
-              </a:r>
-              <a:r>
-                <a:rPr lang="en-US" sz="1600" i="1" dirty="0" smtClean="0"/>
-                <a:t>s about</a:t>
+                <a:t>is about</a:t>
               </a:r>
               <a:endParaRPr lang="en-US" sz="1600" i="1" dirty="0"/>
             </a:p>
@@ -33371,17 +34255,12 @@
             <a:p>
               <a:r>
                 <a:rPr lang="en-US" sz="1600" i="1" dirty="0" err="1" smtClean="0"/>
-                <a:t>b</a:t>
-              </a:r>
-              <a:r>
-                <a:rPr lang="en-US" sz="1600" i="1" dirty="0" err="1" smtClean="0"/>
-                <a:t>earer_of</a:t>
+                <a:t>bearer_of</a:t>
               </a:r>
               <a:r>
                 <a:rPr lang="en-US" sz="1600" i="1" dirty="0" smtClean="0"/>
                 <a:t>?</a:t>
               </a:r>
-              <a:endParaRPr lang="en-US" sz="1600" i="1" dirty="0" smtClean="0"/>
             </a:p>
           </p:txBody>
         </p:sp>
@@ -33395,7 +34274,7 @@
 </file>
 
 <file path=ppt/slides/slide4.xml><?xml version="1.0" encoding="utf-8"?>
-<p:sld xmlns:a="http://schemas.openxmlformats.org/drawingml/2006/main" xmlns:r="http://schemas.openxmlformats.org/officeDocument/2006/relationships" xmlns:p="http://schemas.openxmlformats.org/presentationml/2006/main">
+<p:sld xmlns:a="http://schemas.openxmlformats.org/drawingml/2006/main" xmlns:r="http://schemas.openxmlformats.org/officeDocument/2006/relationships" xmlns:mc="http://schemas.openxmlformats.org/markup-compatibility/2006" xmlns:mv="urn:schemas-microsoft-com:mac:vml" xmlns:p="http://schemas.openxmlformats.org/presentationml/2006/main" mc:Ignorable="mv" mc:PreserveAttributes="mv:*">
   <p:cSld>
     <p:spTree>
       <p:nvGrpSpPr>
@@ -33428,23 +34307,7 @@
           <a:p>
             <a:r>
               <a:rPr lang="en-US" dirty="0" smtClean="0"/>
-              <a:t>Phenotype of </a:t>
-            </a:r>
-            <a:r>
-              <a:rPr lang="en-US" dirty="0" smtClean="0"/>
-              <a:t>geneticall</a:t>
-            </a:r>
-            <a:r>
-              <a:rPr lang="en-US" dirty="0" smtClean="0"/>
-              <a:t>y modified </a:t>
-            </a:r>
-            <a:r>
-              <a:rPr lang="en-US" dirty="0" smtClean="0"/>
-              <a:t>protozoon </a:t>
-            </a:r>
-            <a:r>
-              <a:rPr lang="en-US" dirty="0" smtClean="0"/>
-              <a:t>parasite</a:t>
+              <a:t>Phenotype of genetically modified protozoon parasite</a:t>
             </a:r>
           </a:p>
           <a:p>
@@ -33551,7 +34414,7 @@
 </file>
 
 <file path=ppt/slides/slide5.xml><?xml version="1.0" encoding="utf-8"?>
-<p:sld xmlns:a="http://schemas.openxmlformats.org/drawingml/2006/main" xmlns:r="http://schemas.openxmlformats.org/officeDocument/2006/relationships" xmlns:p="http://schemas.openxmlformats.org/presentationml/2006/main">
+<p:sld xmlns:a="http://schemas.openxmlformats.org/drawingml/2006/main" xmlns:r="http://schemas.openxmlformats.org/officeDocument/2006/relationships" xmlns:mc="http://schemas.openxmlformats.org/markup-compatibility/2006" xmlns:mv="urn:schemas-microsoft-com:mac:vml" xmlns:p="http://schemas.openxmlformats.org/presentationml/2006/main" mc:Ignorable="mv" mc:PreserveAttributes="mv:*">
   <p:cSld>
     <p:spTree>
       <p:nvGrpSpPr>
@@ -33771,7 +34634,7 @@
 </file>
 
 <file path=ppt/slides/slide6.xml><?xml version="1.0" encoding="utf-8"?>
-<p:sld xmlns:a="http://schemas.openxmlformats.org/drawingml/2006/main" xmlns:r="http://schemas.openxmlformats.org/officeDocument/2006/relationships" xmlns:p="http://schemas.openxmlformats.org/presentationml/2006/main">
+<p:sld xmlns:a="http://schemas.openxmlformats.org/drawingml/2006/main" xmlns:r="http://schemas.openxmlformats.org/officeDocument/2006/relationships" xmlns:mc="http://schemas.openxmlformats.org/markup-compatibility/2006" xmlns:mv="urn:schemas-microsoft-com:mac:vml" xmlns:p="http://schemas.openxmlformats.org/presentationml/2006/main" mc:Ignorable="mv" mc:PreserveAttributes="mv:*">
   <p:cSld>
     <p:spTree>
       <p:nvGrpSpPr>
@@ -33910,7 +34773,7 @@
 </file>
 
 <file path=ppt/slides/slide7.xml><?xml version="1.0" encoding="utf-8"?>
-<p:sld xmlns:a="http://schemas.openxmlformats.org/drawingml/2006/main" xmlns:r="http://schemas.openxmlformats.org/officeDocument/2006/relationships" xmlns:p="http://schemas.openxmlformats.org/presentationml/2006/main">
+<p:sld xmlns:a="http://schemas.openxmlformats.org/drawingml/2006/main" xmlns:r="http://schemas.openxmlformats.org/officeDocument/2006/relationships" xmlns:mc="http://schemas.openxmlformats.org/markup-compatibility/2006" xmlns:mv="urn:schemas-microsoft-com:mac:vml" xmlns:p="http://schemas.openxmlformats.org/presentationml/2006/main" mc:Ignorable="mv" mc:PreserveAttributes="mv:*">
   <p:cSld>
     <p:spTree>
       <p:nvGrpSpPr>
@@ -34032,7 +34895,7 @@
 </file>
 
 <file path=ppt/slides/slide8.xml><?xml version="1.0" encoding="utf-8"?>
-<p:sld xmlns:a="http://schemas.openxmlformats.org/drawingml/2006/main" xmlns:r="http://schemas.openxmlformats.org/officeDocument/2006/relationships" xmlns:p="http://schemas.openxmlformats.org/presentationml/2006/main">
+<p:sld xmlns:a="http://schemas.openxmlformats.org/drawingml/2006/main" xmlns:r="http://schemas.openxmlformats.org/officeDocument/2006/relationships" xmlns:mc="http://schemas.openxmlformats.org/markup-compatibility/2006" xmlns:mv="urn:schemas-microsoft-com:mac:vml" xmlns:p="http://schemas.openxmlformats.org/presentationml/2006/main" mc:Ignorable="mv" mc:PreserveAttributes="mv:*">
   <p:cSld>
     <p:spTree>
       <p:nvGrpSpPr>
@@ -34209,7 +35072,7 @@
 </file>
 
 <file path=ppt/slides/slide9.xml><?xml version="1.0" encoding="utf-8"?>
-<p:sld xmlns:a="http://schemas.openxmlformats.org/drawingml/2006/main" xmlns:r="http://schemas.openxmlformats.org/officeDocument/2006/relationships" xmlns:p="http://schemas.openxmlformats.org/presentationml/2006/main">
+<p:sld xmlns:a="http://schemas.openxmlformats.org/drawingml/2006/main" xmlns:r="http://schemas.openxmlformats.org/officeDocument/2006/relationships" xmlns:mc="http://schemas.openxmlformats.org/markup-compatibility/2006" xmlns:mv="urn:schemas-microsoft-com:mac:vml" xmlns:p="http://schemas.openxmlformats.org/presentationml/2006/main" mc:Ignorable="mv" mc:PreserveAttributes="mv:*">
   <p:cSld>
     <p:spTree>
       <p:nvGrpSpPr>
